--- a/RESULTS/PRESENTATION RESULTS/Poster_Update4.pptx
+++ b/RESULTS/PRESENTATION RESULTS/Poster_Update4.pptx
@@ -3332,1643 +3332,6 @@
           <a:chExt cx="0" cy="0"/>
         </a:xfrm>
       </p:grpSpPr>
-      <p:grpSp>
-        <p:nvGrpSpPr>
-          <p:cNvPr id="29" name="Group 28">
-            <a:extLst>
-              <a:ext uri="{FF2B5EF4-FFF2-40B4-BE49-F238E27FC236}">
-                <a16:creationId xmlns:a16="http://schemas.microsoft.com/office/drawing/2014/main" id="{B99E5E2C-B77F-440E-B018-204B334F270D}"/>
-              </a:ext>
-            </a:extLst>
-          </p:cNvPr>
-          <p:cNvGrpSpPr/>
-          <p:nvPr/>
-        </p:nvGrpSpPr>
-        <p:grpSpPr>
-          <a:xfrm>
-            <a:off x="15781428" y="7228410"/>
-            <a:ext cx="10929517" cy="5935936"/>
-            <a:chOff x="15781428" y="7228410"/>
-            <a:chExt cx="10929517" cy="5935936"/>
-          </a:xfrm>
-        </p:grpSpPr>
-        <p:grpSp>
-          <p:nvGrpSpPr>
-            <p:cNvPr id="28" name="Group 27">
-              <a:extLst>
-                <a:ext uri="{FF2B5EF4-FFF2-40B4-BE49-F238E27FC236}">
-                  <a16:creationId xmlns:a16="http://schemas.microsoft.com/office/drawing/2014/main" id="{35A14B5A-E02C-4995-87F0-F8EB1B9743B1}"/>
-                </a:ext>
-              </a:extLst>
-            </p:cNvPr>
-            <p:cNvGrpSpPr/>
-            <p:nvPr/>
-          </p:nvGrpSpPr>
-          <p:grpSpPr>
-            <a:xfrm>
-              <a:off x="15781428" y="7228410"/>
-              <a:ext cx="10929517" cy="5935936"/>
-              <a:chOff x="15781428" y="7228410"/>
-              <a:chExt cx="10929517" cy="5935936"/>
-            </a:xfrm>
-          </p:grpSpPr>
-          <p:grpSp>
-            <p:nvGrpSpPr>
-              <p:cNvPr id="194" name="Group 193">
-                <a:extLst>
-                  <a:ext uri="{FF2B5EF4-FFF2-40B4-BE49-F238E27FC236}">
-                    <a16:creationId xmlns:a16="http://schemas.microsoft.com/office/drawing/2014/main" id="{EC568780-DA93-FDEF-9759-4E2D872A4BCD}"/>
-                  </a:ext>
-                </a:extLst>
-              </p:cNvPr>
-              <p:cNvGrpSpPr/>
-              <p:nvPr/>
-            </p:nvGrpSpPr>
-            <p:grpSpPr>
-              <a:xfrm>
-                <a:off x="15781428" y="7228410"/>
-                <a:ext cx="10929517" cy="5903278"/>
-                <a:chOff x="15737352" y="150463"/>
-                <a:chExt cx="10929517" cy="6711865"/>
-              </a:xfrm>
-            </p:grpSpPr>
-            <p:sp>
-              <p:nvSpPr>
-                <p:cNvPr id="195" name="Rectangle 194">
-                  <a:extLst>
-                    <a:ext uri="{FF2B5EF4-FFF2-40B4-BE49-F238E27FC236}">
-                      <a16:creationId xmlns:a16="http://schemas.microsoft.com/office/drawing/2014/main" id="{A9E8935A-2DDA-2F37-73B3-21B17D58B643}"/>
-                    </a:ext>
-                  </a:extLst>
-                </p:cNvPr>
-                <p:cNvSpPr/>
-                <p:nvPr/>
-              </p:nvSpPr>
-              <p:spPr>
-                <a:xfrm>
-                  <a:off x="15737352" y="150463"/>
-                  <a:ext cx="10911824" cy="6711865"/>
-                </a:xfrm>
-                <a:prstGeom prst="rect">
-                  <a:avLst/>
-                </a:prstGeom>
-                <a:solidFill>
-                  <a:schemeClr val="bg1"/>
-                </a:solidFill>
-                <a:ln>
-                  <a:noFill/>
-                </a:ln>
-              </p:spPr>
-              <p:style>
-                <a:lnRef idx="2">
-                  <a:schemeClr val="accent1">
-                    <a:shade val="50000"/>
-                  </a:schemeClr>
-                </a:lnRef>
-                <a:fillRef idx="1">
-                  <a:schemeClr val="accent1"/>
-                </a:fillRef>
-                <a:effectRef idx="0">
-                  <a:schemeClr val="accent1"/>
-                </a:effectRef>
-                <a:fontRef idx="minor">
-                  <a:schemeClr val="lt1"/>
-                </a:fontRef>
-              </p:style>
-              <p:txBody>
-                <a:bodyPr rtlCol="0" anchor="ctr"/>
-                <a:lstStyle/>
-                <a:p>
-                  <a:pPr algn="ctr"/>
-                  <a:endParaRPr lang="en-ZA" dirty="0"/>
-                </a:p>
-              </p:txBody>
-            </p:sp>
-            <p:sp>
-              <p:nvSpPr>
-                <p:cNvPr id="220" name="TextBox 219">
-                  <a:extLst>
-                    <a:ext uri="{FF2B5EF4-FFF2-40B4-BE49-F238E27FC236}">
-                      <a16:creationId xmlns:a16="http://schemas.microsoft.com/office/drawing/2014/main" id="{7C3B8FEC-A7F9-E3DA-B385-4ADA80128E6D}"/>
-                    </a:ext>
-                  </a:extLst>
-                </p:cNvPr>
-                <p:cNvSpPr txBox="1"/>
-                <p:nvPr/>
-              </p:nvSpPr>
-              <p:spPr>
-                <a:xfrm>
-                  <a:off x="15737558" y="153795"/>
-                  <a:ext cx="10929311" cy="1434727"/>
-                </a:xfrm>
-                <a:prstGeom prst="rect">
-                  <a:avLst/>
-                </a:prstGeom>
-                <a:noFill/>
-                <a:ln w="57150">
-                  <a:noFill/>
-                </a:ln>
-                <a:effectLst/>
-              </p:spPr>
-              <p:txBody>
-                <a:bodyPr wrap="square" rtlCol="0">
-                  <a:spAutoFit/>
-                </a:bodyPr>
-                <a:lstStyle/>
-                <a:p>
-                  <a:pPr algn="ctr"/>
-                  <a:r>
-                    <a:rPr lang="en-ZA" b="1" dirty="0">
-                      <a:solidFill>
-                        <a:srgbClr val="00008B"/>
-                      </a:solidFill>
-                      <a:latin typeface="Times New Roman" panose="02020603050405020304" pitchFamily="18" charset="0"/>
-                      <a:cs typeface="Times New Roman" panose="02020603050405020304" pitchFamily="18" charset="0"/>
-                    </a:rPr>
-                    <a:t>DISCUSSION OF RESULTS</a:t>
-                  </a:r>
-                </a:p>
-                <a:p>
-                  <a:pPr algn="just"/>
-                  <a:r>
-                    <a:rPr lang="en-US" sz="1400" b="0" i="0" dirty="0">
-                      <a:effectLst/>
-                      <a:latin typeface="Times New Roman" panose="02020603050405020304" pitchFamily="18" charset="0"/>
-                      <a:cs typeface="Times New Roman" panose="02020603050405020304" pitchFamily="18" charset="0"/>
-                    </a:rPr>
-                    <a:t>The tremor severity ratings </a:t>
-                  </a:r>
-                  <a:r>
-                    <a:rPr lang="en-ZA" sz="1400" b="0" i="0" dirty="0">
-                      <a:effectLst/>
-                      <a:latin typeface="Times New Roman" panose="02020603050405020304" pitchFamily="18" charset="0"/>
-                      <a:cs typeface="Times New Roman" panose="02020603050405020304" pitchFamily="18" charset="0"/>
-                    </a:rPr>
-                    <a:t>were</a:t>
-                  </a:r>
-                  <a:r>
-                    <a:rPr lang="en-US" sz="1400" b="0" i="0" dirty="0">
-                      <a:effectLst/>
-                      <a:latin typeface="Times New Roman" panose="02020603050405020304" pitchFamily="18" charset="0"/>
-                      <a:cs typeface="Times New Roman" panose="02020603050405020304" pitchFamily="18" charset="0"/>
-                    </a:rPr>
-                    <a:t> determined for each patient’s treated and untreated hands for each given treatment period. Method 1 uses the </a:t>
-                  </a:r>
-                  <a:r>
-                    <a:rPr lang="en-ZA" sz="1400" b="0" i="0" dirty="0">
-                      <a:effectLst/>
-                      <a:latin typeface="Times New Roman" panose="02020603050405020304" pitchFamily="18" charset="0"/>
-                      <a:cs typeface="Times New Roman" panose="02020603050405020304" pitchFamily="18" charset="0"/>
-                    </a:rPr>
-                    <a:t>normalised</a:t>
-                  </a:r>
-                  <a:r>
-                    <a:rPr lang="en-US" sz="1400" b="0" i="0" dirty="0">
-                      <a:effectLst/>
-                      <a:latin typeface="Times New Roman" panose="02020603050405020304" pitchFamily="18" charset="0"/>
-                      <a:cs typeface="Times New Roman" panose="02020603050405020304" pitchFamily="18" charset="0"/>
-                    </a:rPr>
-                    <a:t> standard deviations of the relative orientation distributions. </a:t>
-                  </a:r>
-                  <a:r>
-                    <a:rPr lang="en-US" sz="1400" dirty="0">
-                      <a:latin typeface="Times New Roman" panose="02020603050405020304" pitchFamily="18" charset="0"/>
-                      <a:cs typeface="Times New Roman" panose="02020603050405020304" pitchFamily="18" charset="0"/>
-                    </a:rPr>
-                    <a:t>Method 2 uses the p</a:t>
-                  </a:r>
-                  <a:r>
-                    <a:rPr lang="en-US" sz="1400" b="0" i="0" dirty="0">
-                      <a:effectLst/>
-                      <a:latin typeface="Times New Roman" panose="02020603050405020304" pitchFamily="18" charset="0"/>
-                      <a:cs typeface="Times New Roman" panose="02020603050405020304" pitchFamily="18" charset="0"/>
-                    </a:rPr>
-                    <a:t>roduct of the number of peaks and average peak-to-trough adjacent distance.</a:t>
-                  </a:r>
-                </a:p>
-                <a:p>
-                  <a:pPr algn="ctr"/>
-                  <a:endParaRPr lang="en-ZA" sz="1600" b="1" dirty="0">
-                    <a:solidFill>
-                      <a:srgbClr val="00008B"/>
-                    </a:solidFill>
-                    <a:latin typeface="Times New Roman" panose="02020603050405020304" pitchFamily="18" charset="0"/>
-                    <a:cs typeface="Times New Roman" panose="02020603050405020304" pitchFamily="18" charset="0"/>
-                  </a:endParaRPr>
-                </a:p>
-              </p:txBody>
-            </p:sp>
-            <p:sp>
-              <p:nvSpPr>
-                <p:cNvPr id="221" name="TextBox 220">
-                  <a:extLst>
-                    <a:ext uri="{FF2B5EF4-FFF2-40B4-BE49-F238E27FC236}">
-                      <a16:creationId xmlns:a16="http://schemas.microsoft.com/office/drawing/2014/main" id="{0ADF8166-E52D-AA6A-C855-CB23CA6EBAF7}"/>
-                    </a:ext>
-                  </a:extLst>
-                </p:cNvPr>
-                <p:cNvSpPr txBox="1"/>
-                <p:nvPr/>
-              </p:nvSpPr>
-              <p:spPr>
-                <a:xfrm>
-                  <a:off x="23657386" y="4111242"/>
-                  <a:ext cx="2746053" cy="349934"/>
-                </a:xfrm>
-                <a:prstGeom prst="rect">
-                  <a:avLst/>
-                </a:prstGeom>
-                <a:noFill/>
-                <a:ln w="57150">
-                  <a:noFill/>
-                </a:ln>
-                <a:effectLst/>
-              </p:spPr>
-              <p:txBody>
-                <a:bodyPr wrap="square" rtlCol="0">
-                  <a:spAutoFit/>
-                </a:bodyPr>
-                <a:lstStyle/>
-                <a:p>
-                  <a:pPr marL="285750" indent="-285750" algn="just">
-                    <a:buFont typeface="Arial" panose="020B0604020202020204" pitchFamily="34" charset="0"/>
-                    <a:buChar char="•"/>
-                  </a:pPr>
-                  <a:endParaRPr lang="en-ZA" sz="1400" b="1" dirty="0">
-                    <a:latin typeface="Times New Roman" panose="02020603050405020304" pitchFamily="18" charset="0"/>
-                    <a:cs typeface="Times New Roman" panose="02020603050405020304" pitchFamily="18" charset="0"/>
-                  </a:endParaRPr>
-                </a:p>
-              </p:txBody>
-            </p:sp>
-          </p:grpSp>
-          <p:grpSp>
-            <p:nvGrpSpPr>
-              <p:cNvPr id="27" name="Group 26">
-                <a:extLst>
-                  <a:ext uri="{FF2B5EF4-FFF2-40B4-BE49-F238E27FC236}">
-                    <a16:creationId xmlns:a16="http://schemas.microsoft.com/office/drawing/2014/main" id="{D175B29D-BA21-4909-802B-C9C8CF16A1D3}"/>
-                  </a:ext>
-                </a:extLst>
-              </p:cNvPr>
-              <p:cNvGrpSpPr/>
-              <p:nvPr/>
-            </p:nvGrpSpPr>
-            <p:grpSpPr>
-              <a:xfrm>
-                <a:off x="15781428" y="8494305"/>
-                <a:ext cx="7914837" cy="4670041"/>
-                <a:chOff x="15781428" y="8494305"/>
-                <a:chExt cx="7914837" cy="4670041"/>
-              </a:xfrm>
-            </p:grpSpPr>
-            <p:pic>
-              <p:nvPicPr>
-                <p:cNvPr id="103" name="Picture 102">
-                  <a:extLst>
-                    <a:ext uri="{FF2B5EF4-FFF2-40B4-BE49-F238E27FC236}">
-                      <a16:creationId xmlns:a16="http://schemas.microsoft.com/office/drawing/2014/main" id="{32D0126C-9D1F-4908-BAF2-17CFE5188B3D}"/>
-                    </a:ext>
-                  </a:extLst>
-                </p:cNvPr>
-                <p:cNvPicPr>
-                  <a:picLocks noChangeAspect="1"/>
-                </p:cNvPicPr>
-                <p:nvPr/>
-              </p:nvPicPr>
-              <p:blipFill rotWithShape="1">
-                <a:blip r:embed="rId2">
-                  <a:extLst>
-                    <a:ext uri="{28A0092B-C50C-407E-A947-70E740481C1C}">
-                      <a14:useLocalDpi xmlns:a14="http://schemas.microsoft.com/office/drawing/2010/main" val="0"/>
-                    </a:ext>
-                  </a:extLst>
-                </a:blip>
-                <a:srcRect l="-572" t="12147" r="-284"/>
-                <a:stretch/>
-              </p:blipFill>
-              <p:spPr>
-                <a:xfrm>
-                  <a:off x="19811629" y="8929230"/>
-                  <a:ext cx="3780000" cy="1928361"/>
-                </a:xfrm>
-                <a:prstGeom prst="rect">
-                  <a:avLst/>
-                </a:prstGeom>
-                <a:ln w="12700">
-                  <a:noFill/>
-                </a:ln>
-                <a:effectLst>
-                  <a:outerShdw sx="1000" sy="1000" algn="ctr" rotWithShape="0">
-                    <a:srgbClr val="000000"/>
-                  </a:outerShdw>
-                </a:effectLst>
-              </p:spPr>
-            </p:pic>
-            <p:sp>
-              <p:nvSpPr>
-                <p:cNvPr id="222" name="TextBox 221">
-                  <a:extLst>
-                    <a:ext uri="{FF2B5EF4-FFF2-40B4-BE49-F238E27FC236}">
-                      <a16:creationId xmlns:a16="http://schemas.microsoft.com/office/drawing/2014/main" id="{F53A570C-EB70-9087-007F-00643914A914}"/>
-                    </a:ext>
-                  </a:extLst>
-                </p:cNvPr>
-                <p:cNvSpPr txBox="1"/>
-                <p:nvPr/>
-              </p:nvSpPr>
-              <p:spPr>
-                <a:xfrm>
-                  <a:off x="20148525" y="8760118"/>
-                  <a:ext cx="3281798" cy="276999"/>
-                </a:xfrm>
-                <a:prstGeom prst="rect">
-                  <a:avLst/>
-                </a:prstGeom>
-                <a:noFill/>
-                <a:ln w="57150">
-                  <a:noFill/>
-                </a:ln>
-                <a:effectLst/>
-              </p:spPr>
-              <p:txBody>
-                <a:bodyPr wrap="square" rtlCol="0">
-                  <a:spAutoFit/>
-                </a:bodyPr>
-                <a:lstStyle/>
-                <a:p>
-                  <a:pPr algn="ctr"/>
-                  <a:r>
-                    <a:rPr lang="en-ZA" sz="1200" b="1" dirty="0">
-                      <a:solidFill>
-                        <a:srgbClr val="00008B"/>
-                      </a:solidFill>
-                      <a:latin typeface="Times New Roman" panose="02020603050405020304" pitchFamily="18" charset="0"/>
-                      <a:cs typeface="Times New Roman" panose="02020603050405020304" pitchFamily="18" charset="0"/>
-                    </a:rPr>
-                    <a:t>METHOD 2</a:t>
-                  </a:r>
-                  <a:endParaRPr lang="en-ZA" sz="1100" b="1" dirty="0">
-                    <a:solidFill>
-                      <a:srgbClr val="00008B"/>
-                    </a:solidFill>
-                    <a:latin typeface="Times New Roman" panose="02020603050405020304" pitchFamily="18" charset="0"/>
-                    <a:cs typeface="Times New Roman" panose="02020603050405020304" pitchFamily="18" charset="0"/>
-                  </a:endParaRPr>
-                </a:p>
-              </p:txBody>
-            </p:sp>
-            <p:pic>
-              <p:nvPicPr>
-                <p:cNvPr id="17" name="Picture 16" descr="Chart, line chart&#10;&#10;Description automatically generated">
-                  <a:extLst>
-                    <a:ext uri="{FF2B5EF4-FFF2-40B4-BE49-F238E27FC236}">
-                      <a16:creationId xmlns:a16="http://schemas.microsoft.com/office/drawing/2014/main" id="{8627880A-7D62-DDAE-B400-CD4338BF0CB5}"/>
-                    </a:ext>
-                  </a:extLst>
-                </p:cNvPr>
-                <p:cNvPicPr>
-                  <a:picLocks noChangeAspect="1"/>
-                </p:cNvPicPr>
-                <p:nvPr/>
-              </p:nvPicPr>
-              <p:blipFill rotWithShape="1">
-                <a:blip r:embed="rId3">
-                  <a:extLst>
-                    <a:ext uri="{28A0092B-C50C-407E-A947-70E740481C1C}">
-                      <a14:useLocalDpi xmlns:a14="http://schemas.microsoft.com/office/drawing/2010/main" val="0"/>
-                    </a:ext>
-                  </a:extLst>
-                </a:blip>
-                <a:srcRect t="9350"/>
-                <a:stretch/>
-              </p:blipFill>
-              <p:spPr>
-                <a:xfrm>
-                  <a:off x="15781429" y="11189626"/>
-                  <a:ext cx="3780000" cy="1942062"/>
-                </a:xfrm>
-                <a:prstGeom prst="rect">
-                  <a:avLst/>
-                </a:prstGeom>
-                <a:effectLst>
-                  <a:outerShdw sx="1000" sy="1000" algn="ctr" rotWithShape="0">
-                    <a:srgbClr val="000000"/>
-                  </a:outerShdw>
-                </a:effectLst>
-              </p:spPr>
-            </p:pic>
-            <p:pic>
-              <p:nvPicPr>
-                <p:cNvPr id="18" name="Picture 17" descr="Chart, bar chart, histogram&#10;&#10;Description automatically generated">
-                  <a:extLst>
-                    <a:ext uri="{FF2B5EF4-FFF2-40B4-BE49-F238E27FC236}">
-                      <a16:creationId xmlns:a16="http://schemas.microsoft.com/office/drawing/2014/main" id="{C6EAA57D-306F-2B83-873B-379B129A34D1}"/>
-                    </a:ext>
-                  </a:extLst>
-                </p:cNvPr>
-                <p:cNvPicPr>
-                  <a:picLocks noChangeAspect="1"/>
-                </p:cNvPicPr>
-                <p:nvPr/>
-              </p:nvPicPr>
-              <p:blipFill rotWithShape="1">
-                <a:blip r:embed="rId4">
-                  <a:extLst>
-                    <a:ext uri="{28A0092B-C50C-407E-A947-70E740481C1C}">
-                      <a14:useLocalDpi xmlns:a14="http://schemas.microsoft.com/office/drawing/2010/main" val="0"/>
-                    </a:ext>
-                  </a:extLst>
-                </a:blip>
-                <a:srcRect t="14447"/>
-                <a:stretch/>
-              </p:blipFill>
-              <p:spPr>
-                <a:xfrm>
-                  <a:off x="15781429" y="8959671"/>
-                  <a:ext cx="3780000" cy="1833886"/>
-                </a:xfrm>
-                <a:prstGeom prst="rect">
-                  <a:avLst/>
-                </a:prstGeom>
-                <a:ln w="38100">
-                  <a:noFill/>
-                </a:ln>
-                <a:effectLst>
-                  <a:outerShdw sx="1000" sy="1000" algn="ctr" rotWithShape="0">
-                    <a:srgbClr val="000000"/>
-                  </a:outerShdw>
-                </a:effectLst>
-              </p:spPr>
-            </p:pic>
-            <p:sp>
-              <p:nvSpPr>
-                <p:cNvPr id="19" name="TextBox 18">
-                  <a:extLst>
-                    <a:ext uri="{FF2B5EF4-FFF2-40B4-BE49-F238E27FC236}">
-                      <a16:creationId xmlns:a16="http://schemas.microsoft.com/office/drawing/2014/main" id="{1C20407C-7893-2D87-1DA3-E81908FD3DEF}"/>
-                    </a:ext>
-                  </a:extLst>
-                </p:cNvPr>
-                <p:cNvSpPr txBox="1"/>
-                <p:nvPr/>
-              </p:nvSpPr>
-              <p:spPr>
-                <a:xfrm>
-                  <a:off x="15781428" y="8494305"/>
-                  <a:ext cx="7914837" cy="307777"/>
-                </a:xfrm>
-                <a:prstGeom prst="rect">
-                  <a:avLst/>
-                </a:prstGeom>
-                <a:noFill/>
-                <a:ln w="57150">
-                  <a:noFill/>
-                </a:ln>
-                <a:effectLst/>
-              </p:spPr>
-              <p:txBody>
-                <a:bodyPr wrap="square" rtlCol="0">
-                  <a:spAutoFit/>
-                </a:bodyPr>
-                <a:lstStyle/>
-                <a:p>
-                  <a:r>
-                    <a:rPr lang="en-ZA" sz="1400" b="1" dirty="0">
-                      <a:solidFill>
-                        <a:srgbClr val="00008B"/>
-                      </a:solidFill>
-                      <a:latin typeface="Times New Roman" panose="02020603050405020304" pitchFamily="18" charset="0"/>
-                      <a:cs typeface="Times New Roman" panose="02020603050405020304" pitchFamily="18" charset="0"/>
-                    </a:rPr>
-                    <a:t>Percentage of Patients with Tremor Before Treatment that Improved After Various Treatment Times.</a:t>
-                  </a:r>
-                  <a:endParaRPr lang="en-ZA" sz="1200" b="1" dirty="0">
-                    <a:solidFill>
-                      <a:srgbClr val="00008B"/>
-                    </a:solidFill>
-                    <a:latin typeface="Times New Roman" panose="02020603050405020304" pitchFamily="18" charset="0"/>
-                    <a:cs typeface="Times New Roman" panose="02020603050405020304" pitchFamily="18" charset="0"/>
-                  </a:endParaRPr>
-                </a:p>
-              </p:txBody>
-            </p:sp>
-            <p:pic>
-              <p:nvPicPr>
-                <p:cNvPr id="106" name="Picture 105">
-                  <a:extLst>
-                    <a:ext uri="{FF2B5EF4-FFF2-40B4-BE49-F238E27FC236}">
-                      <a16:creationId xmlns:a16="http://schemas.microsoft.com/office/drawing/2014/main" id="{EE7F6FFD-750E-4C36-8DEF-2BDBEF9D00AB}"/>
-                    </a:ext>
-                  </a:extLst>
-                </p:cNvPr>
-                <p:cNvPicPr>
-                  <a:picLocks noChangeAspect="1"/>
-                </p:cNvPicPr>
-                <p:nvPr/>
-              </p:nvPicPr>
-              <p:blipFill rotWithShape="1">
-                <a:blip r:embed="rId5">
-                  <a:extLst>
-                    <a:ext uri="{28A0092B-C50C-407E-A947-70E740481C1C}">
-                      <a14:useLocalDpi xmlns:a14="http://schemas.microsoft.com/office/drawing/2010/main" val="0"/>
-                    </a:ext>
-                  </a:extLst>
-                </a:blip>
-                <a:srcRect t="8695"/>
-                <a:stretch/>
-              </p:blipFill>
-              <p:spPr>
-                <a:xfrm>
-                  <a:off x="19741446" y="11149157"/>
-                  <a:ext cx="3780000" cy="2015189"/>
-                </a:xfrm>
-                <a:prstGeom prst="rect">
-                  <a:avLst/>
-                </a:prstGeom>
-                <a:effectLst>
-                  <a:outerShdw sx="1000" sy="1000" algn="ctr" rotWithShape="0">
-                    <a:srgbClr val="000000"/>
-                  </a:outerShdw>
-                </a:effectLst>
-              </p:spPr>
-            </p:pic>
-          </p:grpSp>
-        </p:grpSp>
-        <p:sp>
-          <p:nvSpPr>
-            <p:cNvPr id="109" name="TextBox 108">
-              <a:extLst>
-                <a:ext uri="{FF2B5EF4-FFF2-40B4-BE49-F238E27FC236}">
-                  <a16:creationId xmlns:a16="http://schemas.microsoft.com/office/drawing/2014/main" id="{55E7D11D-E352-414E-9788-D70837A3253D}"/>
-                </a:ext>
-              </a:extLst>
-            </p:cNvPr>
-            <p:cNvSpPr txBox="1"/>
-            <p:nvPr/>
-          </p:nvSpPr>
-          <p:spPr>
-            <a:xfrm>
-              <a:off x="15791234" y="8727460"/>
-              <a:ext cx="3873570" cy="276999"/>
-            </a:xfrm>
-            <a:prstGeom prst="rect">
-              <a:avLst/>
-            </a:prstGeom>
-            <a:noFill/>
-            <a:ln w="57150">
-              <a:noFill/>
-            </a:ln>
-            <a:effectLst/>
-          </p:spPr>
-          <p:txBody>
-            <a:bodyPr wrap="square" rtlCol="0">
-              <a:spAutoFit/>
-            </a:bodyPr>
-            <a:lstStyle/>
-            <a:p>
-              <a:pPr algn="ctr"/>
-              <a:r>
-                <a:rPr lang="en-ZA" sz="1200" b="1" dirty="0">
-                  <a:solidFill>
-                    <a:srgbClr val="00008B"/>
-                  </a:solidFill>
-                  <a:latin typeface="Times New Roman" panose="02020603050405020304" pitchFamily="18" charset="0"/>
-                  <a:cs typeface="Times New Roman" panose="02020603050405020304" pitchFamily="18" charset="0"/>
-                </a:rPr>
-                <a:t>METHOD 1</a:t>
-              </a:r>
-              <a:endParaRPr lang="en-ZA" sz="1100" b="1" dirty="0">
-                <a:solidFill>
-                  <a:srgbClr val="00008B"/>
-                </a:solidFill>
-                <a:latin typeface="Times New Roman" panose="02020603050405020304" pitchFamily="18" charset="0"/>
-                <a:cs typeface="Times New Roman" panose="02020603050405020304" pitchFamily="18" charset="0"/>
-              </a:endParaRPr>
-            </a:p>
-          </p:txBody>
-        </p:sp>
-      </p:grpSp>
-      <p:grpSp>
-        <p:nvGrpSpPr>
-          <p:cNvPr id="14" name="Group 13">
-            <a:extLst>
-              <a:ext uri="{FF2B5EF4-FFF2-40B4-BE49-F238E27FC236}">
-                <a16:creationId xmlns:a16="http://schemas.microsoft.com/office/drawing/2014/main" id="{861C8C18-F801-4AB9-947D-F328AC490935}"/>
-              </a:ext>
-            </a:extLst>
-          </p:cNvPr>
-          <p:cNvGrpSpPr/>
-          <p:nvPr/>
-        </p:nvGrpSpPr>
-        <p:grpSpPr>
-          <a:xfrm>
-            <a:off x="15769041" y="180038"/>
-            <a:ext cx="10931060" cy="6860632"/>
-            <a:chOff x="15719109" y="240480"/>
-            <a:chExt cx="10931060" cy="6860632"/>
-          </a:xfrm>
-        </p:grpSpPr>
-        <p:grpSp>
-          <p:nvGrpSpPr>
-            <p:cNvPr id="176" name="Group 175">
-              <a:extLst>
-                <a:ext uri="{FF2B5EF4-FFF2-40B4-BE49-F238E27FC236}">
-                  <a16:creationId xmlns:a16="http://schemas.microsoft.com/office/drawing/2014/main" id="{CB1BABF3-EB69-B7C3-5526-D77946F4118B}"/>
-                </a:ext>
-              </a:extLst>
-            </p:cNvPr>
-            <p:cNvGrpSpPr/>
-            <p:nvPr/>
-          </p:nvGrpSpPr>
-          <p:grpSpPr>
-            <a:xfrm>
-              <a:off x="15719109" y="240480"/>
-              <a:ext cx="10931060" cy="6860632"/>
-              <a:chOff x="15719109" y="240480"/>
-              <a:chExt cx="10931060" cy="6860632"/>
-            </a:xfrm>
-          </p:grpSpPr>
-          <p:sp>
-            <p:nvSpPr>
-              <p:cNvPr id="63" name="Rectangle 62">
-                <a:extLst>
-                  <a:ext uri="{FF2B5EF4-FFF2-40B4-BE49-F238E27FC236}">
-                    <a16:creationId xmlns:a16="http://schemas.microsoft.com/office/drawing/2014/main" id="{9C9A070A-56FF-1F9A-EACD-FD64142036E9}"/>
-                  </a:ext>
-                </a:extLst>
-              </p:cNvPr>
-              <p:cNvSpPr/>
-              <p:nvPr/>
-            </p:nvSpPr>
-            <p:spPr>
-              <a:xfrm>
-                <a:off x="15737353" y="240480"/>
-                <a:ext cx="10912816" cy="6860632"/>
-              </a:xfrm>
-              <a:prstGeom prst="rect">
-                <a:avLst/>
-              </a:prstGeom>
-              <a:solidFill>
-                <a:schemeClr val="bg1"/>
-              </a:solidFill>
-              <a:ln>
-                <a:noFill/>
-              </a:ln>
-              <a:effectLst>
-                <a:outerShdw blurRad="190500" dist="228600" dir="2700000" algn="tl" rotWithShape="0">
-                  <a:prstClr val="black">
-                    <a:alpha val="30000"/>
-                  </a:prstClr>
-                </a:outerShdw>
-              </a:effectLst>
-            </p:spPr>
-            <p:style>
-              <a:lnRef idx="2">
-                <a:schemeClr val="accent1">
-                  <a:shade val="50000"/>
-                </a:schemeClr>
-              </a:lnRef>
-              <a:fillRef idx="1">
-                <a:schemeClr val="accent1"/>
-              </a:fillRef>
-              <a:effectRef idx="0">
-                <a:schemeClr val="accent1"/>
-              </a:effectRef>
-              <a:fontRef idx="minor">
-                <a:schemeClr val="lt1"/>
-              </a:fontRef>
-            </p:style>
-            <p:txBody>
-              <a:bodyPr rtlCol="0" anchor="ctr"/>
-              <a:lstStyle/>
-              <a:p>
-                <a:pPr algn="ctr"/>
-                <a:endParaRPr lang="en-ZA"/>
-              </a:p>
-            </p:txBody>
-          </p:sp>
-          <p:pic>
-            <p:nvPicPr>
-              <p:cNvPr id="42" name="Picture 41">
-                <a:extLst>
-                  <a:ext uri="{FF2B5EF4-FFF2-40B4-BE49-F238E27FC236}">
-                    <a16:creationId xmlns:a16="http://schemas.microsoft.com/office/drawing/2014/main" id="{E4ED1AE3-507F-A9E5-B87D-9E220AE26333}"/>
-                  </a:ext>
-                </a:extLst>
-              </p:cNvPr>
-              <p:cNvPicPr>
-                <a:picLocks noChangeAspect="1"/>
-              </p:cNvPicPr>
-              <p:nvPr/>
-            </p:nvPicPr>
-            <p:blipFill>
-              <a:blip r:embed="rId6">
-                <a:extLst>
-                  <a:ext uri="{28A0092B-C50C-407E-A947-70E740481C1C}">
-                    <a14:useLocalDpi xmlns:a14="http://schemas.microsoft.com/office/drawing/2010/main" val="0"/>
-                  </a:ext>
-                </a:extLst>
-              </a:blip>
-              <a:srcRect/>
-              <a:stretch/>
-            </p:blipFill>
-            <p:spPr>
-              <a:xfrm>
-                <a:off x="22103105" y="1543444"/>
-                <a:ext cx="1747925" cy="2520000"/>
-              </a:xfrm>
-              <a:prstGeom prst="rect">
-                <a:avLst/>
-              </a:prstGeom>
-            </p:spPr>
-          </p:pic>
-          <p:pic>
-            <p:nvPicPr>
-              <p:cNvPr id="44" name="Picture 43">
-                <a:extLst>
-                  <a:ext uri="{FF2B5EF4-FFF2-40B4-BE49-F238E27FC236}">
-                    <a16:creationId xmlns:a16="http://schemas.microsoft.com/office/drawing/2014/main" id="{E00DA8C1-1393-28B2-6A92-418D90E4B06C}"/>
-                  </a:ext>
-                </a:extLst>
-              </p:cNvPr>
-              <p:cNvPicPr>
-                <a:picLocks noChangeAspect="1"/>
-              </p:cNvPicPr>
-              <p:nvPr/>
-            </p:nvPicPr>
-            <p:blipFill>
-              <a:blip r:embed="rId7">
-                <a:extLst>
-                  <a:ext uri="{28A0092B-C50C-407E-A947-70E740481C1C}">
-                    <a14:useLocalDpi xmlns:a14="http://schemas.microsoft.com/office/drawing/2010/main" val="0"/>
-                  </a:ext>
-                </a:extLst>
-              </a:blip>
-              <a:srcRect/>
-              <a:stretch/>
-            </p:blipFill>
-            <p:spPr>
-              <a:xfrm>
-                <a:off x="24351321" y="1559554"/>
-                <a:ext cx="1747924" cy="2520000"/>
-              </a:xfrm>
-              <a:prstGeom prst="rect">
-                <a:avLst/>
-              </a:prstGeom>
-            </p:spPr>
-          </p:pic>
-          <p:pic>
-            <p:nvPicPr>
-              <p:cNvPr id="45" name="Picture 44">
-                <a:extLst>
-                  <a:ext uri="{FF2B5EF4-FFF2-40B4-BE49-F238E27FC236}">
-                    <a16:creationId xmlns:a16="http://schemas.microsoft.com/office/drawing/2014/main" id="{3F5E6206-691C-4AB3-F47E-6835223B669C}"/>
-                  </a:ext>
-                </a:extLst>
-              </p:cNvPr>
-              <p:cNvPicPr>
-                <a:picLocks noChangeAspect="1"/>
-              </p:cNvPicPr>
-              <p:nvPr/>
-            </p:nvPicPr>
-            <p:blipFill>
-              <a:blip r:embed="rId8">
-                <a:extLst>
-                  <a:ext uri="{28A0092B-C50C-407E-A947-70E740481C1C}">
-                    <a14:useLocalDpi xmlns:a14="http://schemas.microsoft.com/office/drawing/2010/main" val="0"/>
-                  </a:ext>
-                </a:extLst>
-              </a:blip>
-              <a:srcRect/>
-              <a:stretch/>
-            </p:blipFill>
-            <p:spPr>
-              <a:xfrm>
-                <a:off x="22063972" y="4394178"/>
-                <a:ext cx="1747925" cy="2520000"/>
-              </a:xfrm>
-              <a:prstGeom prst="rect">
-                <a:avLst/>
-              </a:prstGeom>
-            </p:spPr>
-          </p:pic>
-          <p:pic>
-            <p:nvPicPr>
-              <p:cNvPr id="47" name="Picture 46" descr="Shape&#10;&#10;Description automatically generated">
-                <a:extLst>
-                  <a:ext uri="{FF2B5EF4-FFF2-40B4-BE49-F238E27FC236}">
-                    <a16:creationId xmlns:a16="http://schemas.microsoft.com/office/drawing/2014/main" id="{FDCA1834-54B0-6B73-8405-5A0B44FCBEB0}"/>
-                  </a:ext>
-                </a:extLst>
-              </p:cNvPr>
-              <p:cNvPicPr>
-                <a:picLocks noChangeAspect="1"/>
-              </p:cNvPicPr>
-              <p:nvPr/>
-            </p:nvPicPr>
-            <p:blipFill>
-              <a:blip r:embed="rId9">
-                <a:extLst>
-                  <a:ext uri="{28A0092B-C50C-407E-A947-70E740481C1C}">
-                    <a14:useLocalDpi xmlns:a14="http://schemas.microsoft.com/office/drawing/2010/main" val="0"/>
-                  </a:ext>
-                </a:extLst>
-              </a:blip>
-              <a:stretch>
-                <a:fillRect/>
-              </a:stretch>
-            </p:blipFill>
-            <p:spPr>
-              <a:xfrm>
-                <a:off x="24172379" y="4346062"/>
-                <a:ext cx="1080000" cy="1080000"/>
-              </a:xfrm>
-              <a:prstGeom prst="rect">
-                <a:avLst/>
-              </a:prstGeom>
-            </p:spPr>
-          </p:pic>
-          <p:pic>
-            <p:nvPicPr>
-              <p:cNvPr id="49" name="Picture 48" descr="Diagram&#10;&#10;Description automatically generated with medium confidence">
-                <a:extLst>
-                  <a:ext uri="{FF2B5EF4-FFF2-40B4-BE49-F238E27FC236}">
-                    <a16:creationId xmlns:a16="http://schemas.microsoft.com/office/drawing/2014/main" id="{A3104BB1-2FB0-FA35-E12E-10A0BFDDAEB3}"/>
-                  </a:ext>
-                </a:extLst>
-              </p:cNvPr>
-              <p:cNvPicPr>
-                <a:picLocks noChangeAspect="1"/>
-              </p:cNvPicPr>
-              <p:nvPr/>
-            </p:nvPicPr>
-            <p:blipFill>
-              <a:blip r:embed="rId10">
-                <a:extLst>
-                  <a:ext uri="{28A0092B-C50C-407E-A947-70E740481C1C}">
-                    <a14:useLocalDpi xmlns:a14="http://schemas.microsoft.com/office/drawing/2010/main" val="0"/>
-                  </a:ext>
-                </a:extLst>
-              </a:blip>
-              <a:stretch>
-                <a:fillRect/>
-              </a:stretch>
-            </p:blipFill>
-            <p:spPr>
-              <a:xfrm>
-                <a:off x="25267171" y="4346062"/>
-                <a:ext cx="1062857" cy="1116000"/>
-              </a:xfrm>
-              <a:prstGeom prst="rect">
-                <a:avLst/>
-              </a:prstGeom>
-            </p:spPr>
-          </p:pic>
-          <p:pic>
-            <p:nvPicPr>
-              <p:cNvPr id="51" name="Picture 50">
-                <a:extLst>
-                  <a:ext uri="{FF2B5EF4-FFF2-40B4-BE49-F238E27FC236}">
-                    <a16:creationId xmlns:a16="http://schemas.microsoft.com/office/drawing/2014/main" id="{8CD02C1C-2906-8987-A5E0-3B9C2466AC58}"/>
-                  </a:ext>
-                </a:extLst>
-              </p:cNvPr>
-              <p:cNvPicPr>
-                <a:picLocks noChangeAspect="1"/>
-              </p:cNvPicPr>
-              <p:nvPr/>
-            </p:nvPicPr>
-            <p:blipFill>
-              <a:blip r:embed="rId11">
-                <a:extLst>
-                  <a:ext uri="{28A0092B-C50C-407E-A947-70E740481C1C}">
-                    <a14:useLocalDpi xmlns:a14="http://schemas.microsoft.com/office/drawing/2010/main" val="0"/>
-                  </a:ext>
-                </a:extLst>
-              </a:blip>
-              <a:stretch>
-                <a:fillRect/>
-              </a:stretch>
-            </p:blipFill>
-            <p:spPr>
-              <a:xfrm>
-                <a:off x="24026243" y="6748028"/>
-                <a:ext cx="2520000" cy="158033"/>
-              </a:xfrm>
-              <a:prstGeom prst="rect">
-                <a:avLst/>
-              </a:prstGeom>
-            </p:spPr>
-          </p:pic>
-          <p:pic>
-            <p:nvPicPr>
-              <p:cNvPr id="59" name="Picture 58">
-                <a:extLst>
-                  <a:ext uri="{FF2B5EF4-FFF2-40B4-BE49-F238E27FC236}">
-                    <a16:creationId xmlns:a16="http://schemas.microsoft.com/office/drawing/2014/main" id="{CD6CD0D7-8942-D64A-757F-D46AE3B710F0}"/>
-                  </a:ext>
-                </a:extLst>
-              </p:cNvPr>
-              <p:cNvPicPr>
-                <a:picLocks noChangeAspect="1"/>
-              </p:cNvPicPr>
-              <p:nvPr/>
-            </p:nvPicPr>
-            <p:blipFill>
-              <a:blip r:embed="rId12">
-                <a:extLst>
-                  <a:ext uri="{28A0092B-C50C-407E-A947-70E740481C1C}">
-                    <a14:useLocalDpi xmlns:a14="http://schemas.microsoft.com/office/drawing/2010/main" val="0"/>
-                  </a:ext>
-                </a:extLst>
-              </a:blip>
-              <a:srcRect/>
-              <a:stretch/>
-            </p:blipFill>
-            <p:spPr>
-              <a:xfrm>
-                <a:off x="24013530" y="5515907"/>
-                <a:ext cx="2344828" cy="972000"/>
-              </a:xfrm>
-              <a:prstGeom prst="rect">
-                <a:avLst/>
-              </a:prstGeom>
-            </p:spPr>
-          </p:pic>
-          <p:sp>
-            <p:nvSpPr>
-              <p:cNvPr id="62" name="TextBox 61">
-                <a:extLst>
-                  <a:ext uri="{FF2B5EF4-FFF2-40B4-BE49-F238E27FC236}">
-                    <a16:creationId xmlns:a16="http://schemas.microsoft.com/office/drawing/2014/main" id="{48DF9D91-A204-A47E-F4F7-7A3F80E547BB}"/>
-                  </a:ext>
-                </a:extLst>
-              </p:cNvPr>
-              <p:cNvSpPr txBox="1"/>
-              <p:nvPr/>
-            </p:nvSpPr>
-            <p:spPr>
-              <a:xfrm>
-                <a:off x="15719109" y="240480"/>
-                <a:ext cx="10912816" cy="1231106"/>
-              </a:xfrm>
-              <a:prstGeom prst="rect">
-                <a:avLst/>
-              </a:prstGeom>
-              <a:noFill/>
-              <a:ln w="57150">
-                <a:noFill/>
-              </a:ln>
-              <a:effectLst/>
-            </p:spPr>
-            <p:txBody>
-              <a:bodyPr wrap="square" rtlCol="0">
-                <a:spAutoFit/>
-              </a:bodyPr>
-              <a:lstStyle/>
-              <a:p>
-                <a:pPr algn="ctr"/>
-                <a:r>
-                  <a:rPr lang="en-ZA" b="1" dirty="0">
-                    <a:solidFill>
-                      <a:srgbClr val="00008B"/>
-                    </a:solidFill>
-                    <a:latin typeface="Times New Roman" panose="02020603050405020304" pitchFamily="18" charset="0"/>
-                    <a:cs typeface="Times New Roman" panose="02020603050405020304" pitchFamily="18" charset="0"/>
-                  </a:rPr>
-                  <a:t>DATA</a:t>
-                </a:r>
-                <a:endParaRPr lang="en-ZA" sz="1600" b="1" dirty="0">
-                  <a:solidFill>
-                    <a:srgbClr val="00008B"/>
-                  </a:solidFill>
-                  <a:latin typeface="Times New Roman" panose="02020603050405020304" pitchFamily="18" charset="0"/>
-                  <a:cs typeface="Times New Roman" panose="02020603050405020304" pitchFamily="18" charset="0"/>
-                </a:endParaRPr>
-              </a:p>
-              <a:p>
-                <a:pPr algn="just">
-                  <a:spcAft>
-                    <a:spcPts val="600"/>
-                  </a:spcAft>
-                </a:pPr>
-                <a:r>
-                  <a:rPr lang="en-GB" sz="1400" dirty="0">
-                    <a:latin typeface="Times New Roman" panose="02020603050405020304" pitchFamily="18" charset="0"/>
-                    <a:ea typeface="Times New Roman" panose="02020603050405020304" pitchFamily="18" charset="0"/>
-                    <a:cs typeface="Arial" panose="020B0604020202020204" pitchFamily="34" charset="0"/>
-                  </a:rPr>
-                  <a:t>The Rambam Medical Centre, Haifa Israel, has provided data that comprises of 122 fully anonymised hand drawn shapes on paper that patients and drew over time of treatment with both their treated and untreated hand. </a:t>
-                </a:r>
-                <a:r>
-                  <a:rPr lang="en-US" sz="1400" b="0" i="0" dirty="0">
-                    <a:effectLst/>
-                    <a:latin typeface="Times New Roman" panose="02020603050405020304" pitchFamily="18" charset="0"/>
-                    <a:cs typeface="Times New Roman" panose="02020603050405020304" pitchFamily="18" charset="0"/>
-                  </a:rPr>
-                  <a:t>Out of the 122 patients, 34 are undergoing treatment for Parkinson’s Disease, and the remaining 88 for Essential Tremor, however, it was decided to group all patients together as the aim of this project does not differentiate between disease/disorder, but only on success of treatment. </a:t>
-                </a:r>
-              </a:p>
-            </p:txBody>
-          </p:sp>
-          <p:sp>
-            <p:nvSpPr>
-              <p:cNvPr id="128" name="TextBox 127">
-                <a:extLst>
-                  <a:ext uri="{FF2B5EF4-FFF2-40B4-BE49-F238E27FC236}">
-                    <a16:creationId xmlns:a16="http://schemas.microsoft.com/office/drawing/2014/main" id="{3D5EF4FD-6A71-BEB6-34EB-B9B62AD27604}"/>
-                  </a:ext>
-                </a:extLst>
-              </p:cNvPr>
-              <p:cNvSpPr txBox="1"/>
-              <p:nvPr/>
-            </p:nvSpPr>
-            <p:spPr>
-              <a:xfrm>
-                <a:off x="15765576" y="1453412"/>
-                <a:ext cx="6166376" cy="5647700"/>
-              </a:xfrm>
-              <a:prstGeom prst="rect">
-                <a:avLst/>
-              </a:prstGeom>
-              <a:noFill/>
-              <a:ln w="57150">
-                <a:noFill/>
-              </a:ln>
-              <a:effectLst/>
-            </p:spPr>
-            <p:txBody>
-              <a:bodyPr wrap="square" rtlCol="0">
-                <a:spAutoFit/>
-              </a:bodyPr>
-              <a:lstStyle/>
-              <a:p>
-                <a:pPr algn="ctr"/>
-                <a:r>
-                  <a:rPr lang="en-ZA" sz="1600" b="1" dirty="0">
-                    <a:solidFill>
-                      <a:srgbClr val="00008B"/>
-                    </a:solidFill>
-                    <a:latin typeface="Times New Roman" panose="02020603050405020304" pitchFamily="18" charset="0"/>
-                    <a:cs typeface="Times New Roman" panose="02020603050405020304" pitchFamily="18" charset="0"/>
-                  </a:rPr>
-                  <a:t>DATA PRE-PROCESSING</a:t>
-                </a:r>
-              </a:p>
-              <a:p>
-                <a:pPr lvl="0" algn="l"/>
-                <a:r>
-                  <a:rPr lang="en-ZA" sz="1600" b="1" dirty="0">
-                    <a:solidFill>
-                      <a:srgbClr val="00008B"/>
-                    </a:solidFill>
-                    <a:latin typeface="Times New Roman" panose="02020603050405020304" pitchFamily="18" charset="0"/>
-                    <a:cs typeface="Times New Roman" panose="02020603050405020304" pitchFamily="18" charset="0"/>
-                  </a:rPr>
-                  <a:t>Data Analysis</a:t>
-                </a:r>
-              </a:p>
-              <a:p>
-                <a:pPr marL="171450" lvl="0" indent="-171450" algn="l">
-                  <a:buFont typeface="Arial" panose="020B0604020202020204" pitchFamily="34" charset="0"/>
-                  <a:buChar char="•"/>
-                </a:pPr>
-                <a:r>
-                  <a:rPr lang="en-GB" sz="1400" dirty="0">
-                    <a:latin typeface="Times New Roman" panose="02020603050405020304" pitchFamily="18" charset="0"/>
-                    <a:ea typeface="Times New Roman" panose="02020603050405020304" pitchFamily="18" charset="0"/>
-                    <a:cs typeface="Times New Roman" panose="02020603050405020304" pitchFamily="18" charset="0"/>
-                  </a:rPr>
-                  <a:t>Each patient completes multiple template drawings with both hands at various time intervals before and after receiving treatment. These physical drawings are scanned and saved as a PDF. </a:t>
-                </a:r>
-              </a:p>
-              <a:p>
-                <a:pPr marL="171450" lvl="0" indent="-171450" algn="l">
-                  <a:buFont typeface="Arial" panose="020B0604020202020204" pitchFamily="34" charset="0"/>
-                  <a:buChar char="•"/>
-                </a:pPr>
-                <a:r>
-                  <a:rPr lang="en-GB" sz="1400" dirty="0">
-                    <a:latin typeface="Times New Roman" panose="02020603050405020304" pitchFamily="18" charset="0"/>
-                    <a:ea typeface="Times New Roman" panose="02020603050405020304" pitchFamily="18" charset="0"/>
-                    <a:cs typeface="Times New Roman" panose="02020603050405020304" pitchFamily="18" charset="0"/>
-                  </a:rPr>
-                  <a:t>Some scans are pixelated, rotated or contain erroneous markings.</a:t>
-                </a:r>
-              </a:p>
-              <a:p>
-                <a:pPr marL="171450" lvl="0" indent="-171450" algn="l">
-                  <a:spcAft>
-                    <a:spcPts val="600"/>
-                  </a:spcAft>
-                  <a:buFont typeface="Arial" panose="020B0604020202020204" pitchFamily="34" charset="0"/>
-                  <a:buChar char="•"/>
-                </a:pPr>
-                <a:r>
-                  <a:rPr lang="en-GB" sz="1400" dirty="0">
-                    <a:latin typeface="Times New Roman" panose="02020603050405020304" pitchFamily="18" charset="0"/>
-                    <a:ea typeface="Times New Roman" panose="02020603050405020304" pitchFamily="18" charset="0"/>
-                    <a:cs typeface="Times New Roman" panose="02020603050405020304" pitchFamily="18" charset="0"/>
-                  </a:rPr>
-                  <a:t>Each scan is </a:t>
-                </a:r>
-                <a:r>
-                  <a:rPr lang="en-GB" sz="1400" dirty="0">
-                    <a:latin typeface="Times New Roman" panose="02020603050405020304" pitchFamily="18" charset="0"/>
-                    <a:cs typeface="Times New Roman" panose="02020603050405020304" pitchFamily="18" charset="0"/>
-                  </a:rPr>
-                  <a:t>converted to JPE format using Pdf2Image </a:t>
-                </a:r>
-                <a:r>
-                  <a:rPr lang="en-GB" sz="1400" i="1" dirty="0" err="1">
-                    <a:latin typeface="Times New Roman" panose="02020603050405020304" pitchFamily="18" charset="0"/>
-                    <a:cs typeface="Times New Roman" panose="02020603050405020304" pitchFamily="18" charset="0"/>
-                  </a:rPr>
-                  <a:t>convert_from_path</a:t>
-                </a:r>
-                <a:r>
-                  <a:rPr lang="en-GB" sz="1400" i="1" dirty="0">
-                    <a:latin typeface="Times New Roman" panose="02020603050405020304" pitchFamily="18" charset="0"/>
-                    <a:cs typeface="Times New Roman" panose="02020603050405020304" pitchFamily="18" charset="0"/>
-                  </a:rPr>
-                  <a:t>( ).</a:t>
-                </a:r>
-                <a:endParaRPr lang="en-GB" sz="1400" i="1" dirty="0">
-                  <a:latin typeface="Times New Roman" panose="02020603050405020304" pitchFamily="18" charset="0"/>
-                  <a:ea typeface="Times New Roman" panose="02020603050405020304" pitchFamily="18" charset="0"/>
-                  <a:cs typeface="Times New Roman" panose="02020603050405020304" pitchFamily="18" charset="0"/>
-                </a:endParaRPr>
-              </a:p>
-              <a:p>
-                <a:pPr lvl="0" algn="l"/>
-                <a:r>
-                  <a:rPr lang="en-ZA" sz="1600" b="1" dirty="0">
-                    <a:solidFill>
-                      <a:srgbClr val="00008B"/>
-                    </a:solidFill>
-                    <a:latin typeface="Times New Roman" panose="02020603050405020304" pitchFamily="18" charset="0"/>
-                    <a:cs typeface="Times New Roman" panose="02020603050405020304" pitchFamily="18" charset="0"/>
-                  </a:rPr>
-                  <a:t>Basic Cropping</a:t>
-                </a:r>
-              </a:p>
-              <a:p>
-                <a:pPr marL="171450" lvl="0" indent="-171450" algn="l">
-                  <a:buFont typeface="Arial" panose="020B0604020202020204" pitchFamily="34" charset="0"/>
-                  <a:buChar char="•"/>
-                </a:pPr>
-                <a:r>
-                  <a:rPr lang="en-GB" sz="1400" dirty="0">
-                    <a:latin typeface="Times New Roman" panose="02020603050405020304" pitchFamily="18" charset="0"/>
-                    <a:ea typeface="Times New Roman" panose="02020603050405020304" pitchFamily="18" charset="0"/>
-                    <a:cs typeface="Times New Roman" panose="02020603050405020304" pitchFamily="18" charset="0"/>
-                  </a:rPr>
-                  <a:t>OpenCV EAST Text Detection [4] detects the corner coordinates of the “Drawing A”, “Drawing B” and “Drawing C” text on each image. </a:t>
-                </a:r>
-                <a:endParaRPr lang="en-ZA" sz="1400" dirty="0">
-                  <a:latin typeface="Times New Roman" panose="02020603050405020304" pitchFamily="18" charset="0"/>
-                  <a:cs typeface="Times New Roman" panose="02020603050405020304" pitchFamily="18" charset="0"/>
-                </a:endParaRPr>
-              </a:p>
-              <a:p>
-                <a:pPr marL="171450" lvl="0" indent="-171450" algn="l">
-                  <a:buFont typeface="Arial" panose="020B0604020202020204" pitchFamily="34" charset="0"/>
-                  <a:buChar char="•"/>
-                </a:pPr>
-                <a:r>
-                  <a:rPr lang="en-GB" sz="1400" dirty="0">
-                    <a:latin typeface="Times New Roman" panose="02020603050405020304" pitchFamily="18" charset="0"/>
-                    <a:ea typeface="Times New Roman" panose="02020603050405020304" pitchFamily="18" charset="0"/>
-                    <a:cs typeface="Times New Roman" panose="02020603050405020304" pitchFamily="18" charset="0"/>
-                  </a:rPr>
-                  <a:t>The relative position of spiral A, spiral B, and line-block C is determined using the best available combination of the text coordinates. </a:t>
-                </a:r>
-                <a:endParaRPr lang="en-ZA" sz="1400" dirty="0">
-                  <a:latin typeface="Times New Roman" panose="02020603050405020304" pitchFamily="18" charset="0"/>
-                  <a:cs typeface="Times New Roman" panose="02020603050405020304" pitchFamily="18" charset="0"/>
-                </a:endParaRPr>
-              </a:p>
-              <a:p>
-                <a:pPr marL="171450" lvl="0" indent="-171450" algn="l">
-                  <a:spcAft>
-                    <a:spcPts val="600"/>
-                  </a:spcAft>
-                  <a:buFont typeface="Arial" panose="020B0604020202020204" pitchFamily="34" charset="0"/>
-                  <a:buChar char="•"/>
-                </a:pPr>
-                <a:r>
-                  <a:rPr lang="en-GB" sz="1400" dirty="0">
-                    <a:latin typeface="Times New Roman" panose="02020603050405020304" pitchFamily="18" charset="0"/>
-                    <a:ea typeface="Times New Roman" panose="02020603050405020304" pitchFamily="18" charset="0"/>
-                    <a:cs typeface="Times New Roman" panose="02020603050405020304" pitchFamily="18" charset="0"/>
-                  </a:rPr>
-                  <a:t>Each new image is cropped and resized to ensure consistent pixel distribution for better comparison further. </a:t>
-                </a:r>
-              </a:p>
-              <a:p>
-                <a:pPr lvl="0" algn="l"/>
-                <a:r>
-                  <a:rPr lang="en-ZA" sz="1600" b="1" dirty="0">
-                    <a:solidFill>
-                      <a:srgbClr val="00008B"/>
-                    </a:solidFill>
-                    <a:latin typeface="Times New Roman" panose="02020603050405020304" pitchFamily="18" charset="0"/>
-                    <a:cs typeface="Times New Roman" panose="02020603050405020304" pitchFamily="18" charset="0"/>
-                  </a:rPr>
-                  <a:t>Further Correction</a:t>
-                </a:r>
-              </a:p>
-              <a:p>
-                <a:pPr marL="171450" lvl="0" indent="-171450" algn="l">
-                  <a:buFont typeface="Arial" panose="020B0604020202020204" pitchFamily="34" charset="0"/>
-                  <a:buChar char="•"/>
-                </a:pPr>
-                <a:r>
-                  <a:rPr lang="en-GB" sz="1400" dirty="0">
-                    <a:latin typeface="Times New Roman" panose="02020603050405020304" pitchFamily="18" charset="0"/>
-                    <a:ea typeface="Times New Roman" panose="02020603050405020304" pitchFamily="18" charset="0"/>
-                    <a:cs typeface="Times New Roman" panose="02020603050405020304" pitchFamily="18" charset="0"/>
-                  </a:rPr>
-                  <a:t>In order to remove any erroneous markings and save only the template and hand-drawn markings, each cropped image is converted to greyscale. Then all dark pixels are converted to black and all light pixels to white. </a:t>
-                </a:r>
-              </a:p>
-              <a:p>
-                <a:pPr marL="171450" lvl="0" indent="-171450" algn="l">
-                  <a:spcAft>
-                    <a:spcPts val="600"/>
-                  </a:spcAft>
-                  <a:buFont typeface="Arial" panose="020B0604020202020204" pitchFamily="34" charset="0"/>
-                  <a:buChar char="•"/>
-                </a:pPr>
-                <a:r>
-                  <a:rPr lang="en-GB" sz="1400" dirty="0">
-                    <a:latin typeface="Times New Roman" panose="02020603050405020304" pitchFamily="18" charset="0"/>
-                    <a:ea typeface="Times New Roman" panose="02020603050405020304" pitchFamily="18" charset="0"/>
-                    <a:cs typeface="Times New Roman" panose="02020603050405020304" pitchFamily="18" charset="0"/>
-                  </a:rPr>
-                  <a:t>OpenCV is used to identify the solid black rectangles in the line-block images [5] to correct any rotation or perspective warp [6]. Only the top most line is saved. </a:t>
-                </a:r>
-              </a:p>
-              <a:p>
-                <a:pPr lvl="0" algn="l"/>
-                <a:r>
-                  <a:rPr lang="en-ZA" sz="1600" b="1" dirty="0">
-                    <a:solidFill>
-                      <a:srgbClr val="00008B"/>
-                    </a:solidFill>
-                    <a:latin typeface="Times New Roman" panose="02020603050405020304" pitchFamily="18" charset="0"/>
-                    <a:cs typeface="Times New Roman" panose="02020603050405020304" pitchFamily="18" charset="0"/>
-                  </a:rPr>
-                  <a:t>Final Clean-up</a:t>
-                </a:r>
-              </a:p>
-              <a:p>
-                <a:pPr marL="171450" lvl="0" indent="-171450" algn="l">
-                  <a:buFont typeface="Arial" panose="020B0604020202020204" pitchFamily="34" charset="0"/>
-                  <a:buChar char="•"/>
-                </a:pPr>
-                <a:r>
-                  <a:rPr lang="en-GB" sz="1400" dirty="0">
-                    <a:latin typeface="Times New Roman" panose="02020603050405020304" pitchFamily="18" charset="0"/>
-                    <a:ea typeface="Times New Roman" panose="02020603050405020304" pitchFamily="18" charset="0"/>
-                    <a:cs typeface="Times New Roman" panose="02020603050405020304" pitchFamily="18" charset="0"/>
-                  </a:rPr>
-                  <a:t>A high rate of acceptably cropped and corrected images was produced. Erroneous results did occur due to poor quality inputted scans. These were manually removed or corrected if possible. </a:t>
-                </a:r>
-                <a:endParaRPr lang="en-ZA" sz="1400" dirty="0">
-                  <a:latin typeface="Times New Roman" panose="02020603050405020304" pitchFamily="18" charset="0"/>
-                  <a:cs typeface="Times New Roman" panose="02020603050405020304" pitchFamily="18" charset="0"/>
-                </a:endParaRPr>
-              </a:p>
-            </p:txBody>
-          </p:sp>
-        </p:grpSp>
-        <p:sp>
-          <p:nvSpPr>
-            <p:cNvPr id="71" name="TextBox 70">
-              <a:extLst>
-                <a:ext uri="{FF2B5EF4-FFF2-40B4-BE49-F238E27FC236}">
-                  <a16:creationId xmlns:a16="http://schemas.microsoft.com/office/drawing/2014/main" id="{7B23B146-9118-4857-979C-61A8B1F3E40F}"/>
-                </a:ext>
-              </a:extLst>
-            </p:cNvPr>
-            <p:cNvSpPr txBox="1"/>
-            <p:nvPr/>
-          </p:nvSpPr>
-          <p:spPr>
-            <a:xfrm>
-              <a:off x="22093164" y="1277454"/>
-              <a:ext cx="1747924" cy="307392"/>
-            </a:xfrm>
-            <a:prstGeom prst="rect">
-              <a:avLst/>
-            </a:prstGeom>
-            <a:noFill/>
-            <a:ln>
-              <a:noFill/>
-            </a:ln>
-            <a:effectLst>
-              <a:outerShdw sx="1000" sy="1000" algn="ctr">
-                <a:srgbClr val="000000"/>
-              </a:outerShdw>
-            </a:effectLst>
-          </p:spPr>
-          <p:txBody>
-            <a:bodyPr wrap="square" rtlCol="0">
-              <a:spAutoFit/>
-            </a:bodyPr>
-            <a:lstStyle/>
-            <a:p>
-              <a:pPr algn="ctr">
-                <a:lnSpc>
-                  <a:spcPct val="107000"/>
-                </a:lnSpc>
-              </a:pPr>
-              <a:r>
-                <a:rPr lang="en-ZA" sz="1400" b="1" dirty="0">
-                  <a:solidFill>
-                    <a:srgbClr val="00008B"/>
-                  </a:solidFill>
-                  <a:latin typeface="Times New Roman" panose="02020603050405020304" pitchFamily="18" charset="0"/>
-                  <a:cs typeface="Times New Roman" panose="02020603050405020304" pitchFamily="18" charset="0"/>
-                </a:rPr>
-                <a:t>Completed template</a:t>
-              </a:r>
-            </a:p>
-          </p:txBody>
-        </p:sp>
-        <p:sp>
-          <p:nvSpPr>
-            <p:cNvPr id="72" name="TextBox 71">
-              <a:extLst>
-                <a:ext uri="{FF2B5EF4-FFF2-40B4-BE49-F238E27FC236}">
-                  <a16:creationId xmlns:a16="http://schemas.microsoft.com/office/drawing/2014/main" id="{55A76EC2-EBBD-4A78-AFD1-3D3A55B62D21}"/>
-                </a:ext>
-              </a:extLst>
-            </p:cNvPr>
-            <p:cNvSpPr txBox="1"/>
-            <p:nvPr/>
-          </p:nvSpPr>
-          <p:spPr>
-            <a:xfrm>
-              <a:off x="24094440" y="1277454"/>
-              <a:ext cx="2303144" cy="307392"/>
-            </a:xfrm>
-            <a:prstGeom prst="rect">
-              <a:avLst/>
-            </a:prstGeom>
-            <a:noFill/>
-            <a:ln>
-              <a:noFill/>
-            </a:ln>
-            <a:effectLst>
-              <a:outerShdw sx="1000" sy="1000" algn="ctr">
-                <a:srgbClr val="000000"/>
-              </a:outerShdw>
-            </a:effectLst>
-          </p:spPr>
-          <p:txBody>
-            <a:bodyPr wrap="square" rtlCol="0">
-              <a:spAutoFit/>
-            </a:bodyPr>
-            <a:lstStyle/>
-            <a:p>
-              <a:pPr algn="ctr">
-                <a:lnSpc>
-                  <a:spcPct val="107000"/>
-                </a:lnSpc>
-              </a:pPr>
-              <a:r>
-                <a:rPr lang="en-ZA" sz="1400" b="1" dirty="0">
-                  <a:solidFill>
-                    <a:srgbClr val="00008B"/>
-                  </a:solidFill>
-                  <a:latin typeface="Times New Roman" panose="02020603050405020304" pitchFamily="18" charset="0"/>
-                  <a:cs typeface="Times New Roman" panose="02020603050405020304" pitchFamily="18" charset="0"/>
-                </a:rPr>
-                <a:t>Identified text coordinates</a:t>
-              </a:r>
-            </a:p>
-          </p:txBody>
-        </p:sp>
-        <p:sp>
-          <p:nvSpPr>
-            <p:cNvPr id="73" name="TextBox 72">
-              <a:extLst>
-                <a:ext uri="{FF2B5EF4-FFF2-40B4-BE49-F238E27FC236}">
-                  <a16:creationId xmlns:a16="http://schemas.microsoft.com/office/drawing/2014/main" id="{39D9112A-78B3-4DDB-9826-818C66A386A1}"/>
-                </a:ext>
-              </a:extLst>
-            </p:cNvPr>
-            <p:cNvSpPr txBox="1"/>
-            <p:nvPr/>
-          </p:nvSpPr>
-          <p:spPr>
-            <a:xfrm>
-              <a:off x="22001724" y="4123121"/>
-              <a:ext cx="1966408" cy="307392"/>
-            </a:xfrm>
-            <a:prstGeom prst="rect">
-              <a:avLst/>
-            </a:prstGeom>
-            <a:noFill/>
-            <a:ln>
-              <a:noFill/>
-            </a:ln>
-            <a:effectLst>
-              <a:outerShdw sx="1000" sy="1000" algn="ctr">
-                <a:srgbClr val="000000"/>
-              </a:outerShdw>
-            </a:effectLst>
-          </p:spPr>
-          <p:txBody>
-            <a:bodyPr wrap="square" rtlCol="0">
-              <a:spAutoFit/>
-            </a:bodyPr>
-            <a:lstStyle/>
-            <a:p>
-              <a:pPr>
-                <a:lnSpc>
-                  <a:spcPct val="107000"/>
-                </a:lnSpc>
-              </a:pPr>
-              <a:r>
-                <a:rPr lang="en-ZA" sz="1400" b="1" dirty="0">
-                  <a:solidFill>
-                    <a:srgbClr val="00008B"/>
-                  </a:solidFill>
-                  <a:latin typeface="Times New Roman" panose="02020603050405020304" pitchFamily="18" charset="0"/>
-                  <a:cs typeface="Times New Roman" panose="02020603050405020304" pitchFamily="18" charset="0"/>
-                </a:rPr>
-                <a:t>Relative crop positions</a:t>
-              </a:r>
-            </a:p>
-          </p:txBody>
-        </p:sp>
-        <p:sp>
-          <p:nvSpPr>
-            <p:cNvPr id="74" name="TextBox 73">
-              <a:extLst>
-                <a:ext uri="{FF2B5EF4-FFF2-40B4-BE49-F238E27FC236}">
-                  <a16:creationId xmlns:a16="http://schemas.microsoft.com/office/drawing/2014/main" id="{EC56E6F8-6BD3-490C-8863-1D892E96E46A}"/>
-                </a:ext>
-              </a:extLst>
-            </p:cNvPr>
-            <p:cNvSpPr txBox="1"/>
-            <p:nvPr/>
-          </p:nvSpPr>
-          <p:spPr>
-            <a:xfrm>
-              <a:off x="24372050" y="4123121"/>
-              <a:ext cx="1747924" cy="307392"/>
-            </a:xfrm>
-            <a:prstGeom prst="rect">
-              <a:avLst/>
-            </a:prstGeom>
-            <a:noFill/>
-            <a:ln>
-              <a:noFill/>
-            </a:ln>
-            <a:effectLst>
-              <a:outerShdw sx="1000" sy="1000" algn="ctr">
-                <a:srgbClr val="000000"/>
-              </a:outerShdw>
-            </a:effectLst>
-          </p:spPr>
-          <p:txBody>
-            <a:bodyPr wrap="square" rtlCol="0">
-              <a:spAutoFit/>
-            </a:bodyPr>
-            <a:lstStyle/>
-            <a:p>
-              <a:pPr algn="ctr">
-                <a:lnSpc>
-                  <a:spcPct val="107000"/>
-                </a:lnSpc>
-              </a:pPr>
-              <a:r>
-                <a:rPr lang="en-ZA" sz="1400" b="1" dirty="0">
-                  <a:solidFill>
-                    <a:srgbClr val="00008B"/>
-                  </a:solidFill>
-                  <a:latin typeface="Times New Roman" panose="02020603050405020304" pitchFamily="18" charset="0"/>
-                  <a:cs typeface="Times New Roman" panose="02020603050405020304" pitchFamily="18" charset="0"/>
-                </a:rPr>
-                <a:t>Cropped spirals</a:t>
-              </a:r>
-            </a:p>
-          </p:txBody>
-        </p:sp>
-        <p:sp>
-          <p:nvSpPr>
-            <p:cNvPr id="75" name="TextBox 74">
-              <a:extLst>
-                <a:ext uri="{FF2B5EF4-FFF2-40B4-BE49-F238E27FC236}">
-                  <a16:creationId xmlns:a16="http://schemas.microsoft.com/office/drawing/2014/main" id="{27D1F097-FBC0-4BE6-AFB2-1E716E1919EE}"/>
-                </a:ext>
-              </a:extLst>
-            </p:cNvPr>
-            <p:cNvSpPr txBox="1"/>
-            <p:nvPr/>
-          </p:nvSpPr>
-          <p:spPr>
-            <a:xfrm>
-              <a:off x="24013530" y="5401315"/>
-              <a:ext cx="1747924" cy="537904"/>
-            </a:xfrm>
-            <a:prstGeom prst="rect">
-              <a:avLst/>
-            </a:prstGeom>
-            <a:noFill/>
-            <a:ln>
-              <a:noFill/>
-            </a:ln>
-            <a:effectLst>
-              <a:outerShdw sx="1000" sy="1000" algn="ctr">
-                <a:srgbClr val="000000"/>
-              </a:outerShdw>
-            </a:effectLst>
-          </p:spPr>
-          <p:txBody>
-            <a:bodyPr wrap="square" rtlCol="0">
-              <a:spAutoFit/>
-            </a:bodyPr>
-            <a:lstStyle/>
-            <a:p>
-              <a:pPr>
-                <a:lnSpc>
-                  <a:spcPct val="107000"/>
-                </a:lnSpc>
-              </a:pPr>
-              <a:r>
-                <a:rPr lang="en-ZA" sz="1400" b="1" dirty="0">
-                  <a:solidFill>
-                    <a:srgbClr val="00008B"/>
-                  </a:solidFill>
-                  <a:latin typeface="Times New Roman" panose="02020603050405020304" pitchFamily="18" charset="0"/>
-                  <a:cs typeface="Times New Roman" panose="02020603050405020304" pitchFamily="18" charset="0"/>
-                </a:rPr>
-                <a:t>Drawing C needing rotation</a:t>
-              </a:r>
-            </a:p>
-          </p:txBody>
-        </p:sp>
-        <p:sp>
-          <p:nvSpPr>
-            <p:cNvPr id="76" name="TextBox 75">
-              <a:extLst>
-                <a:ext uri="{FF2B5EF4-FFF2-40B4-BE49-F238E27FC236}">
-                  <a16:creationId xmlns:a16="http://schemas.microsoft.com/office/drawing/2014/main" id="{757A2DDA-B9D9-4AC3-8033-E146A3DFE78E}"/>
-                </a:ext>
-              </a:extLst>
-            </p:cNvPr>
-            <p:cNvSpPr txBox="1"/>
-            <p:nvPr/>
-          </p:nvSpPr>
-          <p:spPr>
-            <a:xfrm>
-              <a:off x="24741100" y="6460907"/>
-              <a:ext cx="1747924" cy="307392"/>
-            </a:xfrm>
-            <a:prstGeom prst="rect">
-              <a:avLst/>
-            </a:prstGeom>
-            <a:noFill/>
-            <a:ln>
-              <a:noFill/>
-            </a:ln>
-            <a:effectLst>
-              <a:outerShdw sx="1000" sy="1000" algn="ctr">
-                <a:srgbClr val="000000"/>
-              </a:outerShdw>
-            </a:effectLst>
-          </p:spPr>
-          <p:txBody>
-            <a:bodyPr wrap="square" rtlCol="0">
-              <a:spAutoFit/>
-            </a:bodyPr>
-            <a:lstStyle/>
-            <a:p>
-              <a:pPr algn="ctr">
-                <a:lnSpc>
-                  <a:spcPct val="107000"/>
-                </a:lnSpc>
-              </a:pPr>
-              <a:r>
-                <a:rPr lang="en-ZA" sz="1400" b="1" dirty="0">
-                  <a:solidFill>
-                    <a:srgbClr val="00008B"/>
-                  </a:solidFill>
-                  <a:latin typeface="Times New Roman" panose="02020603050405020304" pitchFamily="18" charset="0"/>
-                  <a:cs typeface="Times New Roman" panose="02020603050405020304" pitchFamily="18" charset="0"/>
-                </a:rPr>
-                <a:t>Cropped line</a:t>
-              </a:r>
-            </a:p>
-          </p:txBody>
-        </p:sp>
-      </p:grpSp>
       <p:sp>
         <p:nvSpPr>
           <p:cNvPr id="193" name="TextBox 192">
@@ -5140,2764 +3503,6 @@
           </a:p>
         </p:txBody>
       </p:sp>
-      <p:sp>
-        <p:nvSpPr>
-          <p:cNvPr id="83" name="Rectangle 82">
-            <a:extLst>
-              <a:ext uri="{FF2B5EF4-FFF2-40B4-BE49-F238E27FC236}">
-                <a16:creationId xmlns:a16="http://schemas.microsoft.com/office/drawing/2014/main" id="{590D9B56-BC8A-44E3-A990-27B58F941CF4}"/>
-              </a:ext>
-            </a:extLst>
-          </p:cNvPr>
-          <p:cNvSpPr/>
-          <p:nvPr/>
-        </p:nvSpPr>
-        <p:spPr>
-          <a:xfrm>
-            <a:off x="0" y="359675"/>
-            <a:ext cx="180000" cy="14400000"/>
-          </a:xfrm>
-          <a:prstGeom prst="rect">
-            <a:avLst/>
-          </a:prstGeom>
-          <a:solidFill>
-            <a:schemeClr val="accent2"/>
-          </a:solidFill>
-          <a:ln>
-            <a:noFill/>
-          </a:ln>
-        </p:spPr>
-        <p:style>
-          <a:lnRef idx="2">
-            <a:schemeClr val="accent1">
-              <a:shade val="50000"/>
-            </a:schemeClr>
-          </a:lnRef>
-          <a:fillRef idx="1">
-            <a:schemeClr val="accent1"/>
-          </a:fillRef>
-          <a:effectRef idx="0">
-            <a:schemeClr val="accent1"/>
-          </a:effectRef>
-          <a:fontRef idx="minor">
-            <a:schemeClr val="lt1"/>
-          </a:fontRef>
-        </p:style>
-        <p:txBody>
-          <a:bodyPr rtlCol="0" anchor="ctr"/>
-          <a:lstStyle/>
-          <a:p>
-            <a:pPr algn="ctr"/>
-            <a:endParaRPr lang="en-ZA" sz="2400" dirty="0"/>
-          </a:p>
-        </p:txBody>
-      </p:sp>
-      <p:grpSp>
-        <p:nvGrpSpPr>
-          <p:cNvPr id="177" name="Group 176">
-            <a:extLst>
-              <a:ext uri="{FF2B5EF4-FFF2-40B4-BE49-F238E27FC236}">
-                <a16:creationId xmlns:a16="http://schemas.microsoft.com/office/drawing/2014/main" id="{7B5EE4E3-430E-1F53-7005-C461D2802A8B}"/>
-              </a:ext>
-            </a:extLst>
-          </p:cNvPr>
-          <p:cNvGrpSpPr/>
-          <p:nvPr/>
-        </p:nvGrpSpPr>
-        <p:grpSpPr>
-          <a:xfrm>
-            <a:off x="166248" y="9388880"/>
-            <a:ext cx="15437044" cy="5549987"/>
-            <a:chOff x="15719109" y="240479"/>
-            <a:chExt cx="15437044" cy="5575434"/>
-          </a:xfrm>
-        </p:grpSpPr>
-        <p:sp>
-          <p:nvSpPr>
-            <p:cNvPr id="178" name="Rectangle 177">
-              <a:extLst>
-                <a:ext uri="{FF2B5EF4-FFF2-40B4-BE49-F238E27FC236}">
-                  <a16:creationId xmlns:a16="http://schemas.microsoft.com/office/drawing/2014/main" id="{552F17DB-A7F8-D04D-54BB-E01236BFEDF1}"/>
-                </a:ext>
-              </a:extLst>
-            </p:cNvPr>
-            <p:cNvSpPr/>
-            <p:nvPr/>
-          </p:nvSpPr>
-          <p:spPr>
-            <a:xfrm>
-              <a:off x="15737353" y="240480"/>
-              <a:ext cx="15418800" cy="5575433"/>
-            </a:xfrm>
-            <a:prstGeom prst="rect">
-              <a:avLst/>
-            </a:prstGeom>
-            <a:solidFill>
-              <a:schemeClr val="bg1"/>
-            </a:solidFill>
-            <a:ln>
-              <a:noFill/>
-            </a:ln>
-          </p:spPr>
-          <p:style>
-            <a:lnRef idx="2">
-              <a:schemeClr val="accent1">
-                <a:shade val="50000"/>
-              </a:schemeClr>
-            </a:lnRef>
-            <a:fillRef idx="1">
-              <a:schemeClr val="accent1"/>
-            </a:fillRef>
-            <a:effectRef idx="0">
-              <a:schemeClr val="accent1"/>
-            </a:effectRef>
-            <a:fontRef idx="minor">
-              <a:schemeClr val="lt1"/>
-            </a:fontRef>
-          </p:style>
-          <p:txBody>
-            <a:bodyPr rtlCol="0" anchor="ctr"/>
-            <a:lstStyle/>
-            <a:p>
-              <a:pPr algn="ctr"/>
-              <a:endParaRPr lang="en-ZA" dirty="0"/>
-            </a:p>
-          </p:txBody>
-        </p:sp>
-        <p:sp>
-          <p:nvSpPr>
-            <p:cNvPr id="186" name="TextBox 185">
-              <a:extLst>
-                <a:ext uri="{FF2B5EF4-FFF2-40B4-BE49-F238E27FC236}">
-                  <a16:creationId xmlns:a16="http://schemas.microsoft.com/office/drawing/2014/main" id="{BDC97FEA-9943-6A98-13C6-4F0A9E81A782}"/>
-                </a:ext>
-              </a:extLst>
-            </p:cNvPr>
-            <p:cNvSpPr txBox="1"/>
-            <p:nvPr/>
-          </p:nvSpPr>
-          <p:spPr>
-            <a:xfrm>
-              <a:off x="15719109" y="240479"/>
-              <a:ext cx="15418800" cy="338554"/>
-            </a:xfrm>
-            <a:prstGeom prst="rect">
-              <a:avLst/>
-            </a:prstGeom>
-            <a:noFill/>
-            <a:ln w="57150">
-              <a:noFill/>
-            </a:ln>
-            <a:effectLst/>
-          </p:spPr>
-          <p:txBody>
-            <a:bodyPr wrap="square" rtlCol="0">
-              <a:spAutoFit/>
-            </a:bodyPr>
-            <a:lstStyle/>
-            <a:p>
-              <a:pPr algn="ctr"/>
-              <a:r>
-                <a:rPr lang="en-ZA" sz="1600" b="1" dirty="0">
-                  <a:solidFill>
-                    <a:srgbClr val="01008A"/>
-                  </a:solidFill>
-                  <a:latin typeface="Times New Roman" panose="02020603050405020304" pitchFamily="18" charset="0"/>
-                  <a:cs typeface="Times New Roman" panose="02020603050405020304" pitchFamily="18" charset="0"/>
-                </a:rPr>
-                <a:t>METHOD 2: LINE DRAWING TREMOR QUANTIFICATION </a:t>
-              </a:r>
-            </a:p>
-          </p:txBody>
-        </p:sp>
-        <p:sp>
-          <p:nvSpPr>
-            <p:cNvPr id="191" name="TextBox 190">
-              <a:extLst>
-                <a:ext uri="{FF2B5EF4-FFF2-40B4-BE49-F238E27FC236}">
-                  <a16:creationId xmlns:a16="http://schemas.microsoft.com/office/drawing/2014/main" id="{4B06E6F8-AE74-E258-2101-6471159D25A1}"/>
-                </a:ext>
-              </a:extLst>
-            </p:cNvPr>
-            <p:cNvSpPr txBox="1"/>
-            <p:nvPr/>
-          </p:nvSpPr>
-          <p:spPr>
-            <a:xfrm>
-              <a:off x="15733073" y="558416"/>
-              <a:ext cx="8076091" cy="5077660"/>
-            </a:xfrm>
-            <a:prstGeom prst="rect">
-              <a:avLst/>
-            </a:prstGeom>
-            <a:noFill/>
-            <a:ln w="57150">
-              <a:noFill/>
-            </a:ln>
-            <a:effectLst/>
-          </p:spPr>
-          <p:txBody>
-            <a:bodyPr wrap="square" rtlCol="0">
-              <a:spAutoFit/>
-            </a:bodyPr>
-            <a:lstStyle/>
-            <a:p>
-              <a:pPr algn="ctr"/>
-              <a:r>
-                <a:rPr lang="en-ZA" sz="1600" b="1" dirty="0">
-                  <a:solidFill>
-                    <a:srgbClr val="01008A"/>
-                  </a:solidFill>
-                  <a:latin typeface="Times New Roman" panose="02020603050405020304" pitchFamily="18" charset="0"/>
-                  <a:cs typeface="Times New Roman" panose="02020603050405020304" pitchFamily="18" charset="0"/>
-                </a:rPr>
-                <a:t>Extracting the Hand-Drawn Line</a:t>
-              </a:r>
-            </a:p>
-            <a:p>
-              <a:pPr algn="just">
-                <a:lnSpc>
-                  <a:spcPct val="107000"/>
-                </a:lnSpc>
-                <a:spcAft>
-                  <a:spcPts val="800"/>
-                </a:spcAft>
-              </a:pPr>
-              <a:r>
-                <a:rPr lang="en-GB" sz="1400" dirty="0">
-                  <a:solidFill>
-                    <a:srgbClr val="000000"/>
-                  </a:solidFill>
-                  <a:latin typeface="Times New Roman" panose="02020603050405020304" pitchFamily="18" charset="0"/>
-                  <a:ea typeface="Times New Roman" panose="02020603050405020304" pitchFamily="18" charset="0"/>
-                  <a:cs typeface="Arial" panose="020B0604020202020204" pitchFamily="34" charset="0"/>
-                </a:rPr>
-                <a:t>The line image is inputted using the cv2 </a:t>
-              </a:r>
-              <a:r>
-                <a:rPr lang="en-GB" sz="1400" i="1" dirty="0" err="1">
-                  <a:solidFill>
-                    <a:srgbClr val="000000"/>
-                  </a:solidFill>
-                  <a:latin typeface="Times New Roman" panose="02020603050405020304" pitchFamily="18" charset="0"/>
-                  <a:ea typeface="Times New Roman" panose="02020603050405020304" pitchFamily="18" charset="0"/>
-                  <a:cs typeface="Arial" panose="020B0604020202020204" pitchFamily="34" charset="0"/>
-                </a:rPr>
-                <a:t>imread</a:t>
-              </a:r>
-              <a:r>
-                <a:rPr lang="en-GB" sz="1400" i="1" dirty="0">
-                  <a:solidFill>
-                    <a:srgbClr val="000000"/>
-                  </a:solidFill>
-                  <a:latin typeface="Times New Roman" panose="02020603050405020304" pitchFamily="18" charset="0"/>
-                  <a:ea typeface="Times New Roman" panose="02020603050405020304" pitchFamily="18" charset="0"/>
-                  <a:cs typeface="Arial" panose="020B0604020202020204" pitchFamily="34" charset="0"/>
-                </a:rPr>
-                <a:t>( )</a:t>
-              </a:r>
-              <a:r>
-                <a:rPr lang="en-GB" sz="1400" dirty="0">
-                  <a:solidFill>
-                    <a:srgbClr val="000000"/>
-                  </a:solidFill>
-                  <a:latin typeface="Times New Roman" panose="02020603050405020304" pitchFamily="18" charset="0"/>
-                  <a:ea typeface="Times New Roman" panose="02020603050405020304" pitchFamily="18" charset="0"/>
-                  <a:cs typeface="Arial" panose="020B0604020202020204" pitchFamily="34" charset="0"/>
-                </a:rPr>
-                <a:t> function. NumPy </a:t>
-              </a:r>
-              <a:r>
-                <a:rPr lang="en-GB" sz="1400" i="1" dirty="0" err="1">
-                  <a:solidFill>
-                    <a:srgbClr val="000000"/>
-                  </a:solidFill>
-                  <a:latin typeface="Times New Roman" panose="02020603050405020304" pitchFamily="18" charset="0"/>
-                  <a:ea typeface="Times New Roman" panose="02020603050405020304" pitchFamily="18" charset="0"/>
-                  <a:cs typeface="Arial" panose="020B0604020202020204" pitchFamily="34" charset="0"/>
-                </a:rPr>
-                <a:t>argwhere</a:t>
-              </a:r>
-              <a:r>
-                <a:rPr lang="en-GB" sz="1400" i="1" dirty="0">
-                  <a:solidFill>
-                    <a:srgbClr val="000000"/>
-                  </a:solidFill>
-                  <a:latin typeface="Times New Roman" panose="02020603050405020304" pitchFamily="18" charset="0"/>
-                  <a:ea typeface="Times New Roman" panose="02020603050405020304" pitchFamily="18" charset="0"/>
-                  <a:cs typeface="Arial" panose="020B0604020202020204" pitchFamily="34" charset="0"/>
-                </a:rPr>
-                <a:t>( )</a:t>
-              </a:r>
-              <a:r>
-                <a:rPr lang="en-GB" sz="1400" dirty="0">
-                  <a:solidFill>
-                    <a:srgbClr val="000000"/>
-                  </a:solidFill>
-                  <a:latin typeface="Times New Roman" panose="02020603050405020304" pitchFamily="18" charset="0"/>
-                  <a:ea typeface="Times New Roman" panose="02020603050405020304" pitchFamily="18" charset="0"/>
-                  <a:cs typeface="Arial" panose="020B0604020202020204" pitchFamily="34" charset="0"/>
-                </a:rPr>
-                <a:t> function extracts the x- and y-coordinates of every pixel that is not white. These pixels are stored in arrays sorted according to the x-axis. Each y-value is shifted by the average y-value to centre the line around the horizontal axis. </a:t>
-              </a:r>
-            </a:p>
-            <a:p>
-              <a:pPr algn="ctr"/>
-              <a:r>
-                <a:rPr lang="en-ZA" sz="1600" b="1" dirty="0">
-                  <a:solidFill>
-                    <a:srgbClr val="01008A"/>
-                  </a:solidFill>
-                  <a:latin typeface="Times New Roman" panose="02020603050405020304" pitchFamily="18" charset="0"/>
-                  <a:cs typeface="Times New Roman" panose="02020603050405020304" pitchFamily="18" charset="0"/>
-                </a:rPr>
-                <a:t>Noise Reduction</a:t>
-              </a:r>
-            </a:p>
-            <a:p>
-              <a:pPr algn="just">
-                <a:lnSpc>
-                  <a:spcPct val="107000"/>
-                </a:lnSpc>
-                <a:spcAft>
-                  <a:spcPts val="800"/>
-                </a:spcAft>
-              </a:pPr>
-              <a:r>
-                <a:rPr lang="en-GB" sz="1400" dirty="0">
-                  <a:solidFill>
-                    <a:srgbClr val="000000"/>
-                  </a:solidFill>
-                  <a:latin typeface="Times New Roman" panose="02020603050405020304" pitchFamily="18" charset="0"/>
-                  <a:ea typeface="Times New Roman" panose="02020603050405020304" pitchFamily="18" charset="0"/>
-                  <a:cs typeface="Arial" panose="020B0604020202020204" pitchFamily="34" charset="0"/>
-                </a:rPr>
-                <a:t>Since all y-values are real, the faster SciPy </a:t>
-              </a:r>
-              <a:r>
-                <a:rPr lang="en-GB" sz="1400" i="1" dirty="0" err="1">
-                  <a:solidFill>
-                    <a:srgbClr val="000000"/>
-                  </a:solidFill>
-                  <a:latin typeface="Times New Roman" panose="02020603050405020304" pitchFamily="18" charset="0"/>
-                  <a:ea typeface="Times New Roman" panose="02020603050405020304" pitchFamily="18" charset="0"/>
-                  <a:cs typeface="Arial" panose="020B0604020202020204" pitchFamily="34" charset="0"/>
-                </a:rPr>
-                <a:t>rfft</a:t>
-              </a:r>
-              <a:r>
-                <a:rPr lang="en-GB" sz="1400" i="1" dirty="0">
-                  <a:solidFill>
-                    <a:srgbClr val="000000"/>
-                  </a:solidFill>
-                  <a:latin typeface="Times New Roman" panose="02020603050405020304" pitchFamily="18" charset="0"/>
-                  <a:ea typeface="Times New Roman" panose="02020603050405020304" pitchFamily="18" charset="0"/>
-                  <a:cs typeface="Arial" panose="020B0604020202020204" pitchFamily="34" charset="0"/>
-                </a:rPr>
-                <a:t>( ) </a:t>
-              </a:r>
-              <a:r>
-                <a:rPr lang="en-GB" sz="1400" dirty="0">
-                  <a:solidFill>
-                    <a:srgbClr val="000000"/>
-                  </a:solidFill>
-                  <a:latin typeface="Times New Roman" panose="02020603050405020304" pitchFamily="18" charset="0"/>
-                  <a:ea typeface="Times New Roman" panose="02020603050405020304" pitchFamily="18" charset="0"/>
-                  <a:cs typeface="Arial" panose="020B0604020202020204" pitchFamily="34" charset="0"/>
-                </a:rPr>
-                <a:t>function is used to compute the one-dimensional Fourier Transform. It can be seen that there is a very small range of useful frequencies. The higher unwanted frequencies – caused by pixelated/blurry input or erroneous markings on the original drawing – are discarded. </a:t>
-              </a:r>
-            </a:p>
-            <a:p>
-              <a:pPr algn="just">
-                <a:lnSpc>
-                  <a:spcPct val="107000"/>
-                </a:lnSpc>
-                <a:spcAft>
-                  <a:spcPts val="800"/>
-                </a:spcAft>
-              </a:pPr>
-              <a:r>
-                <a:rPr lang="en-GB" sz="1400" dirty="0">
-                  <a:solidFill>
-                    <a:srgbClr val="000000"/>
-                  </a:solidFill>
-                  <a:latin typeface="Times New Roman" panose="02020603050405020304" pitchFamily="18" charset="0"/>
-                  <a:ea typeface="Times New Roman" panose="02020603050405020304" pitchFamily="18" charset="0"/>
-                  <a:cs typeface="Arial" panose="020B0604020202020204" pitchFamily="34" charset="0"/>
-                </a:rPr>
-                <a:t>The SciPy </a:t>
-              </a:r>
-              <a:r>
-                <a:rPr lang="en-GB" sz="1400" i="1" dirty="0" err="1">
-                  <a:solidFill>
-                    <a:srgbClr val="000000"/>
-                  </a:solidFill>
-                  <a:latin typeface="Times New Roman" panose="02020603050405020304" pitchFamily="18" charset="0"/>
-                  <a:ea typeface="Times New Roman" panose="02020603050405020304" pitchFamily="18" charset="0"/>
-                  <a:cs typeface="Arial" panose="020B0604020202020204" pitchFamily="34" charset="0"/>
-                </a:rPr>
-                <a:t>irfft</a:t>
-              </a:r>
-              <a:r>
-                <a:rPr lang="en-GB" sz="1400" i="1" dirty="0">
-                  <a:solidFill>
-                    <a:srgbClr val="000000"/>
-                  </a:solidFill>
-                  <a:latin typeface="Times New Roman" panose="02020603050405020304" pitchFamily="18" charset="0"/>
-                  <a:ea typeface="Times New Roman" panose="02020603050405020304" pitchFamily="18" charset="0"/>
-                  <a:cs typeface="Arial" panose="020B0604020202020204" pitchFamily="34" charset="0"/>
-                </a:rPr>
-                <a:t>( )</a:t>
-              </a:r>
-              <a:r>
-                <a:rPr lang="en-GB" sz="1400" dirty="0">
-                  <a:solidFill>
-                    <a:srgbClr val="000000"/>
-                  </a:solidFill>
-                  <a:latin typeface="Times New Roman" panose="02020603050405020304" pitchFamily="18" charset="0"/>
-                  <a:ea typeface="Times New Roman" panose="02020603050405020304" pitchFamily="18" charset="0"/>
-                  <a:cs typeface="Arial" panose="020B0604020202020204" pitchFamily="34" charset="0"/>
-                </a:rPr>
-                <a:t> function is used to return the inverse discrete Fourier transform once again. The data is now noise free and the Signal </a:t>
-              </a:r>
-              <a:r>
-                <a:rPr lang="en-GB" sz="1400" i="1" dirty="0" err="1">
-                  <a:solidFill>
-                    <a:srgbClr val="000000"/>
-                  </a:solidFill>
-                  <a:latin typeface="Times New Roman" panose="02020603050405020304" pitchFamily="18" charset="0"/>
-                  <a:ea typeface="Times New Roman" panose="02020603050405020304" pitchFamily="18" charset="0"/>
-                  <a:cs typeface="Arial" panose="020B0604020202020204" pitchFamily="34" charset="0"/>
-                </a:rPr>
-                <a:t>find_peaks</a:t>
-              </a:r>
-              <a:r>
-                <a:rPr lang="en-GB" sz="1400" i="1" dirty="0">
-                  <a:solidFill>
-                    <a:srgbClr val="000000"/>
-                  </a:solidFill>
-                  <a:latin typeface="Times New Roman" panose="02020603050405020304" pitchFamily="18" charset="0"/>
-                  <a:ea typeface="Times New Roman" panose="02020603050405020304" pitchFamily="18" charset="0"/>
-                  <a:cs typeface="Arial" panose="020B0604020202020204" pitchFamily="34" charset="0"/>
-                </a:rPr>
-                <a:t>( ) </a:t>
-              </a:r>
-              <a:r>
-                <a:rPr lang="en-GB" sz="1400" dirty="0">
-                  <a:solidFill>
-                    <a:srgbClr val="000000"/>
-                  </a:solidFill>
-                  <a:latin typeface="Times New Roman" panose="02020603050405020304" pitchFamily="18" charset="0"/>
-                  <a:ea typeface="Times New Roman" panose="02020603050405020304" pitchFamily="18" charset="0"/>
-                  <a:cs typeface="Arial" panose="020B0604020202020204" pitchFamily="34" charset="0"/>
-                </a:rPr>
-                <a:t>function is used to find all maximum (peak) and minimum (trough) points in order to count the number of tremors as well as the distance between each adjacent peak and trough. </a:t>
-              </a:r>
-            </a:p>
-            <a:p>
-              <a:pPr algn="ctr"/>
-              <a:r>
-                <a:rPr lang="en-ZA" sz="1600" b="1" dirty="0">
-                  <a:solidFill>
-                    <a:srgbClr val="01008A"/>
-                  </a:solidFill>
-                  <a:latin typeface="Times New Roman" panose="02020603050405020304" pitchFamily="18" charset="0"/>
-                  <a:cs typeface="Times New Roman" panose="02020603050405020304" pitchFamily="18" charset="0"/>
-                </a:rPr>
-                <a:t>Determining a Tremor Severity Measure</a:t>
-              </a:r>
-            </a:p>
-            <a:p>
-              <a:pPr marL="342900" indent="-342900" algn="just">
-                <a:lnSpc>
-                  <a:spcPct val="107000"/>
-                </a:lnSpc>
-                <a:spcAft>
-                  <a:spcPts val="800"/>
-                </a:spcAft>
-                <a:buFont typeface="+mj-lt"/>
-                <a:buAutoNum type="arabicPeriod"/>
-              </a:pPr>
-              <a:r>
-                <a:rPr lang="en-GB" sz="1400" dirty="0">
-                  <a:solidFill>
-                    <a:srgbClr val="000000"/>
-                  </a:solidFill>
-                  <a:latin typeface="Times New Roman" panose="02020603050405020304" pitchFamily="18" charset="0"/>
-                  <a:ea typeface="Times New Roman" panose="02020603050405020304" pitchFamily="18" charset="0"/>
-                  <a:cs typeface="Arial" panose="020B0604020202020204" pitchFamily="34" charset="0"/>
-                </a:rPr>
-                <a:t>The number of peaks in the function is an indication of the frequency of the patient’s tremors. In general, more peaks indicates a worse tremor. </a:t>
-              </a:r>
-            </a:p>
-            <a:p>
-              <a:pPr marL="342900" indent="-342900" algn="just">
-                <a:lnSpc>
-                  <a:spcPct val="107000"/>
-                </a:lnSpc>
-                <a:spcAft>
-                  <a:spcPts val="800"/>
-                </a:spcAft>
-                <a:buFont typeface="+mj-lt"/>
-                <a:buAutoNum type="arabicPeriod"/>
-              </a:pPr>
-              <a:r>
-                <a:rPr lang="en-GB" sz="1400" dirty="0">
-                  <a:solidFill>
-                    <a:srgbClr val="000000"/>
-                  </a:solidFill>
-                  <a:latin typeface="Times New Roman" panose="02020603050405020304" pitchFamily="18" charset="0"/>
-                  <a:ea typeface="Times New Roman" panose="02020603050405020304" pitchFamily="18" charset="0"/>
-                  <a:cs typeface="Arial" panose="020B0604020202020204" pitchFamily="34" charset="0"/>
-                </a:rPr>
-                <a:t>The distance between each adjacent tremor’s peaks and troughs indicate the severity of the tremor. A larger distance only indicates a worse tremor when occurring with a high number of peaks. A large distance with a very low number of peaks could be an indication of a line image that has been incorrectly cropped (slanted). </a:t>
-              </a:r>
-            </a:p>
-            <a:p>
-              <a:pPr algn="just">
-                <a:lnSpc>
-                  <a:spcPct val="107000"/>
-                </a:lnSpc>
-                <a:spcAft>
-                  <a:spcPts val="800"/>
-                </a:spcAft>
-              </a:pPr>
-              <a:r>
-                <a:rPr lang="en-GB" sz="1400" dirty="0">
-                  <a:solidFill>
-                    <a:srgbClr val="000000"/>
-                  </a:solidFill>
-                  <a:latin typeface="Times New Roman" panose="02020603050405020304" pitchFamily="18" charset="0"/>
-                  <a:ea typeface="Times New Roman" panose="02020603050405020304" pitchFamily="18" charset="0"/>
-                  <a:cs typeface="Arial" panose="020B0604020202020204" pitchFamily="34" charset="0"/>
-                </a:rPr>
-                <a:t>Since these two variables are proportionally linked to the severity of a tremor, the product of the two variables is used as an indication of tremor severity. </a:t>
-              </a:r>
-            </a:p>
-          </p:txBody>
-        </p:sp>
-      </p:grpSp>
-      <p:sp>
-        <p:nvSpPr>
-          <p:cNvPr id="2" name="TextBox 1">
-            <a:extLst>
-              <a:ext uri="{FF2B5EF4-FFF2-40B4-BE49-F238E27FC236}">
-                <a16:creationId xmlns:a16="http://schemas.microsoft.com/office/drawing/2014/main" id="{CAB3AC64-A7A0-3CEE-D01E-E952287DBA5F}"/>
-              </a:ext>
-            </a:extLst>
-          </p:cNvPr>
-          <p:cNvSpPr txBox="1"/>
-          <p:nvPr/>
-        </p:nvSpPr>
-        <p:spPr>
-          <a:xfrm>
-            <a:off x="9801611" y="159521"/>
-            <a:ext cx="4387650" cy="892552"/>
-          </a:xfrm>
-          <a:prstGeom prst="rect">
-            <a:avLst/>
-          </a:prstGeom>
-          <a:noFill/>
-          <a:effectLst/>
-        </p:spPr>
-        <p:txBody>
-          <a:bodyPr wrap="square" rtlCol="0">
-            <a:spAutoFit/>
-          </a:bodyPr>
-          <a:lstStyle/>
-          <a:p>
-            <a:pPr algn="ctr"/>
-            <a:r>
-              <a:rPr lang="en-ZA" sz="3200" b="1" dirty="0">
-                <a:solidFill>
-                  <a:schemeClr val="bg1"/>
-                </a:solidFill>
-                <a:effectLst>
-                  <a:outerShdw blurRad="190500" dist="228600" dir="2700000" algn="ctr" rotWithShape="0">
-                    <a:srgbClr val="000000">
-                      <a:alpha val="30000"/>
-                    </a:srgbClr>
-                  </a:outerShdw>
-                </a:effectLst>
-                <a:latin typeface="Times New Roman" panose="02020603050405020304" pitchFamily="18" charset="0"/>
-                <a:cs typeface="Times New Roman" panose="02020603050405020304" pitchFamily="18" charset="0"/>
-              </a:rPr>
-              <a:t>Which Hand? – 22PO5</a:t>
-            </a:r>
-          </a:p>
-          <a:p>
-            <a:pPr algn="ctr"/>
-            <a:r>
-              <a:rPr lang="en-ZA" sz="2000" dirty="0">
-                <a:solidFill>
-                  <a:schemeClr val="bg1"/>
-                </a:solidFill>
-                <a:effectLst>
-                  <a:outerShdw blurRad="190500" dist="228600" dir="2700000" algn="ctr" rotWithShape="0">
-                    <a:srgbClr val="000000">
-                      <a:alpha val="30000"/>
-                    </a:srgbClr>
-                  </a:outerShdw>
-                </a:effectLst>
-                <a:latin typeface="Times New Roman" panose="02020603050405020304" pitchFamily="18" charset="0"/>
-                <a:cs typeface="Times New Roman" panose="02020603050405020304" pitchFamily="18" charset="0"/>
-              </a:rPr>
-              <a:t>Robyn Gebbie and Jesse van der Merwe</a:t>
-            </a:r>
-            <a:endParaRPr lang="en-GB" sz="2000" dirty="0">
-              <a:solidFill>
-                <a:schemeClr val="bg1"/>
-              </a:solidFill>
-              <a:effectLst>
-                <a:outerShdw blurRad="190500" dist="228600" dir="2700000" algn="ctr" rotWithShape="0">
-                  <a:srgbClr val="000000">
-                    <a:alpha val="30000"/>
-                  </a:srgbClr>
-                </a:outerShdw>
-              </a:effectLst>
-              <a:latin typeface="Times New Roman" panose="02020603050405020304" pitchFamily="18" charset="0"/>
-              <a:cs typeface="Times New Roman" panose="02020603050405020304" pitchFamily="18" charset="0"/>
-            </a:endParaRPr>
-          </a:p>
-        </p:txBody>
-      </p:sp>
-      <p:grpSp>
-        <p:nvGrpSpPr>
-          <p:cNvPr id="132" name="Group 131">
-            <a:extLst>
-              <a:ext uri="{FF2B5EF4-FFF2-40B4-BE49-F238E27FC236}">
-                <a16:creationId xmlns:a16="http://schemas.microsoft.com/office/drawing/2014/main" id="{C21AB780-B9B9-9F58-0AEE-FB092F46F037}"/>
-              </a:ext>
-            </a:extLst>
-          </p:cNvPr>
-          <p:cNvGrpSpPr/>
-          <p:nvPr/>
-        </p:nvGrpSpPr>
-        <p:grpSpPr>
-          <a:xfrm>
-            <a:off x="8936869" y="12374127"/>
-            <a:ext cx="6473926" cy="2534983"/>
-            <a:chOff x="10127682" y="4250256"/>
-            <a:chExt cx="6286642" cy="2387686"/>
-          </a:xfrm>
-          <a:effectLst/>
-        </p:grpSpPr>
-        <p:sp>
-          <p:nvSpPr>
-            <p:cNvPr id="133" name="Rectangle 132">
-              <a:extLst>
-                <a:ext uri="{FF2B5EF4-FFF2-40B4-BE49-F238E27FC236}">
-                  <a16:creationId xmlns:a16="http://schemas.microsoft.com/office/drawing/2014/main" id="{9559276C-12DC-668B-1673-6E49A00D18F9}"/>
-                </a:ext>
-              </a:extLst>
-            </p:cNvPr>
-            <p:cNvSpPr/>
-            <p:nvPr/>
-          </p:nvSpPr>
-          <p:spPr>
-            <a:xfrm>
-              <a:off x="10127682" y="4250256"/>
-              <a:ext cx="6286642" cy="2387686"/>
-            </a:xfrm>
-            <a:prstGeom prst="rect">
-              <a:avLst/>
-            </a:prstGeom>
-            <a:solidFill>
-              <a:schemeClr val="bg1"/>
-            </a:solidFill>
-            <a:ln>
-              <a:noFill/>
-            </a:ln>
-            <a:effectLst/>
-          </p:spPr>
-          <p:style>
-            <a:lnRef idx="2">
-              <a:schemeClr val="accent1">
-                <a:shade val="50000"/>
-              </a:schemeClr>
-            </a:lnRef>
-            <a:fillRef idx="1">
-              <a:schemeClr val="accent1"/>
-            </a:fillRef>
-            <a:effectRef idx="0">
-              <a:schemeClr val="accent1"/>
-            </a:effectRef>
-            <a:fontRef idx="minor">
-              <a:schemeClr val="lt1"/>
-            </a:fontRef>
-          </p:style>
-          <p:txBody>
-            <a:bodyPr rtlCol="0" anchor="ctr"/>
-            <a:lstStyle/>
-            <a:p>
-              <a:pPr algn="ctr"/>
-              <a:endParaRPr lang="en-ZA" dirty="0"/>
-            </a:p>
-          </p:txBody>
-        </p:sp>
-        <p:grpSp>
-          <p:nvGrpSpPr>
-            <p:cNvPr id="134" name="Group 133">
-              <a:extLst>
-                <a:ext uri="{FF2B5EF4-FFF2-40B4-BE49-F238E27FC236}">
-                  <a16:creationId xmlns:a16="http://schemas.microsoft.com/office/drawing/2014/main" id="{501A8AFB-2BFE-A442-0796-8F868638FA2D}"/>
-                </a:ext>
-              </a:extLst>
-            </p:cNvPr>
-            <p:cNvGrpSpPr/>
-            <p:nvPr/>
-          </p:nvGrpSpPr>
-          <p:grpSpPr>
-            <a:xfrm>
-              <a:off x="11697375" y="4451851"/>
-              <a:ext cx="4710234" cy="1381600"/>
-              <a:chOff x="6913675" y="2079241"/>
-              <a:chExt cx="4710234" cy="1381600"/>
-            </a:xfrm>
-          </p:grpSpPr>
-          <p:grpSp>
-            <p:nvGrpSpPr>
-              <p:cNvPr id="135" name="Group 134">
-                <a:extLst>
-                  <a:ext uri="{FF2B5EF4-FFF2-40B4-BE49-F238E27FC236}">
-                    <a16:creationId xmlns:a16="http://schemas.microsoft.com/office/drawing/2014/main" id="{8F810BD2-9C92-803C-9661-4572C6263D63}"/>
-                  </a:ext>
-                </a:extLst>
-              </p:cNvPr>
-              <p:cNvGrpSpPr/>
-              <p:nvPr/>
-            </p:nvGrpSpPr>
-            <p:grpSpPr>
-              <a:xfrm>
-                <a:off x="9246609" y="2079241"/>
-                <a:ext cx="2377300" cy="1378854"/>
-                <a:chOff x="9246986" y="4415675"/>
-                <a:chExt cx="2377300" cy="1378854"/>
-              </a:xfrm>
-            </p:grpSpPr>
-            <p:pic>
-              <p:nvPicPr>
-                <p:cNvPr id="140" name="Picture 139">
-                  <a:extLst>
-                    <a:ext uri="{FF2B5EF4-FFF2-40B4-BE49-F238E27FC236}">
-                      <a16:creationId xmlns:a16="http://schemas.microsoft.com/office/drawing/2014/main" id="{D0673A72-2344-37E7-92DE-1104967617C2}"/>
-                    </a:ext>
-                  </a:extLst>
-                </p:cNvPr>
-                <p:cNvPicPr>
-                  <a:picLocks noChangeAspect="1"/>
-                </p:cNvPicPr>
-                <p:nvPr/>
-              </p:nvPicPr>
-              <p:blipFill>
-                <a:blip r:embed="rId13">
-                  <a:extLst>
-                    <a:ext uri="{28A0092B-C50C-407E-A947-70E740481C1C}">
-                      <a14:useLocalDpi xmlns:a14="http://schemas.microsoft.com/office/drawing/2010/main" val="0"/>
-                    </a:ext>
-                  </a:extLst>
-                </a:blip>
-                <a:stretch>
-                  <a:fillRect/>
-                </a:stretch>
-              </p:blipFill>
-              <p:spPr>
-                <a:xfrm rot="10800000" flipH="1">
-                  <a:off x="9248286" y="4415675"/>
-                  <a:ext cx="2376000" cy="140950"/>
-                </a:xfrm>
-                <a:prstGeom prst="rect">
-                  <a:avLst/>
-                </a:prstGeom>
-              </p:spPr>
-            </p:pic>
-            <p:pic>
-              <p:nvPicPr>
-                <p:cNvPr id="141" name="Picture 140" descr="Chart, line chart&#10;&#10;Description automatically generated">
-                  <a:extLst>
-                    <a:ext uri="{FF2B5EF4-FFF2-40B4-BE49-F238E27FC236}">
-                      <a16:creationId xmlns:a16="http://schemas.microsoft.com/office/drawing/2014/main" id="{B7E49911-70DB-0235-F8CA-AAA5A003D479}"/>
-                    </a:ext>
-                  </a:extLst>
-                </p:cNvPr>
-                <p:cNvPicPr>
-                  <a:picLocks noChangeAspect="1"/>
-                </p:cNvPicPr>
-                <p:nvPr/>
-              </p:nvPicPr>
-              <p:blipFill>
-                <a:blip r:embed="rId14">
-                  <a:extLst>
-                    <a:ext uri="{28A0092B-C50C-407E-A947-70E740481C1C}">
-                      <a14:useLocalDpi xmlns:a14="http://schemas.microsoft.com/office/drawing/2010/main" val="0"/>
-                    </a:ext>
-                  </a:extLst>
-                </a:blip>
-                <a:stretch>
-                  <a:fillRect/>
-                </a:stretch>
-              </p:blipFill>
-              <p:spPr>
-                <a:xfrm>
-                  <a:off x="9247350" y="4583380"/>
-                  <a:ext cx="2376000" cy="594000"/>
-                </a:xfrm>
-                <a:prstGeom prst="rect">
-                  <a:avLst/>
-                </a:prstGeom>
-              </p:spPr>
-            </p:pic>
-            <p:pic>
-              <p:nvPicPr>
-                <p:cNvPr id="142" name="Picture 141" descr="Chart, line chart, histogram&#10;&#10;Description automatically generated">
-                  <a:extLst>
-                    <a:ext uri="{FF2B5EF4-FFF2-40B4-BE49-F238E27FC236}">
-                      <a16:creationId xmlns:a16="http://schemas.microsoft.com/office/drawing/2014/main" id="{6DB6AFA8-4FC6-CF67-95F6-C4000CE962A0}"/>
-                    </a:ext>
-                  </a:extLst>
-                </p:cNvPr>
-                <p:cNvPicPr>
-                  <a:picLocks noChangeAspect="1"/>
-                </p:cNvPicPr>
-                <p:nvPr/>
-              </p:nvPicPr>
-              <p:blipFill>
-                <a:blip r:embed="rId15">
-                  <a:extLst>
-                    <a:ext uri="{28A0092B-C50C-407E-A947-70E740481C1C}">
-                      <a14:useLocalDpi xmlns:a14="http://schemas.microsoft.com/office/drawing/2010/main" val="0"/>
-                    </a:ext>
-                  </a:extLst>
-                </a:blip>
-                <a:stretch>
-                  <a:fillRect/>
-                </a:stretch>
-              </p:blipFill>
-              <p:spPr>
-                <a:xfrm>
-                  <a:off x="9246986" y="5200529"/>
-                  <a:ext cx="2376000" cy="594000"/>
-                </a:xfrm>
-                <a:prstGeom prst="rect">
-                  <a:avLst/>
-                </a:prstGeom>
-              </p:spPr>
-            </p:pic>
-          </p:grpSp>
-          <p:grpSp>
-            <p:nvGrpSpPr>
-              <p:cNvPr id="136" name="Group 135">
-                <a:extLst>
-                  <a:ext uri="{FF2B5EF4-FFF2-40B4-BE49-F238E27FC236}">
-                    <a16:creationId xmlns:a16="http://schemas.microsoft.com/office/drawing/2014/main" id="{BC0B065F-BF8B-D037-2D9A-C9AF5F7E49C8}"/>
-                  </a:ext>
-                </a:extLst>
-              </p:cNvPr>
-              <p:cNvGrpSpPr/>
-              <p:nvPr/>
-            </p:nvGrpSpPr>
-            <p:grpSpPr>
-              <a:xfrm>
-                <a:off x="6913675" y="2079362"/>
-                <a:ext cx="2334234" cy="1381479"/>
-                <a:chOff x="6914052" y="3958818"/>
-                <a:chExt cx="2334234" cy="1381479"/>
-              </a:xfrm>
-            </p:grpSpPr>
-            <p:pic>
-              <p:nvPicPr>
-                <p:cNvPr id="137" name="Picture 136">
-                  <a:extLst>
-                    <a:ext uri="{FF2B5EF4-FFF2-40B4-BE49-F238E27FC236}">
-                      <a16:creationId xmlns:a16="http://schemas.microsoft.com/office/drawing/2014/main" id="{78A3DC2C-8B1E-BC36-FC9E-45F5ADF119EB}"/>
-                    </a:ext>
-                  </a:extLst>
-                </p:cNvPr>
-                <p:cNvPicPr>
-                  <a:picLocks noChangeAspect="1"/>
-                </p:cNvPicPr>
-                <p:nvPr/>
-              </p:nvPicPr>
-              <p:blipFill>
-                <a:blip r:embed="rId16">
-                  <a:extLst>
-                    <a:ext uri="{28A0092B-C50C-407E-A947-70E740481C1C}">
-                      <a14:useLocalDpi xmlns:a14="http://schemas.microsoft.com/office/drawing/2010/main" val="0"/>
-                    </a:ext>
-                  </a:extLst>
-                </a:blip>
-                <a:stretch>
-                  <a:fillRect/>
-                </a:stretch>
-              </p:blipFill>
-              <p:spPr>
-                <a:xfrm rot="10800000" flipH="1">
-                  <a:off x="6914052" y="3958818"/>
-                  <a:ext cx="2334234" cy="153030"/>
-                </a:xfrm>
-                <a:prstGeom prst="rect">
-                  <a:avLst/>
-                </a:prstGeom>
-              </p:spPr>
-            </p:pic>
-            <p:pic>
-              <p:nvPicPr>
-                <p:cNvPr id="138" name="Picture 137" descr="Chart, histogram&#10;&#10;Description automatically generated">
-                  <a:extLst>
-                    <a:ext uri="{FF2B5EF4-FFF2-40B4-BE49-F238E27FC236}">
-                      <a16:creationId xmlns:a16="http://schemas.microsoft.com/office/drawing/2014/main" id="{2C61A0D9-75E7-189D-3DBF-C0255292552B}"/>
-                    </a:ext>
-                  </a:extLst>
-                </p:cNvPr>
-                <p:cNvPicPr>
-                  <a:picLocks noChangeAspect="1"/>
-                </p:cNvPicPr>
-                <p:nvPr/>
-              </p:nvPicPr>
-              <p:blipFill>
-                <a:blip r:embed="rId17">
-                  <a:extLst>
-                    <a:ext uri="{28A0092B-C50C-407E-A947-70E740481C1C}">
-                      <a14:useLocalDpi xmlns:a14="http://schemas.microsoft.com/office/drawing/2010/main" val="0"/>
-                    </a:ext>
-                  </a:extLst>
-                </a:blip>
-                <a:stretch>
-                  <a:fillRect/>
-                </a:stretch>
-              </p:blipFill>
-              <p:spPr>
-                <a:xfrm>
-                  <a:off x="6914052" y="4128906"/>
-                  <a:ext cx="2333298" cy="594000"/>
-                </a:xfrm>
-                <a:prstGeom prst="rect">
-                  <a:avLst/>
-                </a:prstGeom>
-              </p:spPr>
-            </p:pic>
-            <p:pic>
-              <p:nvPicPr>
-                <p:cNvPr id="139" name="Picture 138" descr="Chart, line chart, histogram&#10;&#10;Description automatically generated">
-                  <a:extLst>
-                    <a:ext uri="{FF2B5EF4-FFF2-40B4-BE49-F238E27FC236}">
-                      <a16:creationId xmlns:a16="http://schemas.microsoft.com/office/drawing/2014/main" id="{3257DFF5-97C4-E6DD-9C4D-F3E3ED536A3F}"/>
-                    </a:ext>
-                  </a:extLst>
-                </p:cNvPr>
-                <p:cNvPicPr>
-                  <a:picLocks noChangeAspect="1"/>
-                </p:cNvPicPr>
-                <p:nvPr/>
-              </p:nvPicPr>
-              <p:blipFill>
-                <a:blip r:embed="rId18">
-                  <a:extLst>
-                    <a:ext uri="{28A0092B-C50C-407E-A947-70E740481C1C}">
-                      <a14:useLocalDpi xmlns:a14="http://schemas.microsoft.com/office/drawing/2010/main" val="0"/>
-                    </a:ext>
-                  </a:extLst>
-                </a:blip>
-                <a:stretch>
-                  <a:fillRect/>
-                </a:stretch>
-              </p:blipFill>
-              <p:spPr>
-                <a:xfrm>
-                  <a:off x="6914052" y="4746297"/>
-                  <a:ext cx="2327238" cy="594000"/>
-                </a:xfrm>
-                <a:prstGeom prst="rect">
-                  <a:avLst/>
-                </a:prstGeom>
-              </p:spPr>
-            </p:pic>
-          </p:grpSp>
-        </p:grpSp>
-      </p:grpSp>
-      <p:grpSp>
-        <p:nvGrpSpPr>
-          <p:cNvPr id="144" name="Group 143">
-            <a:extLst>
-              <a:ext uri="{FF2B5EF4-FFF2-40B4-BE49-F238E27FC236}">
-                <a16:creationId xmlns:a16="http://schemas.microsoft.com/office/drawing/2014/main" id="{13EA535B-5621-5CE2-4F6D-B4AAB5C6C1B3}"/>
-              </a:ext>
-            </a:extLst>
-          </p:cNvPr>
-          <p:cNvGrpSpPr/>
-          <p:nvPr/>
-        </p:nvGrpSpPr>
-        <p:grpSpPr>
-          <a:xfrm>
-            <a:off x="8902346" y="9844717"/>
-            <a:ext cx="6473926" cy="2561685"/>
-            <a:chOff x="10125964" y="2075481"/>
-            <a:chExt cx="6290552" cy="2414340"/>
-          </a:xfrm>
-          <a:effectLst/>
-        </p:grpSpPr>
-        <p:sp>
-          <p:nvSpPr>
-            <p:cNvPr id="145" name="Rectangle 144">
-              <a:extLst>
-                <a:ext uri="{FF2B5EF4-FFF2-40B4-BE49-F238E27FC236}">
-                  <a16:creationId xmlns:a16="http://schemas.microsoft.com/office/drawing/2014/main" id="{4844A7B5-A4A6-DC1D-4D31-38FD238421CD}"/>
-                </a:ext>
-              </a:extLst>
-            </p:cNvPr>
-            <p:cNvSpPr/>
-            <p:nvPr/>
-          </p:nvSpPr>
-          <p:spPr>
-            <a:xfrm>
-              <a:off x="10125964" y="2075481"/>
-              <a:ext cx="6288360" cy="2414340"/>
-            </a:xfrm>
-            <a:prstGeom prst="rect">
-              <a:avLst/>
-            </a:prstGeom>
-            <a:solidFill>
-              <a:schemeClr val="bg1"/>
-            </a:solidFill>
-            <a:ln>
-              <a:noFill/>
-            </a:ln>
-            <a:effectLst/>
-          </p:spPr>
-          <p:style>
-            <a:lnRef idx="2">
-              <a:schemeClr val="accent1">
-                <a:shade val="50000"/>
-              </a:schemeClr>
-            </a:lnRef>
-            <a:fillRef idx="1">
-              <a:schemeClr val="accent1"/>
-            </a:fillRef>
-            <a:effectRef idx="0">
-              <a:schemeClr val="accent1"/>
-            </a:effectRef>
-            <a:fontRef idx="minor">
-              <a:schemeClr val="lt1"/>
-            </a:fontRef>
-          </p:style>
-          <p:txBody>
-            <a:bodyPr rtlCol="0" anchor="ctr"/>
-            <a:lstStyle/>
-            <a:p>
-              <a:pPr algn="ctr"/>
-              <a:endParaRPr lang="en-ZA" dirty="0"/>
-            </a:p>
-          </p:txBody>
-        </p:sp>
-        <p:grpSp>
-          <p:nvGrpSpPr>
-            <p:cNvPr id="146" name="Group 145">
-              <a:extLst>
-                <a:ext uri="{FF2B5EF4-FFF2-40B4-BE49-F238E27FC236}">
-                  <a16:creationId xmlns:a16="http://schemas.microsoft.com/office/drawing/2014/main" id="{991C963B-10A8-9562-0BB2-CA0F270DF120}"/>
-                </a:ext>
-              </a:extLst>
-            </p:cNvPr>
-            <p:cNvGrpSpPr/>
-            <p:nvPr/>
-          </p:nvGrpSpPr>
-          <p:grpSpPr>
-            <a:xfrm>
-              <a:off x="11681979" y="2300256"/>
-              <a:ext cx="4734537" cy="1371495"/>
-              <a:chOff x="11683668" y="2569610"/>
-              <a:chExt cx="4734537" cy="1371495"/>
-            </a:xfrm>
-          </p:grpSpPr>
-          <p:pic>
-            <p:nvPicPr>
-              <p:cNvPr id="147" name="Picture 146">
-                <a:extLst>
-                  <a:ext uri="{FF2B5EF4-FFF2-40B4-BE49-F238E27FC236}">
-                    <a16:creationId xmlns:a16="http://schemas.microsoft.com/office/drawing/2014/main" id="{6BC9BC22-020B-FB53-522A-DE21C42D67DA}"/>
-                  </a:ext>
-                </a:extLst>
-              </p:cNvPr>
-              <p:cNvPicPr>
-                <a:picLocks noChangeAspect="1"/>
-              </p:cNvPicPr>
-              <p:nvPr/>
-            </p:nvPicPr>
-            <p:blipFill>
-              <a:blip r:embed="rId11">
-                <a:extLst>
-                  <a:ext uri="{28A0092B-C50C-407E-A947-70E740481C1C}">
-                    <a14:useLocalDpi xmlns:a14="http://schemas.microsoft.com/office/drawing/2010/main" val="0"/>
-                  </a:ext>
-                </a:extLst>
-              </a:blip>
-              <a:stretch>
-                <a:fillRect/>
-              </a:stretch>
-            </p:blipFill>
-            <p:spPr>
-              <a:xfrm rot="10800000" flipH="1">
-                <a:off x="11691127" y="2569610"/>
-                <a:ext cx="2376000" cy="149003"/>
-              </a:xfrm>
-              <a:prstGeom prst="rect">
-                <a:avLst/>
-              </a:prstGeom>
-            </p:spPr>
-          </p:pic>
-          <p:pic>
-            <p:nvPicPr>
-              <p:cNvPr id="148" name="Picture 147" descr="Chart, histogram&#10;&#10;Description automatically generated">
-                <a:extLst>
-                  <a:ext uri="{FF2B5EF4-FFF2-40B4-BE49-F238E27FC236}">
-                    <a16:creationId xmlns:a16="http://schemas.microsoft.com/office/drawing/2014/main" id="{761FF7CA-3A05-D54B-4998-36A714565C17}"/>
-                  </a:ext>
-                </a:extLst>
-              </p:cNvPr>
-              <p:cNvPicPr>
-                <a:picLocks noChangeAspect="1"/>
-              </p:cNvPicPr>
-              <p:nvPr/>
-            </p:nvPicPr>
-            <p:blipFill>
-              <a:blip r:embed="rId19">
-                <a:extLst>
-                  <a:ext uri="{28A0092B-C50C-407E-A947-70E740481C1C}">
-                    <a14:useLocalDpi xmlns:a14="http://schemas.microsoft.com/office/drawing/2010/main" val="0"/>
-                  </a:ext>
-                </a:extLst>
-              </a:blip>
-              <a:stretch>
-                <a:fillRect/>
-              </a:stretch>
-            </p:blipFill>
-            <p:spPr>
-              <a:xfrm>
-                <a:off x="11691127" y="2734601"/>
-                <a:ext cx="2376000" cy="594000"/>
-              </a:xfrm>
-              <a:prstGeom prst="rect">
-                <a:avLst/>
-              </a:prstGeom>
-            </p:spPr>
-          </p:pic>
-          <p:pic>
-            <p:nvPicPr>
-              <p:cNvPr id="149" name="Picture 148" descr="Chart, histogram&#10;&#10;Description automatically generated">
-                <a:extLst>
-                  <a:ext uri="{FF2B5EF4-FFF2-40B4-BE49-F238E27FC236}">
-                    <a16:creationId xmlns:a16="http://schemas.microsoft.com/office/drawing/2014/main" id="{79BB59B8-B5BB-002F-48E1-36A60A4BECEC}"/>
-                  </a:ext>
-                </a:extLst>
-              </p:cNvPr>
-              <p:cNvPicPr>
-                <a:picLocks noChangeAspect="1"/>
-              </p:cNvPicPr>
-              <p:nvPr/>
-            </p:nvPicPr>
-            <p:blipFill>
-              <a:blip r:embed="rId20">
-                <a:extLst>
-                  <a:ext uri="{28A0092B-C50C-407E-A947-70E740481C1C}">
-                    <a14:useLocalDpi xmlns:a14="http://schemas.microsoft.com/office/drawing/2010/main" val="0"/>
-                  </a:ext>
-                </a:extLst>
-              </a:blip>
-              <a:stretch>
-                <a:fillRect/>
-              </a:stretch>
-            </p:blipFill>
-            <p:spPr>
-              <a:xfrm>
-                <a:off x="11683668" y="3343985"/>
-                <a:ext cx="2376000" cy="594000"/>
-              </a:xfrm>
-              <a:prstGeom prst="rect">
-                <a:avLst/>
-              </a:prstGeom>
-            </p:spPr>
-          </p:pic>
-          <p:pic>
-            <p:nvPicPr>
-              <p:cNvPr id="150" name="Picture 149" descr="Chart, histogram&#10;&#10;Description automatically generated">
-                <a:extLst>
-                  <a:ext uri="{FF2B5EF4-FFF2-40B4-BE49-F238E27FC236}">
-                    <a16:creationId xmlns:a16="http://schemas.microsoft.com/office/drawing/2014/main" id="{9EF019F3-6510-3667-D832-876C9C4C5502}"/>
-                  </a:ext>
-                </a:extLst>
-              </p:cNvPr>
-              <p:cNvPicPr>
-                <a:picLocks noChangeAspect="1"/>
-              </p:cNvPicPr>
-              <p:nvPr/>
-            </p:nvPicPr>
-            <p:blipFill>
-              <a:blip r:embed="rId21">
-                <a:extLst>
-                  <a:ext uri="{28A0092B-C50C-407E-A947-70E740481C1C}">
-                    <a14:useLocalDpi xmlns:a14="http://schemas.microsoft.com/office/drawing/2010/main" val="0"/>
-                  </a:ext>
-                </a:extLst>
-              </a:blip>
-              <a:stretch>
-                <a:fillRect/>
-              </a:stretch>
-            </p:blipFill>
-            <p:spPr>
-              <a:xfrm>
-                <a:off x="14042205" y="2735119"/>
-                <a:ext cx="2376000" cy="594005"/>
-              </a:xfrm>
-              <a:prstGeom prst="rect">
-                <a:avLst/>
-              </a:prstGeom>
-            </p:spPr>
-          </p:pic>
-          <p:pic>
-            <p:nvPicPr>
-              <p:cNvPr id="151" name="Picture 150" descr="Chart, line chart&#10;&#10;Description automatically generated">
-                <a:extLst>
-                  <a:ext uri="{FF2B5EF4-FFF2-40B4-BE49-F238E27FC236}">
-                    <a16:creationId xmlns:a16="http://schemas.microsoft.com/office/drawing/2014/main" id="{D62514B1-23DF-81A9-006D-3A84059ADA56}"/>
-                  </a:ext>
-                </a:extLst>
-              </p:cNvPr>
-              <p:cNvPicPr>
-                <a:picLocks noChangeAspect="1"/>
-              </p:cNvPicPr>
-              <p:nvPr/>
-            </p:nvPicPr>
-            <p:blipFill>
-              <a:blip r:embed="rId22">
-                <a:extLst>
-                  <a:ext uri="{28A0092B-C50C-407E-A947-70E740481C1C}">
-                    <a14:useLocalDpi xmlns:a14="http://schemas.microsoft.com/office/drawing/2010/main" val="0"/>
-                  </a:ext>
-                </a:extLst>
-              </a:blip>
-              <a:stretch>
-                <a:fillRect/>
-              </a:stretch>
-            </p:blipFill>
-            <p:spPr>
-              <a:xfrm>
-                <a:off x="14035855" y="3347100"/>
-                <a:ext cx="2376000" cy="594005"/>
-              </a:xfrm>
-              <a:prstGeom prst="rect">
-                <a:avLst/>
-              </a:prstGeom>
-            </p:spPr>
-          </p:pic>
-          <p:pic>
-            <p:nvPicPr>
-              <p:cNvPr id="152" name="Picture 151">
-                <a:extLst>
-                  <a:ext uri="{FF2B5EF4-FFF2-40B4-BE49-F238E27FC236}">
-                    <a16:creationId xmlns:a16="http://schemas.microsoft.com/office/drawing/2014/main" id="{2354E036-2AF4-34D9-25ED-AB6E4A598FC4}"/>
-                  </a:ext>
-                </a:extLst>
-              </p:cNvPr>
-              <p:cNvPicPr>
-                <a:picLocks noChangeAspect="1"/>
-              </p:cNvPicPr>
-              <p:nvPr/>
-            </p:nvPicPr>
-            <p:blipFill>
-              <a:blip r:embed="rId23">
-                <a:extLst>
-                  <a:ext uri="{28A0092B-C50C-407E-A947-70E740481C1C}">
-                    <a14:useLocalDpi xmlns:a14="http://schemas.microsoft.com/office/drawing/2010/main" val="0"/>
-                  </a:ext>
-                </a:extLst>
-              </a:blip>
-              <a:stretch>
-                <a:fillRect/>
-              </a:stretch>
-            </p:blipFill>
-            <p:spPr>
-              <a:xfrm rot="10800000" flipH="1">
-                <a:off x="14040870" y="2575660"/>
-                <a:ext cx="2376000" cy="144981"/>
-              </a:xfrm>
-              <a:prstGeom prst="rect">
-                <a:avLst/>
-              </a:prstGeom>
-            </p:spPr>
-          </p:pic>
-        </p:grpSp>
-      </p:grpSp>
-      <p:graphicFrame>
-        <p:nvGraphicFramePr>
-          <p:cNvPr id="153" name="Table 56">
-            <a:extLst>
-              <a:ext uri="{FF2B5EF4-FFF2-40B4-BE49-F238E27FC236}">
-                <a16:creationId xmlns:a16="http://schemas.microsoft.com/office/drawing/2014/main" id="{98AF9D17-1839-179E-9D22-45EE983FAE12}"/>
-              </a:ext>
-            </a:extLst>
-          </p:cNvPr>
-          <p:cNvGraphicFramePr>
-            <a:graphicFrameLocks noGrp="1"/>
-          </p:cNvGraphicFramePr>
-          <p:nvPr>
-            <p:extLst>
-              <p:ext uri="{D42A27DB-BD31-4B8C-83A1-F6EECF244321}">
-                <p14:modId xmlns:p14="http://schemas.microsoft.com/office/powerpoint/2010/main" val="120815596"/>
-              </p:ext>
-            </p:extLst>
-          </p:nvPr>
-        </p:nvGraphicFramePr>
-        <p:xfrm>
-          <a:off x="8783754" y="9736013"/>
-          <a:ext cx="6660000" cy="2529840"/>
-        </p:xfrm>
-        <a:graphic>
-          <a:graphicData uri="http://schemas.openxmlformats.org/drawingml/2006/table">
-            <a:tbl>
-              <a:tblPr firstRow="1" bandRow="1">
-                <a:tableStyleId>{2D5ABB26-0587-4C30-8999-92F81FD0307C}</a:tableStyleId>
-              </a:tblPr>
-              <a:tblGrid>
-                <a:gridCol w="1620000">
-                  <a:extLst>
-                    <a:ext uri="{9D8B030D-6E8A-4147-A177-3AD203B41FA5}">
-                      <a16:colId xmlns:a16="http://schemas.microsoft.com/office/drawing/2014/main" val="1691660774"/>
-                    </a:ext>
-                  </a:extLst>
-                </a:gridCol>
-                <a:gridCol w="2520000">
-                  <a:extLst>
-                    <a:ext uri="{9D8B030D-6E8A-4147-A177-3AD203B41FA5}">
-                      <a16:colId xmlns:a16="http://schemas.microsoft.com/office/drawing/2014/main" val="3072975969"/>
-                    </a:ext>
-                  </a:extLst>
-                </a:gridCol>
-                <a:gridCol w="2520000">
-                  <a:extLst>
-                    <a:ext uri="{9D8B030D-6E8A-4147-A177-3AD203B41FA5}">
-                      <a16:colId xmlns:a16="http://schemas.microsoft.com/office/drawing/2014/main" val="4272725515"/>
-                    </a:ext>
-                  </a:extLst>
-                </a:gridCol>
-              </a:tblGrid>
-              <a:tr h="180000">
-                <a:tc>
-                  <a:txBody>
-                    <a:bodyPr/>
-                    <a:lstStyle/>
-                    <a:p>
-                      <a:r>
-                        <a:rPr lang="en-ZA" sz="1400" b="1" dirty="0">
-                          <a:solidFill>
-                            <a:srgbClr val="00008B"/>
-                          </a:solidFill>
-                          <a:effectLst/>
-                          <a:latin typeface="Times New Roman" panose="02020603050405020304" pitchFamily="18" charset="0"/>
-                          <a:cs typeface="Times New Roman" panose="02020603050405020304" pitchFamily="18" charset="0"/>
-                        </a:rPr>
-                        <a:t> TABLE 2:</a:t>
-                      </a:r>
-                      <a:endParaRPr lang="en-ZA" sz="3200" b="1" dirty="0">
-                        <a:solidFill>
-                          <a:srgbClr val="00008B"/>
-                        </a:solidFill>
-                        <a:effectLst/>
-                        <a:latin typeface="Times New Roman" panose="02020603050405020304" pitchFamily="18" charset="0"/>
-                        <a:cs typeface="Times New Roman" panose="02020603050405020304" pitchFamily="18" charset="0"/>
-                      </a:endParaRPr>
-                    </a:p>
-                  </a:txBody>
-                  <a:tcPr anchor="ctr">
-                    <a:lnL w="12700" cap="flat" cmpd="sng" algn="ctr">
-                      <a:noFill/>
-                      <a:prstDash val="solid"/>
-                      <a:round/>
-                      <a:headEnd type="none" w="med" len="med"/>
-                      <a:tailEnd type="none" w="med" len="med"/>
-                    </a:lnL>
-                    <a:lnR w="12700" cap="flat" cmpd="sng" algn="ctr">
-                      <a:noFill/>
-                      <a:prstDash val="solid"/>
-                      <a:round/>
-                      <a:headEnd type="none" w="med" len="med"/>
-                      <a:tailEnd type="none" w="med" len="med"/>
-                    </a:lnR>
-                    <a:lnT w="12700" cap="flat" cmpd="sng" algn="ctr">
-                      <a:noFill/>
-                      <a:prstDash val="solid"/>
-                      <a:round/>
-                      <a:headEnd type="none" w="med" len="med"/>
-                      <a:tailEnd type="none" w="med" len="med"/>
-                    </a:lnT>
-                    <a:lnB w="12700" cap="flat" cmpd="sng" algn="ctr">
-                      <a:solidFill>
-                        <a:schemeClr val="tx1"/>
-                      </a:solidFill>
-                      <a:prstDash val="solid"/>
-                      <a:round/>
-                      <a:headEnd type="none" w="med" len="med"/>
-                      <a:tailEnd type="none" w="med" len="med"/>
-                    </a:lnB>
-                    <a:lnTlToBr w="12700" cmpd="sng">
-                      <a:noFill/>
-                      <a:prstDash val="solid"/>
-                    </a:lnTlToBr>
-                    <a:lnBlToTr w="12700" cmpd="sng">
-                      <a:noFill/>
-                      <a:prstDash val="solid"/>
-                    </a:lnBlToTr>
-                    <a:noFill/>
-                  </a:tcPr>
-                </a:tc>
-                <a:tc>
-                  <a:txBody>
-                    <a:bodyPr/>
-                    <a:lstStyle/>
-                    <a:p>
-                      <a:pPr algn="ctr"/>
-                      <a:r>
-                        <a:rPr lang="en-ZA" sz="1400" b="1" dirty="0">
-                          <a:solidFill>
-                            <a:srgbClr val="00008B"/>
-                          </a:solidFill>
-                          <a:effectLst/>
-                          <a:latin typeface="Times New Roman" panose="02020603050405020304" pitchFamily="18" charset="0"/>
-                          <a:cs typeface="Times New Roman" panose="02020603050405020304" pitchFamily="18" charset="0"/>
-                        </a:rPr>
-                        <a:t>Treated Hand BEFORE</a:t>
-                      </a:r>
-                      <a:endParaRPr lang="en-ZA" sz="3200" b="1" dirty="0">
-                        <a:solidFill>
-                          <a:srgbClr val="00008B"/>
-                        </a:solidFill>
-                        <a:effectLst/>
-                        <a:latin typeface="Times New Roman" panose="02020603050405020304" pitchFamily="18" charset="0"/>
-                        <a:cs typeface="Times New Roman" panose="02020603050405020304" pitchFamily="18" charset="0"/>
-                      </a:endParaRPr>
-                    </a:p>
-                  </a:txBody>
-                  <a:tcPr anchor="ctr">
-                    <a:lnL w="12700" cap="flat" cmpd="sng" algn="ctr">
-                      <a:noFill/>
-                      <a:prstDash val="solid"/>
-                      <a:round/>
-                      <a:headEnd type="none" w="med" len="med"/>
-                      <a:tailEnd type="none" w="med" len="med"/>
-                    </a:lnL>
-                    <a:lnR w="12700" cap="flat" cmpd="sng" algn="ctr">
-                      <a:noFill/>
-                      <a:prstDash val="solid"/>
-                      <a:round/>
-                      <a:headEnd type="none" w="med" len="med"/>
-                      <a:tailEnd type="none" w="med" len="med"/>
-                    </a:lnR>
-                    <a:lnT w="12700" cap="flat" cmpd="sng" algn="ctr">
-                      <a:noFill/>
-                      <a:prstDash val="solid"/>
-                      <a:round/>
-                      <a:headEnd type="none" w="med" len="med"/>
-                      <a:tailEnd type="none" w="med" len="med"/>
-                    </a:lnT>
-                    <a:lnB w="12700" cap="flat" cmpd="sng" algn="ctr">
-                      <a:solidFill>
-                        <a:schemeClr val="tx1"/>
-                      </a:solidFill>
-                      <a:prstDash val="solid"/>
-                      <a:round/>
-                      <a:headEnd type="none" w="med" len="med"/>
-                      <a:tailEnd type="none" w="med" len="med"/>
-                    </a:lnB>
-                    <a:lnTlToBr w="12700" cmpd="sng">
-                      <a:noFill/>
-                      <a:prstDash val="solid"/>
-                    </a:lnTlToBr>
-                    <a:lnBlToTr w="12700" cmpd="sng">
-                      <a:noFill/>
-                      <a:prstDash val="solid"/>
-                    </a:lnBlToTr>
-                    <a:noFill/>
-                  </a:tcPr>
-                </a:tc>
-                <a:tc>
-                  <a:txBody>
-                    <a:bodyPr/>
-                    <a:lstStyle/>
-                    <a:p>
-                      <a:pPr algn="ctr"/>
-                      <a:r>
-                        <a:rPr lang="en-ZA" sz="1400" b="1" dirty="0">
-                          <a:solidFill>
-                            <a:srgbClr val="00008B"/>
-                          </a:solidFill>
-                          <a:effectLst/>
-                          <a:latin typeface="Times New Roman" panose="02020603050405020304" pitchFamily="18" charset="0"/>
-                          <a:cs typeface="Times New Roman" panose="02020603050405020304" pitchFamily="18" charset="0"/>
-                        </a:rPr>
-                        <a:t>Treated Hand 1 YEAR</a:t>
-                      </a:r>
-                    </a:p>
-                  </a:txBody>
-                  <a:tcPr anchor="ctr">
-                    <a:lnL w="12700" cap="flat" cmpd="sng" algn="ctr">
-                      <a:noFill/>
-                      <a:prstDash val="solid"/>
-                      <a:round/>
-                      <a:headEnd type="none" w="med" len="med"/>
-                      <a:tailEnd type="none" w="med" len="med"/>
-                    </a:lnL>
-                    <a:lnR w="12700" cap="flat" cmpd="sng" algn="ctr">
-                      <a:noFill/>
-                      <a:prstDash val="solid"/>
-                      <a:round/>
-                      <a:headEnd type="none" w="med" len="med"/>
-                      <a:tailEnd type="none" w="med" len="med"/>
-                    </a:lnR>
-                    <a:lnT w="12700" cap="flat" cmpd="sng" algn="ctr">
-                      <a:noFill/>
-                      <a:prstDash val="solid"/>
-                      <a:round/>
-                      <a:headEnd type="none" w="med" len="med"/>
-                      <a:tailEnd type="none" w="med" len="med"/>
-                    </a:lnT>
-                    <a:lnB w="12700" cap="flat" cmpd="sng" algn="ctr">
-                      <a:solidFill>
-                        <a:schemeClr val="tx1"/>
-                      </a:solidFill>
-                      <a:prstDash val="solid"/>
-                      <a:round/>
-                      <a:headEnd type="none" w="med" len="med"/>
-                      <a:tailEnd type="none" w="med" len="med"/>
-                    </a:lnB>
-                    <a:lnTlToBr w="12700" cmpd="sng">
-                      <a:noFill/>
-                      <a:prstDash val="solid"/>
-                    </a:lnTlToBr>
-                    <a:lnBlToTr w="12700" cmpd="sng">
-                      <a:noFill/>
-                      <a:prstDash val="solid"/>
-                    </a:lnBlToTr>
-                    <a:noFill/>
-                  </a:tcPr>
-                </a:tc>
-                <a:extLst>
-                  <a:ext uri="{0D108BD9-81ED-4DB2-BD59-A6C34878D82A}">
-                    <a16:rowId xmlns:a16="http://schemas.microsoft.com/office/drawing/2014/main" val="1663615900"/>
-                  </a:ext>
-                </a:extLst>
-              </a:tr>
-              <a:tr h="1422945">
-                <a:tc>
-                  <a:txBody>
-                    <a:bodyPr/>
-                    <a:lstStyle/>
-                    <a:p>
-                      <a:r>
-                        <a:rPr lang="en-ZA" sz="1400" dirty="0">
-                          <a:latin typeface="Times New Roman" panose="02020603050405020304" pitchFamily="18" charset="0"/>
-                          <a:cs typeface="Times New Roman" panose="02020603050405020304" pitchFamily="18" charset="0"/>
-                        </a:rPr>
-                        <a:t>Original drawing</a:t>
-                      </a:r>
-                    </a:p>
-                    <a:p>
-                      <a:endParaRPr lang="en-ZA" sz="1200" dirty="0">
-                        <a:latin typeface="Times New Roman" panose="02020603050405020304" pitchFamily="18" charset="0"/>
-                        <a:cs typeface="Times New Roman" panose="02020603050405020304" pitchFamily="18" charset="0"/>
-                      </a:endParaRPr>
-                    </a:p>
-                    <a:p>
-                      <a:r>
-                        <a:rPr lang="en-ZA" sz="1400" dirty="0">
-                          <a:latin typeface="Times New Roman" panose="02020603050405020304" pitchFamily="18" charset="0"/>
-                          <a:cs typeface="Times New Roman" panose="02020603050405020304" pitchFamily="18" charset="0"/>
-                        </a:rPr>
-                        <a:t>RFFT</a:t>
-                      </a:r>
-                    </a:p>
-                    <a:p>
-                      <a:endParaRPr lang="en-ZA" sz="1400" dirty="0">
-                        <a:latin typeface="Times New Roman" panose="02020603050405020304" pitchFamily="18" charset="0"/>
-                        <a:cs typeface="Times New Roman" panose="02020603050405020304" pitchFamily="18" charset="0"/>
-                      </a:endParaRPr>
-                    </a:p>
-                    <a:p>
-                      <a:endParaRPr lang="en-ZA" sz="1400" dirty="0">
-                        <a:latin typeface="Times New Roman" panose="02020603050405020304" pitchFamily="18" charset="0"/>
-                        <a:cs typeface="Times New Roman" panose="02020603050405020304" pitchFamily="18" charset="0"/>
-                      </a:endParaRPr>
-                    </a:p>
-                    <a:p>
-                      <a:r>
-                        <a:rPr lang="en-ZA" sz="1400" dirty="0">
-                          <a:latin typeface="Times New Roman" panose="02020603050405020304" pitchFamily="18" charset="0"/>
-                          <a:cs typeface="Times New Roman" panose="02020603050405020304" pitchFamily="18" charset="0"/>
-                        </a:rPr>
-                        <a:t>IIR bandpass filter</a:t>
-                      </a:r>
-                    </a:p>
-                    <a:p>
-                      <a:endParaRPr lang="en-ZA" sz="1400" dirty="0">
-                        <a:latin typeface="Times New Roman" panose="02020603050405020304" pitchFamily="18" charset="0"/>
-                        <a:cs typeface="Times New Roman" panose="02020603050405020304" pitchFamily="18" charset="0"/>
-                      </a:endParaRPr>
-                    </a:p>
-                    <a:p>
-                      <a:endParaRPr lang="en-ZA" sz="1400" dirty="0">
-                        <a:latin typeface="Times New Roman" panose="02020603050405020304" pitchFamily="18" charset="0"/>
-                        <a:cs typeface="Times New Roman" panose="02020603050405020304" pitchFamily="18" charset="0"/>
-                      </a:endParaRPr>
-                    </a:p>
-                    <a:p>
-                      <a:r>
-                        <a:rPr lang="en-ZA" sz="1400" dirty="0">
-                          <a:latin typeface="Times New Roman" panose="02020603050405020304" pitchFamily="18" charset="0"/>
-                          <a:cs typeface="Times New Roman" panose="02020603050405020304" pitchFamily="18" charset="0"/>
-                        </a:rPr>
-                        <a:t>Result</a:t>
-                      </a:r>
-                    </a:p>
-                  </a:txBody>
-                  <a:tcPr>
-                    <a:lnL w="12700" cap="flat" cmpd="sng" algn="ctr">
-                      <a:solidFill>
-                        <a:schemeClr val="tx1"/>
-                      </a:solidFill>
-                      <a:prstDash val="solid"/>
-                      <a:round/>
-                      <a:headEnd type="none" w="med" len="med"/>
-                      <a:tailEnd type="none" w="med" len="med"/>
-                    </a:lnL>
-                    <a:lnR w="12700" cap="flat" cmpd="sng" algn="ctr">
-                      <a:solidFill>
-                        <a:schemeClr val="tx1"/>
-                      </a:solidFill>
-                      <a:prstDash val="solid"/>
-                      <a:round/>
-                      <a:headEnd type="none" w="med" len="med"/>
-                      <a:tailEnd type="none" w="med" len="med"/>
-                    </a:lnR>
-                    <a:lnT w="12700" cap="flat" cmpd="sng" algn="ctr">
-                      <a:solidFill>
-                        <a:schemeClr val="tx1"/>
-                      </a:solidFill>
-                      <a:prstDash val="solid"/>
-                      <a:round/>
-                      <a:headEnd type="none" w="med" len="med"/>
-                      <a:tailEnd type="none" w="med" len="med"/>
-                    </a:lnT>
-                    <a:lnB w="12700" cap="flat" cmpd="sng" algn="ctr">
-                      <a:solidFill>
-                        <a:schemeClr val="tx1"/>
-                      </a:solidFill>
-                      <a:prstDash val="solid"/>
-                      <a:round/>
-                      <a:headEnd type="none" w="med" len="med"/>
-                      <a:tailEnd type="none" w="med" len="med"/>
-                    </a:lnB>
-                    <a:noFill/>
-                  </a:tcPr>
-                </a:tc>
-                <a:tc>
-                  <a:txBody>
-                    <a:bodyPr/>
-                    <a:lstStyle/>
-                    <a:p>
-                      <a:pPr marL="0" marR="0" lvl="0" indent="0" algn="ctr" defTabSz="2016123" rtl="0" eaLnBrk="1" fontAlgn="auto" latinLnBrk="0" hangingPunct="1">
-                        <a:lnSpc>
-                          <a:spcPct val="100000"/>
-                        </a:lnSpc>
-                        <a:spcBef>
-                          <a:spcPts val="0"/>
-                        </a:spcBef>
-                        <a:spcAft>
-                          <a:spcPts val="0"/>
-                        </a:spcAft>
-                        <a:buClrTx/>
-                        <a:buSzTx/>
-                        <a:buFontTx/>
-                        <a:buNone/>
-                        <a:tabLst/>
-                        <a:defRPr/>
-                      </a:pPr>
-                      <a:r>
-                        <a:rPr lang="en-ZA" sz="1400" dirty="0">
-                          <a:latin typeface="Times New Roman" panose="02020603050405020304" pitchFamily="18" charset="0"/>
-                          <a:cs typeface="Times New Roman" panose="02020603050405020304" pitchFamily="18" charset="0"/>
-                        </a:rPr>
-                        <a:t>12 peaks * 5.81 avg. peak adjacent distance </a:t>
-                      </a:r>
-                    </a:p>
-                    <a:p>
-                      <a:pPr marL="0" marR="0" lvl="0" indent="0" algn="ctr" defTabSz="2016123" rtl="0" eaLnBrk="1" fontAlgn="auto" latinLnBrk="0" hangingPunct="1">
-                        <a:lnSpc>
-                          <a:spcPct val="100000"/>
-                        </a:lnSpc>
-                        <a:spcBef>
-                          <a:spcPts val="0"/>
-                        </a:spcBef>
-                        <a:spcAft>
-                          <a:spcPts val="0"/>
-                        </a:spcAft>
-                        <a:buClrTx/>
-                        <a:buSzTx/>
-                        <a:buFontTx/>
-                        <a:buNone/>
-                        <a:tabLst/>
-                        <a:defRPr/>
-                      </a:pPr>
-                      <a:r>
-                        <a:rPr lang="en-ZA" sz="1400" dirty="0">
-                          <a:latin typeface="Times New Roman" panose="02020603050405020304" pitchFamily="18" charset="0"/>
-                          <a:cs typeface="Times New Roman" panose="02020603050405020304" pitchFamily="18" charset="0"/>
-                        </a:rPr>
-                        <a:t>= 69.67 tremor severity</a:t>
-                      </a:r>
-                    </a:p>
-                  </a:txBody>
-                  <a:tcPr anchor="b">
-                    <a:lnL w="12700" cap="flat" cmpd="sng" algn="ctr">
-                      <a:solidFill>
-                        <a:schemeClr val="tx1"/>
-                      </a:solidFill>
-                      <a:prstDash val="solid"/>
-                      <a:round/>
-                      <a:headEnd type="none" w="med" len="med"/>
-                      <a:tailEnd type="none" w="med" len="med"/>
-                    </a:lnL>
-                    <a:lnR w="12700" cap="flat" cmpd="sng" algn="ctr">
-                      <a:solidFill>
-                        <a:schemeClr val="tx1"/>
-                      </a:solidFill>
-                      <a:prstDash val="solid"/>
-                      <a:round/>
-                      <a:headEnd type="none" w="med" len="med"/>
-                      <a:tailEnd type="none" w="med" len="med"/>
-                    </a:lnR>
-                    <a:lnT w="12700" cap="flat" cmpd="sng" algn="ctr">
-                      <a:solidFill>
-                        <a:schemeClr val="tx1"/>
-                      </a:solidFill>
-                      <a:prstDash val="solid"/>
-                      <a:round/>
-                      <a:headEnd type="none" w="med" len="med"/>
-                      <a:tailEnd type="none" w="med" len="med"/>
-                    </a:lnT>
-                    <a:lnB w="12700" cap="flat" cmpd="sng" algn="ctr">
-                      <a:solidFill>
-                        <a:schemeClr val="tx1"/>
-                      </a:solidFill>
-                      <a:prstDash val="solid"/>
-                      <a:round/>
-                      <a:headEnd type="none" w="med" len="med"/>
-                      <a:tailEnd type="none" w="med" len="med"/>
-                    </a:lnB>
-                    <a:noFill/>
-                  </a:tcPr>
-                </a:tc>
-                <a:tc>
-                  <a:txBody>
-                    <a:bodyPr/>
-                    <a:lstStyle/>
-                    <a:p>
-                      <a:pPr marL="0" marR="0" lvl="0" indent="0" algn="ctr" defTabSz="2016123" rtl="0" eaLnBrk="1" fontAlgn="auto" latinLnBrk="0" hangingPunct="1">
-                        <a:lnSpc>
-                          <a:spcPct val="100000"/>
-                        </a:lnSpc>
-                        <a:spcBef>
-                          <a:spcPts val="0"/>
-                        </a:spcBef>
-                        <a:spcAft>
-                          <a:spcPts val="0"/>
-                        </a:spcAft>
-                        <a:buClrTx/>
-                        <a:buSzTx/>
-                        <a:buFontTx/>
-                        <a:buNone/>
-                        <a:tabLst/>
-                        <a:defRPr/>
-                      </a:pPr>
-                      <a:endParaRPr lang="en-ZA" sz="1400" dirty="0">
-                        <a:latin typeface="Times New Roman" panose="02020603050405020304" pitchFamily="18" charset="0"/>
-                        <a:cs typeface="Times New Roman" panose="02020603050405020304" pitchFamily="18" charset="0"/>
-                      </a:endParaRPr>
-                    </a:p>
-                    <a:p>
-                      <a:pPr marL="0" marR="0" lvl="0" indent="0" algn="ctr" defTabSz="2016123" rtl="0" eaLnBrk="1" fontAlgn="auto" latinLnBrk="0" hangingPunct="1">
-                        <a:lnSpc>
-                          <a:spcPct val="100000"/>
-                        </a:lnSpc>
-                        <a:spcBef>
-                          <a:spcPts val="0"/>
-                        </a:spcBef>
-                        <a:spcAft>
-                          <a:spcPts val="0"/>
-                        </a:spcAft>
-                        <a:buClrTx/>
-                        <a:buSzTx/>
-                        <a:buFontTx/>
-                        <a:buNone/>
-                        <a:tabLst/>
-                        <a:defRPr/>
-                      </a:pPr>
-                      <a:endParaRPr lang="en-ZA" sz="1400" dirty="0">
-                        <a:latin typeface="Times New Roman" panose="02020603050405020304" pitchFamily="18" charset="0"/>
-                        <a:cs typeface="Times New Roman" panose="02020603050405020304" pitchFamily="18" charset="0"/>
-                      </a:endParaRPr>
-                    </a:p>
-                    <a:p>
-                      <a:pPr marL="0" marR="0" lvl="0" indent="0" algn="ctr" defTabSz="2016123" rtl="0" eaLnBrk="1" fontAlgn="auto" latinLnBrk="0" hangingPunct="1">
-                        <a:lnSpc>
-                          <a:spcPct val="100000"/>
-                        </a:lnSpc>
-                        <a:spcBef>
-                          <a:spcPts val="0"/>
-                        </a:spcBef>
-                        <a:spcAft>
-                          <a:spcPts val="0"/>
-                        </a:spcAft>
-                        <a:buClrTx/>
-                        <a:buSzTx/>
-                        <a:buFontTx/>
-                        <a:buNone/>
-                        <a:tabLst/>
-                        <a:defRPr/>
-                      </a:pPr>
-                      <a:endParaRPr lang="en-ZA" sz="1400" dirty="0">
-                        <a:latin typeface="Times New Roman" panose="02020603050405020304" pitchFamily="18" charset="0"/>
-                        <a:cs typeface="Times New Roman" panose="02020603050405020304" pitchFamily="18" charset="0"/>
-                      </a:endParaRPr>
-                    </a:p>
-                    <a:p>
-                      <a:pPr marL="0" marR="0" lvl="0" indent="0" algn="ctr" defTabSz="2016123" rtl="0" eaLnBrk="1" fontAlgn="auto" latinLnBrk="0" hangingPunct="1">
-                        <a:lnSpc>
-                          <a:spcPct val="100000"/>
-                        </a:lnSpc>
-                        <a:spcBef>
-                          <a:spcPts val="0"/>
-                        </a:spcBef>
-                        <a:spcAft>
-                          <a:spcPts val="0"/>
-                        </a:spcAft>
-                        <a:buClrTx/>
-                        <a:buSzTx/>
-                        <a:buFontTx/>
-                        <a:buNone/>
-                        <a:tabLst/>
-                        <a:defRPr/>
-                      </a:pPr>
-                      <a:endParaRPr lang="en-ZA" sz="1400" dirty="0">
-                        <a:latin typeface="Times New Roman" panose="02020603050405020304" pitchFamily="18" charset="0"/>
-                        <a:cs typeface="Times New Roman" panose="02020603050405020304" pitchFamily="18" charset="0"/>
-                      </a:endParaRPr>
-                    </a:p>
-                    <a:p>
-                      <a:pPr marL="0" marR="0" lvl="0" indent="0" algn="ctr" defTabSz="2016123" rtl="0" eaLnBrk="1" fontAlgn="auto" latinLnBrk="0" hangingPunct="1">
-                        <a:lnSpc>
-                          <a:spcPct val="100000"/>
-                        </a:lnSpc>
-                        <a:spcBef>
-                          <a:spcPts val="0"/>
-                        </a:spcBef>
-                        <a:spcAft>
-                          <a:spcPts val="0"/>
-                        </a:spcAft>
-                        <a:buClrTx/>
-                        <a:buSzTx/>
-                        <a:buFontTx/>
-                        <a:buNone/>
-                        <a:tabLst/>
-                        <a:defRPr/>
-                      </a:pPr>
-                      <a:endParaRPr lang="en-ZA" sz="1400" dirty="0">
-                        <a:latin typeface="Times New Roman" panose="02020603050405020304" pitchFamily="18" charset="0"/>
-                        <a:cs typeface="Times New Roman" panose="02020603050405020304" pitchFamily="18" charset="0"/>
-                      </a:endParaRPr>
-                    </a:p>
-                    <a:p>
-                      <a:pPr marL="0" marR="0" lvl="0" indent="0" algn="ctr" defTabSz="2016123" rtl="0" eaLnBrk="1" fontAlgn="auto" latinLnBrk="0" hangingPunct="1">
-                        <a:lnSpc>
-                          <a:spcPct val="100000"/>
-                        </a:lnSpc>
-                        <a:spcBef>
-                          <a:spcPts val="0"/>
-                        </a:spcBef>
-                        <a:spcAft>
-                          <a:spcPts val="0"/>
-                        </a:spcAft>
-                        <a:buClrTx/>
-                        <a:buSzTx/>
-                        <a:buFontTx/>
-                        <a:buNone/>
-                        <a:tabLst/>
-                        <a:defRPr/>
-                      </a:pPr>
-                      <a:endParaRPr lang="en-ZA" sz="1400" dirty="0">
-                        <a:latin typeface="Times New Roman" panose="02020603050405020304" pitchFamily="18" charset="0"/>
-                        <a:cs typeface="Times New Roman" panose="02020603050405020304" pitchFamily="18" charset="0"/>
-                      </a:endParaRPr>
-                    </a:p>
-                    <a:p>
-                      <a:pPr marL="0" marR="0" lvl="0" indent="0" algn="ctr" defTabSz="2016123" rtl="0" eaLnBrk="1" fontAlgn="auto" latinLnBrk="0" hangingPunct="1">
-                        <a:lnSpc>
-                          <a:spcPct val="100000"/>
-                        </a:lnSpc>
-                        <a:spcBef>
-                          <a:spcPts val="0"/>
-                        </a:spcBef>
-                        <a:spcAft>
-                          <a:spcPts val="0"/>
-                        </a:spcAft>
-                        <a:buClrTx/>
-                        <a:buSzTx/>
-                        <a:buFontTx/>
-                        <a:buNone/>
-                        <a:tabLst/>
-                        <a:defRPr/>
-                      </a:pPr>
-                      <a:endParaRPr lang="en-ZA" sz="1400" dirty="0">
-                        <a:latin typeface="Times New Roman" panose="02020603050405020304" pitchFamily="18" charset="0"/>
-                        <a:cs typeface="Times New Roman" panose="02020603050405020304" pitchFamily="18" charset="0"/>
-                      </a:endParaRPr>
-                    </a:p>
-                    <a:p>
-                      <a:pPr marL="0" marR="0" lvl="0" indent="0" algn="ctr" defTabSz="2016123" rtl="0" eaLnBrk="1" fontAlgn="auto" latinLnBrk="0" hangingPunct="1">
-                        <a:lnSpc>
-                          <a:spcPct val="100000"/>
-                        </a:lnSpc>
-                        <a:spcBef>
-                          <a:spcPts val="0"/>
-                        </a:spcBef>
-                        <a:spcAft>
-                          <a:spcPts val="0"/>
-                        </a:spcAft>
-                        <a:buClrTx/>
-                        <a:buSzTx/>
-                        <a:buFontTx/>
-                        <a:buNone/>
-                        <a:tabLst/>
-                        <a:defRPr/>
-                      </a:pPr>
-                      <a:r>
-                        <a:rPr lang="en-ZA" sz="1400" dirty="0">
-                          <a:latin typeface="Times New Roman" panose="02020603050405020304" pitchFamily="18" charset="0"/>
-                          <a:cs typeface="Times New Roman" panose="02020603050405020304" pitchFamily="18" charset="0"/>
-                        </a:rPr>
-                        <a:t>7 peaks * 2.43 avg. peak adjacent distance </a:t>
-                      </a:r>
-                    </a:p>
-                    <a:p>
-                      <a:pPr marL="0" marR="0" lvl="0" indent="0" algn="ctr" defTabSz="2016123" rtl="0" eaLnBrk="1" fontAlgn="auto" latinLnBrk="0" hangingPunct="1">
-                        <a:lnSpc>
-                          <a:spcPct val="100000"/>
-                        </a:lnSpc>
-                        <a:spcBef>
-                          <a:spcPts val="0"/>
-                        </a:spcBef>
-                        <a:spcAft>
-                          <a:spcPts val="0"/>
-                        </a:spcAft>
-                        <a:buClrTx/>
-                        <a:buSzTx/>
-                        <a:buFontTx/>
-                        <a:buNone/>
-                        <a:tabLst/>
-                        <a:defRPr/>
-                      </a:pPr>
-                      <a:r>
-                        <a:rPr lang="en-ZA" sz="1400" dirty="0">
-                          <a:latin typeface="Times New Roman" panose="02020603050405020304" pitchFamily="18" charset="0"/>
-                          <a:cs typeface="Times New Roman" panose="02020603050405020304" pitchFamily="18" charset="0"/>
-                        </a:rPr>
-                        <a:t>= 17.02 tremor severity</a:t>
-                      </a:r>
-                    </a:p>
-                  </a:txBody>
-                  <a:tcPr anchor="b">
-                    <a:lnL w="12700" cap="flat" cmpd="sng" algn="ctr">
-                      <a:solidFill>
-                        <a:schemeClr val="tx1"/>
-                      </a:solidFill>
-                      <a:prstDash val="solid"/>
-                      <a:round/>
-                      <a:headEnd type="none" w="med" len="med"/>
-                      <a:tailEnd type="none" w="med" len="med"/>
-                    </a:lnL>
-                    <a:lnR w="12700" cap="flat" cmpd="sng" algn="ctr">
-                      <a:solidFill>
-                        <a:schemeClr val="tx1"/>
-                      </a:solidFill>
-                      <a:prstDash val="solid"/>
-                      <a:round/>
-                      <a:headEnd type="none" w="med" len="med"/>
-                      <a:tailEnd type="none" w="med" len="med"/>
-                    </a:lnR>
-                    <a:lnT w="12700" cap="flat" cmpd="sng" algn="ctr">
-                      <a:solidFill>
-                        <a:schemeClr val="tx1"/>
-                      </a:solidFill>
-                      <a:prstDash val="solid"/>
-                      <a:round/>
-                      <a:headEnd type="none" w="med" len="med"/>
-                      <a:tailEnd type="none" w="med" len="med"/>
-                    </a:lnT>
-                    <a:lnB w="12700" cap="flat" cmpd="sng" algn="ctr">
-                      <a:solidFill>
-                        <a:schemeClr val="tx1"/>
-                      </a:solidFill>
-                      <a:prstDash val="solid"/>
-                      <a:round/>
-                      <a:headEnd type="none" w="med" len="med"/>
-                      <a:tailEnd type="none" w="med" len="med"/>
-                    </a:lnB>
-                    <a:noFill/>
-                  </a:tcPr>
-                </a:tc>
-                <a:extLst>
-                  <a:ext uri="{0D108BD9-81ED-4DB2-BD59-A6C34878D82A}">
-                    <a16:rowId xmlns:a16="http://schemas.microsoft.com/office/drawing/2014/main" val="2099816766"/>
-                  </a:ext>
-                </a:extLst>
-              </a:tr>
-            </a:tbl>
-          </a:graphicData>
-        </a:graphic>
-      </p:graphicFrame>
-      <p:graphicFrame>
-        <p:nvGraphicFramePr>
-          <p:cNvPr id="174" name="Table 56">
-            <a:extLst>
-              <a:ext uri="{FF2B5EF4-FFF2-40B4-BE49-F238E27FC236}">
-                <a16:creationId xmlns:a16="http://schemas.microsoft.com/office/drawing/2014/main" id="{AD062D3F-71DB-CAAB-4CD4-68710A012BC7}"/>
-              </a:ext>
-            </a:extLst>
-          </p:cNvPr>
-          <p:cNvGraphicFramePr>
-            <a:graphicFrameLocks noGrp="1"/>
-          </p:cNvGraphicFramePr>
-          <p:nvPr>
-            <p:extLst>
-              <p:ext uri="{D42A27DB-BD31-4B8C-83A1-F6EECF244321}">
-                <p14:modId xmlns:p14="http://schemas.microsoft.com/office/powerpoint/2010/main" val="2456562763"/>
-              </p:ext>
-            </p:extLst>
-          </p:nvPr>
-        </p:nvGraphicFramePr>
-        <p:xfrm>
-          <a:off x="8777172" y="12255164"/>
-          <a:ext cx="6660000" cy="2529840"/>
-        </p:xfrm>
-        <a:graphic>
-          <a:graphicData uri="http://schemas.openxmlformats.org/drawingml/2006/table">
-            <a:tbl>
-              <a:tblPr firstRow="1" bandRow="1">
-                <a:tableStyleId>{2D5ABB26-0587-4C30-8999-92F81FD0307C}</a:tableStyleId>
-              </a:tblPr>
-              <a:tblGrid>
-                <a:gridCol w="1620000">
-                  <a:extLst>
-                    <a:ext uri="{9D8B030D-6E8A-4147-A177-3AD203B41FA5}">
-                      <a16:colId xmlns:a16="http://schemas.microsoft.com/office/drawing/2014/main" val="1691660774"/>
-                    </a:ext>
-                  </a:extLst>
-                </a:gridCol>
-                <a:gridCol w="2520000">
-                  <a:extLst>
-                    <a:ext uri="{9D8B030D-6E8A-4147-A177-3AD203B41FA5}">
-                      <a16:colId xmlns:a16="http://schemas.microsoft.com/office/drawing/2014/main" val="3072975969"/>
-                    </a:ext>
-                  </a:extLst>
-                </a:gridCol>
-                <a:gridCol w="2520000">
-                  <a:extLst>
-                    <a:ext uri="{9D8B030D-6E8A-4147-A177-3AD203B41FA5}">
-                      <a16:colId xmlns:a16="http://schemas.microsoft.com/office/drawing/2014/main" val="4272725515"/>
-                    </a:ext>
-                  </a:extLst>
-                </a:gridCol>
-              </a:tblGrid>
-              <a:tr h="180000">
-                <a:tc>
-                  <a:txBody>
-                    <a:bodyPr/>
-                    <a:lstStyle/>
-                    <a:p>
-                      <a:r>
-                        <a:rPr lang="en-ZA" sz="1400" b="1" strike="noStrike" dirty="0">
-                          <a:solidFill>
-                            <a:srgbClr val="00008B"/>
-                          </a:solidFill>
-                          <a:effectLst/>
-                          <a:latin typeface="Times New Roman" panose="02020603050405020304" pitchFamily="18" charset="0"/>
-                          <a:cs typeface="Times New Roman" panose="02020603050405020304" pitchFamily="18" charset="0"/>
-                        </a:rPr>
-                        <a:t> TABLE 3:</a:t>
-                      </a:r>
-                      <a:endParaRPr lang="en-ZA" sz="3200" b="1" strike="noStrike" dirty="0">
-                        <a:solidFill>
-                          <a:srgbClr val="00008B"/>
-                        </a:solidFill>
-                        <a:effectLst/>
-                        <a:latin typeface="Times New Roman" panose="02020603050405020304" pitchFamily="18" charset="0"/>
-                        <a:cs typeface="Times New Roman" panose="02020603050405020304" pitchFamily="18" charset="0"/>
-                      </a:endParaRPr>
-                    </a:p>
-                  </a:txBody>
-                  <a:tcPr anchor="ctr">
-                    <a:lnL w="12700" cap="flat" cmpd="sng" algn="ctr">
-                      <a:noFill/>
-                      <a:prstDash val="solid"/>
-                      <a:round/>
-                      <a:headEnd type="none" w="med" len="med"/>
-                      <a:tailEnd type="none" w="med" len="med"/>
-                    </a:lnL>
-                    <a:lnR w="12700" cap="flat" cmpd="sng" algn="ctr">
-                      <a:noFill/>
-                      <a:prstDash val="solid"/>
-                      <a:round/>
-                      <a:headEnd type="none" w="med" len="med"/>
-                      <a:tailEnd type="none" w="med" len="med"/>
-                    </a:lnR>
-                    <a:lnT w="12700" cap="flat" cmpd="sng" algn="ctr">
-                      <a:noFill/>
-                      <a:prstDash val="solid"/>
-                      <a:round/>
-                      <a:headEnd type="none" w="med" len="med"/>
-                      <a:tailEnd type="none" w="med" len="med"/>
-                    </a:lnT>
-                    <a:lnB w="12700" cap="flat" cmpd="sng" algn="ctr">
-                      <a:solidFill>
-                        <a:schemeClr val="tx1"/>
-                      </a:solidFill>
-                      <a:prstDash val="solid"/>
-                      <a:round/>
-                      <a:headEnd type="none" w="med" len="med"/>
-                      <a:tailEnd type="none" w="med" len="med"/>
-                    </a:lnB>
-                    <a:lnTlToBr w="12700" cmpd="sng">
-                      <a:noFill/>
-                      <a:prstDash val="solid"/>
-                    </a:lnTlToBr>
-                    <a:lnBlToTr w="12700" cmpd="sng">
-                      <a:noFill/>
-                      <a:prstDash val="solid"/>
-                    </a:lnBlToTr>
-                    <a:noFill/>
-                  </a:tcPr>
-                </a:tc>
-                <a:tc>
-                  <a:txBody>
-                    <a:bodyPr/>
-                    <a:lstStyle/>
-                    <a:p>
-                      <a:pPr algn="ctr"/>
-                      <a:r>
-                        <a:rPr lang="en-ZA" sz="1400" b="1" strike="noStrike" dirty="0">
-                          <a:solidFill>
-                            <a:srgbClr val="00008B"/>
-                          </a:solidFill>
-                          <a:effectLst/>
-                          <a:latin typeface="Times New Roman" panose="02020603050405020304" pitchFamily="18" charset="0"/>
-                          <a:cs typeface="Times New Roman" panose="02020603050405020304" pitchFamily="18" charset="0"/>
-                        </a:rPr>
-                        <a:t>Untreated Hand BEFORE</a:t>
-                      </a:r>
-                      <a:endParaRPr lang="en-ZA" sz="3200" b="1" strike="noStrike" dirty="0">
-                        <a:solidFill>
-                          <a:srgbClr val="00008B"/>
-                        </a:solidFill>
-                        <a:effectLst/>
-                        <a:latin typeface="Times New Roman" panose="02020603050405020304" pitchFamily="18" charset="0"/>
-                        <a:cs typeface="Times New Roman" panose="02020603050405020304" pitchFamily="18" charset="0"/>
-                      </a:endParaRPr>
-                    </a:p>
-                  </a:txBody>
-                  <a:tcPr anchor="ctr">
-                    <a:lnL w="12700" cap="flat" cmpd="sng" algn="ctr">
-                      <a:noFill/>
-                      <a:prstDash val="solid"/>
-                      <a:round/>
-                      <a:headEnd type="none" w="med" len="med"/>
-                      <a:tailEnd type="none" w="med" len="med"/>
-                    </a:lnL>
-                    <a:lnR w="12700" cap="flat" cmpd="sng" algn="ctr">
-                      <a:noFill/>
-                      <a:prstDash val="solid"/>
-                      <a:round/>
-                      <a:headEnd type="none" w="med" len="med"/>
-                      <a:tailEnd type="none" w="med" len="med"/>
-                    </a:lnR>
-                    <a:lnT w="12700" cap="flat" cmpd="sng" algn="ctr">
-                      <a:noFill/>
-                      <a:prstDash val="solid"/>
-                      <a:round/>
-                      <a:headEnd type="none" w="med" len="med"/>
-                      <a:tailEnd type="none" w="med" len="med"/>
-                    </a:lnT>
-                    <a:lnB w="12700" cap="flat" cmpd="sng" algn="ctr">
-                      <a:solidFill>
-                        <a:schemeClr val="tx1"/>
-                      </a:solidFill>
-                      <a:prstDash val="solid"/>
-                      <a:round/>
-                      <a:headEnd type="none" w="med" len="med"/>
-                      <a:tailEnd type="none" w="med" len="med"/>
-                    </a:lnB>
-                    <a:lnTlToBr w="12700" cmpd="sng">
-                      <a:noFill/>
-                      <a:prstDash val="solid"/>
-                    </a:lnTlToBr>
-                    <a:lnBlToTr w="12700" cmpd="sng">
-                      <a:noFill/>
-                      <a:prstDash val="solid"/>
-                    </a:lnBlToTr>
-                    <a:noFill/>
-                  </a:tcPr>
-                </a:tc>
-                <a:tc>
-                  <a:txBody>
-                    <a:bodyPr/>
-                    <a:lstStyle/>
-                    <a:p>
-                      <a:pPr algn="ctr"/>
-                      <a:r>
-                        <a:rPr lang="en-ZA" sz="1400" b="1" strike="noStrike" dirty="0">
-                          <a:solidFill>
-                            <a:srgbClr val="00008B"/>
-                          </a:solidFill>
-                          <a:effectLst/>
-                          <a:latin typeface="Times New Roman" panose="02020603050405020304" pitchFamily="18" charset="0"/>
-                          <a:cs typeface="Times New Roman" panose="02020603050405020304" pitchFamily="18" charset="0"/>
-                        </a:rPr>
-                        <a:t>Untreated Hand 1 YEAR</a:t>
-                      </a:r>
-                    </a:p>
-                  </a:txBody>
-                  <a:tcPr anchor="ctr">
-                    <a:lnL w="12700" cap="flat" cmpd="sng" algn="ctr">
-                      <a:noFill/>
-                      <a:prstDash val="solid"/>
-                      <a:round/>
-                      <a:headEnd type="none" w="med" len="med"/>
-                      <a:tailEnd type="none" w="med" len="med"/>
-                    </a:lnL>
-                    <a:lnR w="12700" cap="flat" cmpd="sng" algn="ctr">
-                      <a:noFill/>
-                      <a:prstDash val="solid"/>
-                      <a:round/>
-                      <a:headEnd type="none" w="med" len="med"/>
-                      <a:tailEnd type="none" w="med" len="med"/>
-                    </a:lnR>
-                    <a:lnT w="12700" cap="flat" cmpd="sng" algn="ctr">
-                      <a:noFill/>
-                      <a:prstDash val="solid"/>
-                      <a:round/>
-                      <a:headEnd type="none" w="med" len="med"/>
-                      <a:tailEnd type="none" w="med" len="med"/>
-                    </a:lnT>
-                    <a:lnB w="12700" cap="flat" cmpd="sng" algn="ctr">
-                      <a:solidFill>
-                        <a:schemeClr val="tx1"/>
-                      </a:solidFill>
-                      <a:prstDash val="solid"/>
-                      <a:round/>
-                      <a:headEnd type="none" w="med" len="med"/>
-                      <a:tailEnd type="none" w="med" len="med"/>
-                    </a:lnB>
-                    <a:lnTlToBr w="12700" cmpd="sng">
-                      <a:noFill/>
-                      <a:prstDash val="solid"/>
-                    </a:lnTlToBr>
-                    <a:lnBlToTr w="12700" cmpd="sng">
-                      <a:noFill/>
-                      <a:prstDash val="solid"/>
-                    </a:lnBlToTr>
-                    <a:noFill/>
-                  </a:tcPr>
-                </a:tc>
-                <a:extLst>
-                  <a:ext uri="{0D108BD9-81ED-4DB2-BD59-A6C34878D82A}">
-                    <a16:rowId xmlns:a16="http://schemas.microsoft.com/office/drawing/2014/main" val="1663615900"/>
-                  </a:ext>
-                </a:extLst>
-              </a:tr>
-              <a:tr h="1021973">
-                <a:tc>
-                  <a:txBody>
-                    <a:bodyPr/>
-                    <a:lstStyle/>
-                    <a:p>
-                      <a:r>
-                        <a:rPr lang="en-ZA" sz="1400" dirty="0">
-                          <a:latin typeface="Times New Roman" panose="02020603050405020304" pitchFamily="18" charset="0"/>
-                          <a:cs typeface="Times New Roman" panose="02020603050405020304" pitchFamily="18" charset="0"/>
-                        </a:rPr>
-                        <a:t>Original drawing</a:t>
-                      </a:r>
-                    </a:p>
-                    <a:p>
-                      <a:endParaRPr lang="en-ZA" sz="1200" dirty="0">
-                        <a:latin typeface="Times New Roman" panose="02020603050405020304" pitchFamily="18" charset="0"/>
-                        <a:cs typeface="Times New Roman" panose="02020603050405020304" pitchFamily="18" charset="0"/>
-                      </a:endParaRPr>
-                    </a:p>
-                    <a:p>
-                      <a:r>
-                        <a:rPr lang="en-ZA" sz="1400" dirty="0">
-                          <a:latin typeface="Times New Roman" panose="02020603050405020304" pitchFamily="18" charset="0"/>
-                          <a:cs typeface="Times New Roman" panose="02020603050405020304" pitchFamily="18" charset="0"/>
-                        </a:rPr>
-                        <a:t>RFFT</a:t>
-                      </a:r>
-                    </a:p>
-                    <a:p>
-                      <a:endParaRPr lang="en-ZA" sz="1400" dirty="0">
-                        <a:latin typeface="Times New Roman" panose="02020603050405020304" pitchFamily="18" charset="0"/>
-                        <a:cs typeface="Times New Roman" panose="02020603050405020304" pitchFamily="18" charset="0"/>
-                      </a:endParaRPr>
-                    </a:p>
-                    <a:p>
-                      <a:endParaRPr lang="en-ZA" sz="1400" dirty="0">
-                        <a:latin typeface="Times New Roman" panose="02020603050405020304" pitchFamily="18" charset="0"/>
-                        <a:cs typeface="Times New Roman" panose="02020603050405020304" pitchFamily="18" charset="0"/>
-                      </a:endParaRPr>
-                    </a:p>
-                    <a:p>
-                      <a:r>
-                        <a:rPr lang="en-ZA" sz="1400" dirty="0">
-                          <a:latin typeface="Times New Roman" panose="02020603050405020304" pitchFamily="18" charset="0"/>
-                          <a:cs typeface="Times New Roman" panose="02020603050405020304" pitchFamily="18" charset="0"/>
-                        </a:rPr>
-                        <a:t>IIR bandpass filter</a:t>
-                      </a:r>
-                    </a:p>
-                    <a:p>
-                      <a:endParaRPr lang="en-ZA" sz="1400" dirty="0">
-                        <a:latin typeface="Times New Roman" panose="02020603050405020304" pitchFamily="18" charset="0"/>
-                        <a:cs typeface="Times New Roman" panose="02020603050405020304" pitchFamily="18" charset="0"/>
-                      </a:endParaRPr>
-                    </a:p>
-                    <a:p>
-                      <a:endParaRPr lang="en-ZA" sz="1400" dirty="0">
-                        <a:latin typeface="Times New Roman" panose="02020603050405020304" pitchFamily="18" charset="0"/>
-                        <a:cs typeface="Times New Roman" panose="02020603050405020304" pitchFamily="18" charset="0"/>
-                      </a:endParaRPr>
-                    </a:p>
-                    <a:p>
-                      <a:r>
-                        <a:rPr lang="en-ZA" sz="1400" dirty="0">
-                          <a:latin typeface="Times New Roman" panose="02020603050405020304" pitchFamily="18" charset="0"/>
-                          <a:cs typeface="Times New Roman" panose="02020603050405020304" pitchFamily="18" charset="0"/>
-                        </a:rPr>
-                        <a:t>Result</a:t>
-                      </a:r>
-                    </a:p>
-                  </a:txBody>
-                  <a:tcPr>
-                    <a:lnL w="12700" cap="flat" cmpd="sng" algn="ctr">
-                      <a:solidFill>
-                        <a:schemeClr val="tx1"/>
-                      </a:solidFill>
-                      <a:prstDash val="solid"/>
-                      <a:round/>
-                      <a:headEnd type="none" w="med" len="med"/>
-                      <a:tailEnd type="none" w="med" len="med"/>
-                    </a:lnL>
-                    <a:lnR w="12700" cap="flat" cmpd="sng" algn="ctr">
-                      <a:solidFill>
-                        <a:schemeClr val="tx1"/>
-                      </a:solidFill>
-                      <a:prstDash val="solid"/>
-                      <a:round/>
-                      <a:headEnd type="none" w="med" len="med"/>
-                      <a:tailEnd type="none" w="med" len="med"/>
-                    </a:lnR>
-                    <a:lnT w="12700" cap="flat" cmpd="sng" algn="ctr">
-                      <a:solidFill>
-                        <a:schemeClr val="tx1"/>
-                      </a:solidFill>
-                      <a:prstDash val="solid"/>
-                      <a:round/>
-                      <a:headEnd type="none" w="med" len="med"/>
-                      <a:tailEnd type="none" w="med" len="med"/>
-                    </a:lnT>
-                    <a:lnB w="12700" cap="flat" cmpd="sng" algn="ctr">
-                      <a:solidFill>
-                        <a:schemeClr val="tx1"/>
-                      </a:solidFill>
-                      <a:prstDash val="solid"/>
-                      <a:round/>
-                      <a:headEnd type="none" w="med" len="med"/>
-                      <a:tailEnd type="none" w="med" len="med"/>
-                    </a:lnB>
-                    <a:noFill/>
-                  </a:tcPr>
-                </a:tc>
-                <a:tc>
-                  <a:txBody>
-                    <a:bodyPr/>
-                    <a:lstStyle/>
-                    <a:p>
-                      <a:pPr marL="0" marR="0" lvl="0" indent="0" algn="ctr" defTabSz="2016123" rtl="0" eaLnBrk="1" fontAlgn="auto" latinLnBrk="0" hangingPunct="1">
-                        <a:lnSpc>
-                          <a:spcPct val="100000"/>
-                        </a:lnSpc>
-                        <a:spcBef>
-                          <a:spcPts val="0"/>
-                        </a:spcBef>
-                        <a:spcAft>
-                          <a:spcPts val="0"/>
-                        </a:spcAft>
-                        <a:buClrTx/>
-                        <a:buSzTx/>
-                        <a:buFontTx/>
-                        <a:buNone/>
-                        <a:tabLst/>
-                        <a:defRPr/>
-                      </a:pPr>
-                      <a:r>
-                        <a:rPr lang="en-ZA" sz="1400" dirty="0">
-                          <a:latin typeface="Times New Roman" panose="02020603050405020304" pitchFamily="18" charset="0"/>
-                          <a:cs typeface="Times New Roman" panose="02020603050405020304" pitchFamily="18" charset="0"/>
-                        </a:rPr>
-                        <a:t>8 peaks * 4.95 avg. peak adjacent distance </a:t>
-                      </a:r>
-                    </a:p>
-                    <a:p>
-                      <a:pPr marL="0" marR="0" lvl="0" indent="0" algn="ctr" defTabSz="2016123" rtl="0" eaLnBrk="1" fontAlgn="auto" latinLnBrk="0" hangingPunct="1">
-                        <a:lnSpc>
-                          <a:spcPct val="100000"/>
-                        </a:lnSpc>
-                        <a:spcBef>
-                          <a:spcPts val="0"/>
-                        </a:spcBef>
-                        <a:spcAft>
-                          <a:spcPts val="0"/>
-                        </a:spcAft>
-                        <a:buClrTx/>
-                        <a:buSzTx/>
-                        <a:buFontTx/>
-                        <a:buNone/>
-                        <a:tabLst/>
-                        <a:defRPr/>
-                      </a:pPr>
-                      <a:r>
-                        <a:rPr lang="en-ZA" sz="1400" dirty="0">
-                          <a:latin typeface="Times New Roman" panose="02020603050405020304" pitchFamily="18" charset="0"/>
-                          <a:cs typeface="Times New Roman" panose="02020603050405020304" pitchFamily="18" charset="0"/>
-                        </a:rPr>
-                        <a:t>= 39.58 tremor severity</a:t>
-                      </a:r>
-                    </a:p>
-                  </a:txBody>
-                  <a:tcPr anchor="b">
-                    <a:lnL w="12700" cap="flat" cmpd="sng" algn="ctr">
-                      <a:solidFill>
-                        <a:schemeClr val="tx1"/>
-                      </a:solidFill>
-                      <a:prstDash val="solid"/>
-                      <a:round/>
-                      <a:headEnd type="none" w="med" len="med"/>
-                      <a:tailEnd type="none" w="med" len="med"/>
-                    </a:lnL>
-                    <a:lnR w="12700" cap="flat" cmpd="sng" algn="ctr">
-                      <a:solidFill>
-                        <a:schemeClr val="tx1"/>
-                      </a:solidFill>
-                      <a:prstDash val="solid"/>
-                      <a:round/>
-                      <a:headEnd type="none" w="med" len="med"/>
-                      <a:tailEnd type="none" w="med" len="med"/>
-                    </a:lnR>
-                    <a:lnT w="12700" cap="flat" cmpd="sng" algn="ctr">
-                      <a:solidFill>
-                        <a:schemeClr val="tx1"/>
-                      </a:solidFill>
-                      <a:prstDash val="solid"/>
-                      <a:round/>
-                      <a:headEnd type="none" w="med" len="med"/>
-                      <a:tailEnd type="none" w="med" len="med"/>
-                    </a:lnT>
-                    <a:lnB w="12700" cap="flat" cmpd="sng" algn="ctr">
-                      <a:solidFill>
-                        <a:schemeClr val="tx1"/>
-                      </a:solidFill>
-                      <a:prstDash val="solid"/>
-                      <a:round/>
-                      <a:headEnd type="none" w="med" len="med"/>
-                      <a:tailEnd type="none" w="med" len="med"/>
-                    </a:lnB>
-                    <a:noFill/>
-                  </a:tcPr>
-                </a:tc>
-                <a:tc>
-                  <a:txBody>
-                    <a:bodyPr/>
-                    <a:lstStyle/>
-                    <a:p>
-                      <a:pPr marL="0" marR="0" lvl="0" indent="0" algn="ctr" defTabSz="2016123" rtl="0" eaLnBrk="1" fontAlgn="auto" latinLnBrk="0" hangingPunct="1">
-                        <a:lnSpc>
-                          <a:spcPct val="100000"/>
-                        </a:lnSpc>
-                        <a:spcBef>
-                          <a:spcPts val="0"/>
-                        </a:spcBef>
-                        <a:spcAft>
-                          <a:spcPts val="0"/>
-                        </a:spcAft>
-                        <a:buClrTx/>
-                        <a:buSzTx/>
-                        <a:buFontTx/>
-                        <a:buNone/>
-                        <a:tabLst/>
-                        <a:defRPr/>
-                      </a:pPr>
-                      <a:endParaRPr lang="en-ZA" sz="1400" dirty="0">
-                        <a:latin typeface="Times New Roman" panose="02020603050405020304" pitchFamily="18" charset="0"/>
-                        <a:cs typeface="Times New Roman" panose="02020603050405020304" pitchFamily="18" charset="0"/>
-                      </a:endParaRPr>
-                    </a:p>
-                    <a:p>
-                      <a:pPr marL="0" marR="0" lvl="0" indent="0" algn="ctr" defTabSz="2016123" rtl="0" eaLnBrk="1" fontAlgn="auto" latinLnBrk="0" hangingPunct="1">
-                        <a:lnSpc>
-                          <a:spcPct val="100000"/>
-                        </a:lnSpc>
-                        <a:spcBef>
-                          <a:spcPts val="0"/>
-                        </a:spcBef>
-                        <a:spcAft>
-                          <a:spcPts val="0"/>
-                        </a:spcAft>
-                        <a:buClrTx/>
-                        <a:buSzTx/>
-                        <a:buFontTx/>
-                        <a:buNone/>
-                        <a:tabLst/>
-                        <a:defRPr/>
-                      </a:pPr>
-                      <a:endParaRPr lang="en-ZA" sz="1400" dirty="0">
-                        <a:latin typeface="Times New Roman" panose="02020603050405020304" pitchFamily="18" charset="0"/>
-                        <a:cs typeface="Times New Roman" panose="02020603050405020304" pitchFamily="18" charset="0"/>
-                      </a:endParaRPr>
-                    </a:p>
-                    <a:p>
-                      <a:pPr marL="0" marR="0" lvl="0" indent="0" algn="ctr" defTabSz="2016123" rtl="0" eaLnBrk="1" fontAlgn="auto" latinLnBrk="0" hangingPunct="1">
-                        <a:lnSpc>
-                          <a:spcPct val="100000"/>
-                        </a:lnSpc>
-                        <a:spcBef>
-                          <a:spcPts val="0"/>
-                        </a:spcBef>
-                        <a:spcAft>
-                          <a:spcPts val="0"/>
-                        </a:spcAft>
-                        <a:buClrTx/>
-                        <a:buSzTx/>
-                        <a:buFontTx/>
-                        <a:buNone/>
-                        <a:tabLst/>
-                        <a:defRPr/>
-                      </a:pPr>
-                      <a:endParaRPr lang="en-ZA" sz="1400" dirty="0">
-                        <a:latin typeface="Times New Roman" panose="02020603050405020304" pitchFamily="18" charset="0"/>
-                        <a:cs typeface="Times New Roman" panose="02020603050405020304" pitchFamily="18" charset="0"/>
-                      </a:endParaRPr>
-                    </a:p>
-                    <a:p>
-                      <a:pPr marL="0" marR="0" lvl="0" indent="0" algn="ctr" defTabSz="2016123" rtl="0" eaLnBrk="1" fontAlgn="auto" latinLnBrk="0" hangingPunct="1">
-                        <a:lnSpc>
-                          <a:spcPct val="100000"/>
-                        </a:lnSpc>
-                        <a:spcBef>
-                          <a:spcPts val="0"/>
-                        </a:spcBef>
-                        <a:spcAft>
-                          <a:spcPts val="0"/>
-                        </a:spcAft>
-                        <a:buClrTx/>
-                        <a:buSzTx/>
-                        <a:buFontTx/>
-                        <a:buNone/>
-                        <a:tabLst/>
-                        <a:defRPr/>
-                      </a:pPr>
-                      <a:endParaRPr lang="en-ZA" sz="1400" dirty="0">
-                        <a:latin typeface="Times New Roman" panose="02020603050405020304" pitchFamily="18" charset="0"/>
-                        <a:cs typeface="Times New Roman" panose="02020603050405020304" pitchFamily="18" charset="0"/>
-                      </a:endParaRPr>
-                    </a:p>
-                    <a:p>
-                      <a:pPr marL="0" marR="0" lvl="0" indent="0" algn="ctr" defTabSz="2016123" rtl="0" eaLnBrk="1" fontAlgn="auto" latinLnBrk="0" hangingPunct="1">
-                        <a:lnSpc>
-                          <a:spcPct val="100000"/>
-                        </a:lnSpc>
-                        <a:spcBef>
-                          <a:spcPts val="0"/>
-                        </a:spcBef>
-                        <a:spcAft>
-                          <a:spcPts val="0"/>
-                        </a:spcAft>
-                        <a:buClrTx/>
-                        <a:buSzTx/>
-                        <a:buFontTx/>
-                        <a:buNone/>
-                        <a:tabLst/>
-                        <a:defRPr/>
-                      </a:pPr>
-                      <a:endParaRPr lang="en-ZA" sz="1400" dirty="0">
-                        <a:latin typeface="Times New Roman" panose="02020603050405020304" pitchFamily="18" charset="0"/>
-                        <a:cs typeface="Times New Roman" panose="02020603050405020304" pitchFamily="18" charset="0"/>
-                      </a:endParaRPr>
-                    </a:p>
-                    <a:p>
-                      <a:pPr marL="0" marR="0" lvl="0" indent="0" algn="ctr" defTabSz="2016123" rtl="0" eaLnBrk="1" fontAlgn="auto" latinLnBrk="0" hangingPunct="1">
-                        <a:lnSpc>
-                          <a:spcPct val="100000"/>
-                        </a:lnSpc>
-                        <a:spcBef>
-                          <a:spcPts val="0"/>
-                        </a:spcBef>
-                        <a:spcAft>
-                          <a:spcPts val="0"/>
-                        </a:spcAft>
-                        <a:buClrTx/>
-                        <a:buSzTx/>
-                        <a:buFontTx/>
-                        <a:buNone/>
-                        <a:tabLst/>
-                        <a:defRPr/>
-                      </a:pPr>
-                      <a:endParaRPr lang="en-ZA" sz="1400" dirty="0">
-                        <a:latin typeface="Times New Roman" panose="02020603050405020304" pitchFamily="18" charset="0"/>
-                        <a:cs typeface="Times New Roman" panose="02020603050405020304" pitchFamily="18" charset="0"/>
-                      </a:endParaRPr>
-                    </a:p>
-                    <a:p>
-                      <a:pPr marL="0" marR="0" lvl="0" indent="0" algn="ctr" defTabSz="2016123" rtl="0" eaLnBrk="1" fontAlgn="auto" latinLnBrk="0" hangingPunct="1">
-                        <a:lnSpc>
-                          <a:spcPct val="100000"/>
-                        </a:lnSpc>
-                        <a:spcBef>
-                          <a:spcPts val="0"/>
-                        </a:spcBef>
-                        <a:spcAft>
-                          <a:spcPts val="0"/>
-                        </a:spcAft>
-                        <a:buClrTx/>
-                        <a:buSzTx/>
-                        <a:buFontTx/>
-                        <a:buNone/>
-                        <a:tabLst/>
-                        <a:defRPr/>
-                      </a:pPr>
-                      <a:endParaRPr lang="en-ZA" sz="1400" dirty="0">
-                        <a:latin typeface="Times New Roman" panose="02020603050405020304" pitchFamily="18" charset="0"/>
-                        <a:cs typeface="Times New Roman" panose="02020603050405020304" pitchFamily="18" charset="0"/>
-                      </a:endParaRPr>
-                    </a:p>
-                    <a:p>
-                      <a:pPr marL="0" marR="0" lvl="0" indent="0" algn="ctr" defTabSz="2016123" rtl="0" eaLnBrk="1" fontAlgn="auto" latinLnBrk="0" hangingPunct="1">
-                        <a:lnSpc>
-                          <a:spcPct val="100000"/>
-                        </a:lnSpc>
-                        <a:spcBef>
-                          <a:spcPts val="0"/>
-                        </a:spcBef>
-                        <a:spcAft>
-                          <a:spcPts val="0"/>
-                        </a:spcAft>
-                        <a:buClrTx/>
-                        <a:buSzTx/>
-                        <a:buFontTx/>
-                        <a:buNone/>
-                        <a:tabLst/>
-                        <a:defRPr/>
-                      </a:pPr>
-                      <a:r>
-                        <a:rPr lang="en-ZA" sz="1400" dirty="0">
-                          <a:latin typeface="Times New Roman" panose="02020603050405020304" pitchFamily="18" charset="0"/>
-                          <a:cs typeface="Times New Roman" panose="02020603050405020304" pitchFamily="18" charset="0"/>
-                        </a:rPr>
-                        <a:t>16 peaks * 6.18 avg. peak adjacent distance </a:t>
-                      </a:r>
-                    </a:p>
-                    <a:p>
-                      <a:pPr marL="0" marR="0" lvl="0" indent="0" algn="ctr" defTabSz="2016123" rtl="0" eaLnBrk="1" fontAlgn="auto" latinLnBrk="0" hangingPunct="1">
-                        <a:lnSpc>
-                          <a:spcPct val="100000"/>
-                        </a:lnSpc>
-                        <a:spcBef>
-                          <a:spcPts val="0"/>
-                        </a:spcBef>
-                        <a:spcAft>
-                          <a:spcPts val="0"/>
-                        </a:spcAft>
-                        <a:buClrTx/>
-                        <a:buSzTx/>
-                        <a:buFontTx/>
-                        <a:buNone/>
-                        <a:tabLst/>
-                        <a:defRPr/>
-                      </a:pPr>
-                      <a:r>
-                        <a:rPr lang="en-ZA" sz="1400" dirty="0">
-                          <a:latin typeface="Times New Roman" panose="02020603050405020304" pitchFamily="18" charset="0"/>
-                          <a:cs typeface="Times New Roman" panose="02020603050405020304" pitchFamily="18" charset="0"/>
-                        </a:rPr>
-                        <a:t>= 98.81 tremor severity</a:t>
-                      </a:r>
-                    </a:p>
-                  </a:txBody>
-                  <a:tcPr anchor="b">
-                    <a:lnL w="12700" cap="flat" cmpd="sng" algn="ctr">
-                      <a:solidFill>
-                        <a:schemeClr val="tx1"/>
-                      </a:solidFill>
-                      <a:prstDash val="solid"/>
-                      <a:round/>
-                      <a:headEnd type="none" w="med" len="med"/>
-                      <a:tailEnd type="none" w="med" len="med"/>
-                    </a:lnL>
-                    <a:lnR w="12700" cap="flat" cmpd="sng" algn="ctr">
-                      <a:solidFill>
-                        <a:schemeClr val="tx1"/>
-                      </a:solidFill>
-                      <a:prstDash val="solid"/>
-                      <a:round/>
-                      <a:headEnd type="none" w="med" len="med"/>
-                      <a:tailEnd type="none" w="med" len="med"/>
-                    </a:lnR>
-                    <a:lnT w="12700" cap="flat" cmpd="sng" algn="ctr">
-                      <a:solidFill>
-                        <a:schemeClr val="tx1"/>
-                      </a:solidFill>
-                      <a:prstDash val="solid"/>
-                      <a:round/>
-                      <a:headEnd type="none" w="med" len="med"/>
-                      <a:tailEnd type="none" w="med" len="med"/>
-                    </a:lnT>
-                    <a:lnB w="12700" cap="flat" cmpd="sng" algn="ctr">
-                      <a:solidFill>
-                        <a:schemeClr val="tx1"/>
-                      </a:solidFill>
-                      <a:prstDash val="solid"/>
-                      <a:round/>
-                      <a:headEnd type="none" w="med" len="med"/>
-                      <a:tailEnd type="none" w="med" len="med"/>
-                    </a:lnB>
-                    <a:noFill/>
-                  </a:tcPr>
-                </a:tc>
-                <a:extLst>
-                  <a:ext uri="{0D108BD9-81ED-4DB2-BD59-A6C34878D82A}">
-                    <a16:rowId xmlns:a16="http://schemas.microsoft.com/office/drawing/2014/main" val="2099816766"/>
-                  </a:ext>
-                </a:extLst>
-              </a:tr>
-            </a:tbl>
-          </a:graphicData>
-        </a:graphic>
-      </p:graphicFrame>
       <p:grpSp>
         <p:nvGrpSpPr>
           <p:cNvPr id="22" name="Group 21">
@@ -10262,6 +5867,3732 @@
           </mc:Fallback>
         </mc:AlternateContent>
       </p:grpSp>
+      <p:grpSp>
+        <p:nvGrpSpPr>
+          <p:cNvPr id="14" name="Group 13">
+            <a:extLst>
+              <a:ext uri="{FF2B5EF4-FFF2-40B4-BE49-F238E27FC236}">
+                <a16:creationId xmlns:a16="http://schemas.microsoft.com/office/drawing/2014/main" id="{861C8C18-F801-4AB9-947D-F328AC490935}"/>
+              </a:ext>
+            </a:extLst>
+          </p:cNvPr>
+          <p:cNvGrpSpPr/>
+          <p:nvPr/>
+        </p:nvGrpSpPr>
+        <p:grpSpPr>
+          <a:xfrm>
+            <a:off x="15769041" y="180038"/>
+            <a:ext cx="10931060" cy="6860632"/>
+            <a:chOff x="15719109" y="240480"/>
+            <a:chExt cx="10931060" cy="6860632"/>
+          </a:xfrm>
+        </p:grpSpPr>
+        <p:grpSp>
+          <p:nvGrpSpPr>
+            <p:cNvPr id="176" name="Group 175">
+              <a:extLst>
+                <a:ext uri="{FF2B5EF4-FFF2-40B4-BE49-F238E27FC236}">
+                  <a16:creationId xmlns:a16="http://schemas.microsoft.com/office/drawing/2014/main" id="{CB1BABF3-EB69-B7C3-5526-D77946F4118B}"/>
+                </a:ext>
+              </a:extLst>
+            </p:cNvPr>
+            <p:cNvGrpSpPr/>
+            <p:nvPr/>
+          </p:nvGrpSpPr>
+          <p:grpSpPr>
+            <a:xfrm>
+              <a:off x="15719109" y="240480"/>
+              <a:ext cx="10931060" cy="6860632"/>
+              <a:chOff x="15719109" y="240480"/>
+              <a:chExt cx="10931060" cy="6860632"/>
+            </a:xfrm>
+          </p:grpSpPr>
+          <p:sp>
+            <p:nvSpPr>
+              <p:cNvPr id="63" name="Rectangle 62">
+                <a:extLst>
+                  <a:ext uri="{FF2B5EF4-FFF2-40B4-BE49-F238E27FC236}">
+                    <a16:creationId xmlns:a16="http://schemas.microsoft.com/office/drawing/2014/main" id="{9C9A070A-56FF-1F9A-EACD-FD64142036E9}"/>
+                  </a:ext>
+                </a:extLst>
+              </p:cNvPr>
+              <p:cNvSpPr/>
+              <p:nvPr/>
+            </p:nvSpPr>
+            <p:spPr>
+              <a:xfrm>
+                <a:off x="15737353" y="240480"/>
+                <a:ext cx="10912816" cy="6860632"/>
+              </a:xfrm>
+              <a:prstGeom prst="rect">
+                <a:avLst/>
+              </a:prstGeom>
+              <a:solidFill>
+                <a:schemeClr val="bg1"/>
+              </a:solidFill>
+              <a:ln>
+                <a:noFill/>
+              </a:ln>
+              <a:effectLst>
+                <a:outerShdw blurRad="190500" dist="228600" dir="2700000" algn="tl" rotWithShape="0">
+                  <a:prstClr val="black">
+                    <a:alpha val="30000"/>
+                  </a:prstClr>
+                </a:outerShdw>
+              </a:effectLst>
+            </p:spPr>
+            <p:style>
+              <a:lnRef idx="2">
+                <a:schemeClr val="accent1">
+                  <a:shade val="50000"/>
+                </a:schemeClr>
+              </a:lnRef>
+              <a:fillRef idx="1">
+                <a:schemeClr val="accent1"/>
+              </a:fillRef>
+              <a:effectRef idx="0">
+                <a:schemeClr val="accent1"/>
+              </a:effectRef>
+              <a:fontRef idx="minor">
+                <a:schemeClr val="lt1"/>
+              </a:fontRef>
+            </p:style>
+            <p:txBody>
+              <a:bodyPr rtlCol="0" anchor="ctr"/>
+              <a:lstStyle/>
+              <a:p>
+                <a:pPr algn="ctr"/>
+                <a:endParaRPr lang="en-ZA"/>
+              </a:p>
+            </p:txBody>
+          </p:sp>
+          <p:pic>
+            <p:nvPicPr>
+              <p:cNvPr id="42" name="Picture 41">
+                <a:extLst>
+                  <a:ext uri="{FF2B5EF4-FFF2-40B4-BE49-F238E27FC236}">
+                    <a16:creationId xmlns:a16="http://schemas.microsoft.com/office/drawing/2014/main" id="{E4ED1AE3-507F-A9E5-B87D-9E220AE26333}"/>
+                  </a:ext>
+                </a:extLst>
+              </p:cNvPr>
+              <p:cNvPicPr>
+                <a:picLocks noChangeAspect="1"/>
+              </p:cNvPicPr>
+              <p:nvPr/>
+            </p:nvPicPr>
+            <p:blipFill>
+              <a:blip r:embed="rId32">
+                <a:extLst>
+                  <a:ext uri="{28A0092B-C50C-407E-A947-70E740481C1C}">
+                    <a14:useLocalDpi xmlns:a14="http://schemas.microsoft.com/office/drawing/2010/main" val="0"/>
+                  </a:ext>
+                </a:extLst>
+              </a:blip>
+              <a:srcRect/>
+              <a:stretch/>
+            </p:blipFill>
+            <p:spPr>
+              <a:xfrm>
+                <a:off x="22103105" y="1543444"/>
+                <a:ext cx="1747925" cy="2520000"/>
+              </a:xfrm>
+              <a:prstGeom prst="rect">
+                <a:avLst/>
+              </a:prstGeom>
+            </p:spPr>
+          </p:pic>
+          <p:pic>
+            <p:nvPicPr>
+              <p:cNvPr id="44" name="Picture 43">
+                <a:extLst>
+                  <a:ext uri="{FF2B5EF4-FFF2-40B4-BE49-F238E27FC236}">
+                    <a16:creationId xmlns:a16="http://schemas.microsoft.com/office/drawing/2014/main" id="{E00DA8C1-1393-28B2-6A92-418D90E4B06C}"/>
+                  </a:ext>
+                </a:extLst>
+              </p:cNvPr>
+              <p:cNvPicPr>
+                <a:picLocks noChangeAspect="1"/>
+              </p:cNvPicPr>
+              <p:nvPr/>
+            </p:nvPicPr>
+            <p:blipFill>
+              <a:blip r:embed="rId33">
+                <a:extLst>
+                  <a:ext uri="{28A0092B-C50C-407E-A947-70E740481C1C}">
+                    <a14:useLocalDpi xmlns:a14="http://schemas.microsoft.com/office/drawing/2010/main" val="0"/>
+                  </a:ext>
+                </a:extLst>
+              </a:blip>
+              <a:srcRect/>
+              <a:stretch/>
+            </p:blipFill>
+            <p:spPr>
+              <a:xfrm>
+                <a:off x="24351321" y="1559554"/>
+                <a:ext cx="1747924" cy="2520000"/>
+              </a:xfrm>
+              <a:prstGeom prst="rect">
+                <a:avLst/>
+              </a:prstGeom>
+            </p:spPr>
+          </p:pic>
+          <p:pic>
+            <p:nvPicPr>
+              <p:cNvPr id="45" name="Picture 44">
+                <a:extLst>
+                  <a:ext uri="{FF2B5EF4-FFF2-40B4-BE49-F238E27FC236}">
+                    <a16:creationId xmlns:a16="http://schemas.microsoft.com/office/drawing/2014/main" id="{3F5E6206-691C-4AB3-F47E-6835223B669C}"/>
+                  </a:ext>
+                </a:extLst>
+              </p:cNvPr>
+              <p:cNvPicPr>
+                <a:picLocks noChangeAspect="1"/>
+              </p:cNvPicPr>
+              <p:nvPr/>
+            </p:nvPicPr>
+            <p:blipFill>
+              <a:blip r:embed="rId34">
+                <a:extLst>
+                  <a:ext uri="{28A0092B-C50C-407E-A947-70E740481C1C}">
+                    <a14:useLocalDpi xmlns:a14="http://schemas.microsoft.com/office/drawing/2010/main" val="0"/>
+                  </a:ext>
+                </a:extLst>
+              </a:blip>
+              <a:srcRect/>
+              <a:stretch/>
+            </p:blipFill>
+            <p:spPr>
+              <a:xfrm>
+                <a:off x="22063972" y="4394178"/>
+                <a:ext cx="1747925" cy="2520000"/>
+              </a:xfrm>
+              <a:prstGeom prst="rect">
+                <a:avLst/>
+              </a:prstGeom>
+            </p:spPr>
+          </p:pic>
+          <p:pic>
+            <p:nvPicPr>
+              <p:cNvPr id="47" name="Picture 46" descr="Shape&#10;&#10;Description automatically generated">
+                <a:extLst>
+                  <a:ext uri="{FF2B5EF4-FFF2-40B4-BE49-F238E27FC236}">
+                    <a16:creationId xmlns:a16="http://schemas.microsoft.com/office/drawing/2014/main" id="{FDCA1834-54B0-6B73-8405-5A0B44FCBEB0}"/>
+                  </a:ext>
+                </a:extLst>
+              </p:cNvPr>
+              <p:cNvPicPr>
+                <a:picLocks noChangeAspect="1"/>
+              </p:cNvPicPr>
+              <p:nvPr/>
+            </p:nvPicPr>
+            <p:blipFill>
+              <a:blip r:embed="rId35">
+                <a:extLst>
+                  <a:ext uri="{28A0092B-C50C-407E-A947-70E740481C1C}">
+                    <a14:useLocalDpi xmlns:a14="http://schemas.microsoft.com/office/drawing/2010/main" val="0"/>
+                  </a:ext>
+                </a:extLst>
+              </a:blip>
+              <a:stretch>
+                <a:fillRect/>
+              </a:stretch>
+            </p:blipFill>
+            <p:spPr>
+              <a:xfrm>
+                <a:off x="24172379" y="4346062"/>
+                <a:ext cx="1080000" cy="1080000"/>
+              </a:xfrm>
+              <a:prstGeom prst="rect">
+                <a:avLst/>
+              </a:prstGeom>
+            </p:spPr>
+          </p:pic>
+          <p:pic>
+            <p:nvPicPr>
+              <p:cNvPr id="49" name="Picture 48" descr="Diagram&#10;&#10;Description automatically generated with medium confidence">
+                <a:extLst>
+                  <a:ext uri="{FF2B5EF4-FFF2-40B4-BE49-F238E27FC236}">
+                    <a16:creationId xmlns:a16="http://schemas.microsoft.com/office/drawing/2014/main" id="{A3104BB1-2FB0-FA35-E12E-10A0BFDDAEB3}"/>
+                  </a:ext>
+                </a:extLst>
+              </p:cNvPr>
+              <p:cNvPicPr>
+                <a:picLocks noChangeAspect="1"/>
+              </p:cNvPicPr>
+              <p:nvPr/>
+            </p:nvPicPr>
+            <p:blipFill>
+              <a:blip r:embed="rId36">
+                <a:extLst>
+                  <a:ext uri="{28A0092B-C50C-407E-A947-70E740481C1C}">
+                    <a14:useLocalDpi xmlns:a14="http://schemas.microsoft.com/office/drawing/2010/main" val="0"/>
+                  </a:ext>
+                </a:extLst>
+              </a:blip>
+              <a:stretch>
+                <a:fillRect/>
+              </a:stretch>
+            </p:blipFill>
+            <p:spPr>
+              <a:xfrm>
+                <a:off x="25267171" y="4346062"/>
+                <a:ext cx="1062857" cy="1116000"/>
+              </a:xfrm>
+              <a:prstGeom prst="rect">
+                <a:avLst/>
+              </a:prstGeom>
+            </p:spPr>
+          </p:pic>
+          <p:pic>
+            <p:nvPicPr>
+              <p:cNvPr id="51" name="Picture 50">
+                <a:extLst>
+                  <a:ext uri="{FF2B5EF4-FFF2-40B4-BE49-F238E27FC236}">
+                    <a16:creationId xmlns:a16="http://schemas.microsoft.com/office/drawing/2014/main" id="{8CD02C1C-2906-8987-A5E0-3B9C2466AC58}"/>
+                  </a:ext>
+                </a:extLst>
+              </p:cNvPr>
+              <p:cNvPicPr>
+                <a:picLocks noChangeAspect="1"/>
+              </p:cNvPicPr>
+              <p:nvPr/>
+            </p:nvPicPr>
+            <p:blipFill>
+              <a:blip r:embed="rId37">
+                <a:extLst>
+                  <a:ext uri="{28A0092B-C50C-407E-A947-70E740481C1C}">
+                    <a14:useLocalDpi xmlns:a14="http://schemas.microsoft.com/office/drawing/2010/main" val="0"/>
+                  </a:ext>
+                </a:extLst>
+              </a:blip>
+              <a:stretch>
+                <a:fillRect/>
+              </a:stretch>
+            </p:blipFill>
+            <p:spPr>
+              <a:xfrm>
+                <a:off x="24026243" y="6748028"/>
+                <a:ext cx="2520000" cy="158033"/>
+              </a:xfrm>
+              <a:prstGeom prst="rect">
+                <a:avLst/>
+              </a:prstGeom>
+            </p:spPr>
+          </p:pic>
+          <p:pic>
+            <p:nvPicPr>
+              <p:cNvPr id="59" name="Picture 58">
+                <a:extLst>
+                  <a:ext uri="{FF2B5EF4-FFF2-40B4-BE49-F238E27FC236}">
+                    <a16:creationId xmlns:a16="http://schemas.microsoft.com/office/drawing/2014/main" id="{CD6CD0D7-8942-D64A-757F-D46AE3B710F0}"/>
+                  </a:ext>
+                </a:extLst>
+              </p:cNvPr>
+              <p:cNvPicPr>
+                <a:picLocks noChangeAspect="1"/>
+              </p:cNvPicPr>
+              <p:nvPr/>
+            </p:nvPicPr>
+            <p:blipFill>
+              <a:blip r:embed="rId38">
+                <a:extLst>
+                  <a:ext uri="{28A0092B-C50C-407E-A947-70E740481C1C}">
+                    <a14:useLocalDpi xmlns:a14="http://schemas.microsoft.com/office/drawing/2010/main" val="0"/>
+                  </a:ext>
+                </a:extLst>
+              </a:blip>
+              <a:srcRect/>
+              <a:stretch/>
+            </p:blipFill>
+            <p:spPr>
+              <a:xfrm>
+                <a:off x="24013530" y="5515907"/>
+                <a:ext cx="2344828" cy="972000"/>
+              </a:xfrm>
+              <a:prstGeom prst="rect">
+                <a:avLst/>
+              </a:prstGeom>
+            </p:spPr>
+          </p:pic>
+          <p:sp>
+            <p:nvSpPr>
+              <p:cNvPr id="62" name="TextBox 61">
+                <a:extLst>
+                  <a:ext uri="{FF2B5EF4-FFF2-40B4-BE49-F238E27FC236}">
+                    <a16:creationId xmlns:a16="http://schemas.microsoft.com/office/drawing/2014/main" id="{48DF9D91-A204-A47E-F4F7-7A3F80E547BB}"/>
+                  </a:ext>
+                </a:extLst>
+              </p:cNvPr>
+              <p:cNvSpPr txBox="1"/>
+              <p:nvPr/>
+            </p:nvSpPr>
+            <p:spPr>
+              <a:xfrm>
+                <a:off x="15719109" y="240480"/>
+                <a:ext cx="10912816" cy="1231106"/>
+              </a:xfrm>
+              <a:prstGeom prst="rect">
+                <a:avLst/>
+              </a:prstGeom>
+              <a:noFill/>
+              <a:ln w="57150">
+                <a:noFill/>
+              </a:ln>
+              <a:effectLst/>
+            </p:spPr>
+            <p:txBody>
+              <a:bodyPr wrap="square" rtlCol="0">
+                <a:spAutoFit/>
+              </a:bodyPr>
+              <a:lstStyle/>
+              <a:p>
+                <a:pPr algn="ctr"/>
+                <a:r>
+                  <a:rPr lang="en-ZA" b="1" dirty="0">
+                    <a:solidFill>
+                      <a:srgbClr val="00008B"/>
+                    </a:solidFill>
+                    <a:latin typeface="Times New Roman" panose="02020603050405020304" pitchFamily="18" charset="0"/>
+                    <a:cs typeface="Times New Roman" panose="02020603050405020304" pitchFamily="18" charset="0"/>
+                  </a:rPr>
+                  <a:t>DATA</a:t>
+                </a:r>
+                <a:endParaRPr lang="en-ZA" sz="1600" b="1" dirty="0">
+                  <a:solidFill>
+                    <a:srgbClr val="00008B"/>
+                  </a:solidFill>
+                  <a:latin typeface="Times New Roman" panose="02020603050405020304" pitchFamily="18" charset="0"/>
+                  <a:cs typeface="Times New Roman" panose="02020603050405020304" pitchFamily="18" charset="0"/>
+                </a:endParaRPr>
+              </a:p>
+              <a:p>
+                <a:pPr algn="just">
+                  <a:spcAft>
+                    <a:spcPts val="600"/>
+                  </a:spcAft>
+                </a:pPr>
+                <a:r>
+                  <a:rPr lang="en-GB" sz="1400" dirty="0">
+                    <a:latin typeface="Times New Roman" panose="02020603050405020304" pitchFamily="18" charset="0"/>
+                    <a:ea typeface="Times New Roman" panose="02020603050405020304" pitchFamily="18" charset="0"/>
+                    <a:cs typeface="Arial" panose="020B0604020202020204" pitchFamily="34" charset="0"/>
+                  </a:rPr>
+                  <a:t>The Rambam Medical Centre, Haifa Israel, has provided data that comprises of 122 fully anonymised hand drawn shapes on paper that patients and drew over time of treatment with both their treated and untreated hand. </a:t>
+                </a:r>
+                <a:r>
+                  <a:rPr lang="en-US" sz="1400" b="0" i="0" dirty="0">
+                    <a:effectLst/>
+                    <a:latin typeface="Times New Roman" panose="02020603050405020304" pitchFamily="18" charset="0"/>
+                    <a:cs typeface="Times New Roman" panose="02020603050405020304" pitchFamily="18" charset="0"/>
+                  </a:rPr>
+                  <a:t>Out of the 122 patients, 34 are undergoing treatment for Parkinson’s Disease, and the remaining 88 for Essential Tremor, however, it was decided to group all patients together as the aim of this project does not differentiate between disease/disorder, but only on success of treatment. </a:t>
+                </a:r>
+              </a:p>
+            </p:txBody>
+          </p:sp>
+          <p:sp>
+            <p:nvSpPr>
+              <p:cNvPr id="128" name="TextBox 127">
+                <a:extLst>
+                  <a:ext uri="{FF2B5EF4-FFF2-40B4-BE49-F238E27FC236}">
+                    <a16:creationId xmlns:a16="http://schemas.microsoft.com/office/drawing/2014/main" id="{3D5EF4FD-6A71-BEB6-34EB-B9B62AD27604}"/>
+                  </a:ext>
+                </a:extLst>
+              </p:cNvPr>
+              <p:cNvSpPr txBox="1"/>
+              <p:nvPr/>
+            </p:nvSpPr>
+            <p:spPr>
+              <a:xfrm>
+                <a:off x="15765576" y="1453412"/>
+                <a:ext cx="6166376" cy="5647700"/>
+              </a:xfrm>
+              <a:prstGeom prst="rect">
+                <a:avLst/>
+              </a:prstGeom>
+              <a:noFill/>
+              <a:ln w="57150">
+                <a:noFill/>
+              </a:ln>
+              <a:effectLst/>
+            </p:spPr>
+            <p:txBody>
+              <a:bodyPr wrap="square" rtlCol="0">
+                <a:spAutoFit/>
+              </a:bodyPr>
+              <a:lstStyle/>
+              <a:p>
+                <a:pPr algn="ctr"/>
+                <a:r>
+                  <a:rPr lang="en-ZA" sz="1600" b="1" dirty="0">
+                    <a:solidFill>
+                      <a:srgbClr val="00008B"/>
+                    </a:solidFill>
+                    <a:latin typeface="Times New Roman" panose="02020603050405020304" pitchFamily="18" charset="0"/>
+                    <a:cs typeface="Times New Roman" panose="02020603050405020304" pitchFamily="18" charset="0"/>
+                  </a:rPr>
+                  <a:t>DATA PRE-PROCESSING</a:t>
+                </a:r>
+              </a:p>
+              <a:p>
+                <a:pPr lvl="0" algn="l"/>
+                <a:r>
+                  <a:rPr lang="en-ZA" sz="1600" b="1" dirty="0">
+                    <a:solidFill>
+                      <a:srgbClr val="00008B"/>
+                    </a:solidFill>
+                    <a:latin typeface="Times New Roman" panose="02020603050405020304" pitchFamily="18" charset="0"/>
+                    <a:cs typeface="Times New Roman" panose="02020603050405020304" pitchFamily="18" charset="0"/>
+                  </a:rPr>
+                  <a:t>Data Analysis</a:t>
+                </a:r>
+              </a:p>
+              <a:p>
+                <a:pPr marL="171450" lvl="0" indent="-171450" algn="l">
+                  <a:buFont typeface="Arial" panose="020B0604020202020204" pitchFamily="34" charset="0"/>
+                  <a:buChar char="•"/>
+                </a:pPr>
+                <a:r>
+                  <a:rPr lang="en-GB" sz="1400" dirty="0">
+                    <a:latin typeface="Times New Roman" panose="02020603050405020304" pitchFamily="18" charset="0"/>
+                    <a:ea typeface="Times New Roman" panose="02020603050405020304" pitchFamily="18" charset="0"/>
+                    <a:cs typeface="Times New Roman" panose="02020603050405020304" pitchFamily="18" charset="0"/>
+                  </a:rPr>
+                  <a:t>Each patient completes multiple template drawings with both hands at various time intervals before and after receiving treatment. These physical drawings are scanned and saved as a PDF. </a:t>
+                </a:r>
+              </a:p>
+              <a:p>
+                <a:pPr marL="171450" lvl="0" indent="-171450" algn="l">
+                  <a:buFont typeface="Arial" panose="020B0604020202020204" pitchFamily="34" charset="0"/>
+                  <a:buChar char="•"/>
+                </a:pPr>
+                <a:r>
+                  <a:rPr lang="en-GB" sz="1400" dirty="0">
+                    <a:latin typeface="Times New Roman" panose="02020603050405020304" pitchFamily="18" charset="0"/>
+                    <a:ea typeface="Times New Roman" panose="02020603050405020304" pitchFamily="18" charset="0"/>
+                    <a:cs typeface="Times New Roman" panose="02020603050405020304" pitchFamily="18" charset="0"/>
+                  </a:rPr>
+                  <a:t>Some scans are pixelated, rotated or contain erroneous markings.</a:t>
+                </a:r>
+              </a:p>
+              <a:p>
+                <a:pPr marL="171450" lvl="0" indent="-171450" algn="l">
+                  <a:spcAft>
+                    <a:spcPts val="600"/>
+                  </a:spcAft>
+                  <a:buFont typeface="Arial" panose="020B0604020202020204" pitchFamily="34" charset="0"/>
+                  <a:buChar char="•"/>
+                </a:pPr>
+                <a:r>
+                  <a:rPr lang="en-GB" sz="1400" dirty="0">
+                    <a:latin typeface="Times New Roman" panose="02020603050405020304" pitchFamily="18" charset="0"/>
+                    <a:ea typeface="Times New Roman" panose="02020603050405020304" pitchFamily="18" charset="0"/>
+                    <a:cs typeface="Times New Roman" panose="02020603050405020304" pitchFamily="18" charset="0"/>
+                  </a:rPr>
+                  <a:t>Each scan is </a:t>
+                </a:r>
+                <a:r>
+                  <a:rPr lang="en-GB" sz="1400" dirty="0">
+                    <a:latin typeface="Times New Roman" panose="02020603050405020304" pitchFamily="18" charset="0"/>
+                    <a:cs typeface="Times New Roman" panose="02020603050405020304" pitchFamily="18" charset="0"/>
+                  </a:rPr>
+                  <a:t>converted to JPE format using Pdf2Image </a:t>
+                </a:r>
+                <a:r>
+                  <a:rPr lang="en-GB" sz="1400" i="1" dirty="0" err="1">
+                    <a:latin typeface="Times New Roman" panose="02020603050405020304" pitchFamily="18" charset="0"/>
+                    <a:cs typeface="Times New Roman" panose="02020603050405020304" pitchFamily="18" charset="0"/>
+                  </a:rPr>
+                  <a:t>convert_from_path</a:t>
+                </a:r>
+                <a:r>
+                  <a:rPr lang="en-GB" sz="1400" i="1" dirty="0">
+                    <a:latin typeface="Times New Roman" panose="02020603050405020304" pitchFamily="18" charset="0"/>
+                    <a:cs typeface="Times New Roman" panose="02020603050405020304" pitchFamily="18" charset="0"/>
+                  </a:rPr>
+                  <a:t>( ).</a:t>
+                </a:r>
+                <a:endParaRPr lang="en-GB" sz="1400" i="1" dirty="0">
+                  <a:latin typeface="Times New Roman" panose="02020603050405020304" pitchFamily="18" charset="0"/>
+                  <a:ea typeface="Times New Roman" panose="02020603050405020304" pitchFamily="18" charset="0"/>
+                  <a:cs typeface="Times New Roman" panose="02020603050405020304" pitchFamily="18" charset="0"/>
+                </a:endParaRPr>
+              </a:p>
+              <a:p>
+                <a:pPr lvl="0" algn="l"/>
+                <a:r>
+                  <a:rPr lang="en-ZA" sz="1600" b="1" dirty="0">
+                    <a:solidFill>
+                      <a:srgbClr val="00008B"/>
+                    </a:solidFill>
+                    <a:latin typeface="Times New Roman" panose="02020603050405020304" pitchFamily="18" charset="0"/>
+                    <a:cs typeface="Times New Roman" panose="02020603050405020304" pitchFamily="18" charset="0"/>
+                  </a:rPr>
+                  <a:t>Basic Cropping</a:t>
+                </a:r>
+              </a:p>
+              <a:p>
+                <a:pPr marL="171450" lvl="0" indent="-171450" algn="l">
+                  <a:buFont typeface="Arial" panose="020B0604020202020204" pitchFamily="34" charset="0"/>
+                  <a:buChar char="•"/>
+                </a:pPr>
+                <a:r>
+                  <a:rPr lang="en-GB" sz="1400" dirty="0">
+                    <a:latin typeface="Times New Roman" panose="02020603050405020304" pitchFamily="18" charset="0"/>
+                    <a:ea typeface="Times New Roman" panose="02020603050405020304" pitchFamily="18" charset="0"/>
+                    <a:cs typeface="Times New Roman" panose="02020603050405020304" pitchFamily="18" charset="0"/>
+                  </a:rPr>
+                  <a:t>OpenCV EAST Text Detection [4] detects the corner coordinates of the “Drawing A”, “Drawing B” and “Drawing C” text on each image. </a:t>
+                </a:r>
+                <a:endParaRPr lang="en-ZA" sz="1400" dirty="0">
+                  <a:latin typeface="Times New Roman" panose="02020603050405020304" pitchFamily="18" charset="0"/>
+                  <a:cs typeface="Times New Roman" panose="02020603050405020304" pitchFamily="18" charset="0"/>
+                </a:endParaRPr>
+              </a:p>
+              <a:p>
+                <a:pPr marL="171450" lvl="0" indent="-171450" algn="l">
+                  <a:buFont typeface="Arial" panose="020B0604020202020204" pitchFamily="34" charset="0"/>
+                  <a:buChar char="•"/>
+                </a:pPr>
+                <a:r>
+                  <a:rPr lang="en-GB" sz="1400" dirty="0">
+                    <a:latin typeface="Times New Roman" panose="02020603050405020304" pitchFamily="18" charset="0"/>
+                    <a:ea typeface="Times New Roman" panose="02020603050405020304" pitchFamily="18" charset="0"/>
+                    <a:cs typeface="Times New Roman" panose="02020603050405020304" pitchFamily="18" charset="0"/>
+                  </a:rPr>
+                  <a:t>The relative position of spiral A, spiral B, and line-block C is determined using the best available combination of the text coordinates. </a:t>
+                </a:r>
+                <a:endParaRPr lang="en-ZA" sz="1400" dirty="0">
+                  <a:latin typeface="Times New Roman" panose="02020603050405020304" pitchFamily="18" charset="0"/>
+                  <a:cs typeface="Times New Roman" panose="02020603050405020304" pitchFamily="18" charset="0"/>
+                </a:endParaRPr>
+              </a:p>
+              <a:p>
+                <a:pPr marL="171450" lvl="0" indent="-171450" algn="l">
+                  <a:spcAft>
+                    <a:spcPts val="600"/>
+                  </a:spcAft>
+                  <a:buFont typeface="Arial" panose="020B0604020202020204" pitchFamily="34" charset="0"/>
+                  <a:buChar char="•"/>
+                </a:pPr>
+                <a:r>
+                  <a:rPr lang="en-GB" sz="1400" dirty="0">
+                    <a:latin typeface="Times New Roman" panose="02020603050405020304" pitchFamily="18" charset="0"/>
+                    <a:ea typeface="Times New Roman" panose="02020603050405020304" pitchFamily="18" charset="0"/>
+                    <a:cs typeface="Times New Roman" panose="02020603050405020304" pitchFamily="18" charset="0"/>
+                  </a:rPr>
+                  <a:t>Each new image is cropped and resized to ensure consistent pixel distribution for better comparison further. </a:t>
+                </a:r>
+              </a:p>
+              <a:p>
+                <a:pPr lvl="0" algn="l"/>
+                <a:r>
+                  <a:rPr lang="en-ZA" sz="1600" b="1" dirty="0">
+                    <a:solidFill>
+                      <a:srgbClr val="00008B"/>
+                    </a:solidFill>
+                    <a:latin typeface="Times New Roman" panose="02020603050405020304" pitchFamily="18" charset="0"/>
+                    <a:cs typeface="Times New Roman" panose="02020603050405020304" pitchFamily="18" charset="0"/>
+                  </a:rPr>
+                  <a:t>Further Correction</a:t>
+                </a:r>
+              </a:p>
+              <a:p>
+                <a:pPr marL="171450" lvl="0" indent="-171450" algn="l">
+                  <a:buFont typeface="Arial" panose="020B0604020202020204" pitchFamily="34" charset="0"/>
+                  <a:buChar char="•"/>
+                </a:pPr>
+                <a:r>
+                  <a:rPr lang="en-GB" sz="1400" dirty="0">
+                    <a:latin typeface="Times New Roman" panose="02020603050405020304" pitchFamily="18" charset="0"/>
+                    <a:ea typeface="Times New Roman" panose="02020603050405020304" pitchFamily="18" charset="0"/>
+                    <a:cs typeface="Times New Roman" panose="02020603050405020304" pitchFamily="18" charset="0"/>
+                  </a:rPr>
+                  <a:t>In order to remove any erroneous markings and save only the template and hand-drawn markings, each cropped image is converted to greyscale. Then all dark pixels are converted to black and all light pixels to white. </a:t>
+                </a:r>
+              </a:p>
+              <a:p>
+                <a:pPr marL="171450" lvl="0" indent="-171450" algn="l">
+                  <a:spcAft>
+                    <a:spcPts val="600"/>
+                  </a:spcAft>
+                  <a:buFont typeface="Arial" panose="020B0604020202020204" pitchFamily="34" charset="0"/>
+                  <a:buChar char="•"/>
+                </a:pPr>
+                <a:r>
+                  <a:rPr lang="en-GB" sz="1400" dirty="0">
+                    <a:latin typeface="Times New Roman" panose="02020603050405020304" pitchFamily="18" charset="0"/>
+                    <a:ea typeface="Times New Roman" panose="02020603050405020304" pitchFamily="18" charset="0"/>
+                    <a:cs typeface="Times New Roman" panose="02020603050405020304" pitchFamily="18" charset="0"/>
+                  </a:rPr>
+                  <a:t>OpenCV is used to identify the solid black rectangles in the line-block images [5] to correct any rotation or perspective warp [6]. Only the top most line is saved. </a:t>
+                </a:r>
+              </a:p>
+              <a:p>
+                <a:pPr lvl="0" algn="l"/>
+                <a:r>
+                  <a:rPr lang="en-ZA" sz="1600" b="1" dirty="0">
+                    <a:solidFill>
+                      <a:srgbClr val="00008B"/>
+                    </a:solidFill>
+                    <a:latin typeface="Times New Roman" panose="02020603050405020304" pitchFamily="18" charset="0"/>
+                    <a:cs typeface="Times New Roman" panose="02020603050405020304" pitchFamily="18" charset="0"/>
+                  </a:rPr>
+                  <a:t>Final Clean-up</a:t>
+                </a:r>
+              </a:p>
+              <a:p>
+                <a:pPr marL="171450" lvl="0" indent="-171450" algn="l">
+                  <a:buFont typeface="Arial" panose="020B0604020202020204" pitchFamily="34" charset="0"/>
+                  <a:buChar char="•"/>
+                </a:pPr>
+                <a:r>
+                  <a:rPr lang="en-GB" sz="1400" dirty="0">
+                    <a:latin typeface="Times New Roman" panose="02020603050405020304" pitchFamily="18" charset="0"/>
+                    <a:ea typeface="Times New Roman" panose="02020603050405020304" pitchFamily="18" charset="0"/>
+                    <a:cs typeface="Times New Roman" panose="02020603050405020304" pitchFamily="18" charset="0"/>
+                  </a:rPr>
+                  <a:t>A high rate of acceptably cropped and corrected images was produced. Erroneous results did occur due to poor quality inputted scans. These were manually removed or corrected if possible. </a:t>
+                </a:r>
+                <a:endParaRPr lang="en-ZA" sz="1400" dirty="0">
+                  <a:latin typeface="Times New Roman" panose="02020603050405020304" pitchFamily="18" charset="0"/>
+                  <a:cs typeface="Times New Roman" panose="02020603050405020304" pitchFamily="18" charset="0"/>
+                </a:endParaRPr>
+              </a:p>
+            </p:txBody>
+          </p:sp>
+        </p:grpSp>
+        <p:sp>
+          <p:nvSpPr>
+            <p:cNvPr id="71" name="TextBox 70">
+              <a:extLst>
+                <a:ext uri="{FF2B5EF4-FFF2-40B4-BE49-F238E27FC236}">
+                  <a16:creationId xmlns:a16="http://schemas.microsoft.com/office/drawing/2014/main" id="{7B23B146-9118-4857-979C-61A8B1F3E40F}"/>
+                </a:ext>
+              </a:extLst>
+            </p:cNvPr>
+            <p:cNvSpPr txBox="1"/>
+            <p:nvPr/>
+          </p:nvSpPr>
+          <p:spPr>
+            <a:xfrm>
+              <a:off x="22093164" y="1277454"/>
+              <a:ext cx="1747924" cy="307392"/>
+            </a:xfrm>
+            <a:prstGeom prst="rect">
+              <a:avLst/>
+            </a:prstGeom>
+            <a:noFill/>
+            <a:ln>
+              <a:noFill/>
+            </a:ln>
+            <a:effectLst>
+              <a:outerShdw sx="1000" sy="1000" algn="ctr">
+                <a:srgbClr val="000000"/>
+              </a:outerShdw>
+            </a:effectLst>
+          </p:spPr>
+          <p:txBody>
+            <a:bodyPr wrap="square" rtlCol="0">
+              <a:spAutoFit/>
+            </a:bodyPr>
+            <a:lstStyle/>
+            <a:p>
+              <a:pPr algn="ctr">
+                <a:lnSpc>
+                  <a:spcPct val="107000"/>
+                </a:lnSpc>
+              </a:pPr>
+              <a:r>
+                <a:rPr lang="en-ZA" sz="1400" b="1" dirty="0">
+                  <a:solidFill>
+                    <a:srgbClr val="00008B"/>
+                  </a:solidFill>
+                  <a:latin typeface="Times New Roman" panose="02020603050405020304" pitchFamily="18" charset="0"/>
+                  <a:cs typeface="Times New Roman" panose="02020603050405020304" pitchFamily="18" charset="0"/>
+                </a:rPr>
+                <a:t>Completed template</a:t>
+              </a:r>
+            </a:p>
+          </p:txBody>
+        </p:sp>
+        <p:sp>
+          <p:nvSpPr>
+            <p:cNvPr id="72" name="TextBox 71">
+              <a:extLst>
+                <a:ext uri="{FF2B5EF4-FFF2-40B4-BE49-F238E27FC236}">
+                  <a16:creationId xmlns:a16="http://schemas.microsoft.com/office/drawing/2014/main" id="{55A76EC2-EBBD-4A78-AFD1-3D3A55B62D21}"/>
+                </a:ext>
+              </a:extLst>
+            </p:cNvPr>
+            <p:cNvSpPr txBox="1"/>
+            <p:nvPr/>
+          </p:nvSpPr>
+          <p:spPr>
+            <a:xfrm>
+              <a:off x="24094440" y="1277454"/>
+              <a:ext cx="2303144" cy="307392"/>
+            </a:xfrm>
+            <a:prstGeom prst="rect">
+              <a:avLst/>
+            </a:prstGeom>
+            <a:noFill/>
+            <a:ln>
+              <a:noFill/>
+            </a:ln>
+            <a:effectLst>
+              <a:outerShdw sx="1000" sy="1000" algn="ctr">
+                <a:srgbClr val="000000"/>
+              </a:outerShdw>
+            </a:effectLst>
+          </p:spPr>
+          <p:txBody>
+            <a:bodyPr wrap="square" rtlCol="0">
+              <a:spAutoFit/>
+            </a:bodyPr>
+            <a:lstStyle/>
+            <a:p>
+              <a:pPr algn="ctr">
+                <a:lnSpc>
+                  <a:spcPct val="107000"/>
+                </a:lnSpc>
+              </a:pPr>
+              <a:r>
+                <a:rPr lang="en-ZA" sz="1400" b="1" dirty="0">
+                  <a:solidFill>
+                    <a:srgbClr val="00008B"/>
+                  </a:solidFill>
+                  <a:latin typeface="Times New Roman" panose="02020603050405020304" pitchFamily="18" charset="0"/>
+                  <a:cs typeface="Times New Roman" panose="02020603050405020304" pitchFamily="18" charset="0"/>
+                </a:rPr>
+                <a:t>Identified text coordinates</a:t>
+              </a:r>
+            </a:p>
+          </p:txBody>
+        </p:sp>
+        <p:sp>
+          <p:nvSpPr>
+            <p:cNvPr id="73" name="TextBox 72">
+              <a:extLst>
+                <a:ext uri="{FF2B5EF4-FFF2-40B4-BE49-F238E27FC236}">
+                  <a16:creationId xmlns:a16="http://schemas.microsoft.com/office/drawing/2014/main" id="{39D9112A-78B3-4DDB-9826-818C66A386A1}"/>
+                </a:ext>
+              </a:extLst>
+            </p:cNvPr>
+            <p:cNvSpPr txBox="1"/>
+            <p:nvPr/>
+          </p:nvSpPr>
+          <p:spPr>
+            <a:xfrm>
+              <a:off x="22001724" y="4123121"/>
+              <a:ext cx="1966408" cy="307392"/>
+            </a:xfrm>
+            <a:prstGeom prst="rect">
+              <a:avLst/>
+            </a:prstGeom>
+            <a:noFill/>
+            <a:ln>
+              <a:noFill/>
+            </a:ln>
+            <a:effectLst>
+              <a:outerShdw sx="1000" sy="1000" algn="ctr">
+                <a:srgbClr val="000000"/>
+              </a:outerShdw>
+            </a:effectLst>
+          </p:spPr>
+          <p:txBody>
+            <a:bodyPr wrap="square" rtlCol="0">
+              <a:spAutoFit/>
+            </a:bodyPr>
+            <a:lstStyle/>
+            <a:p>
+              <a:pPr>
+                <a:lnSpc>
+                  <a:spcPct val="107000"/>
+                </a:lnSpc>
+              </a:pPr>
+              <a:r>
+                <a:rPr lang="en-ZA" sz="1400" b="1" dirty="0">
+                  <a:solidFill>
+                    <a:srgbClr val="00008B"/>
+                  </a:solidFill>
+                  <a:latin typeface="Times New Roman" panose="02020603050405020304" pitchFamily="18" charset="0"/>
+                  <a:cs typeface="Times New Roman" panose="02020603050405020304" pitchFamily="18" charset="0"/>
+                </a:rPr>
+                <a:t>Relative crop positions</a:t>
+              </a:r>
+            </a:p>
+          </p:txBody>
+        </p:sp>
+        <p:sp>
+          <p:nvSpPr>
+            <p:cNvPr id="74" name="TextBox 73">
+              <a:extLst>
+                <a:ext uri="{FF2B5EF4-FFF2-40B4-BE49-F238E27FC236}">
+                  <a16:creationId xmlns:a16="http://schemas.microsoft.com/office/drawing/2014/main" id="{EC56E6F8-6BD3-490C-8863-1D892E96E46A}"/>
+                </a:ext>
+              </a:extLst>
+            </p:cNvPr>
+            <p:cNvSpPr txBox="1"/>
+            <p:nvPr/>
+          </p:nvSpPr>
+          <p:spPr>
+            <a:xfrm>
+              <a:off x="24372050" y="4123121"/>
+              <a:ext cx="1747924" cy="307392"/>
+            </a:xfrm>
+            <a:prstGeom prst="rect">
+              <a:avLst/>
+            </a:prstGeom>
+            <a:noFill/>
+            <a:ln>
+              <a:noFill/>
+            </a:ln>
+            <a:effectLst>
+              <a:outerShdw sx="1000" sy="1000" algn="ctr">
+                <a:srgbClr val="000000"/>
+              </a:outerShdw>
+            </a:effectLst>
+          </p:spPr>
+          <p:txBody>
+            <a:bodyPr wrap="square" rtlCol="0">
+              <a:spAutoFit/>
+            </a:bodyPr>
+            <a:lstStyle/>
+            <a:p>
+              <a:pPr algn="ctr">
+                <a:lnSpc>
+                  <a:spcPct val="107000"/>
+                </a:lnSpc>
+              </a:pPr>
+              <a:r>
+                <a:rPr lang="en-ZA" sz="1400" b="1" dirty="0">
+                  <a:solidFill>
+                    <a:srgbClr val="00008B"/>
+                  </a:solidFill>
+                  <a:latin typeface="Times New Roman" panose="02020603050405020304" pitchFamily="18" charset="0"/>
+                  <a:cs typeface="Times New Roman" panose="02020603050405020304" pitchFamily="18" charset="0"/>
+                </a:rPr>
+                <a:t>Cropped spirals</a:t>
+              </a:r>
+            </a:p>
+          </p:txBody>
+        </p:sp>
+        <p:sp>
+          <p:nvSpPr>
+            <p:cNvPr id="75" name="TextBox 74">
+              <a:extLst>
+                <a:ext uri="{FF2B5EF4-FFF2-40B4-BE49-F238E27FC236}">
+                  <a16:creationId xmlns:a16="http://schemas.microsoft.com/office/drawing/2014/main" id="{27D1F097-FBC0-4BE6-AFB2-1E716E1919EE}"/>
+                </a:ext>
+              </a:extLst>
+            </p:cNvPr>
+            <p:cNvSpPr txBox="1"/>
+            <p:nvPr/>
+          </p:nvSpPr>
+          <p:spPr>
+            <a:xfrm>
+              <a:off x="24013530" y="5401315"/>
+              <a:ext cx="1747924" cy="537904"/>
+            </a:xfrm>
+            <a:prstGeom prst="rect">
+              <a:avLst/>
+            </a:prstGeom>
+            <a:noFill/>
+            <a:ln>
+              <a:noFill/>
+            </a:ln>
+            <a:effectLst>
+              <a:outerShdw sx="1000" sy="1000" algn="ctr">
+                <a:srgbClr val="000000"/>
+              </a:outerShdw>
+            </a:effectLst>
+          </p:spPr>
+          <p:txBody>
+            <a:bodyPr wrap="square" rtlCol="0">
+              <a:spAutoFit/>
+            </a:bodyPr>
+            <a:lstStyle/>
+            <a:p>
+              <a:pPr>
+                <a:lnSpc>
+                  <a:spcPct val="107000"/>
+                </a:lnSpc>
+              </a:pPr>
+              <a:r>
+                <a:rPr lang="en-ZA" sz="1400" b="1" dirty="0">
+                  <a:solidFill>
+                    <a:srgbClr val="00008B"/>
+                  </a:solidFill>
+                  <a:latin typeface="Times New Roman" panose="02020603050405020304" pitchFamily="18" charset="0"/>
+                  <a:cs typeface="Times New Roman" panose="02020603050405020304" pitchFamily="18" charset="0"/>
+                </a:rPr>
+                <a:t>Drawing C needing rotation</a:t>
+              </a:r>
+            </a:p>
+          </p:txBody>
+        </p:sp>
+        <p:sp>
+          <p:nvSpPr>
+            <p:cNvPr id="76" name="TextBox 75">
+              <a:extLst>
+                <a:ext uri="{FF2B5EF4-FFF2-40B4-BE49-F238E27FC236}">
+                  <a16:creationId xmlns:a16="http://schemas.microsoft.com/office/drawing/2014/main" id="{757A2DDA-B9D9-4AC3-8033-E146A3DFE78E}"/>
+                </a:ext>
+              </a:extLst>
+            </p:cNvPr>
+            <p:cNvSpPr txBox="1"/>
+            <p:nvPr/>
+          </p:nvSpPr>
+          <p:spPr>
+            <a:xfrm>
+              <a:off x="24741100" y="6460907"/>
+              <a:ext cx="1747924" cy="307392"/>
+            </a:xfrm>
+            <a:prstGeom prst="rect">
+              <a:avLst/>
+            </a:prstGeom>
+            <a:noFill/>
+            <a:ln>
+              <a:noFill/>
+            </a:ln>
+            <a:effectLst>
+              <a:outerShdw sx="1000" sy="1000" algn="ctr">
+                <a:srgbClr val="000000"/>
+              </a:outerShdw>
+            </a:effectLst>
+          </p:spPr>
+          <p:txBody>
+            <a:bodyPr wrap="square" rtlCol="0">
+              <a:spAutoFit/>
+            </a:bodyPr>
+            <a:lstStyle/>
+            <a:p>
+              <a:pPr algn="ctr">
+                <a:lnSpc>
+                  <a:spcPct val="107000"/>
+                </a:lnSpc>
+              </a:pPr>
+              <a:r>
+                <a:rPr lang="en-ZA" sz="1400" b="1" dirty="0">
+                  <a:solidFill>
+                    <a:srgbClr val="00008B"/>
+                  </a:solidFill>
+                  <a:latin typeface="Times New Roman" panose="02020603050405020304" pitchFamily="18" charset="0"/>
+                  <a:cs typeface="Times New Roman" panose="02020603050405020304" pitchFamily="18" charset="0"/>
+                </a:rPr>
+                <a:t>Cropped line</a:t>
+              </a:r>
+            </a:p>
+          </p:txBody>
+        </p:sp>
+      </p:grpSp>
+      <p:grpSp>
+        <p:nvGrpSpPr>
+          <p:cNvPr id="177" name="Group 176">
+            <a:extLst>
+              <a:ext uri="{FF2B5EF4-FFF2-40B4-BE49-F238E27FC236}">
+                <a16:creationId xmlns:a16="http://schemas.microsoft.com/office/drawing/2014/main" id="{7B5EE4E3-430E-1F53-7005-C461D2802A8B}"/>
+              </a:ext>
+            </a:extLst>
+          </p:cNvPr>
+          <p:cNvGrpSpPr/>
+          <p:nvPr/>
+        </p:nvGrpSpPr>
+        <p:grpSpPr>
+          <a:xfrm>
+            <a:off x="166248" y="9388880"/>
+            <a:ext cx="15437044" cy="5549987"/>
+            <a:chOff x="15719109" y="240479"/>
+            <a:chExt cx="15437044" cy="5575434"/>
+          </a:xfrm>
+        </p:grpSpPr>
+        <p:sp>
+          <p:nvSpPr>
+            <p:cNvPr id="178" name="Rectangle 177">
+              <a:extLst>
+                <a:ext uri="{FF2B5EF4-FFF2-40B4-BE49-F238E27FC236}">
+                  <a16:creationId xmlns:a16="http://schemas.microsoft.com/office/drawing/2014/main" id="{552F17DB-A7F8-D04D-54BB-E01236BFEDF1}"/>
+                </a:ext>
+              </a:extLst>
+            </p:cNvPr>
+            <p:cNvSpPr/>
+            <p:nvPr/>
+          </p:nvSpPr>
+          <p:spPr>
+            <a:xfrm>
+              <a:off x="15737353" y="240480"/>
+              <a:ext cx="15418800" cy="5575433"/>
+            </a:xfrm>
+            <a:prstGeom prst="rect">
+              <a:avLst/>
+            </a:prstGeom>
+            <a:solidFill>
+              <a:schemeClr val="bg1"/>
+            </a:solidFill>
+            <a:ln>
+              <a:noFill/>
+            </a:ln>
+          </p:spPr>
+          <p:style>
+            <a:lnRef idx="2">
+              <a:schemeClr val="accent1">
+                <a:shade val="50000"/>
+              </a:schemeClr>
+            </a:lnRef>
+            <a:fillRef idx="1">
+              <a:schemeClr val="accent1"/>
+            </a:fillRef>
+            <a:effectRef idx="0">
+              <a:schemeClr val="accent1"/>
+            </a:effectRef>
+            <a:fontRef idx="minor">
+              <a:schemeClr val="lt1"/>
+            </a:fontRef>
+          </p:style>
+          <p:txBody>
+            <a:bodyPr rtlCol="0" anchor="ctr"/>
+            <a:lstStyle/>
+            <a:p>
+              <a:pPr algn="ctr"/>
+              <a:endParaRPr lang="en-ZA" dirty="0"/>
+            </a:p>
+          </p:txBody>
+        </p:sp>
+        <p:sp>
+          <p:nvSpPr>
+            <p:cNvPr id="186" name="TextBox 185">
+              <a:extLst>
+                <a:ext uri="{FF2B5EF4-FFF2-40B4-BE49-F238E27FC236}">
+                  <a16:creationId xmlns:a16="http://schemas.microsoft.com/office/drawing/2014/main" id="{BDC97FEA-9943-6A98-13C6-4F0A9E81A782}"/>
+                </a:ext>
+              </a:extLst>
+            </p:cNvPr>
+            <p:cNvSpPr txBox="1"/>
+            <p:nvPr/>
+          </p:nvSpPr>
+          <p:spPr>
+            <a:xfrm>
+              <a:off x="15719109" y="240479"/>
+              <a:ext cx="15418800" cy="338554"/>
+            </a:xfrm>
+            <a:prstGeom prst="rect">
+              <a:avLst/>
+            </a:prstGeom>
+            <a:noFill/>
+            <a:ln w="57150">
+              <a:noFill/>
+            </a:ln>
+            <a:effectLst/>
+          </p:spPr>
+          <p:txBody>
+            <a:bodyPr wrap="square" rtlCol="0">
+              <a:spAutoFit/>
+            </a:bodyPr>
+            <a:lstStyle/>
+            <a:p>
+              <a:pPr algn="ctr"/>
+              <a:r>
+                <a:rPr lang="en-ZA" sz="1600" b="1" dirty="0">
+                  <a:solidFill>
+                    <a:srgbClr val="01008A"/>
+                  </a:solidFill>
+                  <a:latin typeface="Times New Roman" panose="02020603050405020304" pitchFamily="18" charset="0"/>
+                  <a:cs typeface="Times New Roman" panose="02020603050405020304" pitchFamily="18" charset="0"/>
+                </a:rPr>
+                <a:t>METHOD 2: LINE DRAWING TREMOR QUANTIFICATION </a:t>
+              </a:r>
+            </a:p>
+          </p:txBody>
+        </p:sp>
+        <p:sp>
+          <p:nvSpPr>
+            <p:cNvPr id="191" name="TextBox 190">
+              <a:extLst>
+                <a:ext uri="{FF2B5EF4-FFF2-40B4-BE49-F238E27FC236}">
+                  <a16:creationId xmlns:a16="http://schemas.microsoft.com/office/drawing/2014/main" id="{4B06E6F8-AE74-E258-2101-6471159D25A1}"/>
+                </a:ext>
+              </a:extLst>
+            </p:cNvPr>
+            <p:cNvSpPr txBox="1"/>
+            <p:nvPr/>
+          </p:nvSpPr>
+          <p:spPr>
+            <a:xfrm>
+              <a:off x="15733073" y="558416"/>
+              <a:ext cx="8076091" cy="5077660"/>
+            </a:xfrm>
+            <a:prstGeom prst="rect">
+              <a:avLst/>
+            </a:prstGeom>
+            <a:noFill/>
+            <a:ln w="57150">
+              <a:noFill/>
+            </a:ln>
+            <a:effectLst/>
+          </p:spPr>
+          <p:txBody>
+            <a:bodyPr wrap="square" rtlCol="0">
+              <a:spAutoFit/>
+            </a:bodyPr>
+            <a:lstStyle/>
+            <a:p>
+              <a:pPr algn="ctr"/>
+              <a:r>
+                <a:rPr lang="en-ZA" sz="1600" b="1" dirty="0">
+                  <a:solidFill>
+                    <a:srgbClr val="01008A"/>
+                  </a:solidFill>
+                  <a:latin typeface="Times New Roman" panose="02020603050405020304" pitchFamily="18" charset="0"/>
+                  <a:cs typeface="Times New Roman" panose="02020603050405020304" pitchFamily="18" charset="0"/>
+                </a:rPr>
+                <a:t>Extracting the Hand-Drawn Line</a:t>
+              </a:r>
+            </a:p>
+            <a:p>
+              <a:pPr algn="just">
+                <a:lnSpc>
+                  <a:spcPct val="107000"/>
+                </a:lnSpc>
+                <a:spcAft>
+                  <a:spcPts val="800"/>
+                </a:spcAft>
+              </a:pPr>
+              <a:r>
+                <a:rPr lang="en-GB" sz="1400" dirty="0">
+                  <a:solidFill>
+                    <a:srgbClr val="000000"/>
+                  </a:solidFill>
+                  <a:latin typeface="Times New Roman" panose="02020603050405020304" pitchFamily="18" charset="0"/>
+                  <a:ea typeface="Times New Roman" panose="02020603050405020304" pitchFamily="18" charset="0"/>
+                  <a:cs typeface="Arial" panose="020B0604020202020204" pitchFamily="34" charset="0"/>
+                </a:rPr>
+                <a:t>The line image is inputted using the cv2 </a:t>
+              </a:r>
+              <a:r>
+                <a:rPr lang="en-GB" sz="1400" i="1" dirty="0" err="1">
+                  <a:solidFill>
+                    <a:srgbClr val="000000"/>
+                  </a:solidFill>
+                  <a:latin typeface="Times New Roman" panose="02020603050405020304" pitchFamily="18" charset="0"/>
+                  <a:ea typeface="Times New Roman" panose="02020603050405020304" pitchFamily="18" charset="0"/>
+                  <a:cs typeface="Arial" panose="020B0604020202020204" pitchFamily="34" charset="0"/>
+                </a:rPr>
+                <a:t>imread</a:t>
+              </a:r>
+              <a:r>
+                <a:rPr lang="en-GB" sz="1400" i="1" dirty="0">
+                  <a:solidFill>
+                    <a:srgbClr val="000000"/>
+                  </a:solidFill>
+                  <a:latin typeface="Times New Roman" panose="02020603050405020304" pitchFamily="18" charset="0"/>
+                  <a:ea typeface="Times New Roman" panose="02020603050405020304" pitchFamily="18" charset="0"/>
+                  <a:cs typeface="Arial" panose="020B0604020202020204" pitchFamily="34" charset="0"/>
+                </a:rPr>
+                <a:t>( )</a:t>
+              </a:r>
+              <a:r>
+                <a:rPr lang="en-GB" sz="1400" dirty="0">
+                  <a:solidFill>
+                    <a:srgbClr val="000000"/>
+                  </a:solidFill>
+                  <a:latin typeface="Times New Roman" panose="02020603050405020304" pitchFamily="18" charset="0"/>
+                  <a:ea typeface="Times New Roman" panose="02020603050405020304" pitchFamily="18" charset="0"/>
+                  <a:cs typeface="Arial" panose="020B0604020202020204" pitchFamily="34" charset="0"/>
+                </a:rPr>
+                <a:t> function. NumPy </a:t>
+              </a:r>
+              <a:r>
+                <a:rPr lang="en-GB" sz="1400" i="1" dirty="0" err="1">
+                  <a:solidFill>
+                    <a:srgbClr val="000000"/>
+                  </a:solidFill>
+                  <a:latin typeface="Times New Roman" panose="02020603050405020304" pitchFamily="18" charset="0"/>
+                  <a:ea typeface="Times New Roman" panose="02020603050405020304" pitchFamily="18" charset="0"/>
+                  <a:cs typeface="Arial" panose="020B0604020202020204" pitchFamily="34" charset="0"/>
+                </a:rPr>
+                <a:t>argwhere</a:t>
+              </a:r>
+              <a:r>
+                <a:rPr lang="en-GB" sz="1400" i="1" dirty="0">
+                  <a:solidFill>
+                    <a:srgbClr val="000000"/>
+                  </a:solidFill>
+                  <a:latin typeface="Times New Roman" panose="02020603050405020304" pitchFamily="18" charset="0"/>
+                  <a:ea typeface="Times New Roman" panose="02020603050405020304" pitchFamily="18" charset="0"/>
+                  <a:cs typeface="Arial" panose="020B0604020202020204" pitchFamily="34" charset="0"/>
+                </a:rPr>
+                <a:t>( )</a:t>
+              </a:r>
+              <a:r>
+                <a:rPr lang="en-GB" sz="1400" dirty="0">
+                  <a:solidFill>
+                    <a:srgbClr val="000000"/>
+                  </a:solidFill>
+                  <a:latin typeface="Times New Roman" panose="02020603050405020304" pitchFamily="18" charset="0"/>
+                  <a:ea typeface="Times New Roman" panose="02020603050405020304" pitchFamily="18" charset="0"/>
+                  <a:cs typeface="Arial" panose="020B0604020202020204" pitchFamily="34" charset="0"/>
+                </a:rPr>
+                <a:t> function extracts the x- and y-coordinates of every pixel that is not white. These pixels are stored in arrays sorted according to the x-axis. Each y-value is shifted by the average y-value to centre the line around the horizontal axis. </a:t>
+              </a:r>
+            </a:p>
+            <a:p>
+              <a:pPr algn="ctr"/>
+              <a:r>
+                <a:rPr lang="en-ZA" sz="1600" b="1" dirty="0">
+                  <a:solidFill>
+                    <a:srgbClr val="01008A"/>
+                  </a:solidFill>
+                  <a:latin typeface="Times New Roman" panose="02020603050405020304" pitchFamily="18" charset="0"/>
+                  <a:cs typeface="Times New Roman" panose="02020603050405020304" pitchFamily="18" charset="0"/>
+                </a:rPr>
+                <a:t>Noise Reduction</a:t>
+              </a:r>
+            </a:p>
+            <a:p>
+              <a:pPr algn="just">
+                <a:lnSpc>
+                  <a:spcPct val="107000"/>
+                </a:lnSpc>
+                <a:spcAft>
+                  <a:spcPts val="800"/>
+                </a:spcAft>
+              </a:pPr>
+              <a:r>
+                <a:rPr lang="en-GB" sz="1400" dirty="0">
+                  <a:solidFill>
+                    <a:srgbClr val="000000"/>
+                  </a:solidFill>
+                  <a:latin typeface="Times New Roman" panose="02020603050405020304" pitchFamily="18" charset="0"/>
+                  <a:ea typeface="Times New Roman" panose="02020603050405020304" pitchFamily="18" charset="0"/>
+                  <a:cs typeface="Arial" panose="020B0604020202020204" pitchFamily="34" charset="0"/>
+                </a:rPr>
+                <a:t>Since all y-values are real, the faster SciPy </a:t>
+              </a:r>
+              <a:r>
+                <a:rPr lang="en-GB" sz="1400" i="1" dirty="0" err="1">
+                  <a:solidFill>
+                    <a:srgbClr val="000000"/>
+                  </a:solidFill>
+                  <a:latin typeface="Times New Roman" panose="02020603050405020304" pitchFamily="18" charset="0"/>
+                  <a:ea typeface="Times New Roman" panose="02020603050405020304" pitchFamily="18" charset="0"/>
+                  <a:cs typeface="Arial" panose="020B0604020202020204" pitchFamily="34" charset="0"/>
+                </a:rPr>
+                <a:t>rfft</a:t>
+              </a:r>
+              <a:r>
+                <a:rPr lang="en-GB" sz="1400" i="1" dirty="0">
+                  <a:solidFill>
+                    <a:srgbClr val="000000"/>
+                  </a:solidFill>
+                  <a:latin typeface="Times New Roman" panose="02020603050405020304" pitchFamily="18" charset="0"/>
+                  <a:ea typeface="Times New Roman" panose="02020603050405020304" pitchFamily="18" charset="0"/>
+                  <a:cs typeface="Arial" panose="020B0604020202020204" pitchFamily="34" charset="0"/>
+                </a:rPr>
+                <a:t>( ) </a:t>
+              </a:r>
+              <a:r>
+                <a:rPr lang="en-GB" sz="1400" dirty="0">
+                  <a:solidFill>
+                    <a:srgbClr val="000000"/>
+                  </a:solidFill>
+                  <a:latin typeface="Times New Roman" panose="02020603050405020304" pitchFamily="18" charset="0"/>
+                  <a:ea typeface="Times New Roman" panose="02020603050405020304" pitchFamily="18" charset="0"/>
+                  <a:cs typeface="Arial" panose="020B0604020202020204" pitchFamily="34" charset="0"/>
+                </a:rPr>
+                <a:t>function is used to compute the one-dimensional Fourier Transform. It can be seen that there is a very small range of useful frequencies. The higher unwanted frequencies – caused by pixelated/blurry input or erroneous markings on the original drawing – are discarded. </a:t>
+              </a:r>
+            </a:p>
+            <a:p>
+              <a:pPr algn="just">
+                <a:lnSpc>
+                  <a:spcPct val="107000"/>
+                </a:lnSpc>
+                <a:spcAft>
+                  <a:spcPts val="800"/>
+                </a:spcAft>
+              </a:pPr>
+              <a:r>
+                <a:rPr lang="en-GB" sz="1400" dirty="0">
+                  <a:solidFill>
+                    <a:srgbClr val="000000"/>
+                  </a:solidFill>
+                  <a:latin typeface="Times New Roman" panose="02020603050405020304" pitchFamily="18" charset="0"/>
+                  <a:ea typeface="Times New Roman" panose="02020603050405020304" pitchFamily="18" charset="0"/>
+                  <a:cs typeface="Arial" panose="020B0604020202020204" pitchFamily="34" charset="0"/>
+                </a:rPr>
+                <a:t>The SciPy </a:t>
+              </a:r>
+              <a:r>
+                <a:rPr lang="en-GB" sz="1400" i="1" dirty="0" err="1">
+                  <a:solidFill>
+                    <a:srgbClr val="000000"/>
+                  </a:solidFill>
+                  <a:latin typeface="Times New Roman" panose="02020603050405020304" pitchFamily="18" charset="0"/>
+                  <a:ea typeface="Times New Roman" panose="02020603050405020304" pitchFamily="18" charset="0"/>
+                  <a:cs typeface="Arial" panose="020B0604020202020204" pitchFamily="34" charset="0"/>
+                </a:rPr>
+                <a:t>irfft</a:t>
+              </a:r>
+              <a:r>
+                <a:rPr lang="en-GB" sz="1400" i="1" dirty="0">
+                  <a:solidFill>
+                    <a:srgbClr val="000000"/>
+                  </a:solidFill>
+                  <a:latin typeface="Times New Roman" panose="02020603050405020304" pitchFamily="18" charset="0"/>
+                  <a:ea typeface="Times New Roman" panose="02020603050405020304" pitchFamily="18" charset="0"/>
+                  <a:cs typeface="Arial" panose="020B0604020202020204" pitchFamily="34" charset="0"/>
+                </a:rPr>
+                <a:t>( )</a:t>
+              </a:r>
+              <a:r>
+                <a:rPr lang="en-GB" sz="1400" dirty="0">
+                  <a:solidFill>
+                    <a:srgbClr val="000000"/>
+                  </a:solidFill>
+                  <a:latin typeface="Times New Roman" panose="02020603050405020304" pitchFamily="18" charset="0"/>
+                  <a:ea typeface="Times New Roman" panose="02020603050405020304" pitchFamily="18" charset="0"/>
+                  <a:cs typeface="Arial" panose="020B0604020202020204" pitchFamily="34" charset="0"/>
+                </a:rPr>
+                <a:t> function is used to return the inverse discrete Fourier transform once again. The data is now noise free and the Signal </a:t>
+              </a:r>
+              <a:r>
+                <a:rPr lang="en-GB" sz="1400" i="1" dirty="0" err="1">
+                  <a:solidFill>
+                    <a:srgbClr val="000000"/>
+                  </a:solidFill>
+                  <a:latin typeface="Times New Roman" panose="02020603050405020304" pitchFamily="18" charset="0"/>
+                  <a:ea typeface="Times New Roman" panose="02020603050405020304" pitchFamily="18" charset="0"/>
+                  <a:cs typeface="Arial" panose="020B0604020202020204" pitchFamily="34" charset="0"/>
+                </a:rPr>
+                <a:t>find_peaks</a:t>
+              </a:r>
+              <a:r>
+                <a:rPr lang="en-GB" sz="1400" i="1" dirty="0">
+                  <a:solidFill>
+                    <a:srgbClr val="000000"/>
+                  </a:solidFill>
+                  <a:latin typeface="Times New Roman" panose="02020603050405020304" pitchFamily="18" charset="0"/>
+                  <a:ea typeface="Times New Roman" panose="02020603050405020304" pitchFamily="18" charset="0"/>
+                  <a:cs typeface="Arial" panose="020B0604020202020204" pitchFamily="34" charset="0"/>
+                </a:rPr>
+                <a:t>( ) </a:t>
+              </a:r>
+              <a:r>
+                <a:rPr lang="en-GB" sz="1400" dirty="0">
+                  <a:solidFill>
+                    <a:srgbClr val="000000"/>
+                  </a:solidFill>
+                  <a:latin typeface="Times New Roman" panose="02020603050405020304" pitchFamily="18" charset="0"/>
+                  <a:ea typeface="Times New Roman" panose="02020603050405020304" pitchFamily="18" charset="0"/>
+                  <a:cs typeface="Arial" panose="020B0604020202020204" pitchFamily="34" charset="0"/>
+                </a:rPr>
+                <a:t>function is used to find all maximum (peak) and minimum (trough) points in order to count the number of tremors as well as the distance between each adjacent peak and trough. </a:t>
+              </a:r>
+            </a:p>
+            <a:p>
+              <a:pPr algn="ctr"/>
+              <a:r>
+                <a:rPr lang="en-ZA" sz="1600" b="1" dirty="0">
+                  <a:solidFill>
+                    <a:srgbClr val="01008A"/>
+                  </a:solidFill>
+                  <a:latin typeface="Times New Roman" panose="02020603050405020304" pitchFamily="18" charset="0"/>
+                  <a:cs typeface="Times New Roman" panose="02020603050405020304" pitchFamily="18" charset="0"/>
+                </a:rPr>
+                <a:t>Determining a Tremor Severity Measure</a:t>
+              </a:r>
+            </a:p>
+            <a:p>
+              <a:pPr marL="342900" indent="-342900" algn="just">
+                <a:lnSpc>
+                  <a:spcPct val="107000"/>
+                </a:lnSpc>
+                <a:spcAft>
+                  <a:spcPts val="800"/>
+                </a:spcAft>
+                <a:buFont typeface="+mj-lt"/>
+                <a:buAutoNum type="arabicPeriod"/>
+              </a:pPr>
+              <a:r>
+                <a:rPr lang="en-GB" sz="1400" dirty="0">
+                  <a:solidFill>
+                    <a:srgbClr val="000000"/>
+                  </a:solidFill>
+                  <a:latin typeface="Times New Roman" panose="02020603050405020304" pitchFamily="18" charset="0"/>
+                  <a:ea typeface="Times New Roman" panose="02020603050405020304" pitchFamily="18" charset="0"/>
+                  <a:cs typeface="Arial" panose="020B0604020202020204" pitchFamily="34" charset="0"/>
+                </a:rPr>
+                <a:t>The number of peaks in the function is an indication of the frequency of the patient’s tremors. In general, more peaks indicates a worse tremor. </a:t>
+              </a:r>
+            </a:p>
+            <a:p>
+              <a:pPr marL="342900" indent="-342900" algn="just">
+                <a:lnSpc>
+                  <a:spcPct val="107000"/>
+                </a:lnSpc>
+                <a:spcAft>
+                  <a:spcPts val="800"/>
+                </a:spcAft>
+                <a:buFont typeface="+mj-lt"/>
+                <a:buAutoNum type="arabicPeriod"/>
+              </a:pPr>
+              <a:r>
+                <a:rPr lang="en-GB" sz="1400" dirty="0">
+                  <a:solidFill>
+                    <a:srgbClr val="000000"/>
+                  </a:solidFill>
+                  <a:latin typeface="Times New Roman" panose="02020603050405020304" pitchFamily="18" charset="0"/>
+                  <a:ea typeface="Times New Roman" panose="02020603050405020304" pitchFamily="18" charset="0"/>
+                  <a:cs typeface="Arial" panose="020B0604020202020204" pitchFamily="34" charset="0"/>
+                </a:rPr>
+                <a:t>The distance between each adjacent tremor’s peaks and troughs indicate the severity of the tremor. A larger distance only indicates a worse tremor when occurring with a high number of peaks. A large distance with a very low number of peaks could be an indication of a line image that has been incorrectly cropped (slanted). </a:t>
+              </a:r>
+            </a:p>
+            <a:p>
+              <a:pPr algn="just">
+                <a:lnSpc>
+                  <a:spcPct val="107000"/>
+                </a:lnSpc>
+                <a:spcAft>
+                  <a:spcPts val="800"/>
+                </a:spcAft>
+              </a:pPr>
+              <a:r>
+                <a:rPr lang="en-GB" sz="1400" dirty="0">
+                  <a:solidFill>
+                    <a:srgbClr val="000000"/>
+                  </a:solidFill>
+                  <a:latin typeface="Times New Roman" panose="02020603050405020304" pitchFamily="18" charset="0"/>
+                  <a:ea typeface="Times New Roman" panose="02020603050405020304" pitchFamily="18" charset="0"/>
+                  <a:cs typeface="Arial" panose="020B0604020202020204" pitchFamily="34" charset="0"/>
+                </a:rPr>
+                <a:t>Since these two variables are proportionally linked to the severity of a tremor, the product of the two variables is used as an indication of tremor severity. </a:t>
+              </a:r>
+            </a:p>
+          </p:txBody>
+        </p:sp>
+      </p:grpSp>
+      <p:sp>
+        <p:nvSpPr>
+          <p:cNvPr id="2" name="TextBox 1">
+            <a:extLst>
+              <a:ext uri="{FF2B5EF4-FFF2-40B4-BE49-F238E27FC236}">
+                <a16:creationId xmlns:a16="http://schemas.microsoft.com/office/drawing/2014/main" id="{CAB3AC64-A7A0-3CEE-D01E-E952287DBA5F}"/>
+              </a:ext>
+            </a:extLst>
+          </p:cNvPr>
+          <p:cNvSpPr txBox="1"/>
+          <p:nvPr/>
+        </p:nvSpPr>
+        <p:spPr>
+          <a:xfrm>
+            <a:off x="9801611" y="159521"/>
+            <a:ext cx="4387650" cy="892552"/>
+          </a:xfrm>
+          <a:prstGeom prst="rect">
+            <a:avLst/>
+          </a:prstGeom>
+          <a:noFill/>
+          <a:effectLst/>
+        </p:spPr>
+        <p:txBody>
+          <a:bodyPr wrap="square" rtlCol="0">
+            <a:spAutoFit/>
+          </a:bodyPr>
+          <a:lstStyle/>
+          <a:p>
+            <a:pPr algn="ctr"/>
+            <a:r>
+              <a:rPr lang="en-ZA" sz="3200" b="1" dirty="0">
+                <a:solidFill>
+                  <a:schemeClr val="bg1"/>
+                </a:solidFill>
+                <a:effectLst>
+                  <a:outerShdw blurRad="190500" dist="228600" dir="2700000" algn="ctr" rotWithShape="0">
+                    <a:srgbClr val="000000">
+                      <a:alpha val="30000"/>
+                    </a:srgbClr>
+                  </a:outerShdw>
+                </a:effectLst>
+                <a:latin typeface="Times New Roman" panose="02020603050405020304" pitchFamily="18" charset="0"/>
+                <a:cs typeface="Times New Roman" panose="02020603050405020304" pitchFamily="18" charset="0"/>
+              </a:rPr>
+              <a:t>Which Hand? – 22PO5</a:t>
+            </a:r>
+          </a:p>
+          <a:p>
+            <a:pPr algn="ctr"/>
+            <a:r>
+              <a:rPr lang="en-ZA" sz="2000" dirty="0">
+                <a:solidFill>
+                  <a:schemeClr val="bg1"/>
+                </a:solidFill>
+                <a:effectLst>
+                  <a:outerShdw blurRad="190500" dist="228600" dir="2700000" algn="ctr" rotWithShape="0">
+                    <a:srgbClr val="000000">
+                      <a:alpha val="30000"/>
+                    </a:srgbClr>
+                  </a:outerShdw>
+                </a:effectLst>
+                <a:latin typeface="Times New Roman" panose="02020603050405020304" pitchFamily="18" charset="0"/>
+                <a:cs typeface="Times New Roman" panose="02020603050405020304" pitchFamily="18" charset="0"/>
+              </a:rPr>
+              <a:t>Robyn Gebbie and Jesse van der Merwe</a:t>
+            </a:r>
+            <a:endParaRPr lang="en-GB" sz="2000" dirty="0">
+              <a:solidFill>
+                <a:schemeClr val="bg1"/>
+              </a:solidFill>
+              <a:effectLst>
+                <a:outerShdw blurRad="190500" dist="228600" dir="2700000" algn="ctr" rotWithShape="0">
+                  <a:srgbClr val="000000">
+                    <a:alpha val="30000"/>
+                  </a:srgbClr>
+                </a:outerShdw>
+              </a:effectLst>
+              <a:latin typeface="Times New Roman" panose="02020603050405020304" pitchFamily="18" charset="0"/>
+              <a:cs typeface="Times New Roman" panose="02020603050405020304" pitchFamily="18" charset="0"/>
+            </a:endParaRPr>
+          </a:p>
+        </p:txBody>
+      </p:sp>
+      <p:grpSp>
+        <p:nvGrpSpPr>
+          <p:cNvPr id="132" name="Group 131">
+            <a:extLst>
+              <a:ext uri="{FF2B5EF4-FFF2-40B4-BE49-F238E27FC236}">
+                <a16:creationId xmlns:a16="http://schemas.microsoft.com/office/drawing/2014/main" id="{C21AB780-B9B9-9F58-0AEE-FB092F46F037}"/>
+              </a:ext>
+            </a:extLst>
+          </p:cNvPr>
+          <p:cNvGrpSpPr/>
+          <p:nvPr/>
+        </p:nvGrpSpPr>
+        <p:grpSpPr>
+          <a:xfrm>
+            <a:off x="8936869" y="12374127"/>
+            <a:ext cx="6473926" cy="2534983"/>
+            <a:chOff x="10127682" y="4250256"/>
+            <a:chExt cx="6286642" cy="2387686"/>
+          </a:xfrm>
+          <a:effectLst/>
+        </p:grpSpPr>
+        <p:sp>
+          <p:nvSpPr>
+            <p:cNvPr id="133" name="Rectangle 132">
+              <a:extLst>
+                <a:ext uri="{FF2B5EF4-FFF2-40B4-BE49-F238E27FC236}">
+                  <a16:creationId xmlns:a16="http://schemas.microsoft.com/office/drawing/2014/main" id="{9559276C-12DC-668B-1673-6E49A00D18F9}"/>
+                </a:ext>
+              </a:extLst>
+            </p:cNvPr>
+            <p:cNvSpPr/>
+            <p:nvPr/>
+          </p:nvSpPr>
+          <p:spPr>
+            <a:xfrm>
+              <a:off x="10127682" y="4250256"/>
+              <a:ext cx="6286642" cy="2387686"/>
+            </a:xfrm>
+            <a:prstGeom prst="rect">
+              <a:avLst/>
+            </a:prstGeom>
+            <a:solidFill>
+              <a:schemeClr val="bg1"/>
+            </a:solidFill>
+            <a:ln>
+              <a:noFill/>
+            </a:ln>
+            <a:effectLst/>
+          </p:spPr>
+          <p:style>
+            <a:lnRef idx="2">
+              <a:schemeClr val="accent1">
+                <a:shade val="50000"/>
+              </a:schemeClr>
+            </a:lnRef>
+            <a:fillRef idx="1">
+              <a:schemeClr val="accent1"/>
+            </a:fillRef>
+            <a:effectRef idx="0">
+              <a:schemeClr val="accent1"/>
+            </a:effectRef>
+            <a:fontRef idx="minor">
+              <a:schemeClr val="lt1"/>
+            </a:fontRef>
+          </p:style>
+          <p:txBody>
+            <a:bodyPr rtlCol="0" anchor="ctr"/>
+            <a:lstStyle/>
+            <a:p>
+              <a:pPr algn="ctr"/>
+              <a:endParaRPr lang="en-ZA" dirty="0"/>
+            </a:p>
+          </p:txBody>
+        </p:sp>
+        <p:grpSp>
+          <p:nvGrpSpPr>
+            <p:cNvPr id="134" name="Group 133">
+              <a:extLst>
+                <a:ext uri="{FF2B5EF4-FFF2-40B4-BE49-F238E27FC236}">
+                  <a16:creationId xmlns:a16="http://schemas.microsoft.com/office/drawing/2014/main" id="{501A8AFB-2BFE-A442-0796-8F868638FA2D}"/>
+                </a:ext>
+              </a:extLst>
+            </p:cNvPr>
+            <p:cNvGrpSpPr/>
+            <p:nvPr/>
+          </p:nvGrpSpPr>
+          <p:grpSpPr>
+            <a:xfrm>
+              <a:off x="11697375" y="4451851"/>
+              <a:ext cx="4710234" cy="1381600"/>
+              <a:chOff x="6913675" y="2079241"/>
+              <a:chExt cx="4710234" cy="1381600"/>
+            </a:xfrm>
+          </p:grpSpPr>
+          <p:grpSp>
+            <p:nvGrpSpPr>
+              <p:cNvPr id="135" name="Group 134">
+                <a:extLst>
+                  <a:ext uri="{FF2B5EF4-FFF2-40B4-BE49-F238E27FC236}">
+                    <a16:creationId xmlns:a16="http://schemas.microsoft.com/office/drawing/2014/main" id="{8F810BD2-9C92-803C-9661-4572C6263D63}"/>
+                  </a:ext>
+                </a:extLst>
+              </p:cNvPr>
+              <p:cNvGrpSpPr/>
+              <p:nvPr/>
+            </p:nvGrpSpPr>
+            <p:grpSpPr>
+              <a:xfrm>
+                <a:off x="9246609" y="2079241"/>
+                <a:ext cx="2377300" cy="1378854"/>
+                <a:chOff x="9246986" y="4415675"/>
+                <a:chExt cx="2377300" cy="1378854"/>
+              </a:xfrm>
+            </p:grpSpPr>
+            <p:pic>
+              <p:nvPicPr>
+                <p:cNvPr id="140" name="Picture 139">
+                  <a:extLst>
+                    <a:ext uri="{FF2B5EF4-FFF2-40B4-BE49-F238E27FC236}">
+                      <a16:creationId xmlns:a16="http://schemas.microsoft.com/office/drawing/2014/main" id="{D0673A72-2344-37E7-92DE-1104967617C2}"/>
+                    </a:ext>
+                  </a:extLst>
+                </p:cNvPr>
+                <p:cNvPicPr>
+                  <a:picLocks noChangeAspect="1"/>
+                </p:cNvPicPr>
+                <p:nvPr/>
+              </p:nvPicPr>
+              <p:blipFill>
+                <a:blip r:embed="rId39">
+                  <a:extLst>
+                    <a:ext uri="{28A0092B-C50C-407E-A947-70E740481C1C}">
+                      <a14:useLocalDpi xmlns:a14="http://schemas.microsoft.com/office/drawing/2010/main" val="0"/>
+                    </a:ext>
+                  </a:extLst>
+                </a:blip>
+                <a:stretch>
+                  <a:fillRect/>
+                </a:stretch>
+              </p:blipFill>
+              <p:spPr>
+                <a:xfrm rot="10800000" flipH="1">
+                  <a:off x="9248286" y="4415675"/>
+                  <a:ext cx="2376000" cy="140950"/>
+                </a:xfrm>
+                <a:prstGeom prst="rect">
+                  <a:avLst/>
+                </a:prstGeom>
+              </p:spPr>
+            </p:pic>
+            <p:pic>
+              <p:nvPicPr>
+                <p:cNvPr id="141" name="Picture 140" descr="Chart, line chart&#10;&#10;Description automatically generated">
+                  <a:extLst>
+                    <a:ext uri="{FF2B5EF4-FFF2-40B4-BE49-F238E27FC236}">
+                      <a16:creationId xmlns:a16="http://schemas.microsoft.com/office/drawing/2014/main" id="{B7E49911-70DB-0235-F8CA-AAA5A003D479}"/>
+                    </a:ext>
+                  </a:extLst>
+                </p:cNvPr>
+                <p:cNvPicPr>
+                  <a:picLocks noChangeAspect="1"/>
+                </p:cNvPicPr>
+                <p:nvPr/>
+              </p:nvPicPr>
+              <p:blipFill>
+                <a:blip r:embed="rId40">
+                  <a:extLst>
+                    <a:ext uri="{28A0092B-C50C-407E-A947-70E740481C1C}">
+                      <a14:useLocalDpi xmlns:a14="http://schemas.microsoft.com/office/drawing/2010/main" val="0"/>
+                    </a:ext>
+                  </a:extLst>
+                </a:blip>
+                <a:stretch>
+                  <a:fillRect/>
+                </a:stretch>
+              </p:blipFill>
+              <p:spPr>
+                <a:xfrm>
+                  <a:off x="9247350" y="4583380"/>
+                  <a:ext cx="2376000" cy="594000"/>
+                </a:xfrm>
+                <a:prstGeom prst="rect">
+                  <a:avLst/>
+                </a:prstGeom>
+              </p:spPr>
+            </p:pic>
+            <p:pic>
+              <p:nvPicPr>
+                <p:cNvPr id="142" name="Picture 141" descr="Chart, line chart, histogram&#10;&#10;Description automatically generated">
+                  <a:extLst>
+                    <a:ext uri="{FF2B5EF4-FFF2-40B4-BE49-F238E27FC236}">
+                      <a16:creationId xmlns:a16="http://schemas.microsoft.com/office/drawing/2014/main" id="{6DB6AFA8-4FC6-CF67-95F6-C4000CE962A0}"/>
+                    </a:ext>
+                  </a:extLst>
+                </p:cNvPr>
+                <p:cNvPicPr>
+                  <a:picLocks noChangeAspect="1"/>
+                </p:cNvPicPr>
+                <p:nvPr/>
+              </p:nvPicPr>
+              <p:blipFill>
+                <a:blip r:embed="rId41">
+                  <a:extLst>
+                    <a:ext uri="{28A0092B-C50C-407E-A947-70E740481C1C}">
+                      <a14:useLocalDpi xmlns:a14="http://schemas.microsoft.com/office/drawing/2010/main" val="0"/>
+                    </a:ext>
+                  </a:extLst>
+                </a:blip>
+                <a:stretch>
+                  <a:fillRect/>
+                </a:stretch>
+              </p:blipFill>
+              <p:spPr>
+                <a:xfrm>
+                  <a:off x="9246986" y="5200529"/>
+                  <a:ext cx="2376000" cy="594000"/>
+                </a:xfrm>
+                <a:prstGeom prst="rect">
+                  <a:avLst/>
+                </a:prstGeom>
+              </p:spPr>
+            </p:pic>
+          </p:grpSp>
+          <p:grpSp>
+            <p:nvGrpSpPr>
+              <p:cNvPr id="136" name="Group 135">
+                <a:extLst>
+                  <a:ext uri="{FF2B5EF4-FFF2-40B4-BE49-F238E27FC236}">
+                    <a16:creationId xmlns:a16="http://schemas.microsoft.com/office/drawing/2014/main" id="{BC0B065F-BF8B-D037-2D9A-C9AF5F7E49C8}"/>
+                  </a:ext>
+                </a:extLst>
+              </p:cNvPr>
+              <p:cNvGrpSpPr/>
+              <p:nvPr/>
+            </p:nvGrpSpPr>
+            <p:grpSpPr>
+              <a:xfrm>
+                <a:off x="6913675" y="2079362"/>
+                <a:ext cx="2334234" cy="1381479"/>
+                <a:chOff x="6914052" y="3958818"/>
+                <a:chExt cx="2334234" cy="1381479"/>
+              </a:xfrm>
+            </p:grpSpPr>
+            <p:pic>
+              <p:nvPicPr>
+                <p:cNvPr id="137" name="Picture 136">
+                  <a:extLst>
+                    <a:ext uri="{FF2B5EF4-FFF2-40B4-BE49-F238E27FC236}">
+                      <a16:creationId xmlns:a16="http://schemas.microsoft.com/office/drawing/2014/main" id="{78A3DC2C-8B1E-BC36-FC9E-45F5ADF119EB}"/>
+                    </a:ext>
+                  </a:extLst>
+                </p:cNvPr>
+                <p:cNvPicPr>
+                  <a:picLocks noChangeAspect="1"/>
+                </p:cNvPicPr>
+                <p:nvPr/>
+              </p:nvPicPr>
+              <p:blipFill>
+                <a:blip r:embed="rId42">
+                  <a:extLst>
+                    <a:ext uri="{28A0092B-C50C-407E-A947-70E740481C1C}">
+                      <a14:useLocalDpi xmlns:a14="http://schemas.microsoft.com/office/drawing/2010/main" val="0"/>
+                    </a:ext>
+                  </a:extLst>
+                </a:blip>
+                <a:stretch>
+                  <a:fillRect/>
+                </a:stretch>
+              </p:blipFill>
+              <p:spPr>
+                <a:xfrm rot="10800000" flipH="1">
+                  <a:off x="6914052" y="3958818"/>
+                  <a:ext cx="2334234" cy="153030"/>
+                </a:xfrm>
+                <a:prstGeom prst="rect">
+                  <a:avLst/>
+                </a:prstGeom>
+              </p:spPr>
+            </p:pic>
+            <p:pic>
+              <p:nvPicPr>
+                <p:cNvPr id="138" name="Picture 137" descr="Chart, histogram&#10;&#10;Description automatically generated">
+                  <a:extLst>
+                    <a:ext uri="{FF2B5EF4-FFF2-40B4-BE49-F238E27FC236}">
+                      <a16:creationId xmlns:a16="http://schemas.microsoft.com/office/drawing/2014/main" id="{2C61A0D9-75E7-189D-3DBF-C0255292552B}"/>
+                    </a:ext>
+                  </a:extLst>
+                </p:cNvPr>
+                <p:cNvPicPr>
+                  <a:picLocks noChangeAspect="1"/>
+                </p:cNvPicPr>
+                <p:nvPr/>
+              </p:nvPicPr>
+              <p:blipFill>
+                <a:blip r:embed="rId43">
+                  <a:extLst>
+                    <a:ext uri="{28A0092B-C50C-407E-A947-70E740481C1C}">
+                      <a14:useLocalDpi xmlns:a14="http://schemas.microsoft.com/office/drawing/2010/main" val="0"/>
+                    </a:ext>
+                  </a:extLst>
+                </a:blip>
+                <a:stretch>
+                  <a:fillRect/>
+                </a:stretch>
+              </p:blipFill>
+              <p:spPr>
+                <a:xfrm>
+                  <a:off x="6914052" y="4128906"/>
+                  <a:ext cx="2333298" cy="594000"/>
+                </a:xfrm>
+                <a:prstGeom prst="rect">
+                  <a:avLst/>
+                </a:prstGeom>
+              </p:spPr>
+            </p:pic>
+            <p:pic>
+              <p:nvPicPr>
+                <p:cNvPr id="139" name="Picture 138" descr="Chart, line chart, histogram&#10;&#10;Description automatically generated">
+                  <a:extLst>
+                    <a:ext uri="{FF2B5EF4-FFF2-40B4-BE49-F238E27FC236}">
+                      <a16:creationId xmlns:a16="http://schemas.microsoft.com/office/drawing/2014/main" id="{3257DFF5-97C4-E6DD-9C4D-F3E3ED536A3F}"/>
+                    </a:ext>
+                  </a:extLst>
+                </p:cNvPr>
+                <p:cNvPicPr>
+                  <a:picLocks noChangeAspect="1"/>
+                </p:cNvPicPr>
+                <p:nvPr/>
+              </p:nvPicPr>
+              <p:blipFill>
+                <a:blip r:embed="rId44">
+                  <a:extLst>
+                    <a:ext uri="{28A0092B-C50C-407E-A947-70E740481C1C}">
+                      <a14:useLocalDpi xmlns:a14="http://schemas.microsoft.com/office/drawing/2010/main" val="0"/>
+                    </a:ext>
+                  </a:extLst>
+                </a:blip>
+                <a:stretch>
+                  <a:fillRect/>
+                </a:stretch>
+              </p:blipFill>
+              <p:spPr>
+                <a:xfrm>
+                  <a:off x="6914052" y="4746297"/>
+                  <a:ext cx="2327238" cy="594000"/>
+                </a:xfrm>
+                <a:prstGeom prst="rect">
+                  <a:avLst/>
+                </a:prstGeom>
+              </p:spPr>
+            </p:pic>
+          </p:grpSp>
+        </p:grpSp>
+      </p:grpSp>
+      <p:grpSp>
+        <p:nvGrpSpPr>
+          <p:cNvPr id="144" name="Group 143">
+            <a:extLst>
+              <a:ext uri="{FF2B5EF4-FFF2-40B4-BE49-F238E27FC236}">
+                <a16:creationId xmlns:a16="http://schemas.microsoft.com/office/drawing/2014/main" id="{13EA535B-5621-5CE2-4F6D-B4AAB5C6C1B3}"/>
+              </a:ext>
+            </a:extLst>
+          </p:cNvPr>
+          <p:cNvGrpSpPr/>
+          <p:nvPr/>
+        </p:nvGrpSpPr>
+        <p:grpSpPr>
+          <a:xfrm>
+            <a:off x="8902346" y="9844717"/>
+            <a:ext cx="6473926" cy="2561685"/>
+            <a:chOff x="10125964" y="2075481"/>
+            <a:chExt cx="6290552" cy="2414340"/>
+          </a:xfrm>
+          <a:effectLst/>
+        </p:grpSpPr>
+        <p:sp>
+          <p:nvSpPr>
+            <p:cNvPr id="145" name="Rectangle 144">
+              <a:extLst>
+                <a:ext uri="{FF2B5EF4-FFF2-40B4-BE49-F238E27FC236}">
+                  <a16:creationId xmlns:a16="http://schemas.microsoft.com/office/drawing/2014/main" id="{4844A7B5-A4A6-DC1D-4D31-38FD238421CD}"/>
+                </a:ext>
+              </a:extLst>
+            </p:cNvPr>
+            <p:cNvSpPr/>
+            <p:nvPr/>
+          </p:nvSpPr>
+          <p:spPr>
+            <a:xfrm>
+              <a:off x="10125964" y="2075481"/>
+              <a:ext cx="6288360" cy="2414340"/>
+            </a:xfrm>
+            <a:prstGeom prst="rect">
+              <a:avLst/>
+            </a:prstGeom>
+            <a:solidFill>
+              <a:schemeClr val="bg1"/>
+            </a:solidFill>
+            <a:ln>
+              <a:noFill/>
+            </a:ln>
+            <a:effectLst/>
+          </p:spPr>
+          <p:style>
+            <a:lnRef idx="2">
+              <a:schemeClr val="accent1">
+                <a:shade val="50000"/>
+              </a:schemeClr>
+            </a:lnRef>
+            <a:fillRef idx="1">
+              <a:schemeClr val="accent1"/>
+            </a:fillRef>
+            <a:effectRef idx="0">
+              <a:schemeClr val="accent1"/>
+            </a:effectRef>
+            <a:fontRef idx="minor">
+              <a:schemeClr val="lt1"/>
+            </a:fontRef>
+          </p:style>
+          <p:txBody>
+            <a:bodyPr rtlCol="0" anchor="ctr"/>
+            <a:lstStyle/>
+            <a:p>
+              <a:pPr algn="ctr"/>
+              <a:endParaRPr lang="en-ZA" dirty="0"/>
+            </a:p>
+          </p:txBody>
+        </p:sp>
+        <p:grpSp>
+          <p:nvGrpSpPr>
+            <p:cNvPr id="146" name="Group 145">
+              <a:extLst>
+                <a:ext uri="{FF2B5EF4-FFF2-40B4-BE49-F238E27FC236}">
+                  <a16:creationId xmlns:a16="http://schemas.microsoft.com/office/drawing/2014/main" id="{991C963B-10A8-9562-0BB2-CA0F270DF120}"/>
+                </a:ext>
+              </a:extLst>
+            </p:cNvPr>
+            <p:cNvGrpSpPr/>
+            <p:nvPr/>
+          </p:nvGrpSpPr>
+          <p:grpSpPr>
+            <a:xfrm>
+              <a:off x="11681979" y="2300256"/>
+              <a:ext cx="4734537" cy="1371495"/>
+              <a:chOff x="11683668" y="2569610"/>
+              <a:chExt cx="4734537" cy="1371495"/>
+            </a:xfrm>
+          </p:grpSpPr>
+          <p:pic>
+            <p:nvPicPr>
+              <p:cNvPr id="147" name="Picture 146">
+                <a:extLst>
+                  <a:ext uri="{FF2B5EF4-FFF2-40B4-BE49-F238E27FC236}">
+                    <a16:creationId xmlns:a16="http://schemas.microsoft.com/office/drawing/2014/main" id="{6BC9BC22-020B-FB53-522A-DE21C42D67DA}"/>
+                  </a:ext>
+                </a:extLst>
+              </p:cNvPr>
+              <p:cNvPicPr>
+                <a:picLocks noChangeAspect="1"/>
+              </p:cNvPicPr>
+              <p:nvPr/>
+            </p:nvPicPr>
+            <p:blipFill>
+              <a:blip r:embed="rId37">
+                <a:extLst>
+                  <a:ext uri="{28A0092B-C50C-407E-A947-70E740481C1C}">
+                    <a14:useLocalDpi xmlns:a14="http://schemas.microsoft.com/office/drawing/2010/main" val="0"/>
+                  </a:ext>
+                </a:extLst>
+              </a:blip>
+              <a:stretch>
+                <a:fillRect/>
+              </a:stretch>
+            </p:blipFill>
+            <p:spPr>
+              <a:xfrm rot="10800000" flipH="1">
+                <a:off x="11691127" y="2569610"/>
+                <a:ext cx="2376000" cy="149003"/>
+              </a:xfrm>
+              <a:prstGeom prst="rect">
+                <a:avLst/>
+              </a:prstGeom>
+            </p:spPr>
+          </p:pic>
+          <p:pic>
+            <p:nvPicPr>
+              <p:cNvPr id="148" name="Picture 147" descr="Chart, histogram&#10;&#10;Description automatically generated">
+                <a:extLst>
+                  <a:ext uri="{FF2B5EF4-FFF2-40B4-BE49-F238E27FC236}">
+                    <a16:creationId xmlns:a16="http://schemas.microsoft.com/office/drawing/2014/main" id="{761FF7CA-3A05-D54B-4998-36A714565C17}"/>
+                  </a:ext>
+                </a:extLst>
+              </p:cNvPr>
+              <p:cNvPicPr>
+                <a:picLocks noChangeAspect="1"/>
+              </p:cNvPicPr>
+              <p:nvPr/>
+            </p:nvPicPr>
+            <p:blipFill>
+              <a:blip r:embed="rId45">
+                <a:extLst>
+                  <a:ext uri="{28A0092B-C50C-407E-A947-70E740481C1C}">
+                    <a14:useLocalDpi xmlns:a14="http://schemas.microsoft.com/office/drawing/2010/main" val="0"/>
+                  </a:ext>
+                </a:extLst>
+              </a:blip>
+              <a:stretch>
+                <a:fillRect/>
+              </a:stretch>
+            </p:blipFill>
+            <p:spPr>
+              <a:xfrm>
+                <a:off x="11691127" y="2734601"/>
+                <a:ext cx="2376000" cy="594000"/>
+              </a:xfrm>
+              <a:prstGeom prst="rect">
+                <a:avLst/>
+              </a:prstGeom>
+            </p:spPr>
+          </p:pic>
+          <p:pic>
+            <p:nvPicPr>
+              <p:cNvPr id="149" name="Picture 148" descr="Chart, histogram&#10;&#10;Description automatically generated">
+                <a:extLst>
+                  <a:ext uri="{FF2B5EF4-FFF2-40B4-BE49-F238E27FC236}">
+                    <a16:creationId xmlns:a16="http://schemas.microsoft.com/office/drawing/2014/main" id="{79BB59B8-B5BB-002F-48E1-36A60A4BECEC}"/>
+                  </a:ext>
+                </a:extLst>
+              </p:cNvPr>
+              <p:cNvPicPr>
+                <a:picLocks noChangeAspect="1"/>
+              </p:cNvPicPr>
+              <p:nvPr/>
+            </p:nvPicPr>
+            <p:blipFill>
+              <a:blip r:embed="rId46">
+                <a:extLst>
+                  <a:ext uri="{28A0092B-C50C-407E-A947-70E740481C1C}">
+                    <a14:useLocalDpi xmlns:a14="http://schemas.microsoft.com/office/drawing/2010/main" val="0"/>
+                  </a:ext>
+                </a:extLst>
+              </a:blip>
+              <a:stretch>
+                <a:fillRect/>
+              </a:stretch>
+            </p:blipFill>
+            <p:spPr>
+              <a:xfrm>
+                <a:off x="11683668" y="3343985"/>
+                <a:ext cx="2376000" cy="594000"/>
+              </a:xfrm>
+              <a:prstGeom prst="rect">
+                <a:avLst/>
+              </a:prstGeom>
+            </p:spPr>
+          </p:pic>
+          <p:pic>
+            <p:nvPicPr>
+              <p:cNvPr id="150" name="Picture 149" descr="Chart, histogram&#10;&#10;Description automatically generated">
+                <a:extLst>
+                  <a:ext uri="{FF2B5EF4-FFF2-40B4-BE49-F238E27FC236}">
+                    <a16:creationId xmlns:a16="http://schemas.microsoft.com/office/drawing/2014/main" id="{9EF019F3-6510-3667-D832-876C9C4C5502}"/>
+                  </a:ext>
+                </a:extLst>
+              </p:cNvPr>
+              <p:cNvPicPr>
+                <a:picLocks noChangeAspect="1"/>
+              </p:cNvPicPr>
+              <p:nvPr/>
+            </p:nvPicPr>
+            <p:blipFill>
+              <a:blip r:embed="rId47">
+                <a:extLst>
+                  <a:ext uri="{28A0092B-C50C-407E-A947-70E740481C1C}">
+                    <a14:useLocalDpi xmlns:a14="http://schemas.microsoft.com/office/drawing/2010/main" val="0"/>
+                  </a:ext>
+                </a:extLst>
+              </a:blip>
+              <a:stretch>
+                <a:fillRect/>
+              </a:stretch>
+            </p:blipFill>
+            <p:spPr>
+              <a:xfrm>
+                <a:off x="14042205" y="2735119"/>
+                <a:ext cx="2376000" cy="594005"/>
+              </a:xfrm>
+              <a:prstGeom prst="rect">
+                <a:avLst/>
+              </a:prstGeom>
+            </p:spPr>
+          </p:pic>
+          <p:pic>
+            <p:nvPicPr>
+              <p:cNvPr id="151" name="Picture 150" descr="Chart, line chart&#10;&#10;Description automatically generated">
+                <a:extLst>
+                  <a:ext uri="{FF2B5EF4-FFF2-40B4-BE49-F238E27FC236}">
+                    <a16:creationId xmlns:a16="http://schemas.microsoft.com/office/drawing/2014/main" id="{D62514B1-23DF-81A9-006D-3A84059ADA56}"/>
+                  </a:ext>
+                </a:extLst>
+              </p:cNvPr>
+              <p:cNvPicPr>
+                <a:picLocks noChangeAspect="1"/>
+              </p:cNvPicPr>
+              <p:nvPr/>
+            </p:nvPicPr>
+            <p:blipFill>
+              <a:blip r:embed="rId48">
+                <a:extLst>
+                  <a:ext uri="{28A0092B-C50C-407E-A947-70E740481C1C}">
+                    <a14:useLocalDpi xmlns:a14="http://schemas.microsoft.com/office/drawing/2010/main" val="0"/>
+                  </a:ext>
+                </a:extLst>
+              </a:blip>
+              <a:stretch>
+                <a:fillRect/>
+              </a:stretch>
+            </p:blipFill>
+            <p:spPr>
+              <a:xfrm>
+                <a:off x="14035855" y="3347100"/>
+                <a:ext cx="2376000" cy="594005"/>
+              </a:xfrm>
+              <a:prstGeom prst="rect">
+                <a:avLst/>
+              </a:prstGeom>
+            </p:spPr>
+          </p:pic>
+          <p:pic>
+            <p:nvPicPr>
+              <p:cNvPr id="152" name="Picture 151">
+                <a:extLst>
+                  <a:ext uri="{FF2B5EF4-FFF2-40B4-BE49-F238E27FC236}">
+                    <a16:creationId xmlns:a16="http://schemas.microsoft.com/office/drawing/2014/main" id="{2354E036-2AF4-34D9-25ED-AB6E4A598FC4}"/>
+                  </a:ext>
+                </a:extLst>
+              </p:cNvPr>
+              <p:cNvPicPr>
+                <a:picLocks noChangeAspect="1"/>
+              </p:cNvPicPr>
+              <p:nvPr/>
+            </p:nvPicPr>
+            <p:blipFill>
+              <a:blip r:embed="rId49">
+                <a:extLst>
+                  <a:ext uri="{28A0092B-C50C-407E-A947-70E740481C1C}">
+                    <a14:useLocalDpi xmlns:a14="http://schemas.microsoft.com/office/drawing/2010/main" val="0"/>
+                  </a:ext>
+                </a:extLst>
+              </a:blip>
+              <a:stretch>
+                <a:fillRect/>
+              </a:stretch>
+            </p:blipFill>
+            <p:spPr>
+              <a:xfrm rot="10800000" flipH="1">
+                <a:off x="14040870" y="2575660"/>
+                <a:ext cx="2376000" cy="144981"/>
+              </a:xfrm>
+              <a:prstGeom prst="rect">
+                <a:avLst/>
+              </a:prstGeom>
+            </p:spPr>
+          </p:pic>
+        </p:grpSp>
+      </p:grpSp>
+      <p:graphicFrame>
+        <p:nvGraphicFramePr>
+          <p:cNvPr id="153" name="Table 56">
+            <a:extLst>
+              <a:ext uri="{FF2B5EF4-FFF2-40B4-BE49-F238E27FC236}">
+                <a16:creationId xmlns:a16="http://schemas.microsoft.com/office/drawing/2014/main" id="{98AF9D17-1839-179E-9D22-45EE983FAE12}"/>
+              </a:ext>
+            </a:extLst>
+          </p:cNvPr>
+          <p:cNvGraphicFramePr>
+            <a:graphicFrameLocks noGrp="1"/>
+          </p:cNvGraphicFramePr>
+          <p:nvPr>
+            <p:extLst>
+              <p:ext uri="{D42A27DB-BD31-4B8C-83A1-F6EECF244321}">
+                <p14:modId xmlns:p14="http://schemas.microsoft.com/office/powerpoint/2010/main" val="120815596"/>
+              </p:ext>
+            </p:extLst>
+          </p:nvPr>
+        </p:nvGraphicFramePr>
+        <p:xfrm>
+          <a:off x="8783754" y="9736013"/>
+          <a:ext cx="6660000" cy="2529840"/>
+        </p:xfrm>
+        <a:graphic>
+          <a:graphicData uri="http://schemas.openxmlformats.org/drawingml/2006/table">
+            <a:tbl>
+              <a:tblPr firstRow="1" bandRow="1">
+                <a:tableStyleId>{2D5ABB26-0587-4C30-8999-92F81FD0307C}</a:tableStyleId>
+              </a:tblPr>
+              <a:tblGrid>
+                <a:gridCol w="1620000">
+                  <a:extLst>
+                    <a:ext uri="{9D8B030D-6E8A-4147-A177-3AD203B41FA5}">
+                      <a16:colId xmlns:a16="http://schemas.microsoft.com/office/drawing/2014/main" val="1691660774"/>
+                    </a:ext>
+                  </a:extLst>
+                </a:gridCol>
+                <a:gridCol w="2520000">
+                  <a:extLst>
+                    <a:ext uri="{9D8B030D-6E8A-4147-A177-3AD203B41FA5}">
+                      <a16:colId xmlns:a16="http://schemas.microsoft.com/office/drawing/2014/main" val="3072975969"/>
+                    </a:ext>
+                  </a:extLst>
+                </a:gridCol>
+                <a:gridCol w="2520000">
+                  <a:extLst>
+                    <a:ext uri="{9D8B030D-6E8A-4147-A177-3AD203B41FA5}">
+                      <a16:colId xmlns:a16="http://schemas.microsoft.com/office/drawing/2014/main" val="4272725515"/>
+                    </a:ext>
+                  </a:extLst>
+                </a:gridCol>
+              </a:tblGrid>
+              <a:tr h="180000">
+                <a:tc>
+                  <a:txBody>
+                    <a:bodyPr/>
+                    <a:lstStyle/>
+                    <a:p>
+                      <a:r>
+                        <a:rPr lang="en-ZA" sz="1400" b="1" dirty="0">
+                          <a:solidFill>
+                            <a:srgbClr val="00008B"/>
+                          </a:solidFill>
+                          <a:effectLst/>
+                          <a:latin typeface="Times New Roman" panose="02020603050405020304" pitchFamily="18" charset="0"/>
+                          <a:cs typeface="Times New Roman" panose="02020603050405020304" pitchFamily="18" charset="0"/>
+                        </a:rPr>
+                        <a:t> TABLE 2:</a:t>
+                      </a:r>
+                      <a:endParaRPr lang="en-ZA" sz="3200" b="1" dirty="0">
+                        <a:solidFill>
+                          <a:srgbClr val="00008B"/>
+                        </a:solidFill>
+                        <a:effectLst/>
+                        <a:latin typeface="Times New Roman" panose="02020603050405020304" pitchFamily="18" charset="0"/>
+                        <a:cs typeface="Times New Roman" panose="02020603050405020304" pitchFamily="18" charset="0"/>
+                      </a:endParaRPr>
+                    </a:p>
+                  </a:txBody>
+                  <a:tcPr anchor="ctr">
+                    <a:lnL w="12700" cap="flat" cmpd="sng" algn="ctr">
+                      <a:noFill/>
+                      <a:prstDash val="solid"/>
+                      <a:round/>
+                      <a:headEnd type="none" w="med" len="med"/>
+                      <a:tailEnd type="none" w="med" len="med"/>
+                    </a:lnL>
+                    <a:lnR w="12700" cap="flat" cmpd="sng" algn="ctr">
+                      <a:noFill/>
+                      <a:prstDash val="solid"/>
+                      <a:round/>
+                      <a:headEnd type="none" w="med" len="med"/>
+                      <a:tailEnd type="none" w="med" len="med"/>
+                    </a:lnR>
+                    <a:lnT w="12700" cap="flat" cmpd="sng" algn="ctr">
+                      <a:noFill/>
+                      <a:prstDash val="solid"/>
+                      <a:round/>
+                      <a:headEnd type="none" w="med" len="med"/>
+                      <a:tailEnd type="none" w="med" len="med"/>
+                    </a:lnT>
+                    <a:lnB w="12700" cap="flat" cmpd="sng" algn="ctr">
+                      <a:solidFill>
+                        <a:schemeClr val="tx1"/>
+                      </a:solidFill>
+                      <a:prstDash val="solid"/>
+                      <a:round/>
+                      <a:headEnd type="none" w="med" len="med"/>
+                      <a:tailEnd type="none" w="med" len="med"/>
+                    </a:lnB>
+                    <a:lnTlToBr w="12700" cmpd="sng">
+                      <a:noFill/>
+                      <a:prstDash val="solid"/>
+                    </a:lnTlToBr>
+                    <a:lnBlToTr w="12700" cmpd="sng">
+                      <a:noFill/>
+                      <a:prstDash val="solid"/>
+                    </a:lnBlToTr>
+                    <a:noFill/>
+                  </a:tcPr>
+                </a:tc>
+                <a:tc>
+                  <a:txBody>
+                    <a:bodyPr/>
+                    <a:lstStyle/>
+                    <a:p>
+                      <a:pPr algn="ctr"/>
+                      <a:r>
+                        <a:rPr lang="en-ZA" sz="1400" b="1" dirty="0">
+                          <a:solidFill>
+                            <a:srgbClr val="00008B"/>
+                          </a:solidFill>
+                          <a:effectLst/>
+                          <a:latin typeface="Times New Roman" panose="02020603050405020304" pitchFamily="18" charset="0"/>
+                          <a:cs typeface="Times New Roman" panose="02020603050405020304" pitchFamily="18" charset="0"/>
+                        </a:rPr>
+                        <a:t>Treated Hand BEFORE</a:t>
+                      </a:r>
+                      <a:endParaRPr lang="en-ZA" sz="3200" b="1" dirty="0">
+                        <a:solidFill>
+                          <a:srgbClr val="00008B"/>
+                        </a:solidFill>
+                        <a:effectLst/>
+                        <a:latin typeface="Times New Roman" panose="02020603050405020304" pitchFamily="18" charset="0"/>
+                        <a:cs typeface="Times New Roman" panose="02020603050405020304" pitchFamily="18" charset="0"/>
+                      </a:endParaRPr>
+                    </a:p>
+                  </a:txBody>
+                  <a:tcPr anchor="ctr">
+                    <a:lnL w="12700" cap="flat" cmpd="sng" algn="ctr">
+                      <a:noFill/>
+                      <a:prstDash val="solid"/>
+                      <a:round/>
+                      <a:headEnd type="none" w="med" len="med"/>
+                      <a:tailEnd type="none" w="med" len="med"/>
+                    </a:lnL>
+                    <a:lnR w="12700" cap="flat" cmpd="sng" algn="ctr">
+                      <a:noFill/>
+                      <a:prstDash val="solid"/>
+                      <a:round/>
+                      <a:headEnd type="none" w="med" len="med"/>
+                      <a:tailEnd type="none" w="med" len="med"/>
+                    </a:lnR>
+                    <a:lnT w="12700" cap="flat" cmpd="sng" algn="ctr">
+                      <a:noFill/>
+                      <a:prstDash val="solid"/>
+                      <a:round/>
+                      <a:headEnd type="none" w="med" len="med"/>
+                      <a:tailEnd type="none" w="med" len="med"/>
+                    </a:lnT>
+                    <a:lnB w="12700" cap="flat" cmpd="sng" algn="ctr">
+                      <a:solidFill>
+                        <a:schemeClr val="tx1"/>
+                      </a:solidFill>
+                      <a:prstDash val="solid"/>
+                      <a:round/>
+                      <a:headEnd type="none" w="med" len="med"/>
+                      <a:tailEnd type="none" w="med" len="med"/>
+                    </a:lnB>
+                    <a:lnTlToBr w="12700" cmpd="sng">
+                      <a:noFill/>
+                      <a:prstDash val="solid"/>
+                    </a:lnTlToBr>
+                    <a:lnBlToTr w="12700" cmpd="sng">
+                      <a:noFill/>
+                      <a:prstDash val="solid"/>
+                    </a:lnBlToTr>
+                    <a:noFill/>
+                  </a:tcPr>
+                </a:tc>
+                <a:tc>
+                  <a:txBody>
+                    <a:bodyPr/>
+                    <a:lstStyle/>
+                    <a:p>
+                      <a:pPr algn="ctr"/>
+                      <a:r>
+                        <a:rPr lang="en-ZA" sz="1400" b="1" dirty="0">
+                          <a:solidFill>
+                            <a:srgbClr val="00008B"/>
+                          </a:solidFill>
+                          <a:effectLst/>
+                          <a:latin typeface="Times New Roman" panose="02020603050405020304" pitchFamily="18" charset="0"/>
+                          <a:cs typeface="Times New Roman" panose="02020603050405020304" pitchFamily="18" charset="0"/>
+                        </a:rPr>
+                        <a:t>Treated Hand 1 YEAR</a:t>
+                      </a:r>
+                    </a:p>
+                  </a:txBody>
+                  <a:tcPr anchor="ctr">
+                    <a:lnL w="12700" cap="flat" cmpd="sng" algn="ctr">
+                      <a:noFill/>
+                      <a:prstDash val="solid"/>
+                      <a:round/>
+                      <a:headEnd type="none" w="med" len="med"/>
+                      <a:tailEnd type="none" w="med" len="med"/>
+                    </a:lnL>
+                    <a:lnR w="12700" cap="flat" cmpd="sng" algn="ctr">
+                      <a:noFill/>
+                      <a:prstDash val="solid"/>
+                      <a:round/>
+                      <a:headEnd type="none" w="med" len="med"/>
+                      <a:tailEnd type="none" w="med" len="med"/>
+                    </a:lnR>
+                    <a:lnT w="12700" cap="flat" cmpd="sng" algn="ctr">
+                      <a:noFill/>
+                      <a:prstDash val="solid"/>
+                      <a:round/>
+                      <a:headEnd type="none" w="med" len="med"/>
+                      <a:tailEnd type="none" w="med" len="med"/>
+                    </a:lnT>
+                    <a:lnB w="12700" cap="flat" cmpd="sng" algn="ctr">
+                      <a:solidFill>
+                        <a:schemeClr val="tx1"/>
+                      </a:solidFill>
+                      <a:prstDash val="solid"/>
+                      <a:round/>
+                      <a:headEnd type="none" w="med" len="med"/>
+                      <a:tailEnd type="none" w="med" len="med"/>
+                    </a:lnB>
+                    <a:lnTlToBr w="12700" cmpd="sng">
+                      <a:noFill/>
+                      <a:prstDash val="solid"/>
+                    </a:lnTlToBr>
+                    <a:lnBlToTr w="12700" cmpd="sng">
+                      <a:noFill/>
+                      <a:prstDash val="solid"/>
+                    </a:lnBlToTr>
+                    <a:noFill/>
+                  </a:tcPr>
+                </a:tc>
+                <a:extLst>
+                  <a:ext uri="{0D108BD9-81ED-4DB2-BD59-A6C34878D82A}">
+                    <a16:rowId xmlns:a16="http://schemas.microsoft.com/office/drawing/2014/main" val="1663615900"/>
+                  </a:ext>
+                </a:extLst>
+              </a:tr>
+              <a:tr h="1422945">
+                <a:tc>
+                  <a:txBody>
+                    <a:bodyPr/>
+                    <a:lstStyle/>
+                    <a:p>
+                      <a:r>
+                        <a:rPr lang="en-ZA" sz="1400" dirty="0">
+                          <a:latin typeface="Times New Roman" panose="02020603050405020304" pitchFamily="18" charset="0"/>
+                          <a:cs typeface="Times New Roman" panose="02020603050405020304" pitchFamily="18" charset="0"/>
+                        </a:rPr>
+                        <a:t>Original drawing</a:t>
+                      </a:r>
+                    </a:p>
+                    <a:p>
+                      <a:endParaRPr lang="en-ZA" sz="1200" dirty="0">
+                        <a:latin typeface="Times New Roman" panose="02020603050405020304" pitchFamily="18" charset="0"/>
+                        <a:cs typeface="Times New Roman" panose="02020603050405020304" pitchFamily="18" charset="0"/>
+                      </a:endParaRPr>
+                    </a:p>
+                    <a:p>
+                      <a:r>
+                        <a:rPr lang="en-ZA" sz="1400" dirty="0">
+                          <a:latin typeface="Times New Roman" panose="02020603050405020304" pitchFamily="18" charset="0"/>
+                          <a:cs typeface="Times New Roman" panose="02020603050405020304" pitchFamily="18" charset="0"/>
+                        </a:rPr>
+                        <a:t>RFFT</a:t>
+                      </a:r>
+                    </a:p>
+                    <a:p>
+                      <a:endParaRPr lang="en-ZA" sz="1400" dirty="0">
+                        <a:latin typeface="Times New Roman" panose="02020603050405020304" pitchFamily="18" charset="0"/>
+                        <a:cs typeface="Times New Roman" panose="02020603050405020304" pitchFamily="18" charset="0"/>
+                      </a:endParaRPr>
+                    </a:p>
+                    <a:p>
+                      <a:endParaRPr lang="en-ZA" sz="1400" dirty="0">
+                        <a:latin typeface="Times New Roman" panose="02020603050405020304" pitchFamily="18" charset="0"/>
+                        <a:cs typeface="Times New Roman" panose="02020603050405020304" pitchFamily="18" charset="0"/>
+                      </a:endParaRPr>
+                    </a:p>
+                    <a:p>
+                      <a:r>
+                        <a:rPr lang="en-ZA" sz="1400" dirty="0">
+                          <a:latin typeface="Times New Roman" panose="02020603050405020304" pitchFamily="18" charset="0"/>
+                          <a:cs typeface="Times New Roman" panose="02020603050405020304" pitchFamily="18" charset="0"/>
+                        </a:rPr>
+                        <a:t>IIR bandpass filter</a:t>
+                      </a:r>
+                    </a:p>
+                    <a:p>
+                      <a:endParaRPr lang="en-ZA" sz="1400" dirty="0">
+                        <a:latin typeface="Times New Roman" panose="02020603050405020304" pitchFamily="18" charset="0"/>
+                        <a:cs typeface="Times New Roman" panose="02020603050405020304" pitchFamily="18" charset="0"/>
+                      </a:endParaRPr>
+                    </a:p>
+                    <a:p>
+                      <a:endParaRPr lang="en-ZA" sz="1400" dirty="0">
+                        <a:latin typeface="Times New Roman" panose="02020603050405020304" pitchFamily="18" charset="0"/>
+                        <a:cs typeface="Times New Roman" panose="02020603050405020304" pitchFamily="18" charset="0"/>
+                      </a:endParaRPr>
+                    </a:p>
+                    <a:p>
+                      <a:r>
+                        <a:rPr lang="en-ZA" sz="1400" dirty="0">
+                          <a:latin typeface="Times New Roman" panose="02020603050405020304" pitchFamily="18" charset="0"/>
+                          <a:cs typeface="Times New Roman" panose="02020603050405020304" pitchFamily="18" charset="0"/>
+                        </a:rPr>
+                        <a:t>Result</a:t>
+                      </a:r>
+                    </a:p>
+                  </a:txBody>
+                  <a:tcPr>
+                    <a:lnL w="12700" cap="flat" cmpd="sng" algn="ctr">
+                      <a:solidFill>
+                        <a:schemeClr val="tx1"/>
+                      </a:solidFill>
+                      <a:prstDash val="solid"/>
+                      <a:round/>
+                      <a:headEnd type="none" w="med" len="med"/>
+                      <a:tailEnd type="none" w="med" len="med"/>
+                    </a:lnL>
+                    <a:lnR w="12700" cap="flat" cmpd="sng" algn="ctr">
+                      <a:solidFill>
+                        <a:schemeClr val="tx1"/>
+                      </a:solidFill>
+                      <a:prstDash val="solid"/>
+                      <a:round/>
+                      <a:headEnd type="none" w="med" len="med"/>
+                      <a:tailEnd type="none" w="med" len="med"/>
+                    </a:lnR>
+                    <a:lnT w="12700" cap="flat" cmpd="sng" algn="ctr">
+                      <a:solidFill>
+                        <a:schemeClr val="tx1"/>
+                      </a:solidFill>
+                      <a:prstDash val="solid"/>
+                      <a:round/>
+                      <a:headEnd type="none" w="med" len="med"/>
+                      <a:tailEnd type="none" w="med" len="med"/>
+                    </a:lnT>
+                    <a:lnB w="12700" cap="flat" cmpd="sng" algn="ctr">
+                      <a:solidFill>
+                        <a:schemeClr val="tx1"/>
+                      </a:solidFill>
+                      <a:prstDash val="solid"/>
+                      <a:round/>
+                      <a:headEnd type="none" w="med" len="med"/>
+                      <a:tailEnd type="none" w="med" len="med"/>
+                    </a:lnB>
+                    <a:noFill/>
+                  </a:tcPr>
+                </a:tc>
+                <a:tc>
+                  <a:txBody>
+                    <a:bodyPr/>
+                    <a:lstStyle/>
+                    <a:p>
+                      <a:pPr marL="0" marR="0" lvl="0" indent="0" algn="ctr" defTabSz="2016123" rtl="0" eaLnBrk="1" fontAlgn="auto" latinLnBrk="0" hangingPunct="1">
+                        <a:lnSpc>
+                          <a:spcPct val="100000"/>
+                        </a:lnSpc>
+                        <a:spcBef>
+                          <a:spcPts val="0"/>
+                        </a:spcBef>
+                        <a:spcAft>
+                          <a:spcPts val="0"/>
+                        </a:spcAft>
+                        <a:buClrTx/>
+                        <a:buSzTx/>
+                        <a:buFontTx/>
+                        <a:buNone/>
+                        <a:tabLst/>
+                        <a:defRPr/>
+                      </a:pPr>
+                      <a:r>
+                        <a:rPr lang="en-ZA" sz="1400" dirty="0">
+                          <a:latin typeface="Times New Roman" panose="02020603050405020304" pitchFamily="18" charset="0"/>
+                          <a:cs typeface="Times New Roman" panose="02020603050405020304" pitchFamily="18" charset="0"/>
+                        </a:rPr>
+                        <a:t>12 peaks * 5.81 avg. peak adjacent distance </a:t>
+                      </a:r>
+                    </a:p>
+                    <a:p>
+                      <a:pPr marL="0" marR="0" lvl="0" indent="0" algn="ctr" defTabSz="2016123" rtl="0" eaLnBrk="1" fontAlgn="auto" latinLnBrk="0" hangingPunct="1">
+                        <a:lnSpc>
+                          <a:spcPct val="100000"/>
+                        </a:lnSpc>
+                        <a:spcBef>
+                          <a:spcPts val="0"/>
+                        </a:spcBef>
+                        <a:spcAft>
+                          <a:spcPts val="0"/>
+                        </a:spcAft>
+                        <a:buClrTx/>
+                        <a:buSzTx/>
+                        <a:buFontTx/>
+                        <a:buNone/>
+                        <a:tabLst/>
+                        <a:defRPr/>
+                      </a:pPr>
+                      <a:r>
+                        <a:rPr lang="en-ZA" sz="1400" dirty="0">
+                          <a:latin typeface="Times New Roman" panose="02020603050405020304" pitchFamily="18" charset="0"/>
+                          <a:cs typeface="Times New Roman" panose="02020603050405020304" pitchFamily="18" charset="0"/>
+                        </a:rPr>
+                        <a:t>= 69.67 tremor severity</a:t>
+                      </a:r>
+                    </a:p>
+                  </a:txBody>
+                  <a:tcPr anchor="b">
+                    <a:lnL w="12700" cap="flat" cmpd="sng" algn="ctr">
+                      <a:solidFill>
+                        <a:schemeClr val="tx1"/>
+                      </a:solidFill>
+                      <a:prstDash val="solid"/>
+                      <a:round/>
+                      <a:headEnd type="none" w="med" len="med"/>
+                      <a:tailEnd type="none" w="med" len="med"/>
+                    </a:lnL>
+                    <a:lnR w="12700" cap="flat" cmpd="sng" algn="ctr">
+                      <a:solidFill>
+                        <a:schemeClr val="tx1"/>
+                      </a:solidFill>
+                      <a:prstDash val="solid"/>
+                      <a:round/>
+                      <a:headEnd type="none" w="med" len="med"/>
+                      <a:tailEnd type="none" w="med" len="med"/>
+                    </a:lnR>
+                    <a:lnT w="12700" cap="flat" cmpd="sng" algn="ctr">
+                      <a:solidFill>
+                        <a:schemeClr val="tx1"/>
+                      </a:solidFill>
+                      <a:prstDash val="solid"/>
+                      <a:round/>
+                      <a:headEnd type="none" w="med" len="med"/>
+                      <a:tailEnd type="none" w="med" len="med"/>
+                    </a:lnT>
+                    <a:lnB w="12700" cap="flat" cmpd="sng" algn="ctr">
+                      <a:solidFill>
+                        <a:schemeClr val="tx1"/>
+                      </a:solidFill>
+                      <a:prstDash val="solid"/>
+                      <a:round/>
+                      <a:headEnd type="none" w="med" len="med"/>
+                      <a:tailEnd type="none" w="med" len="med"/>
+                    </a:lnB>
+                    <a:noFill/>
+                  </a:tcPr>
+                </a:tc>
+                <a:tc>
+                  <a:txBody>
+                    <a:bodyPr/>
+                    <a:lstStyle/>
+                    <a:p>
+                      <a:pPr marL="0" marR="0" lvl="0" indent="0" algn="ctr" defTabSz="2016123" rtl="0" eaLnBrk="1" fontAlgn="auto" latinLnBrk="0" hangingPunct="1">
+                        <a:lnSpc>
+                          <a:spcPct val="100000"/>
+                        </a:lnSpc>
+                        <a:spcBef>
+                          <a:spcPts val="0"/>
+                        </a:spcBef>
+                        <a:spcAft>
+                          <a:spcPts val="0"/>
+                        </a:spcAft>
+                        <a:buClrTx/>
+                        <a:buSzTx/>
+                        <a:buFontTx/>
+                        <a:buNone/>
+                        <a:tabLst/>
+                        <a:defRPr/>
+                      </a:pPr>
+                      <a:endParaRPr lang="en-ZA" sz="1400" dirty="0">
+                        <a:latin typeface="Times New Roman" panose="02020603050405020304" pitchFamily="18" charset="0"/>
+                        <a:cs typeface="Times New Roman" panose="02020603050405020304" pitchFamily="18" charset="0"/>
+                      </a:endParaRPr>
+                    </a:p>
+                    <a:p>
+                      <a:pPr marL="0" marR="0" lvl="0" indent="0" algn="ctr" defTabSz="2016123" rtl="0" eaLnBrk="1" fontAlgn="auto" latinLnBrk="0" hangingPunct="1">
+                        <a:lnSpc>
+                          <a:spcPct val="100000"/>
+                        </a:lnSpc>
+                        <a:spcBef>
+                          <a:spcPts val="0"/>
+                        </a:spcBef>
+                        <a:spcAft>
+                          <a:spcPts val="0"/>
+                        </a:spcAft>
+                        <a:buClrTx/>
+                        <a:buSzTx/>
+                        <a:buFontTx/>
+                        <a:buNone/>
+                        <a:tabLst/>
+                        <a:defRPr/>
+                      </a:pPr>
+                      <a:endParaRPr lang="en-ZA" sz="1400" dirty="0">
+                        <a:latin typeface="Times New Roman" panose="02020603050405020304" pitchFamily="18" charset="0"/>
+                        <a:cs typeface="Times New Roman" panose="02020603050405020304" pitchFamily="18" charset="0"/>
+                      </a:endParaRPr>
+                    </a:p>
+                    <a:p>
+                      <a:pPr marL="0" marR="0" lvl="0" indent="0" algn="ctr" defTabSz="2016123" rtl="0" eaLnBrk="1" fontAlgn="auto" latinLnBrk="0" hangingPunct="1">
+                        <a:lnSpc>
+                          <a:spcPct val="100000"/>
+                        </a:lnSpc>
+                        <a:spcBef>
+                          <a:spcPts val="0"/>
+                        </a:spcBef>
+                        <a:spcAft>
+                          <a:spcPts val="0"/>
+                        </a:spcAft>
+                        <a:buClrTx/>
+                        <a:buSzTx/>
+                        <a:buFontTx/>
+                        <a:buNone/>
+                        <a:tabLst/>
+                        <a:defRPr/>
+                      </a:pPr>
+                      <a:endParaRPr lang="en-ZA" sz="1400" dirty="0">
+                        <a:latin typeface="Times New Roman" panose="02020603050405020304" pitchFamily="18" charset="0"/>
+                        <a:cs typeface="Times New Roman" panose="02020603050405020304" pitchFamily="18" charset="0"/>
+                      </a:endParaRPr>
+                    </a:p>
+                    <a:p>
+                      <a:pPr marL="0" marR="0" lvl="0" indent="0" algn="ctr" defTabSz="2016123" rtl="0" eaLnBrk="1" fontAlgn="auto" latinLnBrk="0" hangingPunct="1">
+                        <a:lnSpc>
+                          <a:spcPct val="100000"/>
+                        </a:lnSpc>
+                        <a:spcBef>
+                          <a:spcPts val="0"/>
+                        </a:spcBef>
+                        <a:spcAft>
+                          <a:spcPts val="0"/>
+                        </a:spcAft>
+                        <a:buClrTx/>
+                        <a:buSzTx/>
+                        <a:buFontTx/>
+                        <a:buNone/>
+                        <a:tabLst/>
+                        <a:defRPr/>
+                      </a:pPr>
+                      <a:endParaRPr lang="en-ZA" sz="1400" dirty="0">
+                        <a:latin typeface="Times New Roman" panose="02020603050405020304" pitchFamily="18" charset="0"/>
+                        <a:cs typeface="Times New Roman" panose="02020603050405020304" pitchFamily="18" charset="0"/>
+                      </a:endParaRPr>
+                    </a:p>
+                    <a:p>
+                      <a:pPr marL="0" marR="0" lvl="0" indent="0" algn="ctr" defTabSz="2016123" rtl="0" eaLnBrk="1" fontAlgn="auto" latinLnBrk="0" hangingPunct="1">
+                        <a:lnSpc>
+                          <a:spcPct val="100000"/>
+                        </a:lnSpc>
+                        <a:spcBef>
+                          <a:spcPts val="0"/>
+                        </a:spcBef>
+                        <a:spcAft>
+                          <a:spcPts val="0"/>
+                        </a:spcAft>
+                        <a:buClrTx/>
+                        <a:buSzTx/>
+                        <a:buFontTx/>
+                        <a:buNone/>
+                        <a:tabLst/>
+                        <a:defRPr/>
+                      </a:pPr>
+                      <a:endParaRPr lang="en-ZA" sz="1400" dirty="0">
+                        <a:latin typeface="Times New Roman" panose="02020603050405020304" pitchFamily="18" charset="0"/>
+                        <a:cs typeface="Times New Roman" panose="02020603050405020304" pitchFamily="18" charset="0"/>
+                      </a:endParaRPr>
+                    </a:p>
+                    <a:p>
+                      <a:pPr marL="0" marR="0" lvl="0" indent="0" algn="ctr" defTabSz="2016123" rtl="0" eaLnBrk="1" fontAlgn="auto" latinLnBrk="0" hangingPunct="1">
+                        <a:lnSpc>
+                          <a:spcPct val="100000"/>
+                        </a:lnSpc>
+                        <a:spcBef>
+                          <a:spcPts val="0"/>
+                        </a:spcBef>
+                        <a:spcAft>
+                          <a:spcPts val="0"/>
+                        </a:spcAft>
+                        <a:buClrTx/>
+                        <a:buSzTx/>
+                        <a:buFontTx/>
+                        <a:buNone/>
+                        <a:tabLst/>
+                        <a:defRPr/>
+                      </a:pPr>
+                      <a:endParaRPr lang="en-ZA" sz="1400" dirty="0">
+                        <a:latin typeface="Times New Roman" panose="02020603050405020304" pitchFamily="18" charset="0"/>
+                        <a:cs typeface="Times New Roman" panose="02020603050405020304" pitchFamily="18" charset="0"/>
+                      </a:endParaRPr>
+                    </a:p>
+                    <a:p>
+                      <a:pPr marL="0" marR="0" lvl="0" indent="0" algn="ctr" defTabSz="2016123" rtl="0" eaLnBrk="1" fontAlgn="auto" latinLnBrk="0" hangingPunct="1">
+                        <a:lnSpc>
+                          <a:spcPct val="100000"/>
+                        </a:lnSpc>
+                        <a:spcBef>
+                          <a:spcPts val="0"/>
+                        </a:spcBef>
+                        <a:spcAft>
+                          <a:spcPts val="0"/>
+                        </a:spcAft>
+                        <a:buClrTx/>
+                        <a:buSzTx/>
+                        <a:buFontTx/>
+                        <a:buNone/>
+                        <a:tabLst/>
+                        <a:defRPr/>
+                      </a:pPr>
+                      <a:endParaRPr lang="en-ZA" sz="1400" dirty="0">
+                        <a:latin typeface="Times New Roman" panose="02020603050405020304" pitchFamily="18" charset="0"/>
+                        <a:cs typeface="Times New Roman" panose="02020603050405020304" pitchFamily="18" charset="0"/>
+                      </a:endParaRPr>
+                    </a:p>
+                    <a:p>
+                      <a:pPr marL="0" marR="0" lvl="0" indent="0" algn="ctr" defTabSz="2016123" rtl="0" eaLnBrk="1" fontAlgn="auto" latinLnBrk="0" hangingPunct="1">
+                        <a:lnSpc>
+                          <a:spcPct val="100000"/>
+                        </a:lnSpc>
+                        <a:spcBef>
+                          <a:spcPts val="0"/>
+                        </a:spcBef>
+                        <a:spcAft>
+                          <a:spcPts val="0"/>
+                        </a:spcAft>
+                        <a:buClrTx/>
+                        <a:buSzTx/>
+                        <a:buFontTx/>
+                        <a:buNone/>
+                        <a:tabLst/>
+                        <a:defRPr/>
+                      </a:pPr>
+                      <a:r>
+                        <a:rPr lang="en-ZA" sz="1400" dirty="0">
+                          <a:latin typeface="Times New Roman" panose="02020603050405020304" pitchFamily="18" charset="0"/>
+                          <a:cs typeface="Times New Roman" panose="02020603050405020304" pitchFamily="18" charset="0"/>
+                        </a:rPr>
+                        <a:t>7 peaks * 2.43 avg. peak adjacent distance </a:t>
+                      </a:r>
+                    </a:p>
+                    <a:p>
+                      <a:pPr marL="0" marR="0" lvl="0" indent="0" algn="ctr" defTabSz="2016123" rtl="0" eaLnBrk="1" fontAlgn="auto" latinLnBrk="0" hangingPunct="1">
+                        <a:lnSpc>
+                          <a:spcPct val="100000"/>
+                        </a:lnSpc>
+                        <a:spcBef>
+                          <a:spcPts val="0"/>
+                        </a:spcBef>
+                        <a:spcAft>
+                          <a:spcPts val="0"/>
+                        </a:spcAft>
+                        <a:buClrTx/>
+                        <a:buSzTx/>
+                        <a:buFontTx/>
+                        <a:buNone/>
+                        <a:tabLst/>
+                        <a:defRPr/>
+                      </a:pPr>
+                      <a:r>
+                        <a:rPr lang="en-ZA" sz="1400" dirty="0">
+                          <a:latin typeface="Times New Roman" panose="02020603050405020304" pitchFamily="18" charset="0"/>
+                          <a:cs typeface="Times New Roman" panose="02020603050405020304" pitchFamily="18" charset="0"/>
+                        </a:rPr>
+                        <a:t>= 17.02 tremor severity</a:t>
+                      </a:r>
+                    </a:p>
+                  </a:txBody>
+                  <a:tcPr anchor="b">
+                    <a:lnL w="12700" cap="flat" cmpd="sng" algn="ctr">
+                      <a:solidFill>
+                        <a:schemeClr val="tx1"/>
+                      </a:solidFill>
+                      <a:prstDash val="solid"/>
+                      <a:round/>
+                      <a:headEnd type="none" w="med" len="med"/>
+                      <a:tailEnd type="none" w="med" len="med"/>
+                    </a:lnL>
+                    <a:lnR w="12700" cap="flat" cmpd="sng" algn="ctr">
+                      <a:solidFill>
+                        <a:schemeClr val="tx1"/>
+                      </a:solidFill>
+                      <a:prstDash val="solid"/>
+                      <a:round/>
+                      <a:headEnd type="none" w="med" len="med"/>
+                      <a:tailEnd type="none" w="med" len="med"/>
+                    </a:lnR>
+                    <a:lnT w="12700" cap="flat" cmpd="sng" algn="ctr">
+                      <a:solidFill>
+                        <a:schemeClr val="tx1"/>
+                      </a:solidFill>
+                      <a:prstDash val="solid"/>
+                      <a:round/>
+                      <a:headEnd type="none" w="med" len="med"/>
+                      <a:tailEnd type="none" w="med" len="med"/>
+                    </a:lnT>
+                    <a:lnB w="12700" cap="flat" cmpd="sng" algn="ctr">
+                      <a:solidFill>
+                        <a:schemeClr val="tx1"/>
+                      </a:solidFill>
+                      <a:prstDash val="solid"/>
+                      <a:round/>
+                      <a:headEnd type="none" w="med" len="med"/>
+                      <a:tailEnd type="none" w="med" len="med"/>
+                    </a:lnB>
+                    <a:noFill/>
+                  </a:tcPr>
+                </a:tc>
+                <a:extLst>
+                  <a:ext uri="{0D108BD9-81ED-4DB2-BD59-A6C34878D82A}">
+                    <a16:rowId xmlns:a16="http://schemas.microsoft.com/office/drawing/2014/main" val="2099816766"/>
+                  </a:ext>
+                </a:extLst>
+              </a:tr>
+            </a:tbl>
+          </a:graphicData>
+        </a:graphic>
+      </p:graphicFrame>
+      <p:graphicFrame>
+        <p:nvGraphicFramePr>
+          <p:cNvPr id="174" name="Table 56">
+            <a:extLst>
+              <a:ext uri="{FF2B5EF4-FFF2-40B4-BE49-F238E27FC236}">
+                <a16:creationId xmlns:a16="http://schemas.microsoft.com/office/drawing/2014/main" id="{AD062D3F-71DB-CAAB-4CD4-68710A012BC7}"/>
+              </a:ext>
+            </a:extLst>
+          </p:cNvPr>
+          <p:cNvGraphicFramePr>
+            <a:graphicFrameLocks noGrp="1"/>
+          </p:cNvGraphicFramePr>
+          <p:nvPr>
+            <p:extLst>
+              <p:ext uri="{D42A27DB-BD31-4B8C-83A1-F6EECF244321}">
+                <p14:modId xmlns:p14="http://schemas.microsoft.com/office/powerpoint/2010/main" val="2456562763"/>
+              </p:ext>
+            </p:extLst>
+          </p:nvPr>
+        </p:nvGraphicFramePr>
+        <p:xfrm>
+          <a:off x="8777172" y="12255164"/>
+          <a:ext cx="6660000" cy="2529840"/>
+        </p:xfrm>
+        <a:graphic>
+          <a:graphicData uri="http://schemas.openxmlformats.org/drawingml/2006/table">
+            <a:tbl>
+              <a:tblPr firstRow="1" bandRow="1">
+                <a:tableStyleId>{2D5ABB26-0587-4C30-8999-92F81FD0307C}</a:tableStyleId>
+              </a:tblPr>
+              <a:tblGrid>
+                <a:gridCol w="1620000">
+                  <a:extLst>
+                    <a:ext uri="{9D8B030D-6E8A-4147-A177-3AD203B41FA5}">
+                      <a16:colId xmlns:a16="http://schemas.microsoft.com/office/drawing/2014/main" val="1691660774"/>
+                    </a:ext>
+                  </a:extLst>
+                </a:gridCol>
+                <a:gridCol w="2520000">
+                  <a:extLst>
+                    <a:ext uri="{9D8B030D-6E8A-4147-A177-3AD203B41FA5}">
+                      <a16:colId xmlns:a16="http://schemas.microsoft.com/office/drawing/2014/main" val="3072975969"/>
+                    </a:ext>
+                  </a:extLst>
+                </a:gridCol>
+                <a:gridCol w="2520000">
+                  <a:extLst>
+                    <a:ext uri="{9D8B030D-6E8A-4147-A177-3AD203B41FA5}">
+                      <a16:colId xmlns:a16="http://schemas.microsoft.com/office/drawing/2014/main" val="4272725515"/>
+                    </a:ext>
+                  </a:extLst>
+                </a:gridCol>
+              </a:tblGrid>
+              <a:tr h="180000">
+                <a:tc>
+                  <a:txBody>
+                    <a:bodyPr/>
+                    <a:lstStyle/>
+                    <a:p>
+                      <a:r>
+                        <a:rPr lang="en-ZA" sz="1400" b="1" strike="noStrike" dirty="0">
+                          <a:solidFill>
+                            <a:srgbClr val="00008B"/>
+                          </a:solidFill>
+                          <a:effectLst/>
+                          <a:latin typeface="Times New Roman" panose="02020603050405020304" pitchFamily="18" charset="0"/>
+                          <a:cs typeface="Times New Roman" panose="02020603050405020304" pitchFamily="18" charset="0"/>
+                        </a:rPr>
+                        <a:t> TABLE 3:</a:t>
+                      </a:r>
+                      <a:endParaRPr lang="en-ZA" sz="3200" b="1" strike="noStrike" dirty="0">
+                        <a:solidFill>
+                          <a:srgbClr val="00008B"/>
+                        </a:solidFill>
+                        <a:effectLst/>
+                        <a:latin typeface="Times New Roman" panose="02020603050405020304" pitchFamily="18" charset="0"/>
+                        <a:cs typeface="Times New Roman" panose="02020603050405020304" pitchFamily="18" charset="0"/>
+                      </a:endParaRPr>
+                    </a:p>
+                  </a:txBody>
+                  <a:tcPr anchor="ctr">
+                    <a:lnL w="12700" cap="flat" cmpd="sng" algn="ctr">
+                      <a:noFill/>
+                      <a:prstDash val="solid"/>
+                      <a:round/>
+                      <a:headEnd type="none" w="med" len="med"/>
+                      <a:tailEnd type="none" w="med" len="med"/>
+                    </a:lnL>
+                    <a:lnR w="12700" cap="flat" cmpd="sng" algn="ctr">
+                      <a:noFill/>
+                      <a:prstDash val="solid"/>
+                      <a:round/>
+                      <a:headEnd type="none" w="med" len="med"/>
+                      <a:tailEnd type="none" w="med" len="med"/>
+                    </a:lnR>
+                    <a:lnT w="12700" cap="flat" cmpd="sng" algn="ctr">
+                      <a:noFill/>
+                      <a:prstDash val="solid"/>
+                      <a:round/>
+                      <a:headEnd type="none" w="med" len="med"/>
+                      <a:tailEnd type="none" w="med" len="med"/>
+                    </a:lnT>
+                    <a:lnB w="12700" cap="flat" cmpd="sng" algn="ctr">
+                      <a:solidFill>
+                        <a:schemeClr val="tx1"/>
+                      </a:solidFill>
+                      <a:prstDash val="solid"/>
+                      <a:round/>
+                      <a:headEnd type="none" w="med" len="med"/>
+                      <a:tailEnd type="none" w="med" len="med"/>
+                    </a:lnB>
+                    <a:lnTlToBr w="12700" cmpd="sng">
+                      <a:noFill/>
+                      <a:prstDash val="solid"/>
+                    </a:lnTlToBr>
+                    <a:lnBlToTr w="12700" cmpd="sng">
+                      <a:noFill/>
+                      <a:prstDash val="solid"/>
+                    </a:lnBlToTr>
+                    <a:noFill/>
+                  </a:tcPr>
+                </a:tc>
+                <a:tc>
+                  <a:txBody>
+                    <a:bodyPr/>
+                    <a:lstStyle/>
+                    <a:p>
+                      <a:pPr algn="ctr"/>
+                      <a:r>
+                        <a:rPr lang="en-ZA" sz="1400" b="1" strike="noStrike" dirty="0">
+                          <a:solidFill>
+                            <a:srgbClr val="00008B"/>
+                          </a:solidFill>
+                          <a:effectLst/>
+                          <a:latin typeface="Times New Roman" panose="02020603050405020304" pitchFamily="18" charset="0"/>
+                          <a:cs typeface="Times New Roman" panose="02020603050405020304" pitchFamily="18" charset="0"/>
+                        </a:rPr>
+                        <a:t>Untreated Hand BEFORE</a:t>
+                      </a:r>
+                      <a:endParaRPr lang="en-ZA" sz="3200" b="1" strike="noStrike" dirty="0">
+                        <a:solidFill>
+                          <a:srgbClr val="00008B"/>
+                        </a:solidFill>
+                        <a:effectLst/>
+                        <a:latin typeface="Times New Roman" panose="02020603050405020304" pitchFamily="18" charset="0"/>
+                        <a:cs typeface="Times New Roman" panose="02020603050405020304" pitchFamily="18" charset="0"/>
+                      </a:endParaRPr>
+                    </a:p>
+                  </a:txBody>
+                  <a:tcPr anchor="ctr">
+                    <a:lnL w="12700" cap="flat" cmpd="sng" algn="ctr">
+                      <a:noFill/>
+                      <a:prstDash val="solid"/>
+                      <a:round/>
+                      <a:headEnd type="none" w="med" len="med"/>
+                      <a:tailEnd type="none" w="med" len="med"/>
+                    </a:lnL>
+                    <a:lnR w="12700" cap="flat" cmpd="sng" algn="ctr">
+                      <a:noFill/>
+                      <a:prstDash val="solid"/>
+                      <a:round/>
+                      <a:headEnd type="none" w="med" len="med"/>
+                      <a:tailEnd type="none" w="med" len="med"/>
+                    </a:lnR>
+                    <a:lnT w="12700" cap="flat" cmpd="sng" algn="ctr">
+                      <a:noFill/>
+                      <a:prstDash val="solid"/>
+                      <a:round/>
+                      <a:headEnd type="none" w="med" len="med"/>
+                      <a:tailEnd type="none" w="med" len="med"/>
+                    </a:lnT>
+                    <a:lnB w="12700" cap="flat" cmpd="sng" algn="ctr">
+                      <a:solidFill>
+                        <a:schemeClr val="tx1"/>
+                      </a:solidFill>
+                      <a:prstDash val="solid"/>
+                      <a:round/>
+                      <a:headEnd type="none" w="med" len="med"/>
+                      <a:tailEnd type="none" w="med" len="med"/>
+                    </a:lnB>
+                    <a:lnTlToBr w="12700" cmpd="sng">
+                      <a:noFill/>
+                      <a:prstDash val="solid"/>
+                    </a:lnTlToBr>
+                    <a:lnBlToTr w="12700" cmpd="sng">
+                      <a:noFill/>
+                      <a:prstDash val="solid"/>
+                    </a:lnBlToTr>
+                    <a:noFill/>
+                  </a:tcPr>
+                </a:tc>
+                <a:tc>
+                  <a:txBody>
+                    <a:bodyPr/>
+                    <a:lstStyle/>
+                    <a:p>
+                      <a:pPr algn="ctr"/>
+                      <a:r>
+                        <a:rPr lang="en-ZA" sz="1400" b="1" strike="noStrike" dirty="0">
+                          <a:solidFill>
+                            <a:srgbClr val="00008B"/>
+                          </a:solidFill>
+                          <a:effectLst/>
+                          <a:latin typeface="Times New Roman" panose="02020603050405020304" pitchFamily="18" charset="0"/>
+                          <a:cs typeface="Times New Roman" panose="02020603050405020304" pitchFamily="18" charset="0"/>
+                        </a:rPr>
+                        <a:t>Untreated Hand 1 YEAR</a:t>
+                      </a:r>
+                    </a:p>
+                  </a:txBody>
+                  <a:tcPr anchor="ctr">
+                    <a:lnL w="12700" cap="flat" cmpd="sng" algn="ctr">
+                      <a:noFill/>
+                      <a:prstDash val="solid"/>
+                      <a:round/>
+                      <a:headEnd type="none" w="med" len="med"/>
+                      <a:tailEnd type="none" w="med" len="med"/>
+                    </a:lnL>
+                    <a:lnR w="12700" cap="flat" cmpd="sng" algn="ctr">
+                      <a:noFill/>
+                      <a:prstDash val="solid"/>
+                      <a:round/>
+                      <a:headEnd type="none" w="med" len="med"/>
+                      <a:tailEnd type="none" w="med" len="med"/>
+                    </a:lnR>
+                    <a:lnT w="12700" cap="flat" cmpd="sng" algn="ctr">
+                      <a:noFill/>
+                      <a:prstDash val="solid"/>
+                      <a:round/>
+                      <a:headEnd type="none" w="med" len="med"/>
+                      <a:tailEnd type="none" w="med" len="med"/>
+                    </a:lnT>
+                    <a:lnB w="12700" cap="flat" cmpd="sng" algn="ctr">
+                      <a:solidFill>
+                        <a:schemeClr val="tx1"/>
+                      </a:solidFill>
+                      <a:prstDash val="solid"/>
+                      <a:round/>
+                      <a:headEnd type="none" w="med" len="med"/>
+                      <a:tailEnd type="none" w="med" len="med"/>
+                    </a:lnB>
+                    <a:lnTlToBr w="12700" cmpd="sng">
+                      <a:noFill/>
+                      <a:prstDash val="solid"/>
+                    </a:lnTlToBr>
+                    <a:lnBlToTr w="12700" cmpd="sng">
+                      <a:noFill/>
+                      <a:prstDash val="solid"/>
+                    </a:lnBlToTr>
+                    <a:noFill/>
+                  </a:tcPr>
+                </a:tc>
+                <a:extLst>
+                  <a:ext uri="{0D108BD9-81ED-4DB2-BD59-A6C34878D82A}">
+                    <a16:rowId xmlns:a16="http://schemas.microsoft.com/office/drawing/2014/main" val="1663615900"/>
+                  </a:ext>
+                </a:extLst>
+              </a:tr>
+              <a:tr h="1021973">
+                <a:tc>
+                  <a:txBody>
+                    <a:bodyPr/>
+                    <a:lstStyle/>
+                    <a:p>
+                      <a:r>
+                        <a:rPr lang="en-ZA" sz="1400" dirty="0">
+                          <a:latin typeface="Times New Roman" panose="02020603050405020304" pitchFamily="18" charset="0"/>
+                          <a:cs typeface="Times New Roman" panose="02020603050405020304" pitchFamily="18" charset="0"/>
+                        </a:rPr>
+                        <a:t>Original drawing</a:t>
+                      </a:r>
+                    </a:p>
+                    <a:p>
+                      <a:endParaRPr lang="en-ZA" sz="1200" dirty="0">
+                        <a:latin typeface="Times New Roman" panose="02020603050405020304" pitchFamily="18" charset="0"/>
+                        <a:cs typeface="Times New Roman" panose="02020603050405020304" pitchFamily="18" charset="0"/>
+                      </a:endParaRPr>
+                    </a:p>
+                    <a:p>
+                      <a:r>
+                        <a:rPr lang="en-ZA" sz="1400" dirty="0">
+                          <a:latin typeface="Times New Roman" panose="02020603050405020304" pitchFamily="18" charset="0"/>
+                          <a:cs typeface="Times New Roman" panose="02020603050405020304" pitchFamily="18" charset="0"/>
+                        </a:rPr>
+                        <a:t>RFFT</a:t>
+                      </a:r>
+                    </a:p>
+                    <a:p>
+                      <a:endParaRPr lang="en-ZA" sz="1400" dirty="0">
+                        <a:latin typeface="Times New Roman" panose="02020603050405020304" pitchFamily="18" charset="0"/>
+                        <a:cs typeface="Times New Roman" panose="02020603050405020304" pitchFamily="18" charset="0"/>
+                      </a:endParaRPr>
+                    </a:p>
+                    <a:p>
+                      <a:endParaRPr lang="en-ZA" sz="1400" dirty="0">
+                        <a:latin typeface="Times New Roman" panose="02020603050405020304" pitchFamily="18" charset="0"/>
+                        <a:cs typeface="Times New Roman" panose="02020603050405020304" pitchFamily="18" charset="0"/>
+                      </a:endParaRPr>
+                    </a:p>
+                    <a:p>
+                      <a:r>
+                        <a:rPr lang="en-ZA" sz="1400" dirty="0">
+                          <a:latin typeface="Times New Roman" panose="02020603050405020304" pitchFamily="18" charset="0"/>
+                          <a:cs typeface="Times New Roman" panose="02020603050405020304" pitchFamily="18" charset="0"/>
+                        </a:rPr>
+                        <a:t>IIR bandpass filter</a:t>
+                      </a:r>
+                    </a:p>
+                    <a:p>
+                      <a:endParaRPr lang="en-ZA" sz="1400" dirty="0">
+                        <a:latin typeface="Times New Roman" panose="02020603050405020304" pitchFamily="18" charset="0"/>
+                        <a:cs typeface="Times New Roman" panose="02020603050405020304" pitchFamily="18" charset="0"/>
+                      </a:endParaRPr>
+                    </a:p>
+                    <a:p>
+                      <a:endParaRPr lang="en-ZA" sz="1400" dirty="0">
+                        <a:latin typeface="Times New Roman" panose="02020603050405020304" pitchFamily="18" charset="0"/>
+                        <a:cs typeface="Times New Roman" panose="02020603050405020304" pitchFamily="18" charset="0"/>
+                      </a:endParaRPr>
+                    </a:p>
+                    <a:p>
+                      <a:r>
+                        <a:rPr lang="en-ZA" sz="1400" dirty="0">
+                          <a:latin typeface="Times New Roman" panose="02020603050405020304" pitchFamily="18" charset="0"/>
+                          <a:cs typeface="Times New Roman" panose="02020603050405020304" pitchFamily="18" charset="0"/>
+                        </a:rPr>
+                        <a:t>Result</a:t>
+                      </a:r>
+                    </a:p>
+                  </a:txBody>
+                  <a:tcPr>
+                    <a:lnL w="12700" cap="flat" cmpd="sng" algn="ctr">
+                      <a:solidFill>
+                        <a:schemeClr val="tx1"/>
+                      </a:solidFill>
+                      <a:prstDash val="solid"/>
+                      <a:round/>
+                      <a:headEnd type="none" w="med" len="med"/>
+                      <a:tailEnd type="none" w="med" len="med"/>
+                    </a:lnL>
+                    <a:lnR w="12700" cap="flat" cmpd="sng" algn="ctr">
+                      <a:solidFill>
+                        <a:schemeClr val="tx1"/>
+                      </a:solidFill>
+                      <a:prstDash val="solid"/>
+                      <a:round/>
+                      <a:headEnd type="none" w="med" len="med"/>
+                      <a:tailEnd type="none" w="med" len="med"/>
+                    </a:lnR>
+                    <a:lnT w="12700" cap="flat" cmpd="sng" algn="ctr">
+                      <a:solidFill>
+                        <a:schemeClr val="tx1"/>
+                      </a:solidFill>
+                      <a:prstDash val="solid"/>
+                      <a:round/>
+                      <a:headEnd type="none" w="med" len="med"/>
+                      <a:tailEnd type="none" w="med" len="med"/>
+                    </a:lnT>
+                    <a:lnB w="12700" cap="flat" cmpd="sng" algn="ctr">
+                      <a:solidFill>
+                        <a:schemeClr val="tx1"/>
+                      </a:solidFill>
+                      <a:prstDash val="solid"/>
+                      <a:round/>
+                      <a:headEnd type="none" w="med" len="med"/>
+                      <a:tailEnd type="none" w="med" len="med"/>
+                    </a:lnB>
+                    <a:noFill/>
+                  </a:tcPr>
+                </a:tc>
+                <a:tc>
+                  <a:txBody>
+                    <a:bodyPr/>
+                    <a:lstStyle/>
+                    <a:p>
+                      <a:pPr marL="0" marR="0" lvl="0" indent="0" algn="ctr" defTabSz="2016123" rtl="0" eaLnBrk="1" fontAlgn="auto" latinLnBrk="0" hangingPunct="1">
+                        <a:lnSpc>
+                          <a:spcPct val="100000"/>
+                        </a:lnSpc>
+                        <a:spcBef>
+                          <a:spcPts val="0"/>
+                        </a:spcBef>
+                        <a:spcAft>
+                          <a:spcPts val="0"/>
+                        </a:spcAft>
+                        <a:buClrTx/>
+                        <a:buSzTx/>
+                        <a:buFontTx/>
+                        <a:buNone/>
+                        <a:tabLst/>
+                        <a:defRPr/>
+                      </a:pPr>
+                      <a:r>
+                        <a:rPr lang="en-ZA" sz="1400" dirty="0">
+                          <a:latin typeface="Times New Roman" panose="02020603050405020304" pitchFamily="18" charset="0"/>
+                          <a:cs typeface="Times New Roman" panose="02020603050405020304" pitchFamily="18" charset="0"/>
+                        </a:rPr>
+                        <a:t>8 peaks * 4.95 avg. peak adjacent distance </a:t>
+                      </a:r>
+                    </a:p>
+                    <a:p>
+                      <a:pPr marL="0" marR="0" lvl="0" indent="0" algn="ctr" defTabSz="2016123" rtl="0" eaLnBrk="1" fontAlgn="auto" latinLnBrk="0" hangingPunct="1">
+                        <a:lnSpc>
+                          <a:spcPct val="100000"/>
+                        </a:lnSpc>
+                        <a:spcBef>
+                          <a:spcPts val="0"/>
+                        </a:spcBef>
+                        <a:spcAft>
+                          <a:spcPts val="0"/>
+                        </a:spcAft>
+                        <a:buClrTx/>
+                        <a:buSzTx/>
+                        <a:buFontTx/>
+                        <a:buNone/>
+                        <a:tabLst/>
+                        <a:defRPr/>
+                      </a:pPr>
+                      <a:r>
+                        <a:rPr lang="en-ZA" sz="1400" dirty="0">
+                          <a:latin typeface="Times New Roman" panose="02020603050405020304" pitchFamily="18" charset="0"/>
+                          <a:cs typeface="Times New Roman" panose="02020603050405020304" pitchFamily="18" charset="0"/>
+                        </a:rPr>
+                        <a:t>= 39.58 tremor severity</a:t>
+                      </a:r>
+                    </a:p>
+                  </a:txBody>
+                  <a:tcPr anchor="b">
+                    <a:lnL w="12700" cap="flat" cmpd="sng" algn="ctr">
+                      <a:solidFill>
+                        <a:schemeClr val="tx1"/>
+                      </a:solidFill>
+                      <a:prstDash val="solid"/>
+                      <a:round/>
+                      <a:headEnd type="none" w="med" len="med"/>
+                      <a:tailEnd type="none" w="med" len="med"/>
+                    </a:lnL>
+                    <a:lnR w="12700" cap="flat" cmpd="sng" algn="ctr">
+                      <a:solidFill>
+                        <a:schemeClr val="tx1"/>
+                      </a:solidFill>
+                      <a:prstDash val="solid"/>
+                      <a:round/>
+                      <a:headEnd type="none" w="med" len="med"/>
+                      <a:tailEnd type="none" w="med" len="med"/>
+                    </a:lnR>
+                    <a:lnT w="12700" cap="flat" cmpd="sng" algn="ctr">
+                      <a:solidFill>
+                        <a:schemeClr val="tx1"/>
+                      </a:solidFill>
+                      <a:prstDash val="solid"/>
+                      <a:round/>
+                      <a:headEnd type="none" w="med" len="med"/>
+                      <a:tailEnd type="none" w="med" len="med"/>
+                    </a:lnT>
+                    <a:lnB w="12700" cap="flat" cmpd="sng" algn="ctr">
+                      <a:solidFill>
+                        <a:schemeClr val="tx1"/>
+                      </a:solidFill>
+                      <a:prstDash val="solid"/>
+                      <a:round/>
+                      <a:headEnd type="none" w="med" len="med"/>
+                      <a:tailEnd type="none" w="med" len="med"/>
+                    </a:lnB>
+                    <a:noFill/>
+                  </a:tcPr>
+                </a:tc>
+                <a:tc>
+                  <a:txBody>
+                    <a:bodyPr/>
+                    <a:lstStyle/>
+                    <a:p>
+                      <a:pPr marL="0" marR="0" lvl="0" indent="0" algn="ctr" defTabSz="2016123" rtl="0" eaLnBrk="1" fontAlgn="auto" latinLnBrk="0" hangingPunct="1">
+                        <a:lnSpc>
+                          <a:spcPct val="100000"/>
+                        </a:lnSpc>
+                        <a:spcBef>
+                          <a:spcPts val="0"/>
+                        </a:spcBef>
+                        <a:spcAft>
+                          <a:spcPts val="0"/>
+                        </a:spcAft>
+                        <a:buClrTx/>
+                        <a:buSzTx/>
+                        <a:buFontTx/>
+                        <a:buNone/>
+                        <a:tabLst/>
+                        <a:defRPr/>
+                      </a:pPr>
+                      <a:endParaRPr lang="en-ZA" sz="1400" dirty="0">
+                        <a:latin typeface="Times New Roman" panose="02020603050405020304" pitchFamily="18" charset="0"/>
+                        <a:cs typeface="Times New Roman" panose="02020603050405020304" pitchFamily="18" charset="0"/>
+                      </a:endParaRPr>
+                    </a:p>
+                    <a:p>
+                      <a:pPr marL="0" marR="0" lvl="0" indent="0" algn="ctr" defTabSz="2016123" rtl="0" eaLnBrk="1" fontAlgn="auto" latinLnBrk="0" hangingPunct="1">
+                        <a:lnSpc>
+                          <a:spcPct val="100000"/>
+                        </a:lnSpc>
+                        <a:spcBef>
+                          <a:spcPts val="0"/>
+                        </a:spcBef>
+                        <a:spcAft>
+                          <a:spcPts val="0"/>
+                        </a:spcAft>
+                        <a:buClrTx/>
+                        <a:buSzTx/>
+                        <a:buFontTx/>
+                        <a:buNone/>
+                        <a:tabLst/>
+                        <a:defRPr/>
+                      </a:pPr>
+                      <a:endParaRPr lang="en-ZA" sz="1400" dirty="0">
+                        <a:latin typeface="Times New Roman" panose="02020603050405020304" pitchFamily="18" charset="0"/>
+                        <a:cs typeface="Times New Roman" panose="02020603050405020304" pitchFamily="18" charset="0"/>
+                      </a:endParaRPr>
+                    </a:p>
+                    <a:p>
+                      <a:pPr marL="0" marR="0" lvl="0" indent="0" algn="ctr" defTabSz="2016123" rtl="0" eaLnBrk="1" fontAlgn="auto" latinLnBrk="0" hangingPunct="1">
+                        <a:lnSpc>
+                          <a:spcPct val="100000"/>
+                        </a:lnSpc>
+                        <a:spcBef>
+                          <a:spcPts val="0"/>
+                        </a:spcBef>
+                        <a:spcAft>
+                          <a:spcPts val="0"/>
+                        </a:spcAft>
+                        <a:buClrTx/>
+                        <a:buSzTx/>
+                        <a:buFontTx/>
+                        <a:buNone/>
+                        <a:tabLst/>
+                        <a:defRPr/>
+                      </a:pPr>
+                      <a:endParaRPr lang="en-ZA" sz="1400" dirty="0">
+                        <a:latin typeface="Times New Roman" panose="02020603050405020304" pitchFamily="18" charset="0"/>
+                        <a:cs typeface="Times New Roman" panose="02020603050405020304" pitchFamily="18" charset="0"/>
+                      </a:endParaRPr>
+                    </a:p>
+                    <a:p>
+                      <a:pPr marL="0" marR="0" lvl="0" indent="0" algn="ctr" defTabSz="2016123" rtl="0" eaLnBrk="1" fontAlgn="auto" latinLnBrk="0" hangingPunct="1">
+                        <a:lnSpc>
+                          <a:spcPct val="100000"/>
+                        </a:lnSpc>
+                        <a:spcBef>
+                          <a:spcPts val="0"/>
+                        </a:spcBef>
+                        <a:spcAft>
+                          <a:spcPts val="0"/>
+                        </a:spcAft>
+                        <a:buClrTx/>
+                        <a:buSzTx/>
+                        <a:buFontTx/>
+                        <a:buNone/>
+                        <a:tabLst/>
+                        <a:defRPr/>
+                      </a:pPr>
+                      <a:endParaRPr lang="en-ZA" sz="1400" dirty="0">
+                        <a:latin typeface="Times New Roman" panose="02020603050405020304" pitchFamily="18" charset="0"/>
+                        <a:cs typeface="Times New Roman" panose="02020603050405020304" pitchFamily="18" charset="0"/>
+                      </a:endParaRPr>
+                    </a:p>
+                    <a:p>
+                      <a:pPr marL="0" marR="0" lvl="0" indent="0" algn="ctr" defTabSz="2016123" rtl="0" eaLnBrk="1" fontAlgn="auto" latinLnBrk="0" hangingPunct="1">
+                        <a:lnSpc>
+                          <a:spcPct val="100000"/>
+                        </a:lnSpc>
+                        <a:spcBef>
+                          <a:spcPts val="0"/>
+                        </a:spcBef>
+                        <a:spcAft>
+                          <a:spcPts val="0"/>
+                        </a:spcAft>
+                        <a:buClrTx/>
+                        <a:buSzTx/>
+                        <a:buFontTx/>
+                        <a:buNone/>
+                        <a:tabLst/>
+                        <a:defRPr/>
+                      </a:pPr>
+                      <a:endParaRPr lang="en-ZA" sz="1400" dirty="0">
+                        <a:latin typeface="Times New Roman" panose="02020603050405020304" pitchFamily="18" charset="0"/>
+                        <a:cs typeface="Times New Roman" panose="02020603050405020304" pitchFamily="18" charset="0"/>
+                      </a:endParaRPr>
+                    </a:p>
+                    <a:p>
+                      <a:pPr marL="0" marR="0" lvl="0" indent="0" algn="ctr" defTabSz="2016123" rtl="0" eaLnBrk="1" fontAlgn="auto" latinLnBrk="0" hangingPunct="1">
+                        <a:lnSpc>
+                          <a:spcPct val="100000"/>
+                        </a:lnSpc>
+                        <a:spcBef>
+                          <a:spcPts val="0"/>
+                        </a:spcBef>
+                        <a:spcAft>
+                          <a:spcPts val="0"/>
+                        </a:spcAft>
+                        <a:buClrTx/>
+                        <a:buSzTx/>
+                        <a:buFontTx/>
+                        <a:buNone/>
+                        <a:tabLst/>
+                        <a:defRPr/>
+                      </a:pPr>
+                      <a:endParaRPr lang="en-ZA" sz="1400" dirty="0">
+                        <a:latin typeface="Times New Roman" panose="02020603050405020304" pitchFamily="18" charset="0"/>
+                        <a:cs typeface="Times New Roman" panose="02020603050405020304" pitchFamily="18" charset="0"/>
+                      </a:endParaRPr>
+                    </a:p>
+                    <a:p>
+                      <a:pPr marL="0" marR="0" lvl="0" indent="0" algn="ctr" defTabSz="2016123" rtl="0" eaLnBrk="1" fontAlgn="auto" latinLnBrk="0" hangingPunct="1">
+                        <a:lnSpc>
+                          <a:spcPct val="100000"/>
+                        </a:lnSpc>
+                        <a:spcBef>
+                          <a:spcPts val="0"/>
+                        </a:spcBef>
+                        <a:spcAft>
+                          <a:spcPts val="0"/>
+                        </a:spcAft>
+                        <a:buClrTx/>
+                        <a:buSzTx/>
+                        <a:buFontTx/>
+                        <a:buNone/>
+                        <a:tabLst/>
+                        <a:defRPr/>
+                      </a:pPr>
+                      <a:endParaRPr lang="en-ZA" sz="1400" dirty="0">
+                        <a:latin typeface="Times New Roman" panose="02020603050405020304" pitchFamily="18" charset="0"/>
+                        <a:cs typeface="Times New Roman" panose="02020603050405020304" pitchFamily="18" charset="0"/>
+                      </a:endParaRPr>
+                    </a:p>
+                    <a:p>
+                      <a:pPr marL="0" marR="0" lvl="0" indent="0" algn="ctr" defTabSz="2016123" rtl="0" eaLnBrk="1" fontAlgn="auto" latinLnBrk="0" hangingPunct="1">
+                        <a:lnSpc>
+                          <a:spcPct val="100000"/>
+                        </a:lnSpc>
+                        <a:spcBef>
+                          <a:spcPts val="0"/>
+                        </a:spcBef>
+                        <a:spcAft>
+                          <a:spcPts val="0"/>
+                        </a:spcAft>
+                        <a:buClrTx/>
+                        <a:buSzTx/>
+                        <a:buFontTx/>
+                        <a:buNone/>
+                        <a:tabLst/>
+                        <a:defRPr/>
+                      </a:pPr>
+                      <a:r>
+                        <a:rPr lang="en-ZA" sz="1400" dirty="0">
+                          <a:latin typeface="Times New Roman" panose="02020603050405020304" pitchFamily="18" charset="0"/>
+                          <a:cs typeface="Times New Roman" panose="02020603050405020304" pitchFamily="18" charset="0"/>
+                        </a:rPr>
+                        <a:t>16 peaks * 6.18 avg. peak adjacent distance </a:t>
+                      </a:r>
+                    </a:p>
+                    <a:p>
+                      <a:pPr marL="0" marR="0" lvl="0" indent="0" algn="ctr" defTabSz="2016123" rtl="0" eaLnBrk="1" fontAlgn="auto" latinLnBrk="0" hangingPunct="1">
+                        <a:lnSpc>
+                          <a:spcPct val="100000"/>
+                        </a:lnSpc>
+                        <a:spcBef>
+                          <a:spcPts val="0"/>
+                        </a:spcBef>
+                        <a:spcAft>
+                          <a:spcPts val="0"/>
+                        </a:spcAft>
+                        <a:buClrTx/>
+                        <a:buSzTx/>
+                        <a:buFontTx/>
+                        <a:buNone/>
+                        <a:tabLst/>
+                        <a:defRPr/>
+                      </a:pPr>
+                      <a:r>
+                        <a:rPr lang="en-ZA" sz="1400" dirty="0">
+                          <a:latin typeface="Times New Roman" panose="02020603050405020304" pitchFamily="18" charset="0"/>
+                          <a:cs typeface="Times New Roman" panose="02020603050405020304" pitchFamily="18" charset="0"/>
+                        </a:rPr>
+                        <a:t>= 98.81 tremor severity</a:t>
+                      </a:r>
+                    </a:p>
+                  </a:txBody>
+                  <a:tcPr anchor="b">
+                    <a:lnL w="12700" cap="flat" cmpd="sng" algn="ctr">
+                      <a:solidFill>
+                        <a:schemeClr val="tx1"/>
+                      </a:solidFill>
+                      <a:prstDash val="solid"/>
+                      <a:round/>
+                      <a:headEnd type="none" w="med" len="med"/>
+                      <a:tailEnd type="none" w="med" len="med"/>
+                    </a:lnL>
+                    <a:lnR w="12700" cap="flat" cmpd="sng" algn="ctr">
+                      <a:solidFill>
+                        <a:schemeClr val="tx1"/>
+                      </a:solidFill>
+                      <a:prstDash val="solid"/>
+                      <a:round/>
+                      <a:headEnd type="none" w="med" len="med"/>
+                      <a:tailEnd type="none" w="med" len="med"/>
+                    </a:lnR>
+                    <a:lnT w="12700" cap="flat" cmpd="sng" algn="ctr">
+                      <a:solidFill>
+                        <a:schemeClr val="tx1"/>
+                      </a:solidFill>
+                      <a:prstDash val="solid"/>
+                      <a:round/>
+                      <a:headEnd type="none" w="med" len="med"/>
+                      <a:tailEnd type="none" w="med" len="med"/>
+                    </a:lnT>
+                    <a:lnB w="12700" cap="flat" cmpd="sng" algn="ctr">
+                      <a:solidFill>
+                        <a:schemeClr val="tx1"/>
+                      </a:solidFill>
+                      <a:prstDash val="solid"/>
+                      <a:round/>
+                      <a:headEnd type="none" w="med" len="med"/>
+                      <a:tailEnd type="none" w="med" len="med"/>
+                    </a:lnB>
+                    <a:noFill/>
+                  </a:tcPr>
+                </a:tc>
+                <a:extLst>
+                  <a:ext uri="{0D108BD9-81ED-4DB2-BD59-A6C34878D82A}">
+                    <a16:rowId xmlns:a16="http://schemas.microsoft.com/office/drawing/2014/main" val="2099816766"/>
+                  </a:ext>
+                </a:extLst>
+              </a:tr>
+            </a:tbl>
+          </a:graphicData>
+        </a:graphic>
+      </p:graphicFrame>
       <p:graphicFrame>
         <p:nvGraphicFramePr>
           <p:cNvPr id="5" name="Table 38">
@@ -10717,7 +10048,7 @@
           <p:nvPr/>
         </p:nvPicPr>
         <p:blipFill>
-          <a:blip r:embed="rId32">
+          <a:blip r:embed="rId50">
             <a:extLst>
               <a:ext uri="{28A0092B-C50C-407E-A947-70E740481C1C}">
                 <a14:useLocalDpi xmlns:a14="http://schemas.microsoft.com/office/drawing/2010/main" val="0"/>
@@ -10738,58 +10069,6 @@
           </a:prstGeom>
         </p:spPr>
       </p:pic>
-      <p:sp>
-        <p:nvSpPr>
-          <p:cNvPr id="239" name="Rectangle 238">
-            <a:extLst>
-              <a:ext uri="{FF2B5EF4-FFF2-40B4-BE49-F238E27FC236}">
-                <a16:creationId xmlns:a16="http://schemas.microsoft.com/office/drawing/2014/main" id="{9E7F3FFF-DB42-B8C8-D063-272DE6A70F52}"/>
-              </a:ext>
-            </a:extLst>
-          </p:cNvPr>
-          <p:cNvSpPr/>
-          <p:nvPr/>
-        </p:nvSpPr>
-        <p:spPr>
-          <a:xfrm>
-            <a:off x="15422260" y="10562029"/>
-            <a:ext cx="180000" cy="180000"/>
-          </a:xfrm>
-          <a:prstGeom prst="rect">
-            <a:avLst/>
-          </a:prstGeom>
-          <a:solidFill>
-            <a:schemeClr val="accent2"/>
-          </a:solidFill>
-          <a:ln>
-            <a:noFill/>
-          </a:ln>
-        </p:spPr>
-        <p:style>
-          <a:lnRef idx="2">
-            <a:schemeClr val="accent1">
-              <a:shade val="50000"/>
-            </a:schemeClr>
-          </a:lnRef>
-          <a:fillRef idx="1">
-            <a:schemeClr val="accent1"/>
-          </a:fillRef>
-          <a:effectRef idx="0">
-            <a:schemeClr val="accent1"/>
-          </a:effectRef>
-          <a:fontRef idx="minor">
-            <a:schemeClr val="lt1"/>
-          </a:fontRef>
-        </p:style>
-        <p:txBody>
-          <a:bodyPr rtlCol="0" anchor="ctr"/>
-          <a:lstStyle/>
-          <a:p>
-            <a:pPr algn="ctr"/>
-            <a:endParaRPr lang="en-ZA" sz="2400" dirty="0"/>
-          </a:p>
-        </p:txBody>
-      </p:sp>
       <p:grpSp>
         <p:nvGrpSpPr>
           <p:cNvPr id="30" name="Group 29">
@@ -10825,7 +10104,7 @@
             <p:nvPr/>
           </p:nvPicPr>
           <p:blipFill rotWithShape="1">
-            <a:blip r:embed="rId33">
+            <a:blip r:embed="rId51">
               <a:extLst>
                 <a:ext uri="{28A0092B-C50C-407E-A947-70E740481C1C}">
                   <a14:useLocalDpi xmlns:a14="http://schemas.microsoft.com/office/drawing/2010/main" val="0"/>
@@ -10860,7 +10139,7 @@
             <p:nvPr/>
           </p:nvPicPr>
           <p:blipFill rotWithShape="1">
-            <a:blip r:embed="rId33">
+            <a:blip r:embed="rId51">
               <a:extLst>
                 <a:ext uri="{28A0092B-C50C-407E-A947-70E740481C1C}">
                   <a14:useLocalDpi xmlns:a14="http://schemas.microsoft.com/office/drawing/2010/main" val="0"/>
@@ -10881,422 +10160,902 @@
           </p:spPr>
         </p:pic>
       </p:grpSp>
-      <p:sp>
-        <p:nvSpPr>
-          <p:cNvPr id="89" name="Rectangle 88">
+      <p:grpSp>
+        <p:nvGrpSpPr>
+          <p:cNvPr id="20" name="Group 19">
             <a:extLst>
               <a:ext uri="{FF2B5EF4-FFF2-40B4-BE49-F238E27FC236}">
-                <a16:creationId xmlns:a16="http://schemas.microsoft.com/office/drawing/2014/main" id="{3361D7A5-6B8C-4E7B-8A08-F769E13D0DD0}"/>
+                <a16:creationId xmlns:a16="http://schemas.microsoft.com/office/drawing/2014/main" id="{BFB203FE-BD47-4B11-AC65-4810206208DD}"/>
               </a:ext>
             </a:extLst>
           </p:cNvPr>
-          <p:cNvSpPr/>
+          <p:cNvGrpSpPr/>
           <p:nvPr/>
-        </p:nvSpPr>
-        <p:spPr>
+        </p:nvGrpSpPr>
+        <p:grpSpPr>
           <a:xfrm>
-            <a:off x="26699550" y="359675"/>
-            <a:ext cx="180000" cy="14400000"/>
+            <a:off x="15763344" y="7228410"/>
+            <a:ext cx="10947601" cy="5944110"/>
+            <a:chOff x="15763344" y="7228410"/>
+            <a:chExt cx="10947601" cy="5944110"/>
           </a:xfrm>
-          <a:prstGeom prst="rect">
-            <a:avLst/>
-          </a:prstGeom>
-          <a:solidFill>
-            <a:schemeClr val="accent2"/>
-          </a:solidFill>
-          <a:ln>
+        </p:grpSpPr>
+        <p:grpSp>
+          <p:nvGrpSpPr>
+            <p:cNvPr id="16" name="Group 15">
+              <a:extLst>
+                <a:ext uri="{FF2B5EF4-FFF2-40B4-BE49-F238E27FC236}">
+                  <a16:creationId xmlns:a16="http://schemas.microsoft.com/office/drawing/2014/main" id="{0EC82F1E-564F-4504-A5F3-3372615E95B8}"/>
+                </a:ext>
+              </a:extLst>
+            </p:cNvPr>
+            <p:cNvGrpSpPr/>
+            <p:nvPr/>
+          </p:nvGrpSpPr>
+          <p:grpSpPr>
+            <a:xfrm>
+              <a:off x="15781428" y="7228410"/>
+              <a:ext cx="10929517" cy="5944110"/>
+              <a:chOff x="15781428" y="7228410"/>
+              <a:chExt cx="10929517" cy="5944110"/>
+            </a:xfrm>
+          </p:grpSpPr>
+          <p:grpSp>
+            <p:nvGrpSpPr>
+              <p:cNvPr id="29" name="Group 28">
+                <a:extLst>
+                  <a:ext uri="{FF2B5EF4-FFF2-40B4-BE49-F238E27FC236}">
+                    <a16:creationId xmlns:a16="http://schemas.microsoft.com/office/drawing/2014/main" id="{B99E5E2C-B77F-440E-B018-204B334F270D}"/>
+                  </a:ext>
+                </a:extLst>
+              </p:cNvPr>
+              <p:cNvGrpSpPr/>
+              <p:nvPr/>
+            </p:nvGrpSpPr>
+            <p:grpSpPr>
+              <a:xfrm>
+                <a:off x="15781428" y="7228410"/>
+                <a:ext cx="10929517" cy="5903278"/>
+                <a:chOff x="15781428" y="7228410"/>
+                <a:chExt cx="10929517" cy="5903278"/>
+              </a:xfrm>
+            </p:grpSpPr>
+            <p:grpSp>
+              <p:nvGrpSpPr>
+                <p:cNvPr id="28" name="Group 27">
+                  <a:extLst>
+                    <a:ext uri="{FF2B5EF4-FFF2-40B4-BE49-F238E27FC236}">
+                      <a16:creationId xmlns:a16="http://schemas.microsoft.com/office/drawing/2014/main" id="{35A14B5A-E02C-4995-87F0-F8EB1B9743B1}"/>
+                    </a:ext>
+                  </a:extLst>
+                </p:cNvPr>
+                <p:cNvGrpSpPr/>
+                <p:nvPr/>
+              </p:nvGrpSpPr>
+              <p:grpSpPr>
+                <a:xfrm>
+                  <a:off x="15781428" y="7228410"/>
+                  <a:ext cx="10929517" cy="5903278"/>
+                  <a:chOff x="15781428" y="7228410"/>
+                  <a:chExt cx="10929517" cy="5903278"/>
+                </a:xfrm>
+              </p:grpSpPr>
+              <p:grpSp>
+                <p:nvGrpSpPr>
+                  <p:cNvPr id="194" name="Group 193">
+                    <a:extLst>
+                      <a:ext uri="{FF2B5EF4-FFF2-40B4-BE49-F238E27FC236}">
+                        <a16:creationId xmlns:a16="http://schemas.microsoft.com/office/drawing/2014/main" id="{EC568780-DA93-FDEF-9759-4E2D872A4BCD}"/>
+                      </a:ext>
+                    </a:extLst>
+                  </p:cNvPr>
+                  <p:cNvGrpSpPr/>
+                  <p:nvPr/>
+                </p:nvGrpSpPr>
+                <p:grpSpPr>
+                  <a:xfrm>
+                    <a:off x="15781428" y="7228410"/>
+                    <a:ext cx="10929517" cy="5903278"/>
+                    <a:chOff x="15737352" y="150463"/>
+                    <a:chExt cx="10929517" cy="6711865"/>
+                  </a:xfrm>
+                </p:grpSpPr>
+                <p:sp>
+                  <p:nvSpPr>
+                    <p:cNvPr id="195" name="Rectangle 194">
+                      <a:extLst>
+                        <a:ext uri="{FF2B5EF4-FFF2-40B4-BE49-F238E27FC236}">
+                          <a16:creationId xmlns:a16="http://schemas.microsoft.com/office/drawing/2014/main" id="{A9E8935A-2DDA-2F37-73B3-21B17D58B643}"/>
+                        </a:ext>
+                      </a:extLst>
+                    </p:cNvPr>
+                    <p:cNvSpPr/>
+                    <p:nvPr/>
+                  </p:nvSpPr>
+                  <p:spPr>
+                    <a:xfrm>
+                      <a:off x="15737352" y="150463"/>
+                      <a:ext cx="10911824" cy="6711865"/>
+                    </a:xfrm>
+                    <a:prstGeom prst="rect">
+                      <a:avLst/>
+                    </a:prstGeom>
+                    <a:solidFill>
+                      <a:schemeClr val="bg1"/>
+                    </a:solidFill>
+                    <a:ln>
+                      <a:noFill/>
+                    </a:ln>
+                  </p:spPr>
+                  <p:style>
+                    <a:lnRef idx="2">
+                      <a:schemeClr val="accent1">
+                        <a:shade val="50000"/>
+                      </a:schemeClr>
+                    </a:lnRef>
+                    <a:fillRef idx="1">
+                      <a:schemeClr val="accent1"/>
+                    </a:fillRef>
+                    <a:effectRef idx="0">
+                      <a:schemeClr val="accent1"/>
+                    </a:effectRef>
+                    <a:fontRef idx="minor">
+                      <a:schemeClr val="lt1"/>
+                    </a:fontRef>
+                  </p:style>
+                  <p:txBody>
+                    <a:bodyPr rtlCol="0" anchor="ctr"/>
+                    <a:lstStyle/>
+                    <a:p>
+                      <a:pPr algn="ctr"/>
+                      <a:endParaRPr lang="en-ZA" dirty="0"/>
+                    </a:p>
+                  </p:txBody>
+                </p:sp>
+                <p:sp>
+                  <p:nvSpPr>
+                    <p:cNvPr id="220" name="TextBox 219">
+                      <a:extLst>
+                        <a:ext uri="{FF2B5EF4-FFF2-40B4-BE49-F238E27FC236}">
+                          <a16:creationId xmlns:a16="http://schemas.microsoft.com/office/drawing/2014/main" id="{7C3B8FEC-A7F9-E3DA-B385-4ADA80128E6D}"/>
+                        </a:ext>
+                      </a:extLst>
+                    </p:cNvPr>
+                    <p:cNvSpPr txBox="1"/>
+                    <p:nvPr/>
+                  </p:nvSpPr>
+                  <p:spPr>
+                    <a:xfrm>
+                      <a:off x="15737558" y="153795"/>
+                      <a:ext cx="10929311" cy="1434727"/>
+                    </a:xfrm>
+                    <a:prstGeom prst="rect">
+                      <a:avLst/>
+                    </a:prstGeom>
+                    <a:noFill/>
+                    <a:ln w="57150">
+                      <a:noFill/>
+                    </a:ln>
+                    <a:effectLst/>
+                  </p:spPr>
+                  <p:txBody>
+                    <a:bodyPr wrap="square" rtlCol="0">
+                      <a:spAutoFit/>
+                    </a:bodyPr>
+                    <a:lstStyle/>
+                    <a:p>
+                      <a:pPr algn="ctr"/>
+                      <a:r>
+                        <a:rPr lang="en-ZA" b="1" dirty="0">
+                          <a:solidFill>
+                            <a:srgbClr val="00008B"/>
+                          </a:solidFill>
+                          <a:latin typeface="Times New Roman" panose="02020603050405020304" pitchFamily="18" charset="0"/>
+                          <a:cs typeface="Times New Roman" panose="02020603050405020304" pitchFamily="18" charset="0"/>
+                        </a:rPr>
+                        <a:t>DISCUSSION OF RESULTS</a:t>
+                      </a:r>
+                    </a:p>
+                    <a:p>
+                      <a:pPr algn="just"/>
+                      <a:r>
+                        <a:rPr lang="en-US" sz="1400" b="0" i="0" dirty="0">
+                          <a:effectLst/>
+                          <a:latin typeface="Times New Roman" panose="02020603050405020304" pitchFamily="18" charset="0"/>
+                          <a:cs typeface="Times New Roman" panose="02020603050405020304" pitchFamily="18" charset="0"/>
+                        </a:rPr>
+                        <a:t>The tremor severity ratings </a:t>
+                      </a:r>
+                      <a:r>
+                        <a:rPr lang="en-ZA" sz="1400" b="0" i="0" dirty="0">
+                          <a:effectLst/>
+                          <a:latin typeface="Times New Roman" panose="02020603050405020304" pitchFamily="18" charset="0"/>
+                          <a:cs typeface="Times New Roman" panose="02020603050405020304" pitchFamily="18" charset="0"/>
+                        </a:rPr>
+                        <a:t>were</a:t>
+                      </a:r>
+                      <a:r>
+                        <a:rPr lang="en-US" sz="1400" b="0" i="0" dirty="0">
+                          <a:effectLst/>
+                          <a:latin typeface="Times New Roman" panose="02020603050405020304" pitchFamily="18" charset="0"/>
+                          <a:cs typeface="Times New Roman" panose="02020603050405020304" pitchFamily="18" charset="0"/>
+                        </a:rPr>
+                        <a:t> determined for each patient’s treated and untreated hands for each given treatment period. Method 1 uses the </a:t>
+                      </a:r>
+                      <a:r>
+                        <a:rPr lang="en-ZA" sz="1400" b="0" i="0" dirty="0">
+                          <a:effectLst/>
+                          <a:latin typeface="Times New Roman" panose="02020603050405020304" pitchFamily="18" charset="0"/>
+                          <a:cs typeface="Times New Roman" panose="02020603050405020304" pitchFamily="18" charset="0"/>
+                        </a:rPr>
+                        <a:t>normalised</a:t>
+                      </a:r>
+                      <a:r>
+                        <a:rPr lang="en-US" sz="1400" b="0" i="0" dirty="0">
+                          <a:effectLst/>
+                          <a:latin typeface="Times New Roman" panose="02020603050405020304" pitchFamily="18" charset="0"/>
+                          <a:cs typeface="Times New Roman" panose="02020603050405020304" pitchFamily="18" charset="0"/>
+                        </a:rPr>
+                        <a:t> standard deviations of the relative orientation distributions. </a:t>
+                      </a:r>
+                      <a:r>
+                        <a:rPr lang="en-US" sz="1400" dirty="0">
+                          <a:latin typeface="Times New Roman" panose="02020603050405020304" pitchFamily="18" charset="0"/>
+                          <a:cs typeface="Times New Roman" panose="02020603050405020304" pitchFamily="18" charset="0"/>
+                        </a:rPr>
+                        <a:t>Method 2 uses the p</a:t>
+                      </a:r>
+                      <a:r>
+                        <a:rPr lang="en-US" sz="1400" b="0" i="0" dirty="0">
+                          <a:effectLst/>
+                          <a:latin typeface="Times New Roman" panose="02020603050405020304" pitchFamily="18" charset="0"/>
+                          <a:cs typeface="Times New Roman" panose="02020603050405020304" pitchFamily="18" charset="0"/>
+                        </a:rPr>
+                        <a:t>roduct of the number of peaks and average peak-to-trough adjacent distance.</a:t>
+                      </a:r>
+                    </a:p>
+                    <a:p>
+                      <a:pPr algn="ctr"/>
+                      <a:endParaRPr lang="en-ZA" sz="1600" b="1" dirty="0">
+                        <a:solidFill>
+                          <a:srgbClr val="00008B"/>
+                        </a:solidFill>
+                        <a:latin typeface="Times New Roman" panose="02020603050405020304" pitchFamily="18" charset="0"/>
+                        <a:cs typeface="Times New Roman" panose="02020603050405020304" pitchFamily="18" charset="0"/>
+                      </a:endParaRPr>
+                    </a:p>
+                  </p:txBody>
+                </p:sp>
+                <p:sp>
+                  <p:nvSpPr>
+                    <p:cNvPr id="221" name="TextBox 220">
+                      <a:extLst>
+                        <a:ext uri="{FF2B5EF4-FFF2-40B4-BE49-F238E27FC236}">
+                          <a16:creationId xmlns:a16="http://schemas.microsoft.com/office/drawing/2014/main" id="{0ADF8166-E52D-AA6A-C855-CB23CA6EBAF7}"/>
+                        </a:ext>
+                      </a:extLst>
+                    </p:cNvPr>
+                    <p:cNvSpPr txBox="1"/>
+                    <p:nvPr/>
+                  </p:nvSpPr>
+                  <p:spPr>
+                    <a:xfrm>
+                      <a:off x="23657386" y="4111242"/>
+                      <a:ext cx="2746053" cy="349934"/>
+                    </a:xfrm>
+                    <a:prstGeom prst="rect">
+                      <a:avLst/>
+                    </a:prstGeom>
+                    <a:noFill/>
+                    <a:ln w="57150">
+                      <a:noFill/>
+                    </a:ln>
+                    <a:effectLst/>
+                  </p:spPr>
+                  <p:txBody>
+                    <a:bodyPr wrap="square" rtlCol="0">
+                      <a:spAutoFit/>
+                    </a:bodyPr>
+                    <a:lstStyle/>
+                    <a:p>
+                      <a:pPr marL="285750" indent="-285750" algn="just">
+                        <a:buFont typeface="Arial" panose="020B0604020202020204" pitchFamily="34" charset="0"/>
+                        <a:buChar char="•"/>
+                      </a:pPr>
+                      <a:endParaRPr lang="en-ZA" sz="1400" b="1" dirty="0">
+                        <a:latin typeface="Times New Roman" panose="02020603050405020304" pitchFamily="18" charset="0"/>
+                        <a:cs typeface="Times New Roman" panose="02020603050405020304" pitchFamily="18" charset="0"/>
+                      </a:endParaRPr>
+                    </a:p>
+                  </p:txBody>
+                </p:sp>
+              </p:grpSp>
+              <p:grpSp>
+                <p:nvGrpSpPr>
+                  <p:cNvPr id="27" name="Group 26">
+                    <a:extLst>
+                      <a:ext uri="{FF2B5EF4-FFF2-40B4-BE49-F238E27FC236}">
+                        <a16:creationId xmlns:a16="http://schemas.microsoft.com/office/drawing/2014/main" id="{D175B29D-BA21-4909-802B-C9C8CF16A1D3}"/>
+                      </a:ext>
+                    </a:extLst>
+                  </p:cNvPr>
+                  <p:cNvGrpSpPr/>
+                  <p:nvPr/>
+                </p:nvGrpSpPr>
+                <p:grpSpPr>
+                  <a:xfrm>
+                    <a:off x="15781428" y="8494305"/>
+                    <a:ext cx="7914837" cy="4637383"/>
+                    <a:chOff x="15781428" y="8494305"/>
+                    <a:chExt cx="7914837" cy="4637383"/>
+                  </a:xfrm>
+                </p:grpSpPr>
+                <p:pic>
+                  <p:nvPicPr>
+                    <p:cNvPr id="103" name="Picture 102">
+                      <a:extLst>
+                        <a:ext uri="{FF2B5EF4-FFF2-40B4-BE49-F238E27FC236}">
+                          <a16:creationId xmlns:a16="http://schemas.microsoft.com/office/drawing/2014/main" id="{32D0126C-9D1F-4908-BAF2-17CFE5188B3D}"/>
+                        </a:ext>
+                      </a:extLst>
+                    </p:cNvPr>
+                    <p:cNvPicPr>
+                      <a:picLocks noChangeAspect="1"/>
+                    </p:cNvPicPr>
+                    <p:nvPr/>
+                  </p:nvPicPr>
+                  <p:blipFill rotWithShape="1">
+                    <a:blip r:embed="rId52">
+                      <a:extLst>
+                        <a:ext uri="{28A0092B-C50C-407E-A947-70E740481C1C}">
+                          <a14:useLocalDpi xmlns:a14="http://schemas.microsoft.com/office/drawing/2010/main" val="0"/>
+                        </a:ext>
+                      </a:extLst>
+                    </a:blip>
+                    <a:srcRect l="-572" t="12147" r="-284"/>
+                    <a:stretch/>
+                  </p:blipFill>
+                  <p:spPr>
+                    <a:xfrm>
+                      <a:off x="19811629" y="8929230"/>
+                      <a:ext cx="3780000" cy="1928361"/>
+                    </a:xfrm>
+                    <a:prstGeom prst="rect">
+                      <a:avLst/>
+                    </a:prstGeom>
+                    <a:ln w="12700">
+                      <a:noFill/>
+                    </a:ln>
+                    <a:effectLst>
+                      <a:outerShdw sx="1000" sy="1000" algn="ctr" rotWithShape="0">
+                        <a:srgbClr val="000000"/>
+                      </a:outerShdw>
+                    </a:effectLst>
+                  </p:spPr>
+                </p:pic>
+                <p:sp>
+                  <p:nvSpPr>
+                    <p:cNvPr id="222" name="TextBox 221">
+                      <a:extLst>
+                        <a:ext uri="{FF2B5EF4-FFF2-40B4-BE49-F238E27FC236}">
+                          <a16:creationId xmlns:a16="http://schemas.microsoft.com/office/drawing/2014/main" id="{F53A570C-EB70-9087-007F-00643914A914}"/>
+                        </a:ext>
+                      </a:extLst>
+                    </p:cNvPr>
+                    <p:cNvSpPr txBox="1"/>
+                    <p:nvPr/>
+                  </p:nvSpPr>
+                  <p:spPr>
+                    <a:xfrm>
+                      <a:off x="20148525" y="8760118"/>
+                      <a:ext cx="3281798" cy="276999"/>
+                    </a:xfrm>
+                    <a:prstGeom prst="rect">
+                      <a:avLst/>
+                    </a:prstGeom>
+                    <a:noFill/>
+                    <a:ln w="57150">
+                      <a:noFill/>
+                    </a:ln>
+                    <a:effectLst/>
+                  </p:spPr>
+                  <p:txBody>
+                    <a:bodyPr wrap="square" rtlCol="0">
+                      <a:spAutoFit/>
+                    </a:bodyPr>
+                    <a:lstStyle/>
+                    <a:p>
+                      <a:pPr algn="ctr"/>
+                      <a:r>
+                        <a:rPr lang="en-ZA" sz="1200" b="1" dirty="0">
+                          <a:solidFill>
+                            <a:srgbClr val="00008B"/>
+                          </a:solidFill>
+                          <a:latin typeface="Times New Roman" panose="02020603050405020304" pitchFamily="18" charset="0"/>
+                          <a:cs typeface="Times New Roman" panose="02020603050405020304" pitchFamily="18" charset="0"/>
+                        </a:rPr>
+                        <a:t>METHOD 2</a:t>
+                      </a:r>
+                      <a:endParaRPr lang="en-ZA" sz="1100" b="1" dirty="0">
+                        <a:solidFill>
+                          <a:srgbClr val="00008B"/>
+                        </a:solidFill>
+                        <a:latin typeface="Times New Roman" panose="02020603050405020304" pitchFamily="18" charset="0"/>
+                        <a:cs typeface="Times New Roman" panose="02020603050405020304" pitchFamily="18" charset="0"/>
+                      </a:endParaRPr>
+                    </a:p>
+                  </p:txBody>
+                </p:sp>
+                <p:pic>
+                  <p:nvPicPr>
+                    <p:cNvPr id="17" name="Picture 16" descr="Chart, line chart&#10;&#10;Description automatically generated">
+                      <a:extLst>
+                        <a:ext uri="{FF2B5EF4-FFF2-40B4-BE49-F238E27FC236}">
+                          <a16:creationId xmlns:a16="http://schemas.microsoft.com/office/drawing/2014/main" id="{8627880A-7D62-DDAE-B400-CD4338BF0CB5}"/>
+                        </a:ext>
+                      </a:extLst>
+                    </p:cNvPr>
+                    <p:cNvPicPr>
+                      <a:picLocks noChangeAspect="1"/>
+                    </p:cNvPicPr>
+                    <p:nvPr/>
+                  </p:nvPicPr>
+                  <p:blipFill rotWithShape="1">
+                    <a:blip r:embed="rId53">
+                      <a:extLst>
+                        <a:ext uri="{28A0092B-C50C-407E-A947-70E740481C1C}">
+                          <a14:useLocalDpi xmlns:a14="http://schemas.microsoft.com/office/drawing/2010/main" val="0"/>
+                        </a:ext>
+                      </a:extLst>
+                    </a:blip>
+                    <a:srcRect t="9350"/>
+                    <a:stretch/>
+                  </p:blipFill>
+                  <p:spPr>
+                    <a:xfrm>
+                      <a:off x="15827149" y="11189626"/>
+                      <a:ext cx="3780000" cy="1942062"/>
+                    </a:xfrm>
+                    <a:prstGeom prst="rect">
+                      <a:avLst/>
+                    </a:prstGeom>
+                    <a:effectLst>
+                      <a:outerShdw sx="1000" sy="1000" algn="ctr" rotWithShape="0">
+                        <a:srgbClr val="000000"/>
+                      </a:outerShdw>
+                    </a:effectLst>
+                  </p:spPr>
+                </p:pic>
+                <p:pic>
+                  <p:nvPicPr>
+                    <p:cNvPr id="18" name="Picture 17" descr="Chart, bar chart, histogram&#10;&#10;Description automatically generated">
+                      <a:extLst>
+                        <a:ext uri="{FF2B5EF4-FFF2-40B4-BE49-F238E27FC236}">
+                          <a16:creationId xmlns:a16="http://schemas.microsoft.com/office/drawing/2014/main" id="{C6EAA57D-306F-2B83-873B-379B129A34D1}"/>
+                        </a:ext>
+                      </a:extLst>
+                    </p:cNvPr>
+                    <p:cNvPicPr>
+                      <a:picLocks noChangeAspect="1"/>
+                    </p:cNvPicPr>
+                    <p:nvPr/>
+                  </p:nvPicPr>
+                  <p:blipFill rotWithShape="1">
+                    <a:blip r:embed="rId54">
+                      <a:extLst>
+                        <a:ext uri="{28A0092B-C50C-407E-A947-70E740481C1C}">
+                          <a14:useLocalDpi xmlns:a14="http://schemas.microsoft.com/office/drawing/2010/main" val="0"/>
+                        </a:ext>
+                      </a:extLst>
+                    </a:blip>
+                    <a:srcRect t="14447"/>
+                    <a:stretch/>
+                  </p:blipFill>
+                  <p:spPr>
+                    <a:xfrm>
+                      <a:off x="15827149" y="8959671"/>
+                      <a:ext cx="3780000" cy="1833886"/>
+                    </a:xfrm>
+                    <a:prstGeom prst="rect">
+                      <a:avLst/>
+                    </a:prstGeom>
+                    <a:ln w="38100">
+                      <a:noFill/>
+                    </a:ln>
+                    <a:effectLst>
+                      <a:outerShdw sx="1000" sy="1000" algn="ctr" rotWithShape="0">
+                        <a:srgbClr val="000000"/>
+                      </a:outerShdw>
+                    </a:effectLst>
+                  </p:spPr>
+                </p:pic>
+                <p:sp>
+                  <p:nvSpPr>
+                    <p:cNvPr id="19" name="TextBox 18">
+                      <a:extLst>
+                        <a:ext uri="{FF2B5EF4-FFF2-40B4-BE49-F238E27FC236}">
+                          <a16:creationId xmlns:a16="http://schemas.microsoft.com/office/drawing/2014/main" id="{1C20407C-7893-2D87-1DA3-E81908FD3DEF}"/>
+                        </a:ext>
+                      </a:extLst>
+                    </p:cNvPr>
+                    <p:cNvSpPr txBox="1"/>
+                    <p:nvPr/>
+                  </p:nvSpPr>
+                  <p:spPr>
+                    <a:xfrm>
+                      <a:off x="15781428" y="8494305"/>
+                      <a:ext cx="7914837" cy="307777"/>
+                    </a:xfrm>
+                    <a:prstGeom prst="rect">
+                      <a:avLst/>
+                    </a:prstGeom>
+                    <a:noFill/>
+                    <a:ln w="57150">
+                      <a:noFill/>
+                    </a:ln>
+                    <a:effectLst/>
+                  </p:spPr>
+                  <p:txBody>
+                    <a:bodyPr wrap="square" rtlCol="0">
+                      <a:spAutoFit/>
+                    </a:bodyPr>
+                    <a:lstStyle/>
+                    <a:p>
+                      <a:r>
+                        <a:rPr lang="en-ZA" sz="1400" b="1" dirty="0">
+                          <a:solidFill>
+                            <a:srgbClr val="00008B"/>
+                          </a:solidFill>
+                          <a:latin typeface="Times New Roman" panose="02020603050405020304" pitchFamily="18" charset="0"/>
+                          <a:cs typeface="Times New Roman" panose="02020603050405020304" pitchFamily="18" charset="0"/>
+                        </a:rPr>
+                        <a:t>Percentage of Patients with Tremor Before Treatment that Improved After Various Treatment Times.</a:t>
+                      </a:r>
+                      <a:endParaRPr lang="en-ZA" sz="1200" b="1" dirty="0">
+                        <a:solidFill>
+                          <a:srgbClr val="00008B"/>
+                        </a:solidFill>
+                        <a:latin typeface="Times New Roman" panose="02020603050405020304" pitchFamily="18" charset="0"/>
+                        <a:cs typeface="Times New Roman" panose="02020603050405020304" pitchFamily="18" charset="0"/>
+                      </a:endParaRPr>
+                    </a:p>
+                  </p:txBody>
+                </p:sp>
+                <p:pic>
+                  <p:nvPicPr>
+                    <p:cNvPr id="106" name="Picture 105">
+                      <a:extLst>
+                        <a:ext uri="{FF2B5EF4-FFF2-40B4-BE49-F238E27FC236}">
+                          <a16:creationId xmlns:a16="http://schemas.microsoft.com/office/drawing/2014/main" id="{EE7F6FFD-750E-4C36-8DEF-2BDBEF9D00AB}"/>
+                        </a:ext>
+                      </a:extLst>
+                    </p:cNvPr>
+                    <p:cNvPicPr>
+                      <a:picLocks noChangeAspect="1"/>
+                    </p:cNvPicPr>
+                    <p:nvPr/>
+                  </p:nvPicPr>
+                  <p:blipFill rotWithShape="1">
+                    <a:blip r:embed="rId55">
+                      <a:extLst>
+                        <a:ext uri="{28A0092B-C50C-407E-A947-70E740481C1C}">
+                          <a14:useLocalDpi xmlns:a14="http://schemas.microsoft.com/office/drawing/2010/main" val="0"/>
+                        </a:ext>
+                      </a:extLst>
+                    </a:blip>
+                    <a:srcRect t="8695"/>
+                    <a:stretch/>
+                  </p:blipFill>
+                  <p:spPr>
+                    <a:xfrm>
+                      <a:off x="19741446" y="11111579"/>
+                      <a:ext cx="3780000" cy="2015189"/>
+                    </a:xfrm>
+                    <a:prstGeom prst="rect">
+                      <a:avLst/>
+                    </a:prstGeom>
+                    <a:effectLst>
+                      <a:outerShdw sx="1000" sy="1000" algn="ctr" rotWithShape="0">
+                        <a:srgbClr val="000000"/>
+                      </a:outerShdw>
+                    </a:effectLst>
+                  </p:spPr>
+                </p:pic>
+              </p:grpSp>
+            </p:grpSp>
+            <p:sp>
+              <p:nvSpPr>
+                <p:cNvPr id="109" name="TextBox 108">
+                  <a:extLst>
+                    <a:ext uri="{FF2B5EF4-FFF2-40B4-BE49-F238E27FC236}">
+                      <a16:creationId xmlns:a16="http://schemas.microsoft.com/office/drawing/2014/main" id="{55E7D11D-E352-414E-9788-D70837A3253D}"/>
+                    </a:ext>
+                  </a:extLst>
+                </p:cNvPr>
+                <p:cNvSpPr txBox="1"/>
+                <p:nvPr/>
+              </p:nvSpPr>
+              <p:spPr>
+                <a:xfrm>
+                  <a:off x="15791234" y="8727460"/>
+                  <a:ext cx="3873570" cy="276999"/>
+                </a:xfrm>
+                <a:prstGeom prst="rect">
+                  <a:avLst/>
+                </a:prstGeom>
+                <a:noFill/>
+                <a:ln w="57150">
+                  <a:noFill/>
+                </a:ln>
+                <a:effectLst/>
+              </p:spPr>
+              <p:txBody>
+                <a:bodyPr wrap="square" rtlCol="0">
+                  <a:spAutoFit/>
+                </a:bodyPr>
+                <a:lstStyle/>
+                <a:p>
+                  <a:pPr algn="ctr"/>
+                  <a:r>
+                    <a:rPr lang="en-ZA" sz="1200" b="1" dirty="0">
+                      <a:solidFill>
+                        <a:srgbClr val="00008B"/>
+                      </a:solidFill>
+                      <a:latin typeface="Times New Roman" panose="02020603050405020304" pitchFamily="18" charset="0"/>
+                      <a:cs typeface="Times New Roman" panose="02020603050405020304" pitchFamily="18" charset="0"/>
+                    </a:rPr>
+                    <a:t>METHOD 1</a:t>
+                  </a:r>
+                  <a:endParaRPr lang="en-ZA" sz="1100" b="1" dirty="0">
+                    <a:solidFill>
+                      <a:srgbClr val="00008B"/>
+                    </a:solidFill>
+                    <a:latin typeface="Times New Roman" panose="02020603050405020304" pitchFamily="18" charset="0"/>
+                    <a:cs typeface="Times New Roman" panose="02020603050405020304" pitchFamily="18" charset="0"/>
+                  </a:endParaRPr>
+                </a:p>
+              </p:txBody>
+            </p:sp>
+          </p:grpSp>
+          <p:sp>
+            <p:nvSpPr>
+              <p:cNvPr id="108" name="TextBox 107">
+                <a:extLst>
+                  <a:ext uri="{FF2B5EF4-FFF2-40B4-BE49-F238E27FC236}">
+                    <a16:creationId xmlns:a16="http://schemas.microsoft.com/office/drawing/2014/main" id="{841ABBAF-B605-4364-8906-FA5B175081F7}"/>
+                  </a:ext>
+                </a:extLst>
+              </p:cNvPr>
+              <p:cNvSpPr txBox="1"/>
+              <p:nvPr/>
+            </p:nvSpPr>
+            <p:spPr>
+              <a:xfrm>
+                <a:off x="23702562" y="8186540"/>
+                <a:ext cx="2992975" cy="4985980"/>
+              </a:xfrm>
+              <a:prstGeom prst="rect">
+                <a:avLst/>
+              </a:prstGeom>
+              <a:noFill/>
+              <a:ln w="57150">
+                <a:noFill/>
+              </a:ln>
+              <a:effectLst/>
+            </p:spPr>
+            <p:txBody>
+              <a:bodyPr wrap="square" rtlCol="0">
+                <a:spAutoFit/>
+              </a:bodyPr>
+              <a:lstStyle/>
+              <a:p>
+                <a:pPr algn="just">
+                  <a:spcBef>
+                    <a:spcPts val="600"/>
+                  </a:spcBef>
+                </a:pPr>
+                <a:r>
+                  <a:rPr lang="en-US" sz="1400" b="0" i="0" dirty="0">
+                    <a:effectLst/>
+                    <a:latin typeface="Times New Roman" panose="02020603050405020304" pitchFamily="18" charset="0"/>
+                    <a:cs typeface="Times New Roman" panose="02020603050405020304" pitchFamily="18" charset="0"/>
+                  </a:rPr>
+                  <a:t>The percentage of patients whose tremor improved was determined for each time period, as well as the average severity for each treatment period. It is important to note that the number of patients that went for treatment greatly decreases as time progresses which affects the reliability of the later years’ results. </a:t>
+                </a:r>
+              </a:p>
+              <a:p>
+                <a:pPr algn="just">
+                  <a:spcBef>
+                    <a:spcPts val="600"/>
+                  </a:spcBef>
+                </a:pPr>
+                <a:endParaRPr lang="en-US" sz="1400" b="0" i="0" dirty="0">
+                  <a:effectLst/>
+                  <a:latin typeface="Times New Roman" panose="02020603050405020304" pitchFamily="18" charset="0"/>
+                  <a:cs typeface="Times New Roman" panose="02020603050405020304" pitchFamily="18" charset="0"/>
+                </a:endParaRPr>
+              </a:p>
+              <a:p>
+                <a:pPr algn="just">
+                  <a:spcBef>
+                    <a:spcPts val="600"/>
+                  </a:spcBef>
+                  <a:spcAft>
+                    <a:spcPts val="600"/>
+                  </a:spcAft>
+                </a:pPr>
+                <a:r>
+                  <a:rPr lang="en-US" sz="1400" b="0" i="0" dirty="0">
+                    <a:effectLst/>
+                    <a:latin typeface="Times New Roman" panose="02020603050405020304" pitchFamily="18" charset="0"/>
+                    <a:cs typeface="Times New Roman" panose="02020603050405020304" pitchFamily="18" charset="0"/>
+                  </a:rPr>
+                  <a:t>Overall, method 1 indicates that FUS treatment is successful, with an average of 71% of the treated hands seeing an immediate improvement in tremor severity after treatment and an immediate decrease in the average tremor severity of the treated hand spirals after treatment begins is evident in the Average Tremor Severities graph. Method 2 has similar results with 76% of treated hands seeing improvement after treatment. </a:t>
+                </a:r>
+              </a:p>
+            </p:txBody>
+          </p:sp>
+        </p:grpSp>
+        <p:sp>
+          <p:nvSpPr>
+            <p:cNvPr id="112" name="TextBox 111">
+              <a:extLst>
+                <a:ext uri="{FF2B5EF4-FFF2-40B4-BE49-F238E27FC236}">
+                  <a16:creationId xmlns:a16="http://schemas.microsoft.com/office/drawing/2014/main" id="{3FB9B84E-5398-40CB-9917-4B3A3BC6270D}"/>
+                </a:ext>
+              </a:extLst>
+            </p:cNvPr>
+            <p:cNvSpPr txBox="1"/>
+            <p:nvPr/>
+          </p:nvSpPr>
+          <p:spPr>
+            <a:xfrm>
+              <a:off x="20041190" y="10889623"/>
+              <a:ext cx="3476748" cy="276999"/>
+            </a:xfrm>
+            <a:prstGeom prst="rect">
+              <a:avLst/>
+            </a:prstGeom>
             <a:noFill/>
-          </a:ln>
-        </p:spPr>
-        <p:style>
-          <a:lnRef idx="2">
-            <a:schemeClr val="accent1">
-              <a:shade val="50000"/>
-            </a:schemeClr>
-          </a:lnRef>
-          <a:fillRef idx="1">
-            <a:schemeClr val="accent1"/>
-          </a:fillRef>
-          <a:effectRef idx="0">
-            <a:schemeClr val="accent1"/>
-          </a:effectRef>
-          <a:fontRef idx="minor">
-            <a:schemeClr val="lt1"/>
-          </a:fontRef>
-        </p:style>
-        <p:txBody>
-          <a:bodyPr rtlCol="0" anchor="ctr"/>
-          <a:lstStyle/>
-          <a:p>
-            <a:pPr algn="ctr"/>
-            <a:endParaRPr lang="en-ZA" sz="2400" dirty="0"/>
-          </a:p>
-        </p:txBody>
-      </p:sp>
-      <p:sp>
-        <p:nvSpPr>
-          <p:cNvPr id="91" name="Rectangle 90">
-            <a:extLst>
-              <a:ext uri="{FF2B5EF4-FFF2-40B4-BE49-F238E27FC236}">
-                <a16:creationId xmlns:a16="http://schemas.microsoft.com/office/drawing/2014/main" id="{5B88BEB4-223E-43A6-8F43-83EB77094285}"/>
-              </a:ext>
-            </a:extLst>
-          </p:cNvPr>
-          <p:cNvSpPr/>
-          <p:nvPr/>
-        </p:nvSpPr>
-        <p:spPr>
-          <a:xfrm>
-            <a:off x="839775" y="14939350"/>
-            <a:ext cx="25200000" cy="180000"/>
-          </a:xfrm>
-          <a:prstGeom prst="rect">
-            <a:avLst/>
-          </a:prstGeom>
-          <a:solidFill>
-            <a:schemeClr val="accent2"/>
-          </a:solidFill>
-          <a:ln>
+            <a:ln w="57150">
+              <a:noFill/>
+            </a:ln>
+            <a:effectLst/>
+          </p:spPr>
+          <p:txBody>
+            <a:bodyPr wrap="square" rtlCol="0">
+              <a:spAutoFit/>
+            </a:bodyPr>
+            <a:lstStyle/>
+            <a:p>
+              <a:pPr algn="ctr"/>
+              <a:r>
+                <a:rPr lang="en-ZA" sz="1200" b="1" dirty="0">
+                  <a:solidFill>
+                    <a:srgbClr val="00008B"/>
+                  </a:solidFill>
+                  <a:latin typeface="Times New Roman" panose="02020603050405020304" pitchFamily="18" charset="0"/>
+                  <a:cs typeface="Times New Roman" panose="02020603050405020304" pitchFamily="18" charset="0"/>
+                </a:rPr>
+                <a:t>METHOD 2</a:t>
+              </a:r>
+              <a:endParaRPr lang="en-ZA" sz="1100" b="1" dirty="0">
+                <a:solidFill>
+                  <a:srgbClr val="00008B"/>
+                </a:solidFill>
+                <a:latin typeface="Times New Roman" panose="02020603050405020304" pitchFamily="18" charset="0"/>
+                <a:cs typeface="Times New Roman" panose="02020603050405020304" pitchFamily="18" charset="0"/>
+              </a:endParaRPr>
+            </a:p>
+          </p:txBody>
+        </p:sp>
+        <p:sp>
+          <p:nvSpPr>
+            <p:cNvPr id="113" name="TextBox 112">
+              <a:extLst>
+                <a:ext uri="{FF2B5EF4-FFF2-40B4-BE49-F238E27FC236}">
+                  <a16:creationId xmlns:a16="http://schemas.microsoft.com/office/drawing/2014/main" id="{C93CDBB9-3092-4198-BBA2-AC9340567861}"/>
+                </a:ext>
+              </a:extLst>
+            </p:cNvPr>
+            <p:cNvSpPr txBox="1"/>
+            <p:nvPr/>
+          </p:nvSpPr>
+          <p:spPr>
+            <a:xfrm>
+              <a:off x="15781427" y="10712028"/>
+              <a:ext cx="7648895" cy="313883"/>
+            </a:xfrm>
+            <a:prstGeom prst="rect">
+              <a:avLst/>
+            </a:prstGeom>
             <a:noFill/>
-          </a:ln>
-        </p:spPr>
-        <p:style>
-          <a:lnRef idx="2">
-            <a:schemeClr val="accent1">
-              <a:shade val="50000"/>
-            </a:schemeClr>
-          </a:lnRef>
-          <a:fillRef idx="1">
-            <a:schemeClr val="accent1"/>
-          </a:fillRef>
-          <a:effectRef idx="0">
-            <a:schemeClr val="accent1"/>
-          </a:effectRef>
-          <a:fontRef idx="minor">
-            <a:schemeClr val="lt1"/>
-          </a:fontRef>
-        </p:style>
-        <p:txBody>
-          <a:bodyPr rtlCol="0" anchor="ctr"/>
-          <a:lstStyle/>
-          <a:p>
-            <a:pPr algn="ctr"/>
-            <a:endParaRPr lang="en-ZA" sz="2400" dirty="0"/>
-          </a:p>
-        </p:txBody>
-      </p:sp>
-      <p:sp>
-        <p:nvSpPr>
-          <p:cNvPr id="92" name="Rectangle 91">
-            <a:extLst>
-              <a:ext uri="{FF2B5EF4-FFF2-40B4-BE49-F238E27FC236}">
-                <a16:creationId xmlns:a16="http://schemas.microsoft.com/office/drawing/2014/main" id="{1DB80A74-95D3-4A50-AE79-BF4419ED8EE3}"/>
-              </a:ext>
-            </a:extLst>
-          </p:cNvPr>
-          <p:cNvSpPr/>
-          <p:nvPr/>
-        </p:nvSpPr>
-        <p:spPr>
-          <a:xfrm>
-            <a:off x="3230918" y="9210414"/>
-            <a:ext cx="7200000" cy="180000"/>
-          </a:xfrm>
-          <a:prstGeom prst="rect">
-            <a:avLst/>
-          </a:prstGeom>
-          <a:solidFill>
-            <a:schemeClr val="accent2"/>
-          </a:solidFill>
-          <a:ln>
+            <a:ln w="57150">
+              <a:noFill/>
+            </a:ln>
+            <a:effectLst/>
+          </p:spPr>
+          <p:txBody>
+            <a:bodyPr wrap="square" rtlCol="0">
+              <a:spAutoFit/>
+            </a:bodyPr>
+            <a:lstStyle/>
+            <a:p>
+              <a:pPr algn="ctr"/>
+              <a:r>
+                <a:rPr lang="en-ZA" sz="1400" b="1" dirty="0">
+                  <a:solidFill>
+                    <a:srgbClr val="00008B"/>
+                  </a:solidFill>
+                  <a:latin typeface="Times New Roman" panose="02020603050405020304" pitchFamily="18" charset="0"/>
+                  <a:cs typeface="Times New Roman" panose="02020603050405020304" pitchFamily="18" charset="0"/>
+                </a:rPr>
+                <a:t>Average Tremor Severities for Each Hand</a:t>
+              </a:r>
+              <a:endParaRPr lang="en-ZA" sz="1200" b="1" dirty="0">
+                <a:solidFill>
+                  <a:srgbClr val="00008B"/>
+                </a:solidFill>
+                <a:latin typeface="Times New Roman" panose="02020603050405020304" pitchFamily="18" charset="0"/>
+                <a:cs typeface="Times New Roman" panose="02020603050405020304" pitchFamily="18" charset="0"/>
+              </a:endParaRPr>
+            </a:p>
+          </p:txBody>
+        </p:sp>
+        <p:sp>
+          <p:nvSpPr>
+            <p:cNvPr id="114" name="TextBox 113">
+              <a:extLst>
+                <a:ext uri="{FF2B5EF4-FFF2-40B4-BE49-F238E27FC236}">
+                  <a16:creationId xmlns:a16="http://schemas.microsoft.com/office/drawing/2014/main" id="{7F9384B4-CA68-4D4A-BFAE-B68C4CDAA0E2}"/>
+                </a:ext>
+              </a:extLst>
+            </p:cNvPr>
+            <p:cNvSpPr txBox="1"/>
+            <p:nvPr/>
+          </p:nvSpPr>
+          <p:spPr>
+            <a:xfrm>
+              <a:off x="15763344" y="10952696"/>
+              <a:ext cx="4021713" cy="276621"/>
+            </a:xfrm>
+            <a:prstGeom prst="rect">
+              <a:avLst/>
+            </a:prstGeom>
             <a:noFill/>
-          </a:ln>
-        </p:spPr>
-        <p:style>
-          <a:lnRef idx="2">
-            <a:schemeClr val="accent1">
-              <a:shade val="50000"/>
-            </a:schemeClr>
-          </a:lnRef>
-          <a:fillRef idx="1">
-            <a:schemeClr val="accent1"/>
-          </a:fillRef>
-          <a:effectRef idx="0">
-            <a:schemeClr val="accent1"/>
-          </a:effectRef>
-          <a:fontRef idx="minor">
-            <a:schemeClr val="lt1"/>
-          </a:fontRef>
-        </p:style>
-        <p:txBody>
-          <a:bodyPr rtlCol="0" anchor="ctr"/>
-          <a:lstStyle/>
-          <a:p>
-            <a:pPr algn="ctr"/>
-            <a:endParaRPr lang="en-ZA" sz="2400" dirty="0"/>
-          </a:p>
-        </p:txBody>
-      </p:sp>
-      <p:sp>
-        <p:nvSpPr>
-          <p:cNvPr id="93" name="Rectangle 92">
-            <a:extLst>
-              <a:ext uri="{FF2B5EF4-FFF2-40B4-BE49-F238E27FC236}">
-                <a16:creationId xmlns:a16="http://schemas.microsoft.com/office/drawing/2014/main" id="{CF0DA6BB-103B-4C3E-887E-137631B737F4}"/>
-              </a:ext>
-            </a:extLst>
-          </p:cNvPr>
-          <p:cNvSpPr/>
-          <p:nvPr/>
-        </p:nvSpPr>
-        <p:spPr>
-          <a:xfrm>
-            <a:off x="17593761" y="7043939"/>
-            <a:ext cx="7200000" cy="180000"/>
-          </a:xfrm>
-          <a:prstGeom prst="rect">
-            <a:avLst/>
-          </a:prstGeom>
-          <a:solidFill>
-            <a:schemeClr val="accent2"/>
-          </a:solidFill>
-          <a:ln>
-            <a:noFill/>
-          </a:ln>
-        </p:spPr>
-        <p:style>
-          <a:lnRef idx="2">
-            <a:schemeClr val="accent1">
-              <a:shade val="50000"/>
-            </a:schemeClr>
-          </a:lnRef>
-          <a:fillRef idx="1">
-            <a:schemeClr val="accent1"/>
-          </a:fillRef>
-          <a:effectRef idx="0">
-            <a:schemeClr val="accent1"/>
-          </a:effectRef>
-          <a:fontRef idx="minor">
-            <a:schemeClr val="lt1"/>
-          </a:fontRef>
-        </p:style>
-        <p:txBody>
-          <a:bodyPr rtlCol="0" anchor="ctr"/>
-          <a:lstStyle/>
-          <a:p>
-            <a:pPr algn="ctr"/>
-            <a:endParaRPr lang="en-ZA" sz="2400" dirty="0"/>
-          </a:p>
-        </p:txBody>
-      </p:sp>
-      <p:sp>
-        <p:nvSpPr>
-          <p:cNvPr id="94" name="Rectangle 93">
-            <a:extLst>
-              <a:ext uri="{FF2B5EF4-FFF2-40B4-BE49-F238E27FC236}">
-                <a16:creationId xmlns:a16="http://schemas.microsoft.com/office/drawing/2014/main" id="{480703B1-3AD8-4498-AD46-A840319C26E4}"/>
-              </a:ext>
-            </a:extLst>
-          </p:cNvPr>
-          <p:cNvSpPr/>
-          <p:nvPr/>
-        </p:nvSpPr>
-        <p:spPr>
-          <a:xfrm>
-            <a:off x="4404817" y="2608699"/>
-            <a:ext cx="7200000" cy="180000"/>
-          </a:xfrm>
-          <a:prstGeom prst="rect">
-            <a:avLst/>
-          </a:prstGeom>
-          <a:solidFill>
-            <a:schemeClr val="accent2"/>
-          </a:solidFill>
-          <a:ln>
-            <a:noFill/>
-          </a:ln>
-        </p:spPr>
-        <p:style>
-          <a:lnRef idx="2">
-            <a:schemeClr val="accent1">
-              <a:shade val="50000"/>
-            </a:schemeClr>
-          </a:lnRef>
-          <a:fillRef idx="1">
-            <a:schemeClr val="accent1"/>
-          </a:fillRef>
-          <a:effectRef idx="0">
-            <a:schemeClr val="accent1"/>
-          </a:effectRef>
-          <a:fontRef idx="minor">
-            <a:schemeClr val="lt1"/>
-          </a:fontRef>
-        </p:style>
-        <p:txBody>
-          <a:bodyPr rtlCol="0" anchor="ctr"/>
-          <a:lstStyle/>
-          <a:p>
-            <a:pPr algn="ctr"/>
-            <a:endParaRPr lang="en-ZA" sz="2400" dirty="0"/>
-          </a:p>
-        </p:txBody>
-      </p:sp>
-      <p:sp>
-        <p:nvSpPr>
-          <p:cNvPr id="95" name="Rectangle 94">
-            <a:extLst>
-              <a:ext uri="{FF2B5EF4-FFF2-40B4-BE49-F238E27FC236}">
-                <a16:creationId xmlns:a16="http://schemas.microsoft.com/office/drawing/2014/main" id="{55640938-D57D-44D9-8E41-E80DF23B1701}"/>
-              </a:ext>
-            </a:extLst>
-          </p:cNvPr>
-          <p:cNvSpPr/>
-          <p:nvPr/>
-        </p:nvSpPr>
-        <p:spPr>
-          <a:xfrm>
-            <a:off x="15604937" y="1765353"/>
-            <a:ext cx="180000" cy="10800000"/>
-          </a:xfrm>
-          <a:prstGeom prst="rect">
-            <a:avLst/>
-          </a:prstGeom>
-          <a:solidFill>
-            <a:schemeClr val="accent2"/>
-          </a:solidFill>
-          <a:ln>
-            <a:noFill/>
-          </a:ln>
-        </p:spPr>
-        <p:style>
-          <a:lnRef idx="2">
-            <a:schemeClr val="accent1">
-              <a:shade val="50000"/>
-            </a:schemeClr>
-          </a:lnRef>
-          <a:fillRef idx="1">
-            <a:schemeClr val="accent1"/>
-          </a:fillRef>
-          <a:effectRef idx="0">
-            <a:schemeClr val="accent1"/>
-          </a:effectRef>
-          <a:fontRef idx="minor">
-            <a:schemeClr val="lt1"/>
-          </a:fontRef>
-        </p:style>
-        <p:txBody>
-          <a:bodyPr rtlCol="0" anchor="ctr"/>
-          <a:lstStyle/>
-          <a:p>
-            <a:pPr algn="ctr"/>
-            <a:endParaRPr lang="en-ZA" sz="2400" dirty="0"/>
-          </a:p>
-        </p:txBody>
-      </p:sp>
-      <p:sp>
-        <p:nvSpPr>
-          <p:cNvPr id="96" name="Rectangle 95">
-            <a:extLst>
-              <a:ext uri="{FF2B5EF4-FFF2-40B4-BE49-F238E27FC236}">
-                <a16:creationId xmlns:a16="http://schemas.microsoft.com/office/drawing/2014/main" id="{43F090E2-3CF5-4A08-BA90-E8F472A4EB79}"/>
-              </a:ext>
-            </a:extLst>
-          </p:cNvPr>
-          <p:cNvSpPr/>
-          <p:nvPr/>
-        </p:nvSpPr>
-        <p:spPr>
-          <a:xfrm>
-            <a:off x="8759354" y="1134583"/>
-            <a:ext cx="180000" cy="1800000"/>
-          </a:xfrm>
-          <a:prstGeom prst="rect">
-            <a:avLst/>
-          </a:prstGeom>
-          <a:solidFill>
-            <a:schemeClr val="accent2"/>
-          </a:solidFill>
-          <a:ln>
-            <a:noFill/>
-          </a:ln>
-        </p:spPr>
-        <p:style>
-          <a:lnRef idx="2">
-            <a:schemeClr val="accent1">
-              <a:shade val="50000"/>
-            </a:schemeClr>
-          </a:lnRef>
-          <a:fillRef idx="1">
-            <a:schemeClr val="accent1"/>
-          </a:fillRef>
-          <a:effectRef idx="0">
-            <a:schemeClr val="accent1"/>
-          </a:effectRef>
-          <a:fontRef idx="minor">
-            <a:schemeClr val="lt1"/>
-          </a:fontRef>
-        </p:style>
-        <p:txBody>
-          <a:bodyPr rtlCol="0" anchor="ctr"/>
-          <a:lstStyle/>
-          <a:p>
-            <a:pPr algn="ctr"/>
-            <a:endParaRPr lang="en-ZA" sz="2400" dirty="0"/>
-          </a:p>
-        </p:txBody>
-      </p:sp>
-      <p:sp>
-        <p:nvSpPr>
-          <p:cNvPr id="100" name="Rectangle 99">
-            <a:extLst>
-              <a:ext uri="{FF2B5EF4-FFF2-40B4-BE49-F238E27FC236}">
-                <a16:creationId xmlns:a16="http://schemas.microsoft.com/office/drawing/2014/main" id="{298F035B-5F42-42FE-AF0E-DF166F4BE7F7}"/>
-              </a:ext>
-            </a:extLst>
-          </p:cNvPr>
-          <p:cNvSpPr/>
-          <p:nvPr/>
-        </p:nvSpPr>
-        <p:spPr>
-          <a:xfrm>
-            <a:off x="15446294" y="13088959"/>
-            <a:ext cx="180000" cy="180000"/>
-          </a:xfrm>
-          <a:prstGeom prst="rect">
-            <a:avLst/>
-          </a:prstGeom>
-          <a:solidFill>
-            <a:schemeClr val="accent2"/>
-          </a:solidFill>
-          <a:ln>
-            <a:noFill/>
-          </a:ln>
-        </p:spPr>
-        <p:style>
-          <a:lnRef idx="2">
-            <a:schemeClr val="accent1">
-              <a:shade val="50000"/>
-            </a:schemeClr>
-          </a:lnRef>
-          <a:fillRef idx="1">
-            <a:schemeClr val="accent1"/>
-          </a:fillRef>
-          <a:effectRef idx="0">
-            <a:schemeClr val="accent1"/>
-          </a:effectRef>
-          <a:fontRef idx="minor">
-            <a:schemeClr val="lt1"/>
-          </a:fontRef>
-        </p:style>
-        <p:txBody>
-          <a:bodyPr rtlCol="0" anchor="ctr"/>
-          <a:lstStyle/>
-          <a:p>
-            <a:pPr algn="ctr"/>
-            <a:endParaRPr lang="en-ZA" sz="2400" dirty="0"/>
-          </a:p>
-        </p:txBody>
-      </p:sp>
+            <a:ln w="57150">
+              <a:noFill/>
+            </a:ln>
+            <a:effectLst/>
+          </p:spPr>
+          <p:txBody>
+            <a:bodyPr wrap="square" rtlCol="0">
+              <a:spAutoFit/>
+            </a:bodyPr>
+            <a:lstStyle/>
+            <a:p>
+              <a:pPr algn="ctr"/>
+              <a:r>
+                <a:rPr lang="en-ZA" sz="1200" b="1" dirty="0">
+                  <a:solidFill>
+                    <a:srgbClr val="00008B"/>
+                  </a:solidFill>
+                  <a:latin typeface="Times New Roman" panose="02020603050405020304" pitchFamily="18" charset="0"/>
+                  <a:cs typeface="Times New Roman" panose="02020603050405020304" pitchFamily="18" charset="0"/>
+                </a:rPr>
+                <a:t>METHOD 1</a:t>
+              </a:r>
+              <a:endParaRPr lang="en-ZA" sz="1100" b="1" dirty="0">
+                <a:solidFill>
+                  <a:srgbClr val="00008B"/>
+                </a:solidFill>
+                <a:latin typeface="Times New Roman" panose="02020603050405020304" pitchFamily="18" charset="0"/>
+                <a:cs typeface="Times New Roman" panose="02020603050405020304" pitchFamily="18" charset="0"/>
+              </a:endParaRPr>
+            </a:p>
+          </p:txBody>
+        </p:sp>
+      </p:grpSp>
       <p:sp>
         <p:nvSpPr>
           <p:cNvPr id="102" name="TextBox 101">
@@ -11943,295 +11702,6 @@
               </a:rPr>
               <a:t>, 2013. </a:t>
             </a:r>
-          </a:p>
-        </p:txBody>
-      </p:sp>
-      <p:sp>
-        <p:nvSpPr>
-          <p:cNvPr id="105" name="Rectangle 104">
-            <a:extLst>
-              <a:ext uri="{FF2B5EF4-FFF2-40B4-BE49-F238E27FC236}">
-                <a16:creationId xmlns:a16="http://schemas.microsoft.com/office/drawing/2014/main" id="{BE4D9CB9-3D26-49F8-9A85-C617876DE9D4}"/>
-              </a:ext>
-            </a:extLst>
-          </p:cNvPr>
-          <p:cNvSpPr/>
-          <p:nvPr/>
-        </p:nvSpPr>
-        <p:spPr>
-          <a:xfrm>
-            <a:off x="16558545" y="13131687"/>
-            <a:ext cx="7200000" cy="180000"/>
-          </a:xfrm>
-          <a:prstGeom prst="rect">
-            <a:avLst/>
-          </a:prstGeom>
-          <a:solidFill>
-            <a:schemeClr val="accent2"/>
-          </a:solidFill>
-          <a:ln>
-            <a:noFill/>
-          </a:ln>
-        </p:spPr>
-        <p:style>
-          <a:lnRef idx="2">
-            <a:schemeClr val="accent1">
-              <a:shade val="50000"/>
-            </a:schemeClr>
-          </a:lnRef>
-          <a:fillRef idx="1">
-            <a:schemeClr val="accent1"/>
-          </a:fillRef>
-          <a:effectRef idx="0">
-            <a:schemeClr val="accent1"/>
-          </a:effectRef>
-          <a:fontRef idx="minor">
-            <a:schemeClr val="lt1"/>
-          </a:fontRef>
-        </p:style>
-        <p:txBody>
-          <a:bodyPr rtlCol="0" anchor="ctr"/>
-          <a:lstStyle/>
-          <a:p>
-            <a:pPr algn="ctr"/>
-            <a:endParaRPr lang="en-ZA" sz="2400" dirty="0"/>
-          </a:p>
-        </p:txBody>
-      </p:sp>
-      <p:sp>
-        <p:nvSpPr>
-          <p:cNvPr id="108" name="TextBox 107">
-            <a:extLst>
-              <a:ext uri="{FF2B5EF4-FFF2-40B4-BE49-F238E27FC236}">
-                <a16:creationId xmlns:a16="http://schemas.microsoft.com/office/drawing/2014/main" id="{841ABBAF-B605-4364-8906-FA5B175081F7}"/>
-              </a:ext>
-            </a:extLst>
-          </p:cNvPr>
-          <p:cNvSpPr txBox="1"/>
-          <p:nvPr/>
-        </p:nvSpPr>
-        <p:spPr>
-          <a:xfrm>
-            <a:off x="23702562" y="8186540"/>
-            <a:ext cx="2992975" cy="4985980"/>
-          </a:xfrm>
-          <a:prstGeom prst="rect">
-            <a:avLst/>
-          </a:prstGeom>
-          <a:noFill/>
-          <a:ln w="57150">
-            <a:noFill/>
-          </a:ln>
-          <a:effectLst/>
-        </p:spPr>
-        <p:txBody>
-          <a:bodyPr wrap="square" rtlCol="0">
-            <a:spAutoFit/>
-          </a:bodyPr>
-          <a:lstStyle/>
-          <a:p>
-            <a:pPr algn="just">
-              <a:spcBef>
-                <a:spcPts val="600"/>
-              </a:spcBef>
-            </a:pPr>
-            <a:r>
-              <a:rPr lang="en-US" sz="1400" b="0" i="0" dirty="0">
-                <a:effectLst/>
-                <a:latin typeface="Times New Roman" panose="02020603050405020304" pitchFamily="18" charset="0"/>
-                <a:cs typeface="Times New Roman" panose="02020603050405020304" pitchFamily="18" charset="0"/>
-              </a:rPr>
-              <a:t>The percentage of patients whose tremor improved was determined for each time period, as well as the average severity for each treatment period. It is important to note that the number of patients that went for treatment greatly decreases as time progresses which affects the reliability of the later years’ results. </a:t>
-            </a:r>
-          </a:p>
-          <a:p>
-            <a:pPr algn="just">
-              <a:spcBef>
-                <a:spcPts val="600"/>
-              </a:spcBef>
-            </a:pPr>
-            <a:endParaRPr lang="en-US" sz="1400" b="0" i="0" dirty="0">
-              <a:effectLst/>
-              <a:latin typeface="Times New Roman" panose="02020603050405020304" pitchFamily="18" charset="0"/>
-              <a:cs typeface="Times New Roman" panose="02020603050405020304" pitchFamily="18" charset="0"/>
-            </a:endParaRPr>
-          </a:p>
-          <a:p>
-            <a:pPr algn="just">
-              <a:spcBef>
-                <a:spcPts val="600"/>
-              </a:spcBef>
-              <a:spcAft>
-                <a:spcPts val="600"/>
-              </a:spcAft>
-            </a:pPr>
-            <a:r>
-              <a:rPr lang="en-US" sz="1400" b="0" i="0" dirty="0">
-                <a:effectLst/>
-                <a:latin typeface="Times New Roman" panose="02020603050405020304" pitchFamily="18" charset="0"/>
-                <a:cs typeface="Times New Roman" panose="02020603050405020304" pitchFamily="18" charset="0"/>
-              </a:rPr>
-              <a:t>Overall, method 1 indicates that FUS treatment is successful, with an average of 71% of the treated hands seeing an immediate improvement in tremor severity after treatment and an immediate decrease in the average tremor severity of the treated hand spirals after treatment begins is evident in the Average Tremor Severities graph. Method 2 has similar results with 76% of treated hands seeing improvement after treatment. </a:t>
-            </a:r>
-          </a:p>
-        </p:txBody>
-      </p:sp>
-      <p:sp>
-        <p:nvSpPr>
-          <p:cNvPr id="112" name="TextBox 111">
-            <a:extLst>
-              <a:ext uri="{FF2B5EF4-FFF2-40B4-BE49-F238E27FC236}">
-                <a16:creationId xmlns:a16="http://schemas.microsoft.com/office/drawing/2014/main" id="{3FB9B84E-5398-40CB-9917-4B3A3BC6270D}"/>
-              </a:ext>
-            </a:extLst>
-          </p:cNvPr>
-          <p:cNvSpPr txBox="1"/>
-          <p:nvPr/>
-        </p:nvSpPr>
-        <p:spPr>
-          <a:xfrm>
-            <a:off x="20041190" y="10908412"/>
-            <a:ext cx="3476748" cy="276999"/>
-          </a:xfrm>
-          <a:prstGeom prst="rect">
-            <a:avLst/>
-          </a:prstGeom>
-          <a:noFill/>
-          <a:ln w="57150">
-            <a:noFill/>
-          </a:ln>
-          <a:effectLst/>
-        </p:spPr>
-        <p:txBody>
-          <a:bodyPr wrap="square" rtlCol="0">
-            <a:spAutoFit/>
-          </a:bodyPr>
-          <a:lstStyle/>
-          <a:p>
-            <a:pPr algn="ctr"/>
-            <a:r>
-              <a:rPr lang="en-ZA" sz="1200" b="1" dirty="0">
-                <a:solidFill>
-                  <a:srgbClr val="00008B"/>
-                </a:solidFill>
-                <a:latin typeface="Times New Roman" panose="02020603050405020304" pitchFamily="18" charset="0"/>
-                <a:cs typeface="Times New Roman" panose="02020603050405020304" pitchFamily="18" charset="0"/>
-              </a:rPr>
-              <a:t>METHOD 2</a:t>
-            </a:r>
-            <a:endParaRPr lang="en-ZA" sz="1100" b="1" dirty="0">
-              <a:solidFill>
-                <a:srgbClr val="00008B"/>
-              </a:solidFill>
-              <a:latin typeface="Times New Roman" panose="02020603050405020304" pitchFamily="18" charset="0"/>
-              <a:cs typeface="Times New Roman" panose="02020603050405020304" pitchFamily="18" charset="0"/>
-            </a:endParaRPr>
-          </a:p>
-        </p:txBody>
-      </p:sp>
-      <p:sp>
-        <p:nvSpPr>
-          <p:cNvPr id="113" name="TextBox 112">
-            <a:extLst>
-              <a:ext uri="{FF2B5EF4-FFF2-40B4-BE49-F238E27FC236}">
-                <a16:creationId xmlns:a16="http://schemas.microsoft.com/office/drawing/2014/main" id="{C93CDBB9-3092-4198-BBA2-AC9340567861}"/>
-              </a:ext>
-            </a:extLst>
-          </p:cNvPr>
-          <p:cNvSpPr txBox="1"/>
-          <p:nvPr/>
-        </p:nvSpPr>
-        <p:spPr>
-          <a:xfrm>
-            <a:off x="15781427" y="10712028"/>
-            <a:ext cx="7648895" cy="313883"/>
-          </a:xfrm>
-          <a:prstGeom prst="rect">
-            <a:avLst/>
-          </a:prstGeom>
-          <a:noFill/>
-          <a:ln w="57150">
-            <a:noFill/>
-          </a:ln>
-          <a:effectLst/>
-        </p:spPr>
-        <p:txBody>
-          <a:bodyPr wrap="square" rtlCol="0">
-            <a:spAutoFit/>
-          </a:bodyPr>
-          <a:lstStyle/>
-          <a:p>
-            <a:pPr algn="ctr"/>
-            <a:r>
-              <a:rPr lang="en-ZA" sz="1400" b="1" dirty="0">
-                <a:solidFill>
-                  <a:srgbClr val="00008B"/>
-                </a:solidFill>
-                <a:latin typeface="Times New Roman" panose="02020603050405020304" pitchFamily="18" charset="0"/>
-                <a:cs typeface="Times New Roman" panose="02020603050405020304" pitchFamily="18" charset="0"/>
-              </a:rPr>
-              <a:t>Average Tremor Severities for Each Hand</a:t>
-            </a:r>
-            <a:endParaRPr lang="en-ZA" sz="1200" b="1" dirty="0">
-              <a:solidFill>
-                <a:srgbClr val="00008B"/>
-              </a:solidFill>
-              <a:latin typeface="Times New Roman" panose="02020603050405020304" pitchFamily="18" charset="0"/>
-              <a:cs typeface="Times New Roman" panose="02020603050405020304" pitchFamily="18" charset="0"/>
-            </a:endParaRPr>
-          </a:p>
-        </p:txBody>
-      </p:sp>
-      <p:sp>
-        <p:nvSpPr>
-          <p:cNvPr id="114" name="TextBox 113">
-            <a:extLst>
-              <a:ext uri="{FF2B5EF4-FFF2-40B4-BE49-F238E27FC236}">
-                <a16:creationId xmlns:a16="http://schemas.microsoft.com/office/drawing/2014/main" id="{7F9384B4-CA68-4D4A-BFAE-B68C4CDAA0E2}"/>
-              </a:ext>
-            </a:extLst>
-          </p:cNvPr>
-          <p:cNvSpPr txBox="1"/>
-          <p:nvPr/>
-        </p:nvSpPr>
-        <p:spPr>
-          <a:xfrm>
-            <a:off x="15763344" y="10952696"/>
-            <a:ext cx="4021713" cy="276621"/>
-          </a:xfrm>
-          <a:prstGeom prst="rect">
-            <a:avLst/>
-          </a:prstGeom>
-          <a:noFill/>
-          <a:ln w="57150">
-            <a:noFill/>
-          </a:ln>
-          <a:effectLst/>
-        </p:spPr>
-        <p:txBody>
-          <a:bodyPr wrap="square" rtlCol="0">
-            <a:spAutoFit/>
-          </a:bodyPr>
-          <a:lstStyle/>
-          <a:p>
-            <a:pPr algn="ctr"/>
-            <a:r>
-              <a:rPr lang="en-ZA" sz="1200" b="1" dirty="0">
-                <a:solidFill>
-                  <a:srgbClr val="00008B"/>
-                </a:solidFill>
-                <a:latin typeface="Times New Roman" panose="02020603050405020304" pitchFamily="18" charset="0"/>
-                <a:cs typeface="Times New Roman" panose="02020603050405020304" pitchFamily="18" charset="0"/>
-              </a:rPr>
-              <a:t>METHOD 1</a:t>
-            </a:r>
-            <a:endParaRPr lang="en-ZA" sz="1100" b="1" dirty="0">
-              <a:solidFill>
-                <a:srgbClr val="00008B"/>
-              </a:solidFill>
-              <a:latin typeface="Times New Roman" panose="02020603050405020304" pitchFamily="18" charset="0"/>
-              <a:cs typeface="Times New Roman" panose="02020603050405020304" pitchFamily="18" charset="0"/>
-            </a:endParaRPr>
           </a:p>
         </p:txBody>
       </p:sp>
